--- a/translations/en-us/Project/GlobalInnovationAward.pptx
+++ b/translations/en-us/Project/GlobalInnovationAward.pptx
@@ -1,8 +1,8 @@
 
 <file path=ppt/presentation.xml><?xml version="1.0" encoding="utf-8"?>
-<p:presentation xmlns:a="http://schemas.openxmlformats.org/drawingml/2006/main" xmlns:r="http://schemas.openxmlformats.org/officeDocument/2006/relationships" xmlns:p="http://schemas.openxmlformats.org/presentationml/2006/main" saveSubsetFonts="1" autoCompressPictures="0">
+<p:presentation xmlns:a="http://schemas.openxmlformats.org/drawingml/2006/main" xmlns:r="http://schemas.openxmlformats.org/officeDocument/2006/relationships" xmlns:p="http://schemas.openxmlformats.org/presentationml/2006/main" showSpecialPlsOnTitleSld="0" saveSubsetFonts="1" autoCompressPictures="0">
   <p:sldMasterIdLst>
-    <p:sldMasterId id="2147483779" r:id="rId1"/>
+    <p:sldMasterId id="2147483791" r:id="rId1"/>
   </p:sldMasterIdLst>
   <p:notesMasterIdLst>
     <p:notesMasterId r:id="rId18"/>
@@ -230,7 +230,7 @@
           <a:p>
             <a:fld id="{B5F92CFC-E422-40B4-9CC4-DEA280552AB2}" type="datetimeFigureOut">
               <a:rPr lang="en-US" smtClean="0"/>
-              <a:t>6/7/18</a:t>
+              <a:t>6/12/18</a:t>
             </a:fld>
             <a:endParaRPr lang="en-US"/>
           </a:p>
@@ -407,7 +407,7 @@
           <a:p>
             <a:fld id="{A78B980B-A051-5042-A199-B77431CF73D3}" type="datetimeFigureOut">
               <a:rPr lang="en-US" smtClean="0"/>
-              <a:t>6/7/18</a:t>
+              <a:t>6/12/18</a:t>
             </a:fld>
             <a:endParaRPr lang="en-US"/>
           </a:p>
@@ -759,7 +759,7 @@
 </file>
 
 <file path=ppt/slideLayouts/slideLayout1.xml><?xml version="1.0" encoding="utf-8"?>
-<p:sldLayout xmlns:a="http://schemas.openxmlformats.org/drawingml/2006/main" xmlns:r="http://schemas.openxmlformats.org/officeDocument/2006/relationships" xmlns:p="http://schemas.openxmlformats.org/presentationml/2006/main" showMasterSp="0" type="title" preserve="1">
+<p:sldLayout xmlns:a="http://schemas.openxmlformats.org/drawingml/2006/main" xmlns:r="http://schemas.openxmlformats.org/officeDocument/2006/relationships" xmlns:p="http://schemas.openxmlformats.org/presentationml/2006/main" type="title" preserve="1">
   <p:cSld name="Title Slide">
     <p:spTree>
       <p:nvGrpSpPr>
@@ -783,14 +783,381 @@
         </p:nvSpPr>
         <p:spPr>
           <a:xfrm>
-            <a:off x="2382" y="6400800"/>
-            <a:ext cx="9141619" cy="457200"/>
+            <a:off x="448091" y="563880"/>
+            <a:ext cx="8240108" cy="5682175"/>
           </a:xfrm>
           <a:prstGeom prst="rect">
             <a:avLst/>
           </a:prstGeom>
           <a:solidFill>
-            <a:srgbClr val="034A85"/>
+            <a:schemeClr val="accent1"/>
+          </a:solidFill>
+          <a:ln>
+            <a:noFill/>
+          </a:ln>
+          <a:effectLst/>
+        </p:spPr>
+        <p:style>
+          <a:lnRef idx="1">
+            <a:schemeClr val="accent1"/>
+          </a:lnRef>
+          <a:fillRef idx="3">
+            <a:schemeClr val="accent1"/>
+          </a:fillRef>
+          <a:effectRef idx="2">
+            <a:schemeClr val="accent1"/>
+          </a:effectRef>
+          <a:fontRef idx="minor">
+            <a:schemeClr val="lt1"/>
+          </a:fontRef>
+        </p:style>
+      </p:sp>
+      <p:sp>
+        <p:nvSpPr>
+          <p:cNvPr id="2" name="Title 1"/>
+          <p:cNvSpPr>
+            <a:spLocks noGrp="1"/>
+          </p:cNvSpPr>
+          <p:nvPr>
+            <p:ph type="ctrTitle" hasCustomPrompt="1"/>
+          </p:nvPr>
+        </p:nvSpPr>
+        <p:spPr>
+          <a:xfrm>
+            <a:off x="581192" y="3936453"/>
+            <a:ext cx="7989752" cy="1033133"/>
+          </a:xfrm>
+          <a:ln>
+            <a:noFill/>
+          </a:ln>
+          <a:effectLst/>
+        </p:spPr>
+        <p:txBody>
+          <a:bodyPr anchor="b">
+            <a:normAutofit/>
+          </a:bodyPr>
+          <a:lstStyle>
+            <a:lvl1pPr algn="ctr">
+              <a:defRPr sz="3600">
+                <a:solidFill>
+                  <a:schemeClr val="bg1"/>
+                </a:solidFill>
+              </a:defRPr>
+            </a:lvl1pPr>
+          </a:lstStyle>
+          <a:p>
+            <a:r>
+              <a:rPr lang="en-US" dirty="0"/>
+              <a:t>title style</a:t>
+            </a:r>
+          </a:p>
+        </p:txBody>
+      </p:sp>
+      <p:sp>
+        <p:nvSpPr>
+          <p:cNvPr id="3" name="Subtitle 2"/>
+          <p:cNvSpPr>
+            <a:spLocks noGrp="1"/>
+          </p:cNvSpPr>
+          <p:nvPr>
+            <p:ph type="subTitle" idx="1"/>
+          </p:nvPr>
+        </p:nvSpPr>
+        <p:spPr>
+          <a:xfrm>
+            <a:off x="581192" y="5175772"/>
+            <a:ext cx="7989752" cy="590321"/>
+          </a:xfrm>
+          <a:ln>
+            <a:noFill/>
+          </a:ln>
+        </p:spPr>
+        <p:txBody>
+          <a:bodyPr anchor="t">
+            <a:normAutofit/>
+          </a:bodyPr>
+          <a:lstStyle>
+            <a:lvl1pPr marL="0" indent="0" algn="ctr">
+              <a:buNone/>
+              <a:defRPr sz="1600" cap="all">
+                <a:solidFill>
+                  <a:schemeClr val="bg1"/>
+                </a:solidFill>
+              </a:defRPr>
+            </a:lvl1pPr>
+            <a:lvl2pPr marL="457200" indent="0" algn="ctr">
+              <a:buNone/>
+              <a:defRPr>
+                <a:solidFill>
+                  <a:schemeClr val="tx1">
+                    <a:tint val="75000"/>
+                  </a:schemeClr>
+                </a:solidFill>
+              </a:defRPr>
+            </a:lvl2pPr>
+            <a:lvl3pPr marL="914400" indent="0" algn="ctr">
+              <a:buNone/>
+              <a:defRPr>
+                <a:solidFill>
+                  <a:schemeClr val="tx1">
+                    <a:tint val="75000"/>
+                  </a:schemeClr>
+                </a:solidFill>
+              </a:defRPr>
+            </a:lvl3pPr>
+            <a:lvl4pPr marL="1371600" indent="0" algn="ctr">
+              <a:buNone/>
+              <a:defRPr>
+                <a:solidFill>
+                  <a:schemeClr val="tx1">
+                    <a:tint val="75000"/>
+                  </a:schemeClr>
+                </a:solidFill>
+              </a:defRPr>
+            </a:lvl4pPr>
+            <a:lvl5pPr marL="1828800" indent="0" algn="ctr">
+              <a:buNone/>
+              <a:defRPr>
+                <a:solidFill>
+                  <a:schemeClr val="tx1">
+                    <a:tint val="75000"/>
+                  </a:schemeClr>
+                </a:solidFill>
+              </a:defRPr>
+            </a:lvl5pPr>
+            <a:lvl6pPr marL="2286000" indent="0" algn="ctr">
+              <a:buNone/>
+              <a:defRPr>
+                <a:solidFill>
+                  <a:schemeClr val="tx1">
+                    <a:tint val="75000"/>
+                  </a:schemeClr>
+                </a:solidFill>
+              </a:defRPr>
+            </a:lvl6pPr>
+            <a:lvl7pPr marL="2743200" indent="0" algn="ctr">
+              <a:buNone/>
+              <a:defRPr>
+                <a:solidFill>
+                  <a:schemeClr val="tx1">
+                    <a:tint val="75000"/>
+                  </a:schemeClr>
+                </a:solidFill>
+              </a:defRPr>
+            </a:lvl7pPr>
+            <a:lvl8pPr marL="3200400" indent="0" algn="ctr">
+              <a:buNone/>
+              <a:defRPr>
+                <a:solidFill>
+                  <a:schemeClr val="tx1">
+                    <a:tint val="75000"/>
+                  </a:schemeClr>
+                </a:solidFill>
+              </a:defRPr>
+            </a:lvl8pPr>
+            <a:lvl9pPr marL="3657600" indent="0" algn="ctr">
+              <a:buNone/>
+              <a:defRPr>
+                <a:solidFill>
+                  <a:schemeClr val="tx1">
+                    <a:tint val="75000"/>
+                  </a:schemeClr>
+                </a:solidFill>
+              </a:defRPr>
+            </a:lvl9pPr>
+          </a:lstStyle>
+          <a:p>
+            <a:r>
+              <a:rPr lang="en-US"/>
+              <a:t>Click to edit Master subtitle style</a:t>
+            </a:r>
+            <a:endParaRPr lang="en-US" dirty="0"/>
+          </a:p>
+        </p:txBody>
+      </p:sp>
+      <p:sp>
+        <p:nvSpPr>
+          <p:cNvPr id="4" name="Date Placeholder 3"/>
+          <p:cNvSpPr>
+            <a:spLocks noGrp="1"/>
+          </p:cNvSpPr>
+          <p:nvPr>
+            <p:ph type="dt" sz="half" idx="10"/>
+          </p:nvPr>
+        </p:nvSpPr>
+        <p:spPr>
+          <a:xfrm>
+            <a:off x="5559327" y="6392242"/>
+            <a:ext cx="2133600" cy="365125"/>
+          </a:xfrm>
+          <a:prstGeom prst="rect">
+            <a:avLst/>
+          </a:prstGeom>
+        </p:spPr>
+        <p:txBody>
+          <a:bodyPr/>
+          <a:lstStyle>
+            <a:lvl1pPr>
+              <a:defRPr>
+                <a:solidFill>
+                  <a:schemeClr val="accent1">
+                    <a:lumMod val="75000"/>
+                    <a:lumOff val="25000"/>
+                  </a:schemeClr>
+                </a:solidFill>
+              </a:defRPr>
+            </a:lvl1pPr>
+          </a:lstStyle>
+          <a:p>
+            <a:fld id="{BFF16D12-FE3D-4A62-A087-0B31DB54E69D}" type="datetime1">
+              <a:rPr lang="en-US" smtClean="0"/>
+              <a:t>6/12/18</a:t>
+            </a:fld>
+            <a:endParaRPr lang="en-US" dirty="0"/>
+          </a:p>
+        </p:txBody>
+      </p:sp>
+      <p:sp>
+        <p:nvSpPr>
+          <p:cNvPr id="5" name="Footer Placeholder 4"/>
+          <p:cNvSpPr>
+            <a:spLocks noGrp="1"/>
+          </p:cNvSpPr>
+          <p:nvPr>
+            <p:ph type="ftr" sz="quarter" idx="11"/>
+          </p:nvPr>
+        </p:nvSpPr>
+        <p:spPr>
+          <a:xfrm>
+            <a:off x="581192" y="6387916"/>
+            <a:ext cx="4870585" cy="365125"/>
+          </a:xfrm>
+          <a:prstGeom prst="rect">
+            <a:avLst/>
+          </a:prstGeom>
+        </p:spPr>
+        <p:txBody>
+          <a:bodyPr/>
+          <a:lstStyle>
+            <a:lvl1pPr>
+              <a:defRPr>
+                <a:solidFill>
+                  <a:schemeClr val="accent1">
+                    <a:lumMod val="75000"/>
+                    <a:lumOff val="25000"/>
+                  </a:schemeClr>
+                </a:solidFill>
+              </a:defRPr>
+            </a:lvl1pPr>
+          </a:lstStyle>
+          <a:p>
+            <a:r>
+              <a:rPr lang="en-US"/>
+              <a:t>© 2018, FLL Tutorials (Last Edit 6/11/2018)</a:t>
+            </a:r>
+            <a:endParaRPr lang="en-US" dirty="0"/>
+          </a:p>
+        </p:txBody>
+      </p:sp>
+      <p:sp>
+        <p:nvSpPr>
+          <p:cNvPr id="6" name="Slide Number Placeholder 5"/>
+          <p:cNvSpPr>
+            <a:spLocks noGrp="1"/>
+          </p:cNvSpPr>
+          <p:nvPr>
+            <p:ph type="sldNum" sz="quarter" idx="12"/>
+          </p:nvPr>
+        </p:nvSpPr>
+        <p:spPr>
+          <a:xfrm>
+            <a:off x="7800476" y="6392242"/>
+            <a:ext cx="770468" cy="365125"/>
+          </a:xfrm>
+          <a:prstGeom prst="rect">
+            <a:avLst/>
+          </a:prstGeom>
+        </p:spPr>
+        <p:txBody>
+          <a:bodyPr/>
+          <a:lstStyle>
+            <a:lvl1pPr>
+              <a:defRPr>
+                <a:solidFill>
+                  <a:schemeClr val="accent1">
+                    <a:lumMod val="75000"/>
+                    <a:lumOff val="25000"/>
+                  </a:schemeClr>
+                </a:solidFill>
+              </a:defRPr>
+            </a:lvl1pPr>
+          </a:lstStyle>
+          <a:p>
+            <a:fld id="{6D22F896-40B5-4ADD-8801-0D06FADFA095}" type="slidenum">
+              <a:rPr lang="en-US" smtClean="0"/>
+              <a:t>‹#›</a:t>
+            </a:fld>
+            <a:endParaRPr lang="en-US" dirty="0"/>
+          </a:p>
+        </p:txBody>
+      </p:sp>
+      <p:pic>
+        <p:nvPicPr>
+          <p:cNvPr id="8" name="Picture 7">
+            <a:extLst>
+              <a:ext uri="{FF2B5EF4-FFF2-40B4-BE49-F238E27FC236}">
+                <a16:creationId xmlns:a16="http://schemas.microsoft.com/office/drawing/2014/main" id="{D4B45051-E032-1249-AC8B-C5EB1B15FB44}"/>
+              </a:ext>
+            </a:extLst>
+          </p:cNvPr>
+          <p:cNvPicPr>
+            <a:picLocks noChangeAspect="1"/>
+          </p:cNvPicPr>
+          <p:nvPr/>
+        </p:nvPicPr>
+        <p:blipFill rotWithShape="1">
+          <a:blip r:embed="rId2" cstate="print">
+            <a:extLst>
+              <a:ext uri="{28A0092B-C50C-407E-A947-70E740481C1C}">
+                <a14:useLocalDpi xmlns:a14="http://schemas.microsoft.com/office/drawing/2010/main"/>
+              </a:ext>
+            </a:extLst>
+          </a:blip>
+          <a:srcRect/>
+          <a:stretch/>
+        </p:blipFill>
+        <p:spPr>
+          <a:xfrm>
+            <a:off x="335280" y="563880"/>
+            <a:ext cx="8488680" cy="2915504"/>
+          </a:xfrm>
+          <a:prstGeom prst="rect">
+            <a:avLst/>
+          </a:prstGeom>
+        </p:spPr>
+      </p:pic>
+      <p:sp>
+        <p:nvSpPr>
+          <p:cNvPr id="9" name="Rectangle 8">
+            <a:extLst>
+              <a:ext uri="{FF2B5EF4-FFF2-40B4-BE49-F238E27FC236}">
+                <a16:creationId xmlns:a16="http://schemas.microsoft.com/office/drawing/2014/main" id="{C1B8D4C1-74C6-49FA-84C8-7D6868C5D3F5}"/>
+              </a:ext>
+            </a:extLst>
+          </p:cNvPr>
+          <p:cNvSpPr/>
+          <p:nvPr userDrawn="1"/>
+        </p:nvSpPr>
+        <p:spPr>
+          <a:xfrm>
+            <a:off x="-2358" y="6272819"/>
+            <a:ext cx="9141619" cy="64008"/>
+          </a:xfrm>
+          <a:prstGeom prst="rect">
+            <a:avLst/>
+          </a:prstGeom>
+          <a:solidFill>
+            <a:srgbClr val="24CF39"/>
           </a:solidFill>
           <a:ln>
             <a:noFill/>
@@ -812,617 +1179,20 @@
             <a:schemeClr val="lt1"/>
           </a:fontRef>
         </p:style>
-      </p:sp>
-      <p:sp>
-        <p:nvSpPr>
-          <p:cNvPr id="8" name="Rectangle 7"/>
-          <p:cNvSpPr/>
-          <p:nvPr/>
-        </p:nvSpPr>
-        <p:spPr>
-          <a:xfrm>
-            <a:off x="12" y="6334316"/>
-            <a:ext cx="9141619" cy="64008"/>
-          </a:xfrm>
-          <a:prstGeom prst="rect">
-            <a:avLst/>
-          </a:prstGeom>
-          <a:solidFill>
-            <a:srgbClr val="652C90"/>
-          </a:solidFill>
-          <a:ln>
-            <a:noFill/>
-          </a:ln>
-        </p:spPr>
-        <p:style>
-          <a:lnRef idx="2">
-            <a:schemeClr val="accent1">
-              <a:shade val="50000"/>
-            </a:schemeClr>
-          </a:lnRef>
-          <a:fillRef idx="1">
-            <a:schemeClr val="accent1"/>
-          </a:fillRef>
-          <a:effectRef idx="0">
-            <a:schemeClr val="accent1"/>
-          </a:effectRef>
-          <a:fontRef idx="minor">
-            <a:schemeClr val="lt1"/>
-          </a:fontRef>
-        </p:style>
-      </p:sp>
-      <p:sp>
-        <p:nvSpPr>
-          <p:cNvPr id="2" name="Title 1"/>
-          <p:cNvSpPr>
-            <a:spLocks noGrp="1"/>
-          </p:cNvSpPr>
-          <p:nvPr>
-            <p:ph type="ctrTitle"/>
-          </p:nvPr>
-        </p:nvSpPr>
-        <p:spPr>
-          <a:xfrm>
-            <a:off x="600325" y="3297658"/>
-            <a:ext cx="8017477" cy="911046"/>
-          </a:xfrm>
-        </p:spPr>
-        <p:txBody>
-          <a:bodyPr anchor="b">
-            <a:normAutofit/>
-          </a:bodyPr>
-          <a:lstStyle>
-            <a:lvl1pPr algn="ctr">
-              <a:lnSpc>
-                <a:spcPct val="85000"/>
-              </a:lnSpc>
-              <a:defRPr sz="4800" spc="-50" baseline="0">
-                <a:solidFill>
-                  <a:schemeClr val="tx1">
-                    <a:lumMod val="85000"/>
-                    <a:lumOff val="15000"/>
-                  </a:schemeClr>
-                </a:solidFill>
-              </a:defRPr>
-            </a:lvl1pPr>
-          </a:lstStyle>
-          <a:p>
-            <a:r>
-              <a:rPr lang="en-US" dirty="0"/>
-              <a:t>Click to edit Master title style</a:t>
-            </a:r>
-          </a:p>
-        </p:txBody>
-      </p:sp>
-      <p:sp>
-        <p:nvSpPr>
-          <p:cNvPr id="3" name="Subtitle 2"/>
-          <p:cNvSpPr>
-            <a:spLocks noGrp="1"/>
-          </p:cNvSpPr>
-          <p:nvPr>
-            <p:ph type="subTitle" idx="1"/>
-          </p:nvPr>
-        </p:nvSpPr>
-        <p:spPr>
-          <a:xfrm>
-            <a:off x="796551" y="4446449"/>
-            <a:ext cx="7543800" cy="488911"/>
-          </a:xfrm>
-        </p:spPr>
-        <p:txBody>
-          <a:bodyPr lIns="91440" rIns="91440">
-            <a:normAutofit/>
-          </a:bodyPr>
-          <a:lstStyle>
-            <a:lvl1pPr marL="0" indent="0" algn="ctr">
-              <a:buNone/>
-              <a:defRPr sz="2400" cap="all" spc="200" baseline="0">
-                <a:solidFill>
-                  <a:schemeClr val="tx2"/>
-                </a:solidFill>
-                <a:latin typeface="+mj-lt"/>
-              </a:defRPr>
-            </a:lvl1pPr>
-            <a:lvl2pPr marL="457200" indent="0" algn="ctr">
-              <a:buNone/>
-              <a:defRPr sz="2400"/>
-            </a:lvl2pPr>
-            <a:lvl3pPr marL="914400" indent="0" algn="ctr">
-              <a:buNone/>
-              <a:defRPr sz="2400"/>
-            </a:lvl3pPr>
-            <a:lvl4pPr marL="1371600" indent="0" algn="ctr">
-              <a:buNone/>
-              <a:defRPr sz="2000"/>
-            </a:lvl4pPr>
-            <a:lvl5pPr marL="1828800" indent="0" algn="ctr">
-              <a:buNone/>
-              <a:defRPr sz="2000"/>
-            </a:lvl5pPr>
-            <a:lvl6pPr marL="2286000" indent="0" algn="ctr">
-              <a:buNone/>
-              <a:defRPr sz="2000"/>
-            </a:lvl6pPr>
-            <a:lvl7pPr marL="2743200" indent="0" algn="ctr">
-              <a:buNone/>
-              <a:defRPr sz="2000"/>
-            </a:lvl7pPr>
-            <a:lvl8pPr marL="3200400" indent="0" algn="ctr">
-              <a:buNone/>
-              <a:defRPr sz="2000"/>
-            </a:lvl8pPr>
-            <a:lvl9pPr marL="3657600" indent="0" algn="ctr">
-              <a:buNone/>
-              <a:defRPr sz="2000"/>
-            </a:lvl9pPr>
-          </a:lstStyle>
+        <p:txBody>
+          <a:bodyPr/>
+          <a:lstStyle/>
           <a:p>
             <a:endParaRPr lang="en-US" dirty="0"/>
           </a:p>
         </p:txBody>
       </p:sp>
-      <p:sp>
-        <p:nvSpPr>
-          <p:cNvPr id="4" name="Date Placeholder 3"/>
-          <p:cNvSpPr>
-            <a:spLocks noGrp="1"/>
-          </p:cNvSpPr>
-          <p:nvPr>
-            <p:ph type="dt" sz="half" idx="10"/>
-          </p:nvPr>
-        </p:nvSpPr>
-        <p:spPr/>
-        <p:txBody>
-          <a:bodyPr/>
-          <a:lstStyle/>
-          <a:p>
-            <a:fld id="{F97372E0-7466-4A2C-9117-5B60A996EC6F}" type="datetime1">
-              <a:rPr lang="en-US" smtClean="0"/>
-              <a:t>6/7/18</a:t>
-            </a:fld>
-            <a:endParaRPr lang="en-US" dirty="0"/>
-          </a:p>
-        </p:txBody>
-      </p:sp>
-      <p:sp>
-        <p:nvSpPr>
-          <p:cNvPr id="5" name="Footer Placeholder 4"/>
-          <p:cNvSpPr>
-            <a:spLocks noGrp="1"/>
-          </p:cNvSpPr>
-          <p:nvPr>
-            <p:ph type="ftr" sz="quarter" idx="11"/>
-          </p:nvPr>
-        </p:nvSpPr>
-        <p:spPr/>
-        <p:txBody>
-          <a:bodyPr/>
-          <a:lstStyle/>
-          <a:p>
-            <a:r>
-              <a:rPr lang="en-US"/>
-              <a:t>© 2018, FLL Tutorials (Last Edit 8/26/2017)</a:t>
-            </a:r>
-            <a:endParaRPr lang="en-US" dirty="0"/>
-          </a:p>
-        </p:txBody>
-      </p:sp>
-      <p:sp>
-        <p:nvSpPr>
-          <p:cNvPr id="6" name="Slide Number Placeholder 5"/>
-          <p:cNvSpPr>
-            <a:spLocks noGrp="1"/>
-          </p:cNvSpPr>
-          <p:nvPr>
-            <p:ph type="sldNum" sz="quarter" idx="12"/>
-          </p:nvPr>
-        </p:nvSpPr>
-        <p:spPr/>
-        <p:txBody>
-          <a:bodyPr/>
-          <a:lstStyle/>
-          <a:p>
-            <a:fld id="{6D22F896-40B5-4ADD-8801-0D06FADFA095}" type="slidenum">
-              <a:rPr lang="en-US" smtClean="0"/>
-              <a:t>‹#›</a:t>
-            </a:fld>
-            <a:endParaRPr lang="en-US" dirty="0"/>
-          </a:p>
-        </p:txBody>
-      </p:sp>
-      <p:cxnSp>
-        <p:nvCxnSpPr>
-          <p:cNvPr id="9" name="Straight Connector 8"/>
-          <p:cNvCxnSpPr/>
-          <p:nvPr/>
-        </p:nvCxnSpPr>
-        <p:spPr>
-          <a:xfrm>
-            <a:off x="905744" y="4343400"/>
-            <a:ext cx="7406640" cy="0"/>
-          </a:xfrm>
-          <a:prstGeom prst="line">
-            <a:avLst/>
-          </a:prstGeom>
-          <a:ln w="6350">
-            <a:solidFill>
-              <a:schemeClr val="tx1">
-                <a:lumMod val="50000"/>
-                <a:lumOff val="50000"/>
-              </a:schemeClr>
-            </a:solidFill>
-          </a:ln>
-        </p:spPr>
-        <p:style>
-          <a:lnRef idx="1">
-            <a:schemeClr val="accent1"/>
-          </a:lnRef>
-          <a:fillRef idx="0">
-            <a:schemeClr val="accent1"/>
-          </a:fillRef>
-          <a:effectRef idx="0">
-            <a:schemeClr val="accent1"/>
-          </a:effectRef>
-          <a:fontRef idx="minor">
-            <a:schemeClr val="tx1"/>
-          </a:fontRef>
-        </p:style>
-      </p:cxnSp>
-      <p:sp>
-        <p:nvSpPr>
-          <p:cNvPr id="10" name="Rectangle 9"/>
-          <p:cNvSpPr/>
-          <p:nvPr userDrawn="1"/>
-        </p:nvSpPr>
-        <p:spPr>
-          <a:xfrm>
-            <a:off x="-2358" y="6272819"/>
-            <a:ext cx="9141619" cy="64008"/>
-          </a:xfrm>
-          <a:prstGeom prst="rect">
-            <a:avLst/>
-          </a:prstGeom>
-          <a:solidFill>
-            <a:srgbClr val="24CF39"/>
-          </a:solidFill>
-          <a:ln>
-            <a:noFill/>
-          </a:ln>
-        </p:spPr>
-        <p:style>
-          <a:lnRef idx="2">
-            <a:schemeClr val="accent1">
-              <a:shade val="50000"/>
-            </a:schemeClr>
-          </a:lnRef>
-          <a:fillRef idx="1">
-            <a:schemeClr val="accent1"/>
-          </a:fillRef>
-          <a:effectRef idx="0">
-            <a:schemeClr val="accent1"/>
-          </a:effectRef>
-          <a:fontRef idx="minor">
-            <a:schemeClr val="lt1"/>
-          </a:fontRef>
-        </p:style>
-        <p:txBody>
-          <a:bodyPr/>
-          <a:lstStyle/>
-          <a:p>
-            <a:endParaRPr lang="en-US" dirty="0"/>
-          </a:p>
-        </p:txBody>
-      </p:sp>
-      <p:sp>
-        <p:nvSpPr>
-          <p:cNvPr id="12" name="Subtitle 2"/>
-          <p:cNvSpPr txBox="1">
-            <a:spLocks/>
-          </p:cNvSpPr>
-          <p:nvPr userDrawn="1"/>
-        </p:nvSpPr>
-        <p:spPr>
-          <a:xfrm>
-            <a:off x="905744" y="5680860"/>
-            <a:ext cx="7543800" cy="488911"/>
-          </a:xfrm>
-          <a:prstGeom prst="rect">
-            <a:avLst/>
-          </a:prstGeom>
-        </p:spPr>
-        <p:txBody>
-          <a:bodyPr vert="horz" lIns="91440" tIns="45720" rIns="91440" bIns="45720" rtlCol="0">
-            <a:normAutofit/>
-          </a:bodyPr>
-          <a:lstStyle>
-            <a:lvl1pPr marL="0" indent="0" algn="ctr" defTabSz="914400" rtl="0" eaLnBrk="1" latinLnBrk="0" hangingPunct="1">
-              <a:lnSpc>
-                <a:spcPct val="90000"/>
-              </a:lnSpc>
-              <a:spcBef>
-                <a:spcPts val="1200"/>
-              </a:spcBef>
-              <a:spcAft>
-                <a:spcPts val="200"/>
-              </a:spcAft>
-              <a:buClr>
-                <a:schemeClr val="accent1"/>
-              </a:buClr>
-              <a:buSzPct val="100000"/>
-              <a:buFont typeface="Calibri" panose="020F0502020204030204" pitchFamily="34" charset="0"/>
-              <a:buNone/>
-              <a:defRPr sz="2400" kern="1200" cap="all" spc="200" baseline="0">
-                <a:solidFill>
-                  <a:schemeClr val="tx2"/>
-                </a:solidFill>
-                <a:latin typeface="+mj-lt"/>
-                <a:ea typeface="+mn-ea"/>
-                <a:cs typeface="+mn-cs"/>
-              </a:defRPr>
-            </a:lvl1pPr>
-            <a:lvl2pPr marL="457200" indent="0" algn="ctr" defTabSz="914400" rtl="0" eaLnBrk="1" latinLnBrk="0" hangingPunct="1">
-              <a:lnSpc>
-                <a:spcPct val="90000"/>
-              </a:lnSpc>
-              <a:spcBef>
-                <a:spcPts val="200"/>
-              </a:spcBef>
-              <a:spcAft>
-                <a:spcPts val="400"/>
-              </a:spcAft>
-              <a:buClr>
-                <a:schemeClr val="accent1"/>
-              </a:buClr>
-              <a:buFont typeface="Calibri" pitchFamily="34" charset="0"/>
-              <a:buNone/>
-              <a:defRPr sz="2400" kern="1200">
-                <a:solidFill>
-                  <a:schemeClr val="tx1">
-                    <a:lumMod val="75000"/>
-                    <a:lumOff val="25000"/>
-                  </a:schemeClr>
-                </a:solidFill>
-                <a:latin typeface="+mn-lt"/>
-                <a:ea typeface="+mn-ea"/>
-                <a:cs typeface="+mn-cs"/>
-              </a:defRPr>
-            </a:lvl2pPr>
-            <a:lvl3pPr marL="914400" indent="0" algn="ctr" defTabSz="914400" rtl="0" eaLnBrk="1" latinLnBrk="0" hangingPunct="1">
-              <a:lnSpc>
-                <a:spcPct val="90000"/>
-              </a:lnSpc>
-              <a:spcBef>
-                <a:spcPts val="200"/>
-              </a:spcBef>
-              <a:spcAft>
-                <a:spcPts val="400"/>
-              </a:spcAft>
-              <a:buClr>
-                <a:schemeClr val="accent1"/>
-              </a:buClr>
-              <a:buFont typeface="Calibri" pitchFamily="34" charset="0"/>
-              <a:buNone/>
-              <a:defRPr sz="2400" kern="1200">
-                <a:solidFill>
-                  <a:schemeClr val="tx1">
-                    <a:lumMod val="75000"/>
-                    <a:lumOff val="25000"/>
-                  </a:schemeClr>
-                </a:solidFill>
-                <a:latin typeface="+mn-lt"/>
-                <a:ea typeface="+mn-ea"/>
-                <a:cs typeface="+mn-cs"/>
-              </a:defRPr>
-            </a:lvl3pPr>
-            <a:lvl4pPr marL="1371600" indent="0" algn="ctr" defTabSz="914400" rtl="0" eaLnBrk="1" latinLnBrk="0" hangingPunct="1">
-              <a:lnSpc>
-                <a:spcPct val="90000"/>
-              </a:lnSpc>
-              <a:spcBef>
-                <a:spcPts val="200"/>
-              </a:spcBef>
-              <a:spcAft>
-                <a:spcPts val="400"/>
-              </a:spcAft>
-              <a:buClr>
-                <a:schemeClr val="accent1"/>
-              </a:buClr>
-              <a:buFont typeface="Calibri" pitchFamily="34" charset="0"/>
-              <a:buNone/>
-              <a:defRPr sz="2000" kern="1200">
-                <a:solidFill>
-                  <a:schemeClr val="tx1">
-                    <a:lumMod val="75000"/>
-                    <a:lumOff val="25000"/>
-                  </a:schemeClr>
-                </a:solidFill>
-                <a:latin typeface="+mn-lt"/>
-                <a:ea typeface="+mn-ea"/>
-                <a:cs typeface="+mn-cs"/>
-              </a:defRPr>
-            </a:lvl4pPr>
-            <a:lvl5pPr marL="1828800" indent="0" algn="ctr" defTabSz="914400" rtl="0" eaLnBrk="1" latinLnBrk="0" hangingPunct="1">
-              <a:lnSpc>
-                <a:spcPct val="90000"/>
-              </a:lnSpc>
-              <a:spcBef>
-                <a:spcPts val="200"/>
-              </a:spcBef>
-              <a:spcAft>
-                <a:spcPts val="400"/>
-              </a:spcAft>
-              <a:buClr>
-                <a:schemeClr val="accent1"/>
-              </a:buClr>
-              <a:buFont typeface="Calibri" pitchFamily="34" charset="0"/>
-              <a:buNone/>
-              <a:defRPr sz="2000" kern="1200">
-                <a:solidFill>
-                  <a:schemeClr val="tx1">
-                    <a:lumMod val="75000"/>
-                    <a:lumOff val="25000"/>
-                  </a:schemeClr>
-                </a:solidFill>
-                <a:latin typeface="+mn-lt"/>
-                <a:ea typeface="+mn-ea"/>
-                <a:cs typeface="+mn-cs"/>
-              </a:defRPr>
-            </a:lvl5pPr>
-            <a:lvl6pPr marL="2286000" indent="0" algn="ctr" defTabSz="914400" rtl="0" eaLnBrk="1" latinLnBrk="0" hangingPunct="1">
-              <a:lnSpc>
-                <a:spcPct val="90000"/>
-              </a:lnSpc>
-              <a:spcBef>
-                <a:spcPts val="200"/>
-              </a:spcBef>
-              <a:spcAft>
-                <a:spcPts val="400"/>
-              </a:spcAft>
-              <a:buClr>
-                <a:schemeClr val="accent1"/>
-              </a:buClr>
-              <a:buFont typeface="Calibri" pitchFamily="34" charset="0"/>
-              <a:buNone/>
-              <a:defRPr sz="2000" kern="1200">
-                <a:solidFill>
-                  <a:schemeClr val="tx1">
-                    <a:lumMod val="75000"/>
-                    <a:lumOff val="25000"/>
-                  </a:schemeClr>
-                </a:solidFill>
-                <a:latin typeface="+mn-lt"/>
-                <a:ea typeface="+mn-ea"/>
-                <a:cs typeface="+mn-cs"/>
-              </a:defRPr>
-            </a:lvl6pPr>
-            <a:lvl7pPr marL="2743200" indent="0" algn="ctr" defTabSz="914400" rtl="0" eaLnBrk="1" latinLnBrk="0" hangingPunct="1">
-              <a:lnSpc>
-                <a:spcPct val="90000"/>
-              </a:lnSpc>
-              <a:spcBef>
-                <a:spcPts val="200"/>
-              </a:spcBef>
-              <a:spcAft>
-                <a:spcPts val="400"/>
-              </a:spcAft>
-              <a:buClr>
-                <a:schemeClr val="accent1"/>
-              </a:buClr>
-              <a:buFont typeface="Calibri" pitchFamily="34" charset="0"/>
-              <a:buNone/>
-              <a:defRPr sz="2000" kern="1200">
-                <a:solidFill>
-                  <a:schemeClr val="tx1">
-                    <a:lumMod val="75000"/>
-                    <a:lumOff val="25000"/>
-                  </a:schemeClr>
-                </a:solidFill>
-                <a:latin typeface="+mn-lt"/>
-                <a:ea typeface="+mn-ea"/>
-                <a:cs typeface="+mn-cs"/>
-              </a:defRPr>
-            </a:lvl7pPr>
-            <a:lvl8pPr marL="3200400" indent="0" algn="ctr" defTabSz="914400" rtl="0" eaLnBrk="1" latinLnBrk="0" hangingPunct="1">
-              <a:lnSpc>
-                <a:spcPct val="90000"/>
-              </a:lnSpc>
-              <a:spcBef>
-                <a:spcPts val="200"/>
-              </a:spcBef>
-              <a:spcAft>
-                <a:spcPts val="400"/>
-              </a:spcAft>
-              <a:buClr>
-                <a:schemeClr val="accent1"/>
-              </a:buClr>
-              <a:buFont typeface="Calibri" pitchFamily="34" charset="0"/>
-              <a:buNone/>
-              <a:defRPr sz="2000" kern="1200">
-                <a:solidFill>
-                  <a:schemeClr val="tx1">
-                    <a:lumMod val="75000"/>
-                    <a:lumOff val="25000"/>
-                  </a:schemeClr>
-                </a:solidFill>
-                <a:latin typeface="+mn-lt"/>
-                <a:ea typeface="+mn-ea"/>
-                <a:cs typeface="+mn-cs"/>
-              </a:defRPr>
-            </a:lvl8pPr>
-            <a:lvl9pPr marL="3657600" indent="0" algn="ctr" defTabSz="914400" rtl="0" eaLnBrk="1" latinLnBrk="0" hangingPunct="1">
-              <a:lnSpc>
-                <a:spcPct val="90000"/>
-              </a:lnSpc>
-              <a:spcBef>
-                <a:spcPts val="200"/>
-              </a:spcBef>
-              <a:spcAft>
-                <a:spcPts val="400"/>
-              </a:spcAft>
-              <a:buClr>
-                <a:schemeClr val="accent1"/>
-              </a:buClr>
-              <a:buFont typeface="Calibri" pitchFamily="34" charset="0"/>
-              <a:buNone/>
-              <a:defRPr sz="2000" kern="1200">
-                <a:solidFill>
-                  <a:schemeClr val="tx1">
-                    <a:lumMod val="75000"/>
-                    <a:lumOff val="25000"/>
-                  </a:schemeClr>
-                </a:solidFill>
-                <a:latin typeface="+mn-lt"/>
-                <a:ea typeface="+mn-ea"/>
-                <a:cs typeface="+mn-cs"/>
-              </a:defRPr>
-            </a:lvl9pPr>
-          </a:lstStyle>
-          <a:p>
-            <a:r>
-              <a:rPr lang="en-US" dirty="0"/>
-              <a:t>RESEARCH PROJECT LESSONS</a:t>
-            </a:r>
-          </a:p>
-        </p:txBody>
-      </p:sp>
-      <p:pic>
-        <p:nvPicPr>
-          <p:cNvPr id="13" name="Picture 12" descr="A screenshot of a cell phone&#10;&#10;Description generated with very high confidence">
-            <a:extLst>
-              <a:ext uri="{FF2B5EF4-FFF2-40B4-BE49-F238E27FC236}">
-                <a16:creationId xmlns:a16="http://schemas.microsoft.com/office/drawing/2014/main" id="{A3F2940E-D6B0-4889-82D3-031E7DE99E62}"/>
-              </a:ext>
-            </a:extLst>
-          </p:cNvPr>
-          <p:cNvPicPr>
-            <a:picLocks noChangeAspect="1"/>
-          </p:cNvPicPr>
-          <p:nvPr userDrawn="1"/>
-        </p:nvPicPr>
-        <p:blipFill>
-          <a:blip r:embed="rId2">
-            <a:extLst>
-              <a:ext uri="{28A0092B-C50C-407E-A947-70E740481C1C}">
-                <a14:useLocalDpi xmlns:a14="http://schemas.microsoft.com/office/drawing/2010/main" val="0"/>
-              </a:ext>
-            </a:extLst>
-          </a:blip>
-          <a:stretch>
-            <a:fillRect/>
-          </a:stretch>
-        </p:blipFill>
-        <p:spPr>
-          <a:xfrm>
-            <a:off x="429843" y="91003"/>
-            <a:ext cx="8277216" cy="3038533"/>
-          </a:xfrm>
-          <a:prstGeom prst="rect">
-            <a:avLst/>
-          </a:prstGeom>
-        </p:spPr>
-      </p:pic>
     </p:spTree>
+    <p:extLst>
+      <p:ext uri="{BB962C8B-B14F-4D97-AF65-F5344CB8AC3E}">
+        <p14:creationId xmlns:p14="http://schemas.microsoft.com/office/powerpoint/2010/main" val="3038814283"/>
+      </p:ext>
+    </p:extLst>
   </p:cSld>
   <p:clrMapOvr>
     <a:masterClrMapping/>
@@ -1449,6 +1219,45 @@
       </p:grpSpPr>
       <p:sp>
         <p:nvSpPr>
+          <p:cNvPr id="7" name="Rectangle 6"/>
+          <p:cNvSpPr>
+            <a:spLocks noChangeAspect="1"/>
+          </p:cNvSpPr>
+          <p:nvPr/>
+        </p:nvSpPr>
+        <p:spPr>
+          <a:xfrm>
+            <a:off x="448092" y="599725"/>
+            <a:ext cx="8238707" cy="1258827"/>
+          </a:xfrm>
+          <a:prstGeom prst="rect">
+            <a:avLst/>
+          </a:prstGeom>
+          <a:solidFill>
+            <a:schemeClr val="accent1"/>
+          </a:solidFill>
+          <a:ln>
+            <a:noFill/>
+          </a:ln>
+          <a:effectLst/>
+        </p:spPr>
+        <p:style>
+          <a:lnRef idx="1">
+            <a:schemeClr val="accent1"/>
+          </a:lnRef>
+          <a:fillRef idx="3">
+            <a:schemeClr val="accent1"/>
+          </a:fillRef>
+          <a:effectRef idx="2">
+            <a:schemeClr val="accent1"/>
+          </a:effectRef>
+          <a:fontRef idx="minor">
+            <a:schemeClr val="lt1"/>
+          </a:fontRef>
+        </p:style>
+      </p:sp>
+      <p:sp>
+        <p:nvSpPr>
           <p:cNvPr id="2" name="Title 1"/>
           <p:cNvSpPr>
             <a:spLocks noGrp="1"/>
@@ -1482,13 +1291,29 @@
         </p:nvSpPr>
         <p:spPr/>
         <p:txBody>
-          <a:bodyPr vert="eaVert" lIns="45720" tIns="0" rIns="45720" bIns="0"/>
-          <a:lstStyle/>
+          <a:bodyPr vert="eaVert" anchor="t"/>
+          <a:lstStyle>
+            <a:lvl1pPr algn="l">
+              <a:defRPr/>
+            </a:lvl1pPr>
+            <a:lvl2pPr algn="l">
+              <a:defRPr/>
+            </a:lvl2pPr>
+            <a:lvl3pPr algn="l">
+              <a:defRPr/>
+            </a:lvl3pPr>
+            <a:lvl4pPr algn="l">
+              <a:defRPr/>
+            </a:lvl4pPr>
+            <a:lvl5pPr algn="l">
+              <a:defRPr/>
+            </a:lvl5pPr>
+          </a:lstStyle>
           <a:p>
             <a:pPr lvl="0"/>
             <a:r>
               <a:rPr lang="en-US"/>
-              <a:t>Click to edit Master text styles</a:t>
+              <a:t>Edit Master text styles</a:t>
             </a:r>
           </a:p>
           <a:p>
@@ -1532,14 +1357,22 @@
             <p:ph type="dt" sz="half" idx="10"/>
           </p:nvPr>
         </p:nvSpPr>
-        <p:spPr/>
+        <p:spPr>
+          <a:xfrm>
+            <a:off x="5559327" y="5956136"/>
+            <a:ext cx="2133600" cy="365125"/>
+          </a:xfrm>
+          <a:prstGeom prst="rect">
+            <a:avLst/>
+          </a:prstGeom>
+        </p:spPr>
         <p:txBody>
           <a:bodyPr/>
           <a:lstStyle/>
           <a:p>
-            <a:fld id="{072F6FEB-F334-4863-B5D8-8471C81FF79A}" type="datetime1">
+            <a:fld id="{810E3C79-2264-49E8-898B-C1DFF63581D7}" type="datetime1">
               <a:rPr lang="en-US" smtClean="0"/>
-              <a:t>6/7/18</a:t>
+              <a:t>6/12/18</a:t>
             </a:fld>
             <a:endParaRPr lang="en-US" dirty="0"/>
           </a:p>
@@ -1555,14 +1388,22 @@
             <p:ph type="ftr" sz="quarter" idx="11"/>
           </p:nvPr>
         </p:nvSpPr>
-        <p:spPr/>
+        <p:spPr>
+          <a:xfrm>
+            <a:off x="581192" y="5951810"/>
+            <a:ext cx="4870585" cy="365125"/>
+          </a:xfrm>
+          <a:prstGeom prst="rect">
+            <a:avLst/>
+          </a:prstGeom>
+        </p:spPr>
         <p:txBody>
           <a:bodyPr/>
           <a:lstStyle/>
           <a:p>
             <a:r>
               <a:rPr lang="en-US"/>
-              <a:t>© 2018, FLL Tutorials (Last Edit 8/26/2017)</a:t>
+              <a:t>© 2018, FLL Tutorials (Last Edit 6/11/2018)</a:t>
             </a:r>
             <a:endParaRPr lang="en-US" dirty="0"/>
           </a:p>
@@ -1578,7 +1419,15 @@
             <p:ph type="sldNum" sz="quarter" idx="12"/>
           </p:nvPr>
         </p:nvSpPr>
-        <p:spPr/>
+        <p:spPr>
+          <a:xfrm>
+            <a:off x="7800476" y="5956136"/>
+            <a:ext cx="770468" cy="365125"/>
+          </a:xfrm>
+          <a:prstGeom prst="rect">
+            <a:avLst/>
+          </a:prstGeom>
+        </p:spPr>
         <p:txBody>
           <a:bodyPr/>
           <a:lstStyle/>
@@ -1592,6 +1441,11 @@
         </p:txBody>
       </p:sp>
     </p:spTree>
+    <p:extLst>
+      <p:ext uri="{BB962C8B-B14F-4D97-AF65-F5344CB8AC3E}">
+        <p14:creationId xmlns:p14="http://schemas.microsoft.com/office/powerpoint/2010/main" val="2659793348"/>
+      </p:ext>
+    </p:extLst>
   </p:cSld>
   <p:clrMapOvr>
     <a:masterClrMapping/>
@@ -1600,7 +1454,7 @@
 </file>
 
 <file path=ppt/slideLayouts/slideLayout11.xml><?xml version="1.0" encoding="utf-8"?>
-<p:sldLayout xmlns:a="http://schemas.openxmlformats.org/drawingml/2006/main" xmlns:r="http://schemas.openxmlformats.org/officeDocument/2006/relationships" xmlns:p="http://schemas.openxmlformats.org/presentationml/2006/main" showMasterSp="0" type="vertTitleAndTx" preserve="1">
+<p:sldLayout xmlns:a="http://schemas.openxmlformats.org/drawingml/2006/main" xmlns:r="http://schemas.openxmlformats.org/officeDocument/2006/relationships" xmlns:p="http://schemas.openxmlformats.org/presentationml/2006/main" type="vertTitleAndTx" preserve="1">
   <p:cSld name="Vertical Title and Text">
     <p:spTree>
       <p:nvGrpSpPr>
@@ -1619,51 +1473,15 @@
       <p:sp>
         <p:nvSpPr>
           <p:cNvPr id="7" name="Rectangle 6"/>
-          <p:cNvSpPr/>
+          <p:cNvSpPr>
+            <a:spLocks noChangeAspect="1"/>
+          </p:cNvSpPr>
           <p:nvPr/>
         </p:nvSpPr>
         <p:spPr>
           <a:xfrm>
-            <a:off x="2382" y="6400800"/>
-            <a:ext cx="9141619" cy="457200"/>
-          </a:xfrm>
-          <a:prstGeom prst="rect">
-            <a:avLst/>
-          </a:prstGeom>
-          <a:solidFill>
-            <a:schemeClr val="accent2"/>
-          </a:solidFill>
-          <a:ln>
-            <a:noFill/>
-          </a:ln>
-        </p:spPr>
-        <p:style>
-          <a:lnRef idx="2">
-            <a:schemeClr val="accent1">
-              <a:shade val="50000"/>
-            </a:schemeClr>
-          </a:lnRef>
-          <a:fillRef idx="1">
-            <a:schemeClr val="accent1"/>
-          </a:fillRef>
-          <a:effectRef idx="0">
-            <a:schemeClr val="accent1"/>
-          </a:effectRef>
-          <a:fontRef idx="minor">
-            <a:schemeClr val="lt1"/>
-          </a:fontRef>
-        </p:style>
-      </p:sp>
-      <p:sp>
-        <p:nvSpPr>
-          <p:cNvPr id="8" name="Rectangle 7"/>
-          <p:cNvSpPr/>
-          <p:nvPr/>
-        </p:nvSpPr>
-        <p:spPr>
-          <a:xfrm>
-            <a:off x="12" y="6334316"/>
-            <a:ext cx="9141619" cy="64008"/>
+            <a:off x="6629400" y="599725"/>
+            <a:ext cx="2057399" cy="5816950"/>
           </a:xfrm>
           <a:prstGeom prst="rect">
             <a:avLst/>
@@ -1674,17 +1492,16 @@
           <a:ln>
             <a:noFill/>
           </a:ln>
+          <a:effectLst/>
         </p:spPr>
         <p:style>
-          <a:lnRef idx="2">
-            <a:schemeClr val="accent1">
-              <a:shade val="50000"/>
-            </a:schemeClr>
+          <a:lnRef idx="1">
+            <a:schemeClr val="accent1"/>
           </a:lnRef>
-          <a:fillRef idx="1">
+          <a:fillRef idx="3">
             <a:schemeClr val="accent1"/>
           </a:fillRef>
-          <a:effectRef idx="0">
+          <a:effectRef idx="2">
             <a:schemeClr val="accent1"/>
           </a:effectRef>
           <a:fontRef idx="minor">
@@ -1704,8 +1521,8 @@
         </p:nvSpPr>
         <p:spPr>
           <a:xfrm>
-            <a:off x="6543675" y="414779"/>
-            <a:ext cx="1971675" cy="5757421"/>
+            <a:off x="6629400" y="675725"/>
+            <a:ext cx="1503123" cy="5183073"/>
           </a:xfrm>
         </p:spPr>
         <p:txBody>
@@ -1732,18 +1549,18 @@
         </p:nvSpPr>
         <p:spPr>
           <a:xfrm>
-            <a:off x="628650" y="414779"/>
-            <a:ext cx="5800725" cy="5757420"/>
-          </a:xfrm>
-        </p:spPr>
-        <p:txBody>
-          <a:bodyPr vert="eaVert" lIns="45720" tIns="0" rIns="45720" bIns="0"/>
+            <a:off x="581192" y="675725"/>
+            <a:ext cx="5922209" cy="5183073"/>
+          </a:xfrm>
+        </p:spPr>
+        <p:txBody>
+          <a:bodyPr vert="eaVert" anchor="t"/>
           <a:lstStyle/>
           <a:p>
             <a:pPr lvl="0"/>
             <a:r>
               <a:rPr lang="en-US"/>
-              <a:t>Click to edit Master text styles</a:t>
+              <a:t>Edit Master text styles</a:t>
             </a:r>
           </a:p>
           <a:p>
@@ -1787,14 +1604,33 @@
             <p:ph type="dt" sz="half" idx="10"/>
           </p:nvPr>
         </p:nvSpPr>
-        <p:spPr/>
+        <p:spPr>
+          <a:xfrm>
+            <a:off x="6745255" y="5956136"/>
+            <a:ext cx="947672" cy="365125"/>
+          </a:xfrm>
+          <a:prstGeom prst="rect">
+            <a:avLst/>
+          </a:prstGeom>
+        </p:spPr>
         <p:txBody>
           <a:bodyPr/>
-          <a:lstStyle/>
-          <a:p>
-            <a:fld id="{07A7249C-AB9A-4D7F-9492-8F943F40C5F3}" type="datetime1">
+          <a:lstStyle>
+            <a:lvl1pPr>
+              <a:defRPr>
+                <a:solidFill>
+                  <a:schemeClr val="accent1">
+                    <a:lumMod val="75000"/>
+                    <a:lumOff val="25000"/>
+                  </a:schemeClr>
+                </a:solidFill>
+              </a:defRPr>
+            </a:lvl1pPr>
+          </a:lstStyle>
+          <a:p>
+            <a:fld id="{9C760F2C-58BE-41A2-AE58-4D3B971A7634}" type="datetime1">
               <a:rPr lang="en-US" smtClean="0"/>
-              <a:t>6/7/18</a:t>
+              <a:t>6/12/18</a:t>
             </a:fld>
             <a:endParaRPr lang="en-US" dirty="0"/>
           </a:p>
@@ -1810,14 +1646,22 @@
             <p:ph type="ftr" sz="quarter" idx="11"/>
           </p:nvPr>
         </p:nvSpPr>
-        <p:spPr/>
+        <p:spPr>
+          <a:xfrm>
+            <a:off x="581192" y="5951810"/>
+            <a:ext cx="5922209" cy="365125"/>
+          </a:xfrm>
+          <a:prstGeom prst="rect">
+            <a:avLst/>
+          </a:prstGeom>
+        </p:spPr>
         <p:txBody>
           <a:bodyPr/>
           <a:lstStyle/>
           <a:p>
             <a:r>
               <a:rPr lang="en-US"/>
-              <a:t>© 2018, FLL Tutorials (Last Edit 8/26/2017)</a:t>
+              <a:t>© 2018, FLL Tutorials (Last Edit 6/11/2018)</a:t>
             </a:r>
             <a:endParaRPr lang="en-US" dirty="0"/>
           </a:p>
@@ -1833,10 +1677,29 @@
             <p:ph type="sldNum" sz="quarter" idx="12"/>
           </p:nvPr>
         </p:nvSpPr>
-        <p:spPr/>
+        <p:spPr>
+          <a:xfrm>
+            <a:off x="7800476" y="5956136"/>
+            <a:ext cx="770468" cy="365125"/>
+          </a:xfrm>
+          <a:prstGeom prst="rect">
+            <a:avLst/>
+          </a:prstGeom>
+        </p:spPr>
         <p:txBody>
           <a:bodyPr/>
-          <a:lstStyle/>
+          <a:lstStyle>
+            <a:lvl1pPr>
+              <a:defRPr>
+                <a:solidFill>
+                  <a:schemeClr val="accent1">
+                    <a:lumMod val="75000"/>
+                    <a:lumOff val="25000"/>
+                  </a:schemeClr>
+                </a:solidFill>
+              </a:defRPr>
+            </a:lvl1pPr>
+          </a:lstStyle>
           <a:p>
             <a:fld id="{6D22F896-40B5-4ADD-8801-0D06FADFA095}" type="slidenum">
               <a:rPr lang="en-US" smtClean="0"/>
@@ -1847,6 +1710,11 @@
         </p:txBody>
       </p:sp>
     </p:spTree>
+    <p:extLst>
+      <p:ext uri="{BB962C8B-B14F-4D97-AF65-F5344CB8AC3E}">
+        <p14:creationId xmlns:p14="http://schemas.microsoft.com/office/powerpoint/2010/main" val="1562691780"/>
+      </p:ext>
+    </p:extLst>
   </p:cSld>
   <p:clrMapOvr>
     <a:masterClrMapping/>
@@ -1873,6 +1741,45 @@
       </p:grpSpPr>
       <p:sp>
         <p:nvSpPr>
+          <p:cNvPr id="7" name="Rectangle 6"/>
+          <p:cNvSpPr>
+            <a:spLocks noChangeAspect="1"/>
+          </p:cNvSpPr>
+          <p:nvPr/>
+        </p:nvSpPr>
+        <p:spPr>
+          <a:xfrm>
+            <a:off x="448092" y="599725"/>
+            <a:ext cx="8238707" cy="818109"/>
+          </a:xfrm>
+          <a:prstGeom prst="rect">
+            <a:avLst/>
+          </a:prstGeom>
+          <a:solidFill>
+            <a:schemeClr val="accent1"/>
+          </a:solidFill>
+          <a:ln>
+            <a:noFill/>
+          </a:ln>
+          <a:effectLst/>
+        </p:spPr>
+        <p:style>
+          <a:lnRef idx="1">
+            <a:schemeClr val="accent1"/>
+          </a:lnRef>
+          <a:fillRef idx="3">
+            <a:schemeClr val="accent1"/>
+          </a:fillRef>
+          <a:effectRef idx="2">
+            <a:schemeClr val="accent1"/>
+          </a:effectRef>
+          <a:fontRef idx="minor">
+            <a:schemeClr val="lt1"/>
+          </a:fontRef>
+        </p:style>
+      </p:sp>
+      <p:sp>
+        <p:nvSpPr>
           <p:cNvPr id="2" name="Title 1"/>
           <p:cNvSpPr>
             <a:spLocks noGrp="1"/>
@@ -1881,7 +1788,12 @@
             <p:ph type="title"/>
           </p:nvPr>
         </p:nvSpPr>
-        <p:spPr/>
+        <p:spPr>
+          <a:xfrm>
+            <a:off x="581192" y="687475"/>
+            <a:ext cx="7989752" cy="596796"/>
+          </a:xfrm>
+        </p:spPr>
         <p:txBody>
           <a:bodyPr/>
           <a:lstStyle/>
@@ -1904,15 +1816,36 @@
             <p:ph idx="1"/>
           </p:nvPr>
         </p:nvSpPr>
-        <p:spPr/>
-        <p:txBody>
-          <a:bodyPr/>
-          <a:lstStyle/>
+        <p:spPr>
+          <a:xfrm>
+            <a:off x="448091" y="1505583"/>
+            <a:ext cx="8238707" cy="4353215"/>
+          </a:xfrm>
+        </p:spPr>
+        <p:txBody>
+          <a:bodyPr anchor="t"/>
+          <a:lstStyle>
+            <a:lvl1pPr>
+              <a:defRPr sz="3600"/>
+            </a:lvl1pPr>
+            <a:lvl2pPr>
+              <a:defRPr sz="3200"/>
+            </a:lvl2pPr>
+            <a:lvl3pPr>
+              <a:defRPr sz="2800"/>
+            </a:lvl3pPr>
+            <a:lvl4pPr>
+              <a:defRPr sz="2400"/>
+            </a:lvl4pPr>
+            <a:lvl5pPr>
+              <a:defRPr sz="2400"/>
+            </a:lvl5pPr>
+          </a:lstStyle>
           <a:p>
             <a:pPr lvl="0"/>
             <a:r>
               <a:rPr lang="en-US"/>
-              <a:t>Click to edit Master text styles</a:t>
+              <a:t>Edit Master text styles</a:t>
             </a:r>
           </a:p>
           <a:p>
@@ -1948,7 +1881,13 @@
       </p:sp>
       <p:sp>
         <p:nvSpPr>
-          <p:cNvPr id="4" name="Date Placeholder 3"/>
+          <p:cNvPr id="8" name="Date Placeholder 3">
+            <a:extLst>
+              <a:ext uri="{FF2B5EF4-FFF2-40B4-BE49-F238E27FC236}">
+                <a16:creationId xmlns:a16="http://schemas.microsoft.com/office/drawing/2014/main" id="{5E510904-FE82-B349-843E-834D82D5778E}"/>
+              </a:ext>
+            </a:extLst>
+          </p:cNvPr>
           <p:cNvSpPr>
             <a:spLocks noGrp="1"/>
           </p:cNvSpPr>
@@ -1956,14 +1895,30 @@
             <p:ph type="dt" sz="half" idx="10"/>
           </p:nvPr>
         </p:nvSpPr>
-        <p:spPr/>
+        <p:spPr>
+          <a:xfrm>
+            <a:off x="5559327" y="6392242"/>
+            <a:ext cx="2133600" cy="365125"/>
+          </a:xfrm>
+        </p:spPr>
         <p:txBody>
           <a:bodyPr/>
-          <a:lstStyle/>
-          <a:p>
-            <a:fld id="{7346637B-00ED-4B0E-8714-2C32B9E97D78}" type="datetime1">
+          <a:lstStyle>
+            <a:lvl1pPr>
+              <a:defRPr>
+                <a:solidFill>
+                  <a:schemeClr val="accent1">
+                    <a:lumMod val="75000"/>
+                    <a:lumOff val="25000"/>
+                  </a:schemeClr>
+                </a:solidFill>
+              </a:defRPr>
+            </a:lvl1pPr>
+          </a:lstStyle>
+          <a:p>
+            <a:fld id="{6A29C91A-174C-4C1A-903F-02780174199C}" type="datetime1">
               <a:rPr lang="en-US" smtClean="0"/>
-              <a:t>6/7/18</a:t>
+              <a:t>6/12/18</a:t>
             </a:fld>
             <a:endParaRPr lang="en-US" dirty="0"/>
           </a:p>
@@ -1971,7 +1926,13 @@
       </p:sp>
       <p:sp>
         <p:nvSpPr>
-          <p:cNvPr id="5" name="Footer Placeholder 4"/>
+          <p:cNvPr id="9" name="Footer Placeholder 4">
+            <a:extLst>
+              <a:ext uri="{FF2B5EF4-FFF2-40B4-BE49-F238E27FC236}">
+                <a16:creationId xmlns:a16="http://schemas.microsoft.com/office/drawing/2014/main" id="{E48965D5-4E22-4D4C-B0D3-4AEC700831CA}"/>
+              </a:ext>
+            </a:extLst>
+          </p:cNvPr>
           <p:cNvSpPr>
             <a:spLocks noGrp="1"/>
           </p:cNvSpPr>
@@ -1979,14 +1940,30 @@
             <p:ph type="ftr" sz="quarter" idx="11"/>
           </p:nvPr>
         </p:nvSpPr>
-        <p:spPr/>
+        <p:spPr>
+          <a:xfrm>
+            <a:off x="581192" y="6387916"/>
+            <a:ext cx="4870585" cy="365125"/>
+          </a:xfrm>
+        </p:spPr>
         <p:txBody>
           <a:bodyPr/>
-          <a:lstStyle/>
+          <a:lstStyle>
+            <a:lvl1pPr>
+              <a:defRPr>
+                <a:solidFill>
+                  <a:schemeClr val="accent1">
+                    <a:lumMod val="75000"/>
+                    <a:lumOff val="25000"/>
+                  </a:schemeClr>
+                </a:solidFill>
+              </a:defRPr>
+            </a:lvl1pPr>
+          </a:lstStyle>
           <a:p>
             <a:r>
               <a:rPr lang="en-US"/>
-              <a:t>© 2018, FLL Tutorials (Last Edit 8/26/2017)</a:t>
+              <a:t>© 2018, FLL Tutorials (Last Edit 6/11/2018)</a:t>
             </a:r>
             <a:endParaRPr lang="en-US" dirty="0"/>
           </a:p>
@@ -1994,7 +1971,13 @@
       </p:sp>
       <p:sp>
         <p:nvSpPr>
-          <p:cNvPr id="6" name="Slide Number Placeholder 5"/>
+          <p:cNvPr id="10" name="Slide Number Placeholder 5">
+            <a:extLst>
+              <a:ext uri="{FF2B5EF4-FFF2-40B4-BE49-F238E27FC236}">
+                <a16:creationId xmlns:a16="http://schemas.microsoft.com/office/drawing/2014/main" id="{65AB5AFF-5E76-4041-B3D5-669547C07AE0}"/>
+              </a:ext>
+            </a:extLst>
+          </p:cNvPr>
           <p:cNvSpPr>
             <a:spLocks noGrp="1"/>
           </p:cNvSpPr>
@@ -2002,10 +1985,26 @@
             <p:ph type="sldNum" sz="quarter" idx="12"/>
           </p:nvPr>
         </p:nvSpPr>
-        <p:spPr/>
+        <p:spPr>
+          <a:xfrm>
+            <a:off x="7800476" y="6392242"/>
+            <a:ext cx="770468" cy="365125"/>
+          </a:xfrm>
+        </p:spPr>
         <p:txBody>
           <a:bodyPr/>
-          <a:lstStyle/>
+          <a:lstStyle>
+            <a:lvl1pPr>
+              <a:defRPr>
+                <a:solidFill>
+                  <a:schemeClr val="accent1">
+                    <a:lumMod val="75000"/>
+                    <a:lumOff val="25000"/>
+                  </a:schemeClr>
+                </a:solidFill>
+              </a:defRPr>
+            </a:lvl1pPr>
+          </a:lstStyle>
           <a:p>
             <a:fld id="{6D22F896-40B5-4ADD-8801-0D06FADFA095}" type="slidenum">
               <a:rPr lang="en-US" smtClean="0"/>
@@ -2016,6 +2015,11 @@
         </p:txBody>
       </p:sp>
     </p:spTree>
+    <p:extLst>
+      <p:ext uri="{BB962C8B-B14F-4D97-AF65-F5344CB8AC3E}">
+        <p14:creationId xmlns:p14="http://schemas.microsoft.com/office/powerpoint/2010/main" val="1547546491"/>
+      </p:ext>
+    </p:extLst>
   </p:cSld>
   <p:clrMapOvr>
     <a:masterClrMapping/>
@@ -2024,16 +2028,8 @@
 </file>
 
 <file path=ppt/slideLayouts/slideLayout3.xml><?xml version="1.0" encoding="utf-8"?>
-<p:sldLayout xmlns:a="http://schemas.openxmlformats.org/drawingml/2006/main" xmlns:r="http://schemas.openxmlformats.org/officeDocument/2006/relationships" xmlns:p="http://schemas.openxmlformats.org/presentationml/2006/main" showMasterSp="0" type="secHead" preserve="1">
+<p:sldLayout xmlns:a="http://schemas.openxmlformats.org/drawingml/2006/main" xmlns:r="http://schemas.openxmlformats.org/officeDocument/2006/relationships" xmlns:p="http://schemas.openxmlformats.org/presentationml/2006/main" type="secHead" preserve="1">
   <p:cSld name="Section Header">
-    <p:bg>
-      <p:bgPr>
-        <a:solidFill>
-          <a:schemeClr val="bg1"/>
-        </a:solidFill>
-        <a:effectLst/>
-      </p:bgPr>
-    </p:bg>
     <p:spTree>
       <p:nvGrpSpPr>
         <p:cNvPr id="1" name=""/>
@@ -2050,35 +2046,36 @@
       </p:grpSpPr>
       <p:sp>
         <p:nvSpPr>
-          <p:cNvPr id="7" name="Rectangle 6"/>
-          <p:cNvSpPr/>
+          <p:cNvPr id="8" name="Rectangle 7"/>
+          <p:cNvSpPr>
+            <a:spLocks noChangeAspect="1"/>
+          </p:cNvSpPr>
           <p:nvPr/>
         </p:nvSpPr>
         <p:spPr>
           <a:xfrm>
-            <a:off x="2382" y="6400800"/>
-            <a:ext cx="9141619" cy="457200"/>
+            <a:off x="452646" y="5141973"/>
+            <a:ext cx="8238707" cy="1258827"/>
           </a:xfrm>
           <a:prstGeom prst="rect">
             <a:avLst/>
           </a:prstGeom>
           <a:solidFill>
-            <a:srgbClr val="034A85"/>
+            <a:schemeClr val="accent1"/>
           </a:solidFill>
           <a:ln>
             <a:noFill/>
           </a:ln>
+          <a:effectLst/>
         </p:spPr>
         <p:style>
-          <a:lnRef idx="2">
-            <a:schemeClr val="accent1">
-              <a:shade val="50000"/>
-            </a:schemeClr>
+          <a:lnRef idx="1">
+            <a:schemeClr val="accent1"/>
           </a:lnRef>
-          <a:fillRef idx="1">
+          <a:fillRef idx="3">
             <a:schemeClr val="accent1"/>
           </a:fillRef>
-          <a:effectRef idx="0">
+          <a:effectRef idx="2">
             <a:schemeClr val="accent1"/>
           </a:effectRef>
           <a:fontRef idx="minor">
@@ -2088,44 +2085,6 @@
       </p:sp>
       <p:sp>
         <p:nvSpPr>
-          <p:cNvPr id="8" name="Rectangle 7"/>
-          <p:cNvSpPr/>
-          <p:nvPr/>
-        </p:nvSpPr>
-        <p:spPr>
-          <a:xfrm>
-            <a:off x="12" y="6334316"/>
-            <a:ext cx="9141619" cy="64008"/>
-          </a:xfrm>
-          <a:prstGeom prst="rect">
-            <a:avLst/>
-          </a:prstGeom>
-          <a:solidFill>
-            <a:srgbClr val="652C90"/>
-          </a:solidFill>
-          <a:ln>
-            <a:noFill/>
-          </a:ln>
-        </p:spPr>
-        <p:style>
-          <a:lnRef idx="2">
-            <a:schemeClr val="accent1">
-              <a:shade val="50000"/>
-            </a:schemeClr>
-          </a:lnRef>
-          <a:fillRef idx="1">
-            <a:schemeClr val="accent1"/>
-          </a:fillRef>
-          <a:effectRef idx="0">
-            <a:schemeClr val="accent1"/>
-          </a:effectRef>
-          <a:fontRef idx="minor">
-            <a:schemeClr val="lt1"/>
-          </a:fontRef>
-        </p:style>
-      </p:sp>
-      <p:sp>
-        <p:nvSpPr>
           <p:cNvPr id="2" name="Title 1"/>
           <p:cNvSpPr>
             <a:spLocks noGrp="1"/>
@@ -2136,25 +2095,19 @@
         </p:nvSpPr>
         <p:spPr>
           <a:xfrm>
-            <a:off x="822960" y="758952"/>
-            <a:ext cx="7543800" cy="3566160"/>
-          </a:xfrm>
-        </p:spPr>
-        <p:txBody>
-          <a:bodyPr anchor="b" anchorCtr="0">
+            <a:off x="581193" y="3036573"/>
+            <a:ext cx="7989751" cy="1504844"/>
+          </a:xfrm>
+        </p:spPr>
+        <p:txBody>
+          <a:bodyPr anchor="b">
             <a:normAutofit/>
           </a:bodyPr>
           <a:lstStyle>
-            <a:lvl1pPr>
-              <a:lnSpc>
-                <a:spcPct val="85000"/>
-              </a:lnSpc>
-              <a:defRPr sz="8000" b="0">
+            <a:lvl1pPr algn="l">
+              <a:defRPr sz="3600" b="0" cap="all">
                 <a:solidFill>
-                  <a:schemeClr val="tx1">
-                    <a:lumMod val="85000"/>
-                    <a:lumOff val="15000"/>
-                  </a:schemeClr>
+                  <a:schemeClr val="accent1"/>
                 </a:solidFill>
               </a:defRPr>
             </a:lvl1pPr>
@@ -2180,22 +2133,21 @@
         </p:nvSpPr>
         <p:spPr>
           <a:xfrm>
-            <a:off x="822960" y="4453128"/>
-            <a:ext cx="7543800" cy="1143000"/>
-          </a:xfrm>
-        </p:spPr>
-        <p:txBody>
-          <a:bodyPr lIns="91440" rIns="91440" anchor="t" anchorCtr="0">
+            <a:off x="581193" y="4541417"/>
+            <a:ext cx="7989751" cy="600556"/>
+          </a:xfrm>
+        </p:spPr>
+        <p:txBody>
+          <a:bodyPr anchor="t">
             <a:normAutofit/>
           </a:bodyPr>
           <a:lstStyle>
-            <a:lvl1pPr marL="0" indent="0">
+            <a:lvl1pPr marL="0" indent="0" algn="l">
               <a:buNone/>
-              <a:defRPr sz="2400" cap="all" spc="200" baseline="0">
+              <a:defRPr sz="1800" cap="all">
                 <a:solidFill>
-                  <a:schemeClr val="tx2"/>
+                  <a:schemeClr val="accent2"/>
                 </a:solidFill>
-                <a:latin typeface="+mj-lt"/>
               </a:defRPr>
             </a:lvl1pPr>
             <a:lvl2pPr marL="457200" indent="0">
@@ -2283,29 +2235,143 @@
             <a:pPr lvl="0"/>
             <a:r>
               <a:rPr lang="en-US"/>
-              <a:t>Click to edit Master text styles</a:t>
-            </a:r>
-          </a:p>
-        </p:txBody>
-      </p:sp>
-      <p:sp>
-        <p:nvSpPr>
-          <p:cNvPr id="4" name="Date Placeholder 3"/>
-          <p:cNvSpPr>
-            <a:spLocks noGrp="1"/>
-          </p:cNvSpPr>
-          <p:nvPr>
-            <p:ph type="dt" sz="half" idx="10"/>
-          </p:nvPr>
-        </p:nvSpPr>
-        <p:spPr/>
-        <p:txBody>
-          <a:bodyPr/>
-          <a:lstStyle/>
-          <a:p>
-            <a:fld id="{ABCBE235-7FD8-45C8-B2CA-54A2F7F3F58B}" type="datetime1">
+              <a:t>Edit Master text styles</a:t>
+            </a:r>
+          </a:p>
+        </p:txBody>
+      </p:sp>
+      <p:sp>
+        <p:nvSpPr>
+          <p:cNvPr id="9" name="Date Placeholder 3">
+            <a:extLst>
+              <a:ext uri="{FF2B5EF4-FFF2-40B4-BE49-F238E27FC236}">
+                <a16:creationId xmlns:a16="http://schemas.microsoft.com/office/drawing/2014/main" id="{52362C45-CC3C-1C41-89EF-9E39AB823873}"/>
+              </a:ext>
+            </a:extLst>
+          </p:cNvPr>
+          <p:cNvSpPr txBox="1">
+            <a:spLocks/>
+          </p:cNvSpPr>
+          <p:nvPr/>
+        </p:nvSpPr>
+        <p:spPr>
+          <a:xfrm>
+            <a:off x="5559327" y="6392242"/>
+            <a:ext cx="2133600" cy="365125"/>
+          </a:xfrm>
+          <a:prstGeom prst="rect">
+            <a:avLst/>
+          </a:prstGeom>
+        </p:spPr>
+        <p:txBody>
+          <a:bodyPr vert="horz" lIns="91440" tIns="45720" rIns="91440" bIns="45720" rtlCol="0" anchor="ctr"/>
+          <a:lstStyle>
+            <a:defPPr>
+              <a:defRPr lang="en-US"/>
+            </a:defPPr>
+            <a:lvl1pPr marL="0" algn="r" defTabSz="457200" rtl="0" eaLnBrk="1" latinLnBrk="0" hangingPunct="1">
+              <a:defRPr sz="900" kern="1200">
+                <a:solidFill>
+                  <a:schemeClr val="accent1">
+                    <a:lumMod val="75000"/>
+                    <a:lumOff val="25000"/>
+                  </a:schemeClr>
+                </a:solidFill>
+                <a:latin typeface="+mn-lt"/>
+                <a:ea typeface="+mn-ea"/>
+                <a:cs typeface="+mn-cs"/>
+              </a:defRPr>
+            </a:lvl1pPr>
+            <a:lvl2pPr marL="457200" algn="l" defTabSz="457200" rtl="0" eaLnBrk="1" latinLnBrk="0" hangingPunct="1">
+              <a:defRPr sz="1800" kern="1200">
+                <a:solidFill>
+                  <a:schemeClr val="tx1"/>
+                </a:solidFill>
+                <a:latin typeface="+mn-lt"/>
+                <a:ea typeface="+mn-ea"/>
+                <a:cs typeface="+mn-cs"/>
+              </a:defRPr>
+            </a:lvl2pPr>
+            <a:lvl3pPr marL="914400" algn="l" defTabSz="457200" rtl="0" eaLnBrk="1" latinLnBrk="0" hangingPunct="1">
+              <a:defRPr sz="1800" kern="1200">
+                <a:solidFill>
+                  <a:schemeClr val="tx1"/>
+                </a:solidFill>
+                <a:latin typeface="+mn-lt"/>
+                <a:ea typeface="+mn-ea"/>
+                <a:cs typeface="+mn-cs"/>
+              </a:defRPr>
+            </a:lvl3pPr>
+            <a:lvl4pPr marL="1371600" algn="l" defTabSz="457200" rtl="0" eaLnBrk="1" latinLnBrk="0" hangingPunct="1">
+              <a:defRPr sz="1800" kern="1200">
+                <a:solidFill>
+                  <a:schemeClr val="tx1"/>
+                </a:solidFill>
+                <a:latin typeface="+mn-lt"/>
+                <a:ea typeface="+mn-ea"/>
+                <a:cs typeface="+mn-cs"/>
+              </a:defRPr>
+            </a:lvl4pPr>
+            <a:lvl5pPr marL="1828800" algn="l" defTabSz="457200" rtl="0" eaLnBrk="1" latinLnBrk="0" hangingPunct="1">
+              <a:defRPr sz="1800" kern="1200">
+                <a:solidFill>
+                  <a:schemeClr val="tx1"/>
+                </a:solidFill>
+                <a:latin typeface="+mn-lt"/>
+                <a:ea typeface="+mn-ea"/>
+                <a:cs typeface="+mn-cs"/>
+              </a:defRPr>
+            </a:lvl5pPr>
+            <a:lvl6pPr marL="2286000" algn="l" defTabSz="457200" rtl="0" eaLnBrk="1" latinLnBrk="0" hangingPunct="1">
+              <a:defRPr sz="1800" kern="1200">
+                <a:solidFill>
+                  <a:schemeClr val="tx1"/>
+                </a:solidFill>
+                <a:latin typeface="+mn-lt"/>
+                <a:ea typeface="+mn-ea"/>
+                <a:cs typeface="+mn-cs"/>
+              </a:defRPr>
+            </a:lvl6pPr>
+            <a:lvl7pPr marL="2743200" algn="l" defTabSz="457200" rtl="0" eaLnBrk="1" latinLnBrk="0" hangingPunct="1">
+              <a:defRPr sz="1800" kern="1200">
+                <a:solidFill>
+                  <a:schemeClr val="tx1"/>
+                </a:solidFill>
+                <a:latin typeface="+mn-lt"/>
+                <a:ea typeface="+mn-ea"/>
+                <a:cs typeface="+mn-cs"/>
+              </a:defRPr>
+            </a:lvl7pPr>
+            <a:lvl8pPr marL="3200400" algn="l" defTabSz="457200" rtl="0" eaLnBrk="1" latinLnBrk="0" hangingPunct="1">
+              <a:defRPr sz="1800" kern="1200">
+                <a:solidFill>
+                  <a:schemeClr val="tx1"/>
+                </a:solidFill>
+                <a:latin typeface="+mn-lt"/>
+                <a:ea typeface="+mn-ea"/>
+                <a:cs typeface="+mn-cs"/>
+              </a:defRPr>
+            </a:lvl8pPr>
+            <a:lvl9pPr marL="3657600" algn="l" defTabSz="457200" rtl="0" eaLnBrk="1" latinLnBrk="0" hangingPunct="1">
+              <a:defRPr sz="1800" kern="1200">
+                <a:solidFill>
+                  <a:schemeClr val="tx1"/>
+                </a:solidFill>
+                <a:latin typeface="+mn-lt"/>
+                <a:ea typeface="+mn-ea"/>
+                <a:cs typeface="+mn-cs"/>
+              </a:defRPr>
+            </a:lvl9pPr>
+          </a:lstStyle>
+          <a:p>
+            <a:r>
+              <a:rPr lang="en-US"/>
+              <a:t>Last Edit: </a:t>
+            </a:r>
+            <a:fld id="{B61BEF0D-F0BB-DE4B-95CE-6DB70DBA9567}" type="datetimeFigureOut">
               <a:rPr lang="en-US" smtClean="0"/>
-              <a:t>6/7/18</a:t>
+              <a:pPr/>
+              <a:t>6/12/18</a:t>
             </a:fld>
             <a:endParaRPr lang="en-US" dirty="0"/>
           </a:p>
@@ -2313,22 +2379,131 @@
       </p:sp>
       <p:sp>
         <p:nvSpPr>
-          <p:cNvPr id="5" name="Footer Placeholder 4"/>
-          <p:cNvSpPr>
-            <a:spLocks noGrp="1"/>
-          </p:cNvSpPr>
-          <p:nvPr>
-            <p:ph type="ftr" sz="quarter" idx="11"/>
-          </p:nvPr>
-        </p:nvSpPr>
-        <p:spPr/>
-        <p:txBody>
-          <a:bodyPr/>
-          <a:lstStyle/>
+          <p:cNvPr id="10" name="Footer Placeholder 4">
+            <a:extLst>
+              <a:ext uri="{FF2B5EF4-FFF2-40B4-BE49-F238E27FC236}">
+                <a16:creationId xmlns:a16="http://schemas.microsoft.com/office/drawing/2014/main" id="{99E8FBED-B055-2A4A-8E32-9CB6B48C25B3}"/>
+              </a:ext>
+            </a:extLst>
+          </p:cNvPr>
+          <p:cNvSpPr txBox="1">
+            <a:spLocks/>
+          </p:cNvSpPr>
+          <p:nvPr/>
+        </p:nvSpPr>
+        <p:spPr>
+          <a:xfrm>
+            <a:off x="581192" y="6387916"/>
+            <a:ext cx="4870585" cy="365125"/>
+          </a:xfrm>
+          <a:prstGeom prst="rect">
+            <a:avLst/>
+          </a:prstGeom>
+        </p:spPr>
+        <p:txBody>
+          <a:bodyPr vert="horz" lIns="91440" tIns="45720" rIns="91440" bIns="45720" rtlCol="0" anchor="ctr"/>
+          <a:lstStyle>
+            <a:defPPr>
+              <a:defRPr lang="en-US"/>
+            </a:defPPr>
+            <a:lvl1pPr marL="0" algn="l" defTabSz="457200" rtl="0" eaLnBrk="1" latinLnBrk="0" hangingPunct="1">
+              <a:defRPr sz="900" kern="1200" cap="all">
+                <a:solidFill>
+                  <a:schemeClr val="accent1">
+                    <a:lumMod val="75000"/>
+                    <a:lumOff val="25000"/>
+                  </a:schemeClr>
+                </a:solidFill>
+                <a:latin typeface="+mn-lt"/>
+                <a:ea typeface="+mn-ea"/>
+                <a:cs typeface="+mn-cs"/>
+              </a:defRPr>
+            </a:lvl1pPr>
+            <a:lvl2pPr marL="457200" algn="l" defTabSz="457200" rtl="0" eaLnBrk="1" latinLnBrk="0" hangingPunct="1">
+              <a:defRPr sz="1800" kern="1200">
+                <a:solidFill>
+                  <a:schemeClr val="tx1"/>
+                </a:solidFill>
+                <a:latin typeface="+mn-lt"/>
+                <a:ea typeface="+mn-ea"/>
+                <a:cs typeface="+mn-cs"/>
+              </a:defRPr>
+            </a:lvl2pPr>
+            <a:lvl3pPr marL="914400" algn="l" defTabSz="457200" rtl="0" eaLnBrk="1" latinLnBrk="0" hangingPunct="1">
+              <a:defRPr sz="1800" kern="1200">
+                <a:solidFill>
+                  <a:schemeClr val="tx1"/>
+                </a:solidFill>
+                <a:latin typeface="+mn-lt"/>
+                <a:ea typeface="+mn-ea"/>
+                <a:cs typeface="+mn-cs"/>
+              </a:defRPr>
+            </a:lvl3pPr>
+            <a:lvl4pPr marL="1371600" algn="l" defTabSz="457200" rtl="0" eaLnBrk="1" latinLnBrk="0" hangingPunct="1">
+              <a:defRPr sz="1800" kern="1200">
+                <a:solidFill>
+                  <a:schemeClr val="tx1"/>
+                </a:solidFill>
+                <a:latin typeface="+mn-lt"/>
+                <a:ea typeface="+mn-ea"/>
+                <a:cs typeface="+mn-cs"/>
+              </a:defRPr>
+            </a:lvl4pPr>
+            <a:lvl5pPr marL="1828800" algn="l" defTabSz="457200" rtl="0" eaLnBrk="1" latinLnBrk="0" hangingPunct="1">
+              <a:defRPr sz="1800" kern="1200">
+                <a:solidFill>
+                  <a:schemeClr val="tx1"/>
+                </a:solidFill>
+                <a:latin typeface="+mn-lt"/>
+                <a:ea typeface="+mn-ea"/>
+                <a:cs typeface="+mn-cs"/>
+              </a:defRPr>
+            </a:lvl5pPr>
+            <a:lvl6pPr marL="2286000" algn="l" defTabSz="457200" rtl="0" eaLnBrk="1" latinLnBrk="0" hangingPunct="1">
+              <a:defRPr sz="1800" kern="1200">
+                <a:solidFill>
+                  <a:schemeClr val="tx1"/>
+                </a:solidFill>
+                <a:latin typeface="+mn-lt"/>
+                <a:ea typeface="+mn-ea"/>
+                <a:cs typeface="+mn-cs"/>
+              </a:defRPr>
+            </a:lvl6pPr>
+            <a:lvl7pPr marL="2743200" algn="l" defTabSz="457200" rtl="0" eaLnBrk="1" latinLnBrk="0" hangingPunct="1">
+              <a:defRPr sz="1800" kern="1200">
+                <a:solidFill>
+                  <a:schemeClr val="tx1"/>
+                </a:solidFill>
+                <a:latin typeface="+mn-lt"/>
+                <a:ea typeface="+mn-ea"/>
+                <a:cs typeface="+mn-cs"/>
+              </a:defRPr>
+            </a:lvl7pPr>
+            <a:lvl8pPr marL="3200400" algn="l" defTabSz="457200" rtl="0" eaLnBrk="1" latinLnBrk="0" hangingPunct="1">
+              <a:defRPr sz="1800" kern="1200">
+                <a:solidFill>
+                  <a:schemeClr val="tx1"/>
+                </a:solidFill>
+                <a:latin typeface="+mn-lt"/>
+                <a:ea typeface="+mn-ea"/>
+                <a:cs typeface="+mn-cs"/>
+              </a:defRPr>
+            </a:lvl8pPr>
+            <a:lvl9pPr marL="3657600" algn="l" defTabSz="457200" rtl="0" eaLnBrk="1" latinLnBrk="0" hangingPunct="1">
+              <a:defRPr sz="1800" kern="1200">
+                <a:solidFill>
+                  <a:schemeClr val="tx1"/>
+                </a:solidFill>
+                <a:latin typeface="+mn-lt"/>
+                <a:ea typeface="+mn-ea"/>
+                <a:cs typeface="+mn-cs"/>
+              </a:defRPr>
+            </a:lvl9pPr>
+          </a:lstStyle>
           <a:p>
             <a:r>
               <a:rPr lang="en-US"/>
-              <a:t>© 2018, FLL Tutorials (Last Edit 8/26/2017)</a:t>
+              <a:t>Copyright 2018, FLL TUTORIALS</a:t>
             </a:r>
             <a:endParaRPr lang="en-US" dirty="0"/>
           </a:p>
@@ -2336,68 +2511,146 @@
       </p:sp>
       <p:sp>
         <p:nvSpPr>
-          <p:cNvPr id="6" name="Slide Number Placeholder 5"/>
-          <p:cNvSpPr>
-            <a:spLocks noGrp="1"/>
-          </p:cNvSpPr>
-          <p:nvPr>
-            <p:ph type="sldNum" sz="quarter" idx="12"/>
-          </p:nvPr>
-        </p:nvSpPr>
-        <p:spPr/>
-        <p:txBody>
-          <a:bodyPr/>
-          <a:lstStyle/>
-          <a:p>
-            <a:fld id="{6D22F896-40B5-4ADD-8801-0D06FADFA095}" type="slidenum">
+          <p:cNvPr id="11" name="Slide Number Placeholder 5">
+            <a:extLst>
+              <a:ext uri="{FF2B5EF4-FFF2-40B4-BE49-F238E27FC236}">
+                <a16:creationId xmlns:a16="http://schemas.microsoft.com/office/drawing/2014/main" id="{AA884034-3EBB-704E-AFCD-9611BBBEBA37}"/>
+              </a:ext>
+            </a:extLst>
+          </p:cNvPr>
+          <p:cNvSpPr txBox="1">
+            <a:spLocks/>
+          </p:cNvSpPr>
+          <p:nvPr/>
+        </p:nvSpPr>
+        <p:spPr>
+          <a:xfrm>
+            <a:off x="7800476" y="6392242"/>
+            <a:ext cx="770468" cy="365125"/>
+          </a:xfrm>
+          <a:prstGeom prst="rect">
+            <a:avLst/>
+          </a:prstGeom>
+        </p:spPr>
+        <p:txBody>
+          <a:bodyPr vert="horz" lIns="91440" tIns="45720" rIns="91440" bIns="45720" rtlCol="0" anchor="ctr"/>
+          <a:lstStyle>
+            <a:defPPr>
+              <a:defRPr lang="en-US"/>
+            </a:defPPr>
+            <a:lvl1pPr marL="0" algn="r" defTabSz="457200" rtl="0" eaLnBrk="1" latinLnBrk="0" hangingPunct="1">
+              <a:defRPr sz="900" kern="1200">
+                <a:solidFill>
+                  <a:schemeClr val="accent1">
+                    <a:lumMod val="75000"/>
+                    <a:lumOff val="25000"/>
+                  </a:schemeClr>
+                </a:solidFill>
+                <a:latin typeface="+mn-lt"/>
+                <a:ea typeface="+mn-ea"/>
+                <a:cs typeface="+mn-cs"/>
+              </a:defRPr>
+            </a:lvl1pPr>
+            <a:lvl2pPr marL="457200" algn="l" defTabSz="457200" rtl="0" eaLnBrk="1" latinLnBrk="0" hangingPunct="1">
+              <a:defRPr sz="1800" kern="1200">
+                <a:solidFill>
+                  <a:schemeClr val="tx1"/>
+                </a:solidFill>
+                <a:latin typeface="+mn-lt"/>
+                <a:ea typeface="+mn-ea"/>
+                <a:cs typeface="+mn-cs"/>
+              </a:defRPr>
+            </a:lvl2pPr>
+            <a:lvl3pPr marL="914400" algn="l" defTabSz="457200" rtl="0" eaLnBrk="1" latinLnBrk="0" hangingPunct="1">
+              <a:defRPr sz="1800" kern="1200">
+                <a:solidFill>
+                  <a:schemeClr val="tx1"/>
+                </a:solidFill>
+                <a:latin typeface="+mn-lt"/>
+                <a:ea typeface="+mn-ea"/>
+                <a:cs typeface="+mn-cs"/>
+              </a:defRPr>
+            </a:lvl3pPr>
+            <a:lvl4pPr marL="1371600" algn="l" defTabSz="457200" rtl="0" eaLnBrk="1" latinLnBrk="0" hangingPunct="1">
+              <a:defRPr sz="1800" kern="1200">
+                <a:solidFill>
+                  <a:schemeClr val="tx1"/>
+                </a:solidFill>
+                <a:latin typeface="+mn-lt"/>
+                <a:ea typeface="+mn-ea"/>
+                <a:cs typeface="+mn-cs"/>
+              </a:defRPr>
+            </a:lvl4pPr>
+            <a:lvl5pPr marL="1828800" algn="l" defTabSz="457200" rtl="0" eaLnBrk="1" latinLnBrk="0" hangingPunct="1">
+              <a:defRPr sz="1800" kern="1200">
+                <a:solidFill>
+                  <a:schemeClr val="tx1"/>
+                </a:solidFill>
+                <a:latin typeface="+mn-lt"/>
+                <a:ea typeface="+mn-ea"/>
+                <a:cs typeface="+mn-cs"/>
+              </a:defRPr>
+            </a:lvl5pPr>
+            <a:lvl6pPr marL="2286000" algn="l" defTabSz="457200" rtl="0" eaLnBrk="1" latinLnBrk="0" hangingPunct="1">
+              <a:defRPr sz="1800" kern="1200">
+                <a:solidFill>
+                  <a:schemeClr val="tx1"/>
+                </a:solidFill>
+                <a:latin typeface="+mn-lt"/>
+                <a:ea typeface="+mn-ea"/>
+                <a:cs typeface="+mn-cs"/>
+              </a:defRPr>
+            </a:lvl6pPr>
+            <a:lvl7pPr marL="2743200" algn="l" defTabSz="457200" rtl="0" eaLnBrk="1" latinLnBrk="0" hangingPunct="1">
+              <a:defRPr sz="1800" kern="1200">
+                <a:solidFill>
+                  <a:schemeClr val="tx1"/>
+                </a:solidFill>
+                <a:latin typeface="+mn-lt"/>
+                <a:ea typeface="+mn-ea"/>
+                <a:cs typeface="+mn-cs"/>
+              </a:defRPr>
+            </a:lvl7pPr>
+            <a:lvl8pPr marL="3200400" algn="l" defTabSz="457200" rtl="0" eaLnBrk="1" latinLnBrk="0" hangingPunct="1">
+              <a:defRPr sz="1800" kern="1200">
+                <a:solidFill>
+                  <a:schemeClr val="tx1"/>
+                </a:solidFill>
+                <a:latin typeface="+mn-lt"/>
+                <a:ea typeface="+mn-ea"/>
+                <a:cs typeface="+mn-cs"/>
+              </a:defRPr>
+            </a:lvl8pPr>
+            <a:lvl9pPr marL="3657600" algn="l" defTabSz="457200" rtl="0" eaLnBrk="1" latinLnBrk="0" hangingPunct="1">
+              <a:defRPr sz="1800" kern="1200">
+                <a:solidFill>
+                  <a:schemeClr val="tx1"/>
+                </a:solidFill>
+                <a:latin typeface="+mn-lt"/>
+                <a:ea typeface="+mn-ea"/>
+                <a:cs typeface="+mn-cs"/>
+              </a:defRPr>
+            </a:lvl9pPr>
+          </a:lstStyle>
+          <a:p>
+            <a:fld id="{D57F1E4F-1CFF-5643-939E-217C01CDF565}" type="slidenum">
               <a:rPr lang="en-US" smtClean="0"/>
+              <a:pPr/>
               <a:t>‹#›</a:t>
             </a:fld>
             <a:endParaRPr lang="en-US" dirty="0"/>
           </a:p>
         </p:txBody>
       </p:sp>
-      <p:cxnSp>
-        <p:nvCxnSpPr>
-          <p:cNvPr id="9" name="Straight Connector 8"/>
-          <p:cNvCxnSpPr/>
-          <p:nvPr/>
-        </p:nvCxnSpPr>
-        <p:spPr>
-          <a:xfrm>
-            <a:off x="905744" y="4343400"/>
-            <a:ext cx="7406640" cy="0"/>
-          </a:xfrm>
-          <a:prstGeom prst="line">
-            <a:avLst/>
-          </a:prstGeom>
-          <a:ln w="6350">
-            <a:solidFill>
-              <a:schemeClr val="tx1">
-                <a:lumMod val="50000"/>
-                <a:lumOff val="50000"/>
-              </a:schemeClr>
-            </a:solidFill>
-          </a:ln>
-        </p:spPr>
-        <p:style>
-          <a:lnRef idx="1">
-            <a:schemeClr val="accent1"/>
-          </a:lnRef>
-          <a:fillRef idx="0">
-            <a:schemeClr val="accent1"/>
-          </a:fillRef>
-          <a:effectRef idx="0">
-            <a:schemeClr val="accent1"/>
-          </a:effectRef>
-          <a:fontRef idx="minor">
-            <a:schemeClr val="tx1"/>
-          </a:fontRef>
-        </p:style>
-      </p:cxnSp>
-      <p:sp>
-        <p:nvSpPr>
-          <p:cNvPr id="10" name="Rectangle 9"/>
+      <p:sp>
+        <p:nvSpPr>
+          <p:cNvPr id="12" name="Rectangle 11">
+            <a:extLst>
+              <a:ext uri="{FF2B5EF4-FFF2-40B4-BE49-F238E27FC236}">
+                <a16:creationId xmlns:a16="http://schemas.microsoft.com/office/drawing/2014/main" id="{D1F724A4-AADF-4292-8789-3D9AB8A1552A}"/>
+              </a:ext>
+            </a:extLst>
+          </p:cNvPr>
           <p:cNvSpPr/>
           <p:nvPr userDrawn="1"/>
         </p:nvSpPr>
@@ -2441,6 +2694,11 @@
         </p:txBody>
       </p:sp>
     </p:spTree>
+    <p:extLst>
+      <p:ext uri="{BB962C8B-B14F-4D97-AF65-F5344CB8AC3E}">
+        <p14:creationId xmlns:p14="http://schemas.microsoft.com/office/powerpoint/2010/main" val="3471350686"/>
+      </p:ext>
+    </p:extLst>
   </p:cSld>
   <p:clrMapOvr>
     <a:masterClrMapping/>
@@ -2467,7 +2725,46 @@
       </p:grpSpPr>
       <p:sp>
         <p:nvSpPr>
-          <p:cNvPr id="8" name="Title 7"/>
+          <p:cNvPr id="8" name="Rectangle 7"/>
+          <p:cNvSpPr>
+            <a:spLocks noChangeAspect="1"/>
+          </p:cNvSpPr>
+          <p:nvPr/>
+        </p:nvSpPr>
+        <p:spPr>
+          <a:xfrm>
+            <a:off x="448092" y="599725"/>
+            <a:ext cx="8238707" cy="1258827"/>
+          </a:xfrm>
+          <a:prstGeom prst="rect">
+            <a:avLst/>
+          </a:prstGeom>
+          <a:solidFill>
+            <a:schemeClr val="accent1"/>
+          </a:solidFill>
+          <a:ln>
+            <a:noFill/>
+          </a:ln>
+          <a:effectLst/>
+        </p:spPr>
+        <p:style>
+          <a:lnRef idx="1">
+            <a:schemeClr val="accent1"/>
+          </a:lnRef>
+          <a:fillRef idx="3">
+            <a:schemeClr val="accent1"/>
+          </a:fillRef>
+          <a:effectRef idx="2">
+            <a:schemeClr val="accent1"/>
+          </a:effectRef>
+          <a:fontRef idx="minor">
+            <a:schemeClr val="lt1"/>
+          </a:fontRef>
+        </p:style>
+      </p:sp>
+      <p:sp>
+        <p:nvSpPr>
+          <p:cNvPr id="2" name="Title 1"/>
           <p:cNvSpPr>
             <a:spLocks noGrp="1"/>
           </p:cNvSpPr>
@@ -2475,12 +2772,7 @@
             <p:ph type="title"/>
           </p:nvPr>
         </p:nvSpPr>
-        <p:spPr>
-          <a:xfrm>
-            <a:off x="301083" y="286604"/>
-            <a:ext cx="8541834" cy="1450757"/>
-          </a:xfrm>
-        </p:spPr>
+        <p:spPr/>
         <p:txBody>
           <a:bodyPr/>
           <a:lstStyle/>
@@ -2505,18 +2797,20 @@
         </p:nvSpPr>
         <p:spPr>
           <a:xfrm>
-            <a:off x="301083" y="1845734"/>
-            <a:ext cx="4225197" cy="4023360"/>
-          </a:xfrm>
-        </p:spPr>
-        <p:txBody>
-          <a:bodyPr/>
+            <a:off x="581192" y="2228002"/>
+            <a:ext cx="3899527" cy="3633047"/>
+          </a:xfrm>
+        </p:spPr>
+        <p:txBody>
+          <a:bodyPr>
+            <a:normAutofit/>
+          </a:bodyPr>
           <a:lstStyle/>
           <a:p>
             <a:pPr lvl="0"/>
             <a:r>
               <a:rPr lang="en-US"/>
-              <a:t>Click to edit Master text styles</a:t>
+              <a:t>Edit Master text styles</a:t>
             </a:r>
           </a:p>
           <a:p>
@@ -2562,18 +2856,20 @@
         </p:nvSpPr>
         <p:spPr>
           <a:xfrm>
-            <a:off x="4663439" y="1845736"/>
-            <a:ext cx="4179477" cy="4023359"/>
-          </a:xfrm>
-        </p:spPr>
-        <p:txBody>
-          <a:bodyPr/>
+            <a:off x="4663282" y="2228003"/>
+            <a:ext cx="3907662" cy="3633047"/>
+          </a:xfrm>
+        </p:spPr>
+        <p:txBody>
+          <a:bodyPr>
+            <a:normAutofit/>
+          </a:bodyPr>
           <a:lstStyle/>
           <a:p>
             <a:pPr lvl="0"/>
             <a:r>
               <a:rPr lang="en-US"/>
-              <a:t>Click to edit Master text styles</a:t>
+              <a:t>Edit Master text styles</a:t>
             </a:r>
           </a:p>
           <a:p>
@@ -2617,14 +2913,22 @@
             <p:ph type="dt" sz="half" idx="10"/>
           </p:nvPr>
         </p:nvSpPr>
-        <p:spPr/>
+        <p:spPr>
+          <a:xfrm>
+            <a:off x="5559327" y="5956136"/>
+            <a:ext cx="2133600" cy="365125"/>
+          </a:xfrm>
+          <a:prstGeom prst="rect">
+            <a:avLst/>
+          </a:prstGeom>
+        </p:spPr>
         <p:txBody>
           <a:bodyPr/>
           <a:lstStyle/>
           <a:p>
-            <a:fld id="{AC7C14B3-CBE3-4BAB-AF53-3B54FCB545DA}" type="datetime1">
+            <a:fld id="{D8241DBC-1E45-4541-84C2-39FE4EA7A568}" type="datetime1">
               <a:rPr lang="en-US" smtClean="0"/>
-              <a:t>6/7/18</a:t>
+              <a:t>6/12/18</a:t>
             </a:fld>
             <a:endParaRPr lang="en-US" dirty="0"/>
           </a:p>
@@ -2640,14 +2944,22 @@
             <p:ph type="ftr" sz="quarter" idx="11"/>
           </p:nvPr>
         </p:nvSpPr>
-        <p:spPr/>
+        <p:spPr>
+          <a:xfrm>
+            <a:off x="581192" y="5951810"/>
+            <a:ext cx="4870585" cy="365125"/>
+          </a:xfrm>
+          <a:prstGeom prst="rect">
+            <a:avLst/>
+          </a:prstGeom>
+        </p:spPr>
         <p:txBody>
           <a:bodyPr/>
           <a:lstStyle/>
           <a:p>
             <a:r>
               <a:rPr lang="en-US"/>
-              <a:t>© 2018, FLL Tutorials (Last Edit 8/26/2017)</a:t>
+              <a:t>© 2018, FLL Tutorials (Last Edit 6/11/2018)</a:t>
             </a:r>
             <a:endParaRPr lang="en-US" dirty="0"/>
           </a:p>
@@ -2663,7 +2975,15 @@
             <p:ph type="sldNum" sz="quarter" idx="12"/>
           </p:nvPr>
         </p:nvSpPr>
-        <p:spPr/>
+        <p:spPr>
+          <a:xfrm>
+            <a:off x="7800476" y="5956136"/>
+            <a:ext cx="770468" cy="365125"/>
+          </a:xfrm>
+          <a:prstGeom prst="rect">
+            <a:avLst/>
+          </a:prstGeom>
+        </p:spPr>
         <p:txBody>
           <a:bodyPr/>
           <a:lstStyle/>
@@ -2677,6 +2997,11 @@
         </p:txBody>
       </p:sp>
     </p:spTree>
+    <p:extLst>
+      <p:ext uri="{BB962C8B-B14F-4D97-AF65-F5344CB8AC3E}">
+        <p14:creationId xmlns:p14="http://schemas.microsoft.com/office/powerpoint/2010/main" val="2966707320"/>
+      </p:ext>
+    </p:extLst>
   </p:cSld>
   <p:clrMapOvr>
     <a:masterClrMapping/>
@@ -2703,7 +3028,46 @@
       </p:grpSpPr>
       <p:sp>
         <p:nvSpPr>
-          <p:cNvPr id="10" name="Title 9"/>
+          <p:cNvPr id="10" name="Rectangle 9"/>
+          <p:cNvSpPr>
+            <a:spLocks noChangeAspect="1"/>
+          </p:cNvSpPr>
+          <p:nvPr/>
+        </p:nvSpPr>
+        <p:spPr>
+          <a:xfrm>
+            <a:off x="448092" y="599725"/>
+            <a:ext cx="8238707" cy="1258827"/>
+          </a:xfrm>
+          <a:prstGeom prst="rect">
+            <a:avLst/>
+          </a:prstGeom>
+          <a:solidFill>
+            <a:schemeClr val="accent1"/>
+          </a:solidFill>
+          <a:ln>
+            <a:noFill/>
+          </a:ln>
+          <a:effectLst/>
+        </p:spPr>
+        <p:style>
+          <a:lnRef idx="1">
+            <a:schemeClr val="accent1"/>
+          </a:lnRef>
+          <a:fillRef idx="3">
+            <a:schemeClr val="accent1"/>
+          </a:fillRef>
+          <a:effectRef idx="2">
+            <a:schemeClr val="accent1"/>
+          </a:effectRef>
+          <a:fontRef idx="minor">
+            <a:schemeClr val="lt1"/>
+          </a:fontRef>
+        </p:style>
+      </p:sp>
+      <p:sp>
+        <p:nvSpPr>
+          <p:cNvPr id="2" name="Title 1"/>
           <p:cNvSpPr>
             <a:spLocks noGrp="1"/>
           </p:cNvSpPr>
@@ -2711,15 +3075,14 @@
             <p:ph type="title"/>
           </p:nvPr>
         </p:nvSpPr>
-        <p:spPr>
-          <a:xfrm>
-            <a:off x="822960" y="286604"/>
-            <a:ext cx="7543800" cy="1450757"/>
-          </a:xfrm>
-        </p:spPr>
+        <p:spPr/>
         <p:txBody>
           <a:bodyPr/>
-          <a:lstStyle/>
+          <a:lstStyle>
+            <a:lvl1pPr>
+              <a:defRPr/>
+            </a:lvl1pPr>
+          </a:lstStyle>
           <a:p>
             <a:r>
               <a:rPr lang="en-US"/>
@@ -2741,20 +3104,20 @@
         </p:nvSpPr>
         <p:spPr>
           <a:xfrm>
-            <a:off x="822960" y="1846052"/>
-            <a:ext cx="3703320" cy="736282"/>
-          </a:xfrm>
-        </p:spPr>
-        <p:txBody>
-          <a:bodyPr lIns="91440" rIns="91440" anchor="ctr">
-            <a:normAutofit/>
+            <a:off x="887219" y="2228003"/>
+            <a:ext cx="3593500" cy="576262"/>
+          </a:xfrm>
+        </p:spPr>
+        <p:txBody>
+          <a:bodyPr anchor="b">
+            <a:noAutofit/>
           </a:bodyPr>
           <a:lstStyle>
             <a:lvl1pPr marL="0" indent="0">
               <a:buNone/>
-              <a:defRPr sz="2000" b="0" cap="all" baseline="0">
+              <a:defRPr sz="2200" b="0">
                 <a:solidFill>
-                  <a:schemeClr val="tx2"/>
+                  <a:schemeClr val="accent2"/>
                 </a:solidFill>
               </a:defRPr>
             </a:lvl1pPr>
@@ -2795,7 +3158,7 @@
             <a:pPr lvl="0"/>
             <a:r>
               <a:rPr lang="en-US"/>
-              <a:t>Click to edit Master text styles</a:t>
+              <a:t>Edit Master text styles</a:t>
             </a:r>
           </a:p>
         </p:txBody>
@@ -2812,18 +3175,20 @@
         </p:nvSpPr>
         <p:spPr>
           <a:xfrm>
-            <a:off x="822960" y="2582334"/>
-            <a:ext cx="3703320" cy="3286760"/>
-          </a:xfrm>
-        </p:spPr>
-        <p:txBody>
-          <a:bodyPr/>
+            <a:off x="581192" y="2926051"/>
+            <a:ext cx="3899527" cy="2934999"/>
+          </a:xfrm>
+        </p:spPr>
+        <p:txBody>
+          <a:bodyPr anchor="t">
+            <a:normAutofit/>
+          </a:bodyPr>
           <a:lstStyle/>
           <a:p>
             <a:pPr lvl="0"/>
             <a:r>
               <a:rPr lang="en-US"/>
-              <a:t>Click to edit Master text styles</a:t>
+              <a:t>Edit Master text styles</a:t>
             </a:r>
           </a:p>
           <a:p>
@@ -2869,20 +3234,20 @@
         </p:nvSpPr>
         <p:spPr>
           <a:xfrm>
-            <a:off x="4663440" y="1846052"/>
-            <a:ext cx="3703320" cy="736282"/>
-          </a:xfrm>
-        </p:spPr>
-        <p:txBody>
-          <a:bodyPr lIns="91440" rIns="91440" anchor="ctr">
-            <a:normAutofit/>
+            <a:off x="4969308" y="2228003"/>
+            <a:ext cx="3601635" cy="576262"/>
+          </a:xfrm>
+        </p:spPr>
+        <p:txBody>
+          <a:bodyPr anchor="b">
+            <a:noAutofit/>
           </a:bodyPr>
           <a:lstStyle>
             <a:lvl1pPr marL="0" indent="0">
               <a:buNone/>
-              <a:defRPr sz="2000" b="0" cap="all" baseline="0">
+              <a:defRPr sz="2200" b="0">
                 <a:solidFill>
-                  <a:schemeClr val="tx2"/>
+                  <a:schemeClr val="accent2"/>
                 </a:solidFill>
               </a:defRPr>
             </a:lvl1pPr>
@@ -2923,7 +3288,7 @@
             <a:pPr lvl="0"/>
             <a:r>
               <a:rPr lang="en-US"/>
-              <a:t>Click to edit Master text styles</a:t>
+              <a:t>Edit Master text styles</a:t>
             </a:r>
           </a:p>
         </p:txBody>
@@ -2940,18 +3305,20 @@
         </p:nvSpPr>
         <p:spPr>
           <a:xfrm>
-            <a:off x="4663440" y="2582334"/>
-            <a:ext cx="3703320" cy="3286760"/>
-          </a:xfrm>
-        </p:spPr>
-        <p:txBody>
-          <a:bodyPr/>
+            <a:off x="4663282" y="2926051"/>
+            <a:ext cx="3907662" cy="2934999"/>
+          </a:xfrm>
+        </p:spPr>
+        <p:txBody>
+          <a:bodyPr anchor="t">
+            <a:normAutofit/>
+          </a:bodyPr>
           <a:lstStyle/>
           <a:p>
             <a:pPr lvl="0"/>
             <a:r>
               <a:rPr lang="en-US"/>
-              <a:t>Click to edit Master text styles</a:t>
+              <a:t>Edit Master text styles</a:t>
             </a:r>
           </a:p>
           <a:p>
@@ -2995,14 +3362,22 @@
             <p:ph type="dt" sz="half" idx="10"/>
           </p:nvPr>
         </p:nvSpPr>
-        <p:spPr/>
+        <p:spPr>
+          <a:xfrm>
+            <a:off x="5559327" y="5956136"/>
+            <a:ext cx="2133600" cy="365125"/>
+          </a:xfrm>
+          <a:prstGeom prst="rect">
+            <a:avLst/>
+          </a:prstGeom>
+        </p:spPr>
         <p:txBody>
           <a:bodyPr/>
           <a:lstStyle/>
           <a:p>
-            <a:fld id="{0069D504-A5FC-45CF-A635-D855D3FAF0EC}" type="datetime1">
+            <a:fld id="{BFA4465A-DA01-4452-8B56-1F82BF5AA578}" type="datetime1">
               <a:rPr lang="en-US" smtClean="0"/>
-              <a:t>6/7/18</a:t>
+              <a:t>6/12/18</a:t>
             </a:fld>
             <a:endParaRPr lang="en-US" dirty="0"/>
           </a:p>
@@ -3018,14 +3393,22 @@
             <p:ph type="ftr" sz="quarter" idx="11"/>
           </p:nvPr>
         </p:nvSpPr>
-        <p:spPr/>
+        <p:spPr>
+          <a:xfrm>
+            <a:off x="581192" y="5951810"/>
+            <a:ext cx="4870585" cy="365125"/>
+          </a:xfrm>
+          <a:prstGeom prst="rect">
+            <a:avLst/>
+          </a:prstGeom>
+        </p:spPr>
         <p:txBody>
           <a:bodyPr/>
           <a:lstStyle/>
           <a:p>
             <a:r>
               <a:rPr lang="en-US"/>
-              <a:t>© 2018, FLL Tutorials (Last Edit 8/26/2017)</a:t>
+              <a:t>© 2018, FLL Tutorials (Last Edit 6/11/2018)</a:t>
             </a:r>
             <a:endParaRPr lang="en-US" dirty="0"/>
           </a:p>
@@ -3041,7 +3424,15 @@
             <p:ph type="sldNum" sz="quarter" idx="12"/>
           </p:nvPr>
         </p:nvSpPr>
-        <p:spPr/>
+        <p:spPr>
+          <a:xfrm>
+            <a:off x="7800476" y="5956136"/>
+            <a:ext cx="770468" cy="365125"/>
+          </a:xfrm>
+          <a:prstGeom prst="rect">
+            <a:avLst/>
+          </a:prstGeom>
+        </p:spPr>
         <p:txBody>
           <a:bodyPr/>
           <a:lstStyle/>
@@ -3055,6 +3446,11 @@
         </p:txBody>
       </p:sp>
     </p:spTree>
+    <p:extLst>
+      <p:ext uri="{BB962C8B-B14F-4D97-AF65-F5344CB8AC3E}">
+        <p14:creationId xmlns:p14="http://schemas.microsoft.com/office/powerpoint/2010/main" val="2203263972"/>
+      </p:ext>
+    </p:extLst>
   </p:cSld>
   <p:clrMapOvr>
     <a:masterClrMapping/>
@@ -3081,6 +3477,45 @@
       </p:grpSpPr>
       <p:sp>
         <p:nvSpPr>
+          <p:cNvPr id="6" name="Rectangle 5"/>
+          <p:cNvSpPr>
+            <a:spLocks noChangeAspect="1"/>
+          </p:cNvSpPr>
+          <p:nvPr/>
+        </p:nvSpPr>
+        <p:spPr>
+          <a:xfrm>
+            <a:off x="448092" y="599725"/>
+            <a:ext cx="8238707" cy="1258827"/>
+          </a:xfrm>
+          <a:prstGeom prst="rect">
+            <a:avLst/>
+          </a:prstGeom>
+          <a:solidFill>
+            <a:schemeClr val="accent1"/>
+          </a:solidFill>
+          <a:ln>
+            <a:noFill/>
+          </a:ln>
+          <a:effectLst/>
+        </p:spPr>
+        <p:style>
+          <a:lnRef idx="1">
+            <a:schemeClr val="accent1"/>
+          </a:lnRef>
+          <a:fillRef idx="3">
+            <a:schemeClr val="accent1"/>
+          </a:fillRef>
+          <a:effectRef idx="2">
+            <a:schemeClr val="accent1"/>
+          </a:effectRef>
+          <a:fontRef idx="minor">
+            <a:schemeClr val="lt1"/>
+          </a:fontRef>
+        </p:style>
+      </p:sp>
+      <p:sp>
+        <p:nvSpPr>
           <p:cNvPr id="2" name="Title 1"/>
           <p:cNvSpPr>
             <a:spLocks noGrp="1"/>
@@ -3112,14 +3547,22 @@
             <p:ph type="dt" sz="half" idx="10"/>
           </p:nvPr>
         </p:nvSpPr>
-        <p:spPr/>
+        <p:spPr>
+          <a:xfrm>
+            <a:off x="5559327" y="5956136"/>
+            <a:ext cx="2133600" cy="365125"/>
+          </a:xfrm>
+          <a:prstGeom prst="rect">
+            <a:avLst/>
+          </a:prstGeom>
+        </p:spPr>
         <p:txBody>
           <a:bodyPr/>
           <a:lstStyle/>
           <a:p>
-            <a:fld id="{C9130B93-742E-4490-B191-BFF623856DD7}" type="datetime1">
+            <a:fld id="{9081DE0A-4D00-4D4C-8B3F-B58244B2A185}" type="datetime1">
               <a:rPr lang="en-US" smtClean="0"/>
-              <a:t>6/7/18</a:t>
+              <a:t>6/12/18</a:t>
             </a:fld>
             <a:endParaRPr lang="en-US" dirty="0"/>
           </a:p>
@@ -3135,14 +3578,22 @@
             <p:ph type="ftr" sz="quarter" idx="11"/>
           </p:nvPr>
         </p:nvSpPr>
-        <p:spPr/>
+        <p:spPr>
+          <a:xfrm>
+            <a:off x="581192" y="5951810"/>
+            <a:ext cx="4870585" cy="365125"/>
+          </a:xfrm>
+          <a:prstGeom prst="rect">
+            <a:avLst/>
+          </a:prstGeom>
+        </p:spPr>
         <p:txBody>
           <a:bodyPr/>
           <a:lstStyle/>
           <a:p>
             <a:r>
               <a:rPr lang="en-US"/>
-              <a:t>© 2018, FLL Tutorials (Last Edit 8/26/2017)</a:t>
+              <a:t>© 2018, FLL Tutorials (Last Edit 6/11/2018)</a:t>
             </a:r>
             <a:endParaRPr lang="en-US" dirty="0"/>
           </a:p>
@@ -3158,7 +3609,15 @@
             <p:ph type="sldNum" sz="quarter" idx="12"/>
           </p:nvPr>
         </p:nvSpPr>
-        <p:spPr/>
+        <p:spPr>
+          <a:xfrm>
+            <a:off x="7800476" y="5956136"/>
+            <a:ext cx="770468" cy="365125"/>
+          </a:xfrm>
+          <a:prstGeom prst="rect">
+            <a:avLst/>
+          </a:prstGeom>
+        </p:spPr>
         <p:txBody>
           <a:bodyPr/>
           <a:lstStyle/>
@@ -3172,6 +3631,11 @@
         </p:txBody>
       </p:sp>
     </p:spTree>
+    <p:extLst>
+      <p:ext uri="{BB962C8B-B14F-4D97-AF65-F5344CB8AC3E}">
+        <p14:creationId xmlns:p14="http://schemas.microsoft.com/office/powerpoint/2010/main" val="1931529125"/>
+      </p:ext>
+    </p:extLst>
   </p:cSld>
   <p:clrMapOvr>
     <a:masterClrMapping/>
@@ -3180,7 +3644,7 @@
 </file>
 
 <file path=ppt/slideLayouts/slideLayout7.xml><?xml version="1.0" encoding="utf-8"?>
-<p:sldLayout xmlns:a="http://schemas.openxmlformats.org/drawingml/2006/main" xmlns:r="http://schemas.openxmlformats.org/officeDocument/2006/relationships" xmlns:p="http://schemas.openxmlformats.org/presentationml/2006/main" showMasterSp="0" type="blank" preserve="1">
+<p:sldLayout xmlns:a="http://schemas.openxmlformats.org/drawingml/2006/main" xmlns:r="http://schemas.openxmlformats.org/officeDocument/2006/relationships" xmlns:p="http://schemas.openxmlformats.org/presentationml/2006/main" type="blank" preserve="1">
   <p:cSld name="Blank">
     <p:spTree>
       <p:nvGrpSpPr>
@@ -3198,137 +3662,69 @@
       </p:grpSpPr>
       <p:sp>
         <p:nvSpPr>
-          <p:cNvPr id="5" name="Rectangle 4"/>
-          <p:cNvSpPr/>
-          <p:nvPr/>
-        </p:nvSpPr>
-        <p:spPr>
-          <a:xfrm>
-            <a:off x="2382" y="6400800"/>
-            <a:ext cx="9141619" cy="457200"/>
+          <p:cNvPr id="2" name="Date Placeholder 1"/>
+          <p:cNvSpPr>
+            <a:spLocks noGrp="1"/>
+          </p:cNvSpPr>
+          <p:nvPr>
+            <p:ph type="dt" sz="half" idx="10"/>
+          </p:nvPr>
+        </p:nvSpPr>
+        <p:spPr>
+          <a:xfrm>
+            <a:off x="5559327" y="5956136"/>
+            <a:ext cx="2133600" cy="365125"/>
           </a:xfrm>
           <a:prstGeom prst="rect">
             <a:avLst/>
           </a:prstGeom>
-          <a:solidFill>
-            <a:schemeClr val="accent2"/>
-          </a:solidFill>
-          <a:ln>
-            <a:noFill/>
-          </a:ln>
-        </p:spPr>
-        <p:style>
-          <a:lnRef idx="2">
-            <a:schemeClr val="accent1">
-              <a:shade val="50000"/>
-            </a:schemeClr>
-          </a:lnRef>
-          <a:fillRef idx="1">
-            <a:schemeClr val="accent1"/>
-          </a:fillRef>
-          <a:effectRef idx="0">
-            <a:schemeClr val="accent1"/>
-          </a:effectRef>
-          <a:fontRef idx="minor">
-            <a:schemeClr val="lt1"/>
-          </a:fontRef>
-        </p:style>
-      </p:sp>
-      <p:sp>
-        <p:nvSpPr>
-          <p:cNvPr id="6" name="Rectangle 5"/>
-          <p:cNvSpPr/>
-          <p:nvPr/>
-        </p:nvSpPr>
-        <p:spPr>
-          <a:xfrm>
-            <a:off x="12" y="6334316"/>
-            <a:ext cx="9141619" cy="64008"/>
+        </p:spPr>
+        <p:txBody>
+          <a:bodyPr/>
+          <a:lstStyle/>
+          <a:p>
+            <a:fld id="{9AD813E9-08B9-43B9-8359-A874B5CE3671}" type="datetime1">
+              <a:rPr lang="en-US" smtClean="0"/>
+              <a:t>6/12/18</a:t>
+            </a:fld>
+            <a:endParaRPr lang="en-US" dirty="0"/>
+          </a:p>
+        </p:txBody>
+      </p:sp>
+      <p:sp>
+        <p:nvSpPr>
+          <p:cNvPr id="3" name="Footer Placeholder 2"/>
+          <p:cNvSpPr>
+            <a:spLocks noGrp="1"/>
+          </p:cNvSpPr>
+          <p:nvPr>
+            <p:ph type="ftr" sz="quarter" idx="11"/>
+          </p:nvPr>
+        </p:nvSpPr>
+        <p:spPr>
+          <a:xfrm>
+            <a:off x="581192" y="5951810"/>
+            <a:ext cx="4870585" cy="365125"/>
           </a:xfrm>
           <a:prstGeom prst="rect">
             <a:avLst/>
           </a:prstGeom>
-          <a:solidFill>
-            <a:schemeClr val="accent1"/>
-          </a:solidFill>
-          <a:ln>
-            <a:noFill/>
-          </a:ln>
-        </p:spPr>
-        <p:style>
-          <a:lnRef idx="2">
-            <a:schemeClr val="accent1">
-              <a:shade val="50000"/>
-            </a:schemeClr>
-          </a:lnRef>
-          <a:fillRef idx="1">
-            <a:schemeClr val="accent1"/>
-          </a:fillRef>
-          <a:effectRef idx="0">
-            <a:schemeClr val="accent1"/>
-          </a:effectRef>
-          <a:fontRef idx="minor">
-            <a:schemeClr val="lt1"/>
-          </a:fontRef>
-        </p:style>
-      </p:sp>
-      <p:sp>
-        <p:nvSpPr>
-          <p:cNvPr id="7" name="Date Placeholder 6"/>
-          <p:cNvSpPr>
-            <a:spLocks noGrp="1"/>
-          </p:cNvSpPr>
-          <p:nvPr>
-            <p:ph type="dt" sz="half" idx="10"/>
-          </p:nvPr>
-        </p:nvSpPr>
-        <p:spPr/>
+        </p:spPr>
         <p:txBody>
           <a:bodyPr/>
           <a:lstStyle/>
           <a:p>
-            <a:fld id="{C20BC507-8CDF-4075-AA80-7F21DCFCF6FA}" type="datetime1">
-              <a:rPr lang="en-US" smtClean="0"/>
-              <a:t>6/7/18</a:t>
-            </a:fld>
+            <a:r>
+              <a:rPr lang="en-US"/>
+              <a:t>© 2018, FLL Tutorials (Last Edit 6/11/2018)</a:t>
+            </a:r>
             <a:endParaRPr lang="en-US" dirty="0"/>
           </a:p>
         </p:txBody>
       </p:sp>
       <p:sp>
         <p:nvSpPr>
-          <p:cNvPr id="8" name="Footer Placeholder 7"/>
-          <p:cNvSpPr>
-            <a:spLocks noGrp="1"/>
-          </p:cNvSpPr>
-          <p:nvPr>
-            <p:ph type="ftr" sz="quarter" idx="11"/>
-          </p:nvPr>
-        </p:nvSpPr>
-        <p:spPr/>
-        <p:txBody>
-          <a:bodyPr/>
-          <a:lstStyle>
-            <a:lvl1pPr>
-              <a:defRPr>
-                <a:solidFill>
-                  <a:srgbClr val="FFFFFF"/>
-                </a:solidFill>
-              </a:defRPr>
-            </a:lvl1pPr>
-          </a:lstStyle>
-          <a:p>
-            <a:r>
-              <a:rPr lang="en-US"/>
-              <a:t>© 2018, FLL Tutorials (Last Edit 8/26/2017)</a:t>
-            </a:r>
-            <a:endParaRPr lang="en-US" dirty="0"/>
-          </a:p>
-        </p:txBody>
-      </p:sp>
-      <p:sp>
-        <p:nvSpPr>
-          <p:cNvPr id="9" name="Slide Number Placeholder 8"/>
+          <p:cNvPr id="4" name="Slide Number Placeholder 3"/>
           <p:cNvSpPr>
             <a:spLocks noGrp="1"/>
           </p:cNvSpPr>
@@ -3336,7 +3732,15 @@
             <p:ph type="sldNum" sz="quarter" idx="12"/>
           </p:nvPr>
         </p:nvSpPr>
-        <p:spPr/>
+        <p:spPr>
+          <a:xfrm>
+            <a:off x="7800476" y="5956136"/>
+            <a:ext cx="770468" cy="365125"/>
+          </a:xfrm>
+          <a:prstGeom prst="rect">
+            <a:avLst/>
+          </a:prstGeom>
+        </p:spPr>
         <p:txBody>
           <a:bodyPr/>
           <a:lstStyle/>
@@ -3350,6 +3754,11 @@
         </p:txBody>
       </p:sp>
     </p:spTree>
+    <p:extLst>
+      <p:ext uri="{BB962C8B-B14F-4D97-AF65-F5344CB8AC3E}">
+        <p14:creationId xmlns:p14="http://schemas.microsoft.com/office/powerpoint/2010/main" val="2394452197"/>
+      </p:ext>
+    </p:extLst>
   </p:cSld>
   <p:clrMapOvr>
     <a:masterClrMapping/>
@@ -3358,7 +3767,7 @@
 </file>
 
 <file path=ppt/slideLayouts/slideLayout8.xml><?xml version="1.0" encoding="utf-8"?>
-<p:sldLayout xmlns:a="http://schemas.openxmlformats.org/drawingml/2006/main" xmlns:r="http://schemas.openxmlformats.org/officeDocument/2006/relationships" xmlns:p="http://schemas.openxmlformats.org/presentationml/2006/main" showMasterSp="0" type="objTx" preserve="1">
+<p:sldLayout xmlns:a="http://schemas.openxmlformats.org/drawingml/2006/main" xmlns:r="http://schemas.openxmlformats.org/officeDocument/2006/relationships" xmlns:p="http://schemas.openxmlformats.org/presentationml/2006/main" type="objTx" preserve="1">
   <p:cSld name="Content with Caption">
     <p:spTree>
       <p:nvGrpSpPr>
@@ -3376,52 +3785,16 @@
       </p:grpSpPr>
       <p:sp>
         <p:nvSpPr>
-          <p:cNvPr id="8" name="Rectangle 7"/>
-          <p:cNvSpPr/>
+          <p:cNvPr id="9" name="Rectangle 8"/>
+          <p:cNvSpPr>
+            <a:spLocks noChangeAspect="1"/>
+          </p:cNvSpPr>
           <p:nvPr/>
         </p:nvSpPr>
         <p:spPr>
           <a:xfrm>
-            <a:off x="13" y="0"/>
-            <a:ext cx="3038093" cy="6858000"/>
-          </a:xfrm>
-          <a:prstGeom prst="rect">
-            <a:avLst/>
-          </a:prstGeom>
-          <a:solidFill>
-            <a:schemeClr val="accent2"/>
-          </a:solidFill>
-          <a:ln>
-            <a:noFill/>
-          </a:ln>
-        </p:spPr>
-        <p:style>
-          <a:lnRef idx="2">
-            <a:schemeClr val="accent1">
-              <a:shade val="50000"/>
-            </a:schemeClr>
-          </a:lnRef>
-          <a:fillRef idx="1">
-            <a:schemeClr val="accent1"/>
-          </a:fillRef>
-          <a:effectRef idx="0">
-            <a:schemeClr val="accent1"/>
-          </a:effectRef>
-          <a:fontRef idx="minor">
-            <a:schemeClr val="lt1"/>
-          </a:fontRef>
-        </p:style>
-      </p:sp>
-      <p:sp>
-        <p:nvSpPr>
-          <p:cNvPr id="9" name="Rectangle 8"/>
-          <p:cNvSpPr/>
-          <p:nvPr/>
-        </p:nvSpPr>
-        <p:spPr>
-          <a:xfrm>
-            <a:off x="3030053" y="0"/>
-            <a:ext cx="48006" cy="6858000"/>
+            <a:off x="452646" y="5141973"/>
+            <a:ext cx="8238707" cy="1274702"/>
           </a:xfrm>
           <a:prstGeom prst="rect">
             <a:avLst/>
@@ -3432,17 +3805,16 @@
           <a:ln>
             <a:noFill/>
           </a:ln>
+          <a:effectLst/>
         </p:spPr>
         <p:style>
-          <a:lnRef idx="2">
-            <a:schemeClr val="accent1">
-              <a:shade val="50000"/>
-            </a:schemeClr>
+          <a:lnRef idx="1">
+            <a:schemeClr val="accent1"/>
           </a:lnRef>
-          <a:fillRef idx="1">
+          <a:fillRef idx="3">
             <a:schemeClr val="accent1"/>
           </a:fillRef>
-          <a:effectRef idx="0">
+          <a:effectRef idx="2">
             <a:schemeClr val="accent1"/>
           </a:effectRef>
           <a:fontRef idx="minor">
@@ -3462,8 +3834,397 @@
         </p:nvSpPr>
         <p:spPr>
           <a:xfrm>
-            <a:off x="342900" y="594359"/>
-            <a:ext cx="2400300" cy="2286000"/>
+            <a:off x="581352" y="5262296"/>
+            <a:ext cx="3536625" cy="689514"/>
+          </a:xfrm>
+        </p:spPr>
+        <p:txBody>
+          <a:bodyPr anchor="ctr"/>
+          <a:lstStyle>
+            <a:lvl1pPr algn="l">
+              <a:defRPr sz="2000" b="0">
+                <a:solidFill>
+                  <a:schemeClr val="accent1">
+                    <a:lumMod val="75000"/>
+                    <a:lumOff val="25000"/>
+                  </a:schemeClr>
+                </a:solidFill>
+              </a:defRPr>
+            </a:lvl1pPr>
+          </a:lstStyle>
+          <a:p>
+            <a:r>
+              <a:rPr lang="en-US"/>
+              <a:t>Click to edit Master title style</a:t>
+            </a:r>
+            <a:endParaRPr lang="en-US" dirty="0"/>
+          </a:p>
+        </p:txBody>
+      </p:sp>
+      <p:sp>
+        <p:nvSpPr>
+          <p:cNvPr id="3" name="Content Placeholder 2"/>
+          <p:cNvSpPr>
+            <a:spLocks noGrp="1"/>
+          </p:cNvSpPr>
+          <p:nvPr>
+            <p:ph idx="1"/>
+          </p:nvPr>
+        </p:nvSpPr>
+        <p:spPr>
+          <a:xfrm>
+            <a:off x="446399" y="601200"/>
+            <a:ext cx="8240400" cy="4204800"/>
+          </a:xfrm>
+        </p:spPr>
+        <p:txBody>
+          <a:bodyPr anchor="ctr">
+            <a:normAutofit/>
+          </a:bodyPr>
+          <a:lstStyle>
+            <a:lvl1pPr>
+              <a:defRPr sz="2000">
+                <a:solidFill>
+                  <a:schemeClr val="tx2"/>
+                </a:solidFill>
+              </a:defRPr>
+            </a:lvl1pPr>
+            <a:lvl2pPr>
+              <a:defRPr sz="1800">
+                <a:solidFill>
+                  <a:schemeClr val="tx2"/>
+                </a:solidFill>
+              </a:defRPr>
+            </a:lvl2pPr>
+            <a:lvl3pPr>
+              <a:defRPr sz="1600">
+                <a:solidFill>
+                  <a:schemeClr val="tx2"/>
+                </a:solidFill>
+              </a:defRPr>
+            </a:lvl3pPr>
+            <a:lvl4pPr>
+              <a:defRPr sz="1400">
+                <a:solidFill>
+                  <a:schemeClr val="tx2"/>
+                </a:solidFill>
+              </a:defRPr>
+            </a:lvl4pPr>
+            <a:lvl5pPr>
+              <a:defRPr sz="1400">
+                <a:solidFill>
+                  <a:schemeClr val="tx2"/>
+                </a:solidFill>
+              </a:defRPr>
+            </a:lvl5pPr>
+            <a:lvl6pPr>
+              <a:defRPr sz="1400">
+                <a:solidFill>
+                  <a:schemeClr val="tx2"/>
+                </a:solidFill>
+              </a:defRPr>
+            </a:lvl6pPr>
+            <a:lvl7pPr>
+              <a:defRPr sz="1400">
+                <a:solidFill>
+                  <a:schemeClr val="tx2"/>
+                </a:solidFill>
+              </a:defRPr>
+            </a:lvl7pPr>
+            <a:lvl8pPr>
+              <a:defRPr sz="1400">
+                <a:solidFill>
+                  <a:schemeClr val="tx2"/>
+                </a:solidFill>
+              </a:defRPr>
+            </a:lvl8pPr>
+            <a:lvl9pPr>
+              <a:defRPr sz="1400">
+                <a:solidFill>
+                  <a:schemeClr val="tx2"/>
+                </a:solidFill>
+              </a:defRPr>
+            </a:lvl9pPr>
+          </a:lstStyle>
+          <a:p>
+            <a:pPr lvl="0"/>
+            <a:r>
+              <a:rPr lang="en-US"/>
+              <a:t>Edit Master text styles</a:t>
+            </a:r>
+          </a:p>
+          <a:p>
+            <a:pPr lvl="1"/>
+            <a:r>
+              <a:rPr lang="en-US"/>
+              <a:t>Second level</a:t>
+            </a:r>
+          </a:p>
+          <a:p>
+            <a:pPr lvl="2"/>
+            <a:r>
+              <a:rPr lang="en-US"/>
+              <a:t>Third level</a:t>
+            </a:r>
+          </a:p>
+          <a:p>
+            <a:pPr lvl="3"/>
+            <a:r>
+              <a:rPr lang="en-US"/>
+              <a:t>Fourth level</a:t>
+            </a:r>
+          </a:p>
+          <a:p>
+            <a:pPr lvl="4"/>
+            <a:r>
+              <a:rPr lang="en-US"/>
+              <a:t>Fifth level</a:t>
+            </a:r>
+            <a:endParaRPr lang="en-US" dirty="0"/>
+          </a:p>
+        </p:txBody>
+      </p:sp>
+      <p:sp>
+        <p:nvSpPr>
+          <p:cNvPr id="4" name="Text Placeholder 3"/>
+          <p:cNvSpPr>
+            <a:spLocks noGrp="1"/>
+          </p:cNvSpPr>
+          <p:nvPr>
+            <p:ph type="body" sz="half" idx="2"/>
+          </p:nvPr>
+        </p:nvSpPr>
+        <p:spPr>
+          <a:xfrm>
+            <a:off x="4305617" y="5262295"/>
+            <a:ext cx="4265327" cy="689515"/>
+          </a:xfrm>
+        </p:spPr>
+        <p:txBody>
+          <a:bodyPr anchor="ctr">
+            <a:normAutofit/>
+          </a:bodyPr>
+          <a:lstStyle>
+            <a:lvl1pPr marL="0" indent="0" algn="r">
+              <a:buNone/>
+              <a:defRPr sz="1100">
+                <a:solidFill>
+                  <a:schemeClr val="bg1"/>
+                </a:solidFill>
+              </a:defRPr>
+            </a:lvl1pPr>
+            <a:lvl2pPr marL="457200" indent="0">
+              <a:buNone/>
+              <a:defRPr sz="1100"/>
+            </a:lvl2pPr>
+            <a:lvl3pPr marL="914400" indent="0">
+              <a:buNone/>
+              <a:defRPr sz="1000"/>
+            </a:lvl3pPr>
+            <a:lvl4pPr marL="1371600" indent="0">
+              <a:buNone/>
+              <a:defRPr sz="900"/>
+            </a:lvl4pPr>
+            <a:lvl5pPr marL="1828800" indent="0">
+              <a:buNone/>
+              <a:defRPr sz="900"/>
+            </a:lvl5pPr>
+            <a:lvl6pPr marL="2286000" indent="0">
+              <a:buNone/>
+              <a:defRPr sz="900"/>
+            </a:lvl6pPr>
+            <a:lvl7pPr marL="2743200" indent="0">
+              <a:buNone/>
+              <a:defRPr sz="900"/>
+            </a:lvl7pPr>
+            <a:lvl8pPr marL="3200400" indent="0">
+              <a:buNone/>
+              <a:defRPr sz="900"/>
+            </a:lvl8pPr>
+            <a:lvl9pPr marL="3657600" indent="0">
+              <a:buNone/>
+              <a:defRPr sz="900"/>
+            </a:lvl9pPr>
+          </a:lstStyle>
+          <a:p>
+            <a:pPr lvl="0"/>
+            <a:r>
+              <a:rPr lang="en-US"/>
+              <a:t>Edit Master text styles</a:t>
+            </a:r>
+          </a:p>
+        </p:txBody>
+      </p:sp>
+      <p:sp>
+        <p:nvSpPr>
+          <p:cNvPr id="5" name="Date Placeholder 4"/>
+          <p:cNvSpPr>
+            <a:spLocks noGrp="1"/>
+          </p:cNvSpPr>
+          <p:nvPr>
+            <p:ph type="dt" sz="half" idx="10"/>
+          </p:nvPr>
+        </p:nvSpPr>
+        <p:spPr>
+          <a:xfrm>
+            <a:off x="5559327" y="5956136"/>
+            <a:ext cx="2133600" cy="365125"/>
+          </a:xfrm>
+          <a:prstGeom prst="rect">
+            <a:avLst/>
+          </a:prstGeom>
+        </p:spPr>
+        <p:txBody>
+          <a:bodyPr/>
+          <a:lstStyle>
+            <a:lvl1pPr>
+              <a:defRPr>
+                <a:solidFill>
+                  <a:schemeClr val="accent1">
+                    <a:lumMod val="75000"/>
+                    <a:lumOff val="25000"/>
+                  </a:schemeClr>
+                </a:solidFill>
+              </a:defRPr>
+            </a:lvl1pPr>
+          </a:lstStyle>
+          <a:p>
+            <a:fld id="{A2616F96-B4D8-4828-9E39-189DA7B11012}" type="datetime1">
+              <a:rPr lang="en-US" smtClean="0"/>
+              <a:t>6/12/18</a:t>
+            </a:fld>
+            <a:endParaRPr lang="en-US" dirty="0"/>
+          </a:p>
+        </p:txBody>
+      </p:sp>
+      <p:sp>
+        <p:nvSpPr>
+          <p:cNvPr id="6" name="Footer Placeholder 5"/>
+          <p:cNvSpPr>
+            <a:spLocks noGrp="1"/>
+          </p:cNvSpPr>
+          <p:nvPr>
+            <p:ph type="ftr" sz="quarter" idx="11"/>
+          </p:nvPr>
+        </p:nvSpPr>
+        <p:spPr>
+          <a:xfrm>
+            <a:off x="581192" y="5951810"/>
+            <a:ext cx="4870585" cy="365125"/>
+          </a:xfrm>
+          <a:prstGeom prst="rect">
+            <a:avLst/>
+          </a:prstGeom>
+        </p:spPr>
+        <p:txBody>
+          <a:bodyPr/>
+          <a:lstStyle>
+            <a:lvl1pPr>
+              <a:defRPr>
+                <a:solidFill>
+                  <a:schemeClr val="accent1">
+                    <a:lumMod val="75000"/>
+                    <a:lumOff val="25000"/>
+                  </a:schemeClr>
+                </a:solidFill>
+              </a:defRPr>
+            </a:lvl1pPr>
+          </a:lstStyle>
+          <a:p>
+            <a:r>
+              <a:rPr lang="en-US"/>
+              <a:t>© 2018, FLL Tutorials (Last Edit 6/11/2018)</a:t>
+            </a:r>
+            <a:endParaRPr lang="en-US" dirty="0"/>
+          </a:p>
+        </p:txBody>
+      </p:sp>
+      <p:sp>
+        <p:nvSpPr>
+          <p:cNvPr id="7" name="Slide Number Placeholder 6"/>
+          <p:cNvSpPr>
+            <a:spLocks noGrp="1"/>
+          </p:cNvSpPr>
+          <p:nvPr>
+            <p:ph type="sldNum" sz="quarter" idx="12"/>
+          </p:nvPr>
+        </p:nvSpPr>
+        <p:spPr>
+          <a:xfrm>
+            <a:off x="7800476" y="5956136"/>
+            <a:ext cx="770468" cy="365125"/>
+          </a:xfrm>
+          <a:prstGeom prst="rect">
+            <a:avLst/>
+          </a:prstGeom>
+        </p:spPr>
+        <p:txBody>
+          <a:bodyPr/>
+          <a:lstStyle>
+            <a:lvl1pPr>
+              <a:defRPr>
+                <a:solidFill>
+                  <a:schemeClr val="accent1">
+                    <a:lumMod val="75000"/>
+                    <a:lumOff val="25000"/>
+                  </a:schemeClr>
+                </a:solidFill>
+              </a:defRPr>
+            </a:lvl1pPr>
+          </a:lstStyle>
+          <a:p>
+            <a:fld id="{6D22F896-40B5-4ADD-8801-0D06FADFA095}" type="slidenum">
+              <a:rPr lang="en-US" smtClean="0"/>
+              <a:t>‹#›</a:t>
+            </a:fld>
+            <a:endParaRPr lang="en-US" dirty="0"/>
+          </a:p>
+        </p:txBody>
+      </p:sp>
+    </p:spTree>
+    <p:extLst>
+      <p:ext uri="{BB962C8B-B14F-4D97-AF65-F5344CB8AC3E}">
+        <p14:creationId xmlns:p14="http://schemas.microsoft.com/office/powerpoint/2010/main" val="2369770461"/>
+      </p:ext>
+    </p:extLst>
+  </p:cSld>
+  <p:clrMapOvr>
+    <a:masterClrMapping/>
+  </p:clrMapOvr>
+</p:sldLayout>
+</file>
+
+<file path=ppt/slideLayouts/slideLayout9.xml><?xml version="1.0" encoding="utf-8"?>
+<p:sldLayout xmlns:a="http://schemas.openxmlformats.org/drawingml/2006/main" xmlns:r="http://schemas.openxmlformats.org/officeDocument/2006/relationships" xmlns:p="http://schemas.openxmlformats.org/presentationml/2006/main" type="picTx" preserve="1">
+  <p:cSld name="Picture with Caption">
+    <p:spTree>
+      <p:nvGrpSpPr>
+        <p:cNvPr id="1" name=""/>
+        <p:cNvGrpSpPr/>
+        <p:nvPr/>
+      </p:nvGrpSpPr>
+      <p:grpSpPr>
+        <a:xfrm>
+          <a:off x="0" y="0"/>
+          <a:ext cx="0" cy="0"/>
+          <a:chOff x="0" y="0"/>
+          <a:chExt cx="0" cy="0"/>
+        </a:xfrm>
+      </p:grpSpPr>
+      <p:sp>
+        <p:nvSpPr>
+          <p:cNvPr id="2" name="Title 1"/>
+          <p:cNvSpPr>
+            <a:spLocks noGrp="1"/>
+          </p:cNvSpPr>
+          <p:nvPr>
+            <p:ph type="title"/>
+          </p:nvPr>
+        </p:nvSpPr>
+        <p:spPr>
+          <a:xfrm>
+            <a:off x="581192" y="4693389"/>
+            <a:ext cx="7989752" cy="566738"/>
           </a:xfrm>
         </p:spPr>
         <p:txBody>
@@ -3471,10 +4232,10 @@
             <a:normAutofit/>
           </a:bodyPr>
           <a:lstStyle>
-            <a:lvl1pPr>
-              <a:defRPr sz="3600" b="0">
+            <a:lvl1pPr algn="l">
+              <a:defRPr sz="2400" b="0">
                 <a:solidFill>
-                  <a:srgbClr val="FFFFFF"/>
+                  <a:schemeClr val="accent1"/>
                 </a:solidFill>
               </a:defRPr>
             </a:lvl1pPr>
@@ -3490,56 +4251,66 @@
       </p:sp>
       <p:sp>
         <p:nvSpPr>
-          <p:cNvPr id="3" name="Content Placeholder 2"/>
-          <p:cNvSpPr>
-            <a:spLocks noGrp="1"/>
-          </p:cNvSpPr>
-          <p:nvPr>
-            <p:ph idx="1"/>
-          </p:nvPr>
-        </p:nvSpPr>
-        <p:spPr>
-          <a:xfrm>
-            <a:off x="3460237" y="731520"/>
-            <a:ext cx="5009393" cy="5257800"/>
-          </a:xfrm>
-        </p:spPr>
-        <p:txBody>
-          <a:bodyPr/>
-          <a:lstStyle/>
-          <a:p>
-            <a:pPr lvl="0"/>
+          <p:cNvPr id="3" name="Picture Placeholder 2"/>
+          <p:cNvSpPr>
+            <a:spLocks noGrp="1" noChangeAspect="1"/>
+          </p:cNvSpPr>
+          <p:nvPr>
+            <p:ph type="pic" idx="1"/>
+          </p:nvPr>
+        </p:nvSpPr>
+        <p:spPr>
+          <a:xfrm>
+            <a:off x="448093" y="599725"/>
+            <a:ext cx="8238706" cy="3557252"/>
+          </a:xfrm>
+        </p:spPr>
+        <p:txBody>
+          <a:bodyPr anchor="t">
+            <a:normAutofit/>
+          </a:bodyPr>
+          <a:lstStyle>
+            <a:lvl1pPr marL="0" indent="0" algn="ctr">
+              <a:buNone/>
+              <a:defRPr sz="1600"/>
+            </a:lvl1pPr>
+            <a:lvl2pPr marL="457200" indent="0">
+              <a:buNone/>
+              <a:defRPr sz="1600"/>
+            </a:lvl2pPr>
+            <a:lvl3pPr marL="914400" indent="0">
+              <a:buNone/>
+              <a:defRPr sz="1600"/>
+            </a:lvl3pPr>
+            <a:lvl4pPr marL="1371600" indent="0">
+              <a:buNone/>
+              <a:defRPr sz="1600"/>
+            </a:lvl4pPr>
+            <a:lvl5pPr marL="1828800" indent="0">
+              <a:buNone/>
+              <a:defRPr sz="1600"/>
+            </a:lvl5pPr>
+            <a:lvl6pPr marL="2286000" indent="0">
+              <a:buNone/>
+              <a:defRPr sz="1600"/>
+            </a:lvl6pPr>
+            <a:lvl7pPr marL="2743200" indent="0">
+              <a:buNone/>
+              <a:defRPr sz="1600"/>
+            </a:lvl7pPr>
+            <a:lvl8pPr marL="3200400" indent="0">
+              <a:buNone/>
+              <a:defRPr sz="1600"/>
+            </a:lvl8pPr>
+            <a:lvl9pPr marL="3657600" indent="0">
+              <a:buNone/>
+              <a:defRPr sz="1600"/>
+            </a:lvl9pPr>
+          </a:lstStyle>
+          <a:p>
             <a:r>
               <a:rPr lang="en-US"/>
-              <a:t>Click to edit Master text styles</a:t>
-            </a:r>
-          </a:p>
-          <a:p>
-            <a:pPr lvl="1"/>
-            <a:r>
-              <a:rPr lang="en-US"/>
-              <a:t>Second level</a:t>
-            </a:r>
-          </a:p>
-          <a:p>
-            <a:pPr lvl="2"/>
-            <a:r>
-              <a:rPr lang="en-US"/>
-              <a:t>Third level</a:t>
-            </a:r>
-          </a:p>
-          <a:p>
-            <a:pPr lvl="3"/>
-            <a:r>
-              <a:rPr lang="en-US"/>
-              <a:t>Fourth level</a:t>
-            </a:r>
-          </a:p>
-          <a:p>
-            <a:pPr lvl="4"/>
-            <a:r>
-              <a:rPr lang="en-US"/>
-              <a:t>Fifth level</a:t>
+              <a:t>Click icon to add picture</a:t>
             </a:r>
             <a:endParaRPr lang="en-US" dirty="0"/>
           </a:p>
@@ -3557,22 +4328,18 @@
         </p:nvSpPr>
         <p:spPr>
           <a:xfrm>
-            <a:off x="342900" y="2926080"/>
-            <a:ext cx="2400300" cy="3379124"/>
-          </a:xfrm>
-        </p:spPr>
-        <p:txBody>
-          <a:bodyPr lIns="91440" rIns="91440">
+            <a:off x="581192" y="5260126"/>
+            <a:ext cx="7989752" cy="598671"/>
+          </a:xfrm>
+        </p:spPr>
+        <p:txBody>
+          <a:bodyPr>
             <a:normAutofit/>
           </a:bodyPr>
           <a:lstStyle>
             <a:lvl1pPr marL="0" indent="0">
               <a:buNone/>
-              <a:defRPr sz="1500">
-                <a:solidFill>
-                  <a:srgbClr val="FFFFFF"/>
-                </a:solidFill>
-              </a:defRPr>
+              <a:defRPr sz="1200"/>
             </a:lvl1pPr>
             <a:lvl2pPr marL="457200" indent="0">
               <a:buNone/>
@@ -3611,7 +4378,7 @@
             <a:pPr lvl="0"/>
             <a:r>
               <a:rPr lang="en-US"/>
-              <a:t>Click to edit Master text styles</a:t>
+              <a:t>Edit Master text styles</a:t>
             </a:r>
           </a:p>
         </p:txBody>
@@ -3628,21 +4395,20 @@
         </p:nvSpPr>
         <p:spPr>
           <a:xfrm>
-            <a:off x="349134" y="6459786"/>
-            <a:ext cx="1963883" cy="365125"/>
-          </a:xfrm>
+            <a:off x="5559327" y="5956136"/>
+            <a:ext cx="2133600" cy="365125"/>
+          </a:xfrm>
+          <a:prstGeom prst="rect">
+            <a:avLst/>
+          </a:prstGeom>
         </p:spPr>
         <p:txBody>
           <a:bodyPr/>
-          <a:lstStyle>
-            <a:lvl1pPr algn="l">
-              <a:defRPr/>
-            </a:lvl1pPr>
-          </a:lstStyle>
-          <a:p>
-            <a:fld id="{59649B44-32C9-4781-9AF2-A8FDD8451EB7}" type="datetime1">
+          <a:lstStyle/>
+          <a:p>
+            <a:fld id="{914D92C6-4058-400D-83B5-F0F11FB2141C}" type="datetime1">
               <a:rPr lang="en-US" smtClean="0"/>
-              <a:t>6/7/18</a:t>
+              <a:t>6/12/18</a:t>
             </a:fld>
             <a:endParaRPr lang="en-US" dirty="0"/>
           </a:p>
@@ -3660,25 +4426,20 @@
         </p:nvSpPr>
         <p:spPr>
           <a:xfrm>
-            <a:off x="3600450" y="6459786"/>
-            <a:ext cx="3486150" cy="365125"/>
-          </a:xfrm>
+            <a:off x="581192" y="5951810"/>
+            <a:ext cx="4870585" cy="365125"/>
+          </a:xfrm>
+          <a:prstGeom prst="rect">
+            <a:avLst/>
+          </a:prstGeom>
         </p:spPr>
         <p:txBody>
           <a:bodyPr/>
-          <a:lstStyle>
-            <a:lvl1pPr algn="l">
-              <a:defRPr>
-                <a:solidFill>
-                  <a:schemeClr val="tx2"/>
-                </a:solidFill>
-              </a:defRPr>
-            </a:lvl1pPr>
-          </a:lstStyle>
+          <a:lstStyle/>
           <a:p>
             <a:r>
               <a:rPr lang="en-US"/>
-              <a:t>© 2018, FLL Tutorials (Last Edit 8/26/2017)</a:t>
+              <a:t>© 2018, FLL Tutorials (Last Edit 6/11/2018)</a:t>
             </a:r>
             <a:endParaRPr lang="en-US" dirty="0"/>
           </a:p>
@@ -3694,18 +4455,18 @@
             <p:ph type="sldNum" sz="quarter" idx="12"/>
           </p:nvPr>
         </p:nvSpPr>
-        <p:spPr/>
+        <p:spPr>
+          <a:xfrm>
+            <a:off x="7800476" y="5956136"/>
+            <a:ext cx="770468" cy="365125"/>
+          </a:xfrm>
+          <a:prstGeom prst="rect">
+            <a:avLst/>
+          </a:prstGeom>
+        </p:spPr>
         <p:txBody>
           <a:bodyPr/>
-          <a:lstStyle>
-            <a:lvl1pPr>
-              <a:defRPr>
-                <a:solidFill>
-                  <a:schemeClr val="tx2"/>
-                </a:solidFill>
-              </a:defRPr>
-            </a:lvl1pPr>
-          </a:lstStyle>
+          <a:lstStyle/>
           <a:p>
             <a:fld id="{6D22F896-40B5-4ADD-8801-0D06FADFA095}" type="slidenum">
               <a:rPr lang="en-US" smtClean="0"/>
@@ -3716,363 +4477,11 @@
         </p:txBody>
       </p:sp>
     </p:spTree>
-  </p:cSld>
-  <p:clrMapOvr>
-    <a:masterClrMapping/>
-  </p:clrMapOvr>
-</p:sldLayout>
-</file>
-
-<file path=ppt/slideLayouts/slideLayout9.xml><?xml version="1.0" encoding="utf-8"?>
-<p:sldLayout xmlns:a="http://schemas.openxmlformats.org/drawingml/2006/main" xmlns:r="http://schemas.openxmlformats.org/officeDocument/2006/relationships" xmlns:p="http://schemas.openxmlformats.org/presentationml/2006/main" showMasterSp="0" type="picTx" preserve="1">
-  <p:cSld name="Picture with Caption">
-    <p:spTree>
-      <p:nvGrpSpPr>
-        <p:cNvPr id="1" name=""/>
-        <p:cNvGrpSpPr/>
-        <p:nvPr/>
-      </p:nvGrpSpPr>
-      <p:grpSpPr>
-        <a:xfrm>
-          <a:off x="0" y="0"/>
-          <a:ext cx="0" cy="0"/>
-          <a:chOff x="0" y="0"/>
-          <a:chExt cx="0" cy="0"/>
-        </a:xfrm>
-      </p:grpSpPr>
-      <p:sp>
-        <p:nvSpPr>
-          <p:cNvPr id="8" name="Rectangle 7"/>
-          <p:cNvSpPr/>
-          <p:nvPr/>
-        </p:nvSpPr>
-        <p:spPr>
-          <a:xfrm>
-            <a:off x="0" y="4953000"/>
-            <a:ext cx="9141619" cy="1905000"/>
-          </a:xfrm>
-          <a:prstGeom prst="rect">
-            <a:avLst/>
-          </a:prstGeom>
-          <a:solidFill>
-            <a:schemeClr val="accent2"/>
-          </a:solidFill>
-          <a:ln>
-            <a:noFill/>
-          </a:ln>
-        </p:spPr>
-        <p:style>
-          <a:lnRef idx="2">
-            <a:schemeClr val="accent1">
-              <a:shade val="50000"/>
-            </a:schemeClr>
-          </a:lnRef>
-          <a:fillRef idx="1">
-            <a:schemeClr val="accent1"/>
-          </a:fillRef>
-          <a:effectRef idx="0">
-            <a:schemeClr val="accent1"/>
-          </a:effectRef>
-          <a:fontRef idx="minor">
-            <a:schemeClr val="lt1"/>
-          </a:fontRef>
-        </p:style>
-      </p:sp>
-      <p:sp>
-        <p:nvSpPr>
-          <p:cNvPr id="9" name="Rectangle 8"/>
-          <p:cNvSpPr/>
-          <p:nvPr/>
-        </p:nvSpPr>
-        <p:spPr>
-          <a:xfrm>
-            <a:off x="12" y="4915076"/>
-            <a:ext cx="9141619" cy="64008"/>
-          </a:xfrm>
-          <a:prstGeom prst="rect">
-            <a:avLst/>
-          </a:prstGeom>
-          <a:solidFill>
-            <a:schemeClr val="accent1"/>
-          </a:solidFill>
-          <a:ln>
-            <a:noFill/>
-          </a:ln>
-        </p:spPr>
-        <p:style>
-          <a:lnRef idx="2">
-            <a:schemeClr val="accent1">
-              <a:shade val="50000"/>
-            </a:schemeClr>
-          </a:lnRef>
-          <a:fillRef idx="1">
-            <a:schemeClr val="accent1"/>
-          </a:fillRef>
-          <a:effectRef idx="0">
-            <a:schemeClr val="accent1"/>
-          </a:effectRef>
-          <a:fontRef idx="minor">
-            <a:schemeClr val="lt1"/>
-          </a:fontRef>
-        </p:style>
-      </p:sp>
-      <p:sp>
-        <p:nvSpPr>
-          <p:cNvPr id="2" name="Title 1"/>
-          <p:cNvSpPr>
-            <a:spLocks noGrp="1"/>
-          </p:cNvSpPr>
-          <p:nvPr>
-            <p:ph type="title"/>
-          </p:nvPr>
-        </p:nvSpPr>
-        <p:spPr>
-          <a:xfrm>
-            <a:off x="822960" y="5074920"/>
-            <a:ext cx="7589520" cy="822960"/>
-          </a:xfrm>
-        </p:spPr>
-        <p:txBody>
-          <a:bodyPr tIns="0" bIns="0" anchor="b">
-            <a:noAutofit/>
-          </a:bodyPr>
-          <a:lstStyle>
-            <a:lvl1pPr>
-              <a:defRPr sz="3600" b="0">
-                <a:solidFill>
-                  <a:srgbClr val="FFFFFF"/>
-                </a:solidFill>
-              </a:defRPr>
-            </a:lvl1pPr>
-          </a:lstStyle>
-          <a:p>
-            <a:r>
-              <a:rPr lang="en-US"/>
-              <a:t>Click to edit Master title style</a:t>
-            </a:r>
-            <a:endParaRPr lang="en-US" dirty="0"/>
-          </a:p>
-        </p:txBody>
-      </p:sp>
-      <p:sp>
-        <p:nvSpPr>
-          <p:cNvPr id="3" name="Picture Placeholder 2"/>
-          <p:cNvSpPr>
-            <a:spLocks noGrp="1" noChangeAspect="1"/>
-          </p:cNvSpPr>
-          <p:nvPr>
-            <p:ph type="pic" idx="1"/>
-          </p:nvPr>
-        </p:nvSpPr>
-        <p:spPr>
-          <a:xfrm>
-            <a:off x="12" y="0"/>
-            <a:ext cx="9143989" cy="4915076"/>
-          </a:xfrm>
-          <a:solidFill>
-            <a:schemeClr val="accent2"/>
-          </a:solidFill>
-        </p:spPr>
-        <p:txBody>
-          <a:bodyPr lIns="457200" tIns="457200" anchor="t"/>
-          <a:lstStyle>
-            <a:lvl1pPr marL="0" indent="0">
-              <a:buNone/>
-              <a:defRPr sz="3200">
-                <a:solidFill>
-                  <a:schemeClr val="bg1"/>
-                </a:solidFill>
-              </a:defRPr>
-            </a:lvl1pPr>
-            <a:lvl2pPr marL="457200" indent="0">
-              <a:buNone/>
-              <a:defRPr sz="2800"/>
-            </a:lvl2pPr>
-            <a:lvl3pPr marL="914400" indent="0">
-              <a:buNone/>
-              <a:defRPr sz="2400"/>
-            </a:lvl3pPr>
-            <a:lvl4pPr marL="1371600" indent="0">
-              <a:buNone/>
-              <a:defRPr sz="2000"/>
-            </a:lvl4pPr>
-            <a:lvl5pPr marL="1828800" indent="0">
-              <a:buNone/>
-              <a:defRPr sz="2000"/>
-            </a:lvl5pPr>
-            <a:lvl6pPr marL="2286000" indent="0">
-              <a:buNone/>
-              <a:defRPr sz="2000"/>
-            </a:lvl6pPr>
-            <a:lvl7pPr marL="2743200" indent="0">
-              <a:buNone/>
-              <a:defRPr sz="2000"/>
-            </a:lvl7pPr>
-            <a:lvl8pPr marL="3200400" indent="0">
-              <a:buNone/>
-              <a:defRPr sz="2000"/>
-            </a:lvl8pPr>
-            <a:lvl9pPr marL="3657600" indent="0">
-              <a:buNone/>
-              <a:defRPr sz="2000"/>
-            </a:lvl9pPr>
-          </a:lstStyle>
-          <a:p>
-            <a:r>
-              <a:rPr lang="en-US"/>
-              <a:t>Drag picture to placeholder or click icon to add</a:t>
-            </a:r>
-            <a:endParaRPr lang="en-US" dirty="0"/>
-          </a:p>
-        </p:txBody>
-      </p:sp>
-      <p:sp>
-        <p:nvSpPr>
-          <p:cNvPr id="4" name="Text Placeholder 3"/>
-          <p:cNvSpPr>
-            <a:spLocks noGrp="1"/>
-          </p:cNvSpPr>
-          <p:nvPr>
-            <p:ph type="body" sz="half" idx="2"/>
-          </p:nvPr>
-        </p:nvSpPr>
-        <p:spPr>
-          <a:xfrm>
-            <a:off x="822959" y="5907024"/>
-            <a:ext cx="7589520" cy="594360"/>
-          </a:xfrm>
-        </p:spPr>
-        <p:txBody>
-          <a:bodyPr lIns="91440" tIns="0" rIns="91440" bIns="0">
-            <a:normAutofit/>
-          </a:bodyPr>
-          <a:lstStyle>
-            <a:lvl1pPr marL="0" indent="0">
-              <a:spcBef>
-                <a:spcPts val="0"/>
-              </a:spcBef>
-              <a:spcAft>
-                <a:spcPts val="600"/>
-              </a:spcAft>
-              <a:buNone/>
-              <a:defRPr sz="1500">
-                <a:solidFill>
-                  <a:srgbClr val="FFFFFF"/>
-                </a:solidFill>
-              </a:defRPr>
-            </a:lvl1pPr>
-            <a:lvl2pPr marL="457200" indent="0">
-              <a:buNone/>
-              <a:defRPr sz="1200"/>
-            </a:lvl2pPr>
-            <a:lvl3pPr marL="914400" indent="0">
-              <a:buNone/>
-              <a:defRPr sz="1000"/>
-            </a:lvl3pPr>
-            <a:lvl4pPr marL="1371600" indent="0">
-              <a:buNone/>
-              <a:defRPr sz="900"/>
-            </a:lvl4pPr>
-            <a:lvl5pPr marL="1828800" indent="0">
-              <a:buNone/>
-              <a:defRPr sz="900"/>
-            </a:lvl5pPr>
-            <a:lvl6pPr marL="2286000" indent="0">
-              <a:buNone/>
-              <a:defRPr sz="900"/>
-            </a:lvl6pPr>
-            <a:lvl7pPr marL="2743200" indent="0">
-              <a:buNone/>
-              <a:defRPr sz="900"/>
-            </a:lvl7pPr>
-            <a:lvl8pPr marL="3200400" indent="0">
-              <a:buNone/>
-              <a:defRPr sz="900"/>
-            </a:lvl8pPr>
-            <a:lvl9pPr marL="3657600" indent="0">
-              <a:buNone/>
-              <a:defRPr sz="900"/>
-            </a:lvl9pPr>
-          </a:lstStyle>
-          <a:p>
-            <a:pPr lvl="0"/>
-            <a:r>
-              <a:rPr lang="en-US"/>
-              <a:t>Click to edit Master text styles</a:t>
-            </a:r>
-          </a:p>
-        </p:txBody>
-      </p:sp>
-      <p:sp>
-        <p:nvSpPr>
-          <p:cNvPr id="5" name="Date Placeholder 4"/>
-          <p:cNvSpPr>
-            <a:spLocks noGrp="1"/>
-          </p:cNvSpPr>
-          <p:nvPr>
-            <p:ph type="dt" sz="half" idx="10"/>
-          </p:nvPr>
-        </p:nvSpPr>
-        <p:spPr/>
-        <p:txBody>
-          <a:bodyPr/>
-          <a:lstStyle/>
-          <a:p>
-            <a:fld id="{391C0828-A012-40EE-A6F4-2A664EB15282}" type="datetime1">
-              <a:rPr lang="en-US" smtClean="0"/>
-              <a:t>6/7/18</a:t>
-            </a:fld>
-            <a:endParaRPr lang="en-US" dirty="0"/>
-          </a:p>
-        </p:txBody>
-      </p:sp>
-      <p:sp>
-        <p:nvSpPr>
-          <p:cNvPr id="6" name="Footer Placeholder 5"/>
-          <p:cNvSpPr>
-            <a:spLocks noGrp="1"/>
-          </p:cNvSpPr>
-          <p:nvPr>
-            <p:ph type="ftr" sz="quarter" idx="11"/>
-          </p:nvPr>
-        </p:nvSpPr>
-        <p:spPr/>
-        <p:txBody>
-          <a:bodyPr/>
-          <a:lstStyle/>
-          <a:p>
-            <a:r>
-              <a:rPr lang="en-US"/>
-              <a:t>© 2018, FLL Tutorials (Last Edit 8/26/2017)</a:t>
-            </a:r>
-            <a:endParaRPr lang="en-US" dirty="0"/>
-          </a:p>
-        </p:txBody>
-      </p:sp>
-      <p:sp>
-        <p:nvSpPr>
-          <p:cNvPr id="7" name="Slide Number Placeholder 6"/>
-          <p:cNvSpPr>
-            <a:spLocks noGrp="1"/>
-          </p:cNvSpPr>
-          <p:nvPr>
-            <p:ph type="sldNum" sz="quarter" idx="12"/>
-          </p:nvPr>
-        </p:nvSpPr>
-        <p:spPr/>
-        <p:txBody>
-          <a:bodyPr/>
-          <a:lstStyle/>
-          <a:p>
-            <a:fld id="{6D22F896-40B5-4ADD-8801-0D06FADFA095}" type="slidenum">
-              <a:rPr lang="en-US" smtClean="0"/>
-              <a:t>‹#›</a:t>
-            </a:fld>
-            <a:endParaRPr lang="en-US" dirty="0"/>
-          </a:p>
-        </p:txBody>
-      </p:sp>
-    </p:spTree>
+    <p:extLst>
+      <p:ext uri="{BB962C8B-B14F-4D97-AF65-F5344CB8AC3E}">
+        <p14:creationId xmlns:p14="http://schemas.microsoft.com/office/powerpoint/2010/main" val="2138431930"/>
+      </p:ext>
+    </p:extLst>
   </p:cSld>
   <p:clrMapOvr>
     <a:masterClrMapping/>
@@ -4104,20 +4513,377 @@
       </p:grpSpPr>
       <p:sp>
         <p:nvSpPr>
-          <p:cNvPr id="7" name="Rectangle 6"/>
+          <p:cNvPr id="2" name="Title Placeholder 1"/>
+          <p:cNvSpPr>
+            <a:spLocks noGrp="1"/>
+          </p:cNvSpPr>
+          <p:nvPr>
+            <p:ph type="title"/>
+          </p:nvPr>
+        </p:nvSpPr>
+        <p:spPr>
+          <a:xfrm>
+            <a:off x="581192" y="687474"/>
+            <a:ext cx="7989752" cy="1083329"/>
+          </a:xfrm>
+          <a:prstGeom prst="rect">
+            <a:avLst/>
+          </a:prstGeom>
+        </p:spPr>
+        <p:txBody>
+          <a:bodyPr vert="horz" lIns="91440" tIns="45720" rIns="91440" bIns="45720" rtlCol="0" anchor="b">
+            <a:normAutofit/>
+          </a:bodyPr>
+          <a:lstStyle/>
+          <a:p>
+            <a:r>
+              <a:rPr lang="en-US"/>
+              <a:t>Click to edit Master title style</a:t>
+            </a:r>
+            <a:endParaRPr lang="en-US" dirty="0"/>
+          </a:p>
+        </p:txBody>
+      </p:sp>
+      <p:sp>
+        <p:nvSpPr>
+          <p:cNvPr id="3" name="Text Placeholder 2"/>
+          <p:cNvSpPr>
+            <a:spLocks noGrp="1"/>
+          </p:cNvSpPr>
+          <p:nvPr>
+            <p:ph type="body" idx="1"/>
+          </p:nvPr>
+        </p:nvSpPr>
+        <p:spPr>
+          <a:xfrm>
+            <a:off x="581192" y="2228003"/>
+            <a:ext cx="7989752" cy="3630794"/>
+          </a:xfrm>
+          <a:prstGeom prst="rect">
+            <a:avLst/>
+          </a:prstGeom>
+        </p:spPr>
+        <p:txBody>
+          <a:bodyPr vert="horz" lIns="91440" tIns="45720" rIns="91440" bIns="45720" rtlCol="0" anchor="ctr">
+            <a:normAutofit/>
+          </a:bodyPr>
+          <a:lstStyle/>
+          <a:p>
+            <a:pPr lvl="0"/>
+            <a:r>
+              <a:rPr lang="en-US"/>
+              <a:t>Edit Master text styles</a:t>
+            </a:r>
+          </a:p>
+          <a:p>
+            <a:pPr lvl="1"/>
+            <a:r>
+              <a:rPr lang="en-US"/>
+              <a:t>Second level</a:t>
+            </a:r>
+          </a:p>
+          <a:p>
+            <a:pPr lvl="2"/>
+            <a:r>
+              <a:rPr lang="en-US"/>
+              <a:t>Third level</a:t>
+            </a:r>
+          </a:p>
+          <a:p>
+            <a:pPr lvl="3"/>
+            <a:r>
+              <a:rPr lang="en-US"/>
+              <a:t>Fourth level</a:t>
+            </a:r>
+          </a:p>
+          <a:p>
+            <a:pPr lvl="4"/>
+            <a:r>
+              <a:rPr lang="en-US"/>
+              <a:t>Fifth level</a:t>
+            </a:r>
+            <a:endParaRPr lang="en-US" dirty="0"/>
+          </a:p>
+        </p:txBody>
+      </p:sp>
+      <p:sp>
+        <p:nvSpPr>
+          <p:cNvPr id="9" name="Rectangle 8"/>
           <p:cNvSpPr/>
           <p:nvPr/>
         </p:nvSpPr>
         <p:spPr>
           <a:xfrm>
-            <a:off x="0" y="6400800"/>
-            <a:ext cx="9144001" cy="457200"/>
+            <a:off x="448091" y="441325"/>
+            <a:ext cx="2719909" cy="108000"/>
           </a:xfrm>
           <a:prstGeom prst="rect">
             <a:avLst/>
           </a:prstGeom>
           <a:solidFill>
-            <a:srgbClr val="034A85"/>
+            <a:schemeClr val="accent1"/>
+          </a:solidFill>
+          <a:ln>
+            <a:noFill/>
+          </a:ln>
+          <a:effectLst/>
+        </p:spPr>
+        <p:style>
+          <a:lnRef idx="1">
+            <a:schemeClr val="accent1"/>
+          </a:lnRef>
+          <a:fillRef idx="3">
+            <a:schemeClr val="accent1"/>
+          </a:fillRef>
+          <a:effectRef idx="2">
+            <a:schemeClr val="accent1"/>
+          </a:effectRef>
+          <a:fontRef idx="minor">
+            <a:schemeClr val="lt1"/>
+          </a:fontRef>
+        </p:style>
+      </p:sp>
+      <p:sp>
+        <p:nvSpPr>
+          <p:cNvPr id="10" name="Rectangle 9"/>
+          <p:cNvSpPr/>
+          <p:nvPr/>
+        </p:nvSpPr>
+        <p:spPr>
+          <a:xfrm>
+            <a:off x="5976001" y="441325"/>
+            <a:ext cx="2710800" cy="108000"/>
+          </a:xfrm>
+          <a:prstGeom prst="rect">
+            <a:avLst/>
+          </a:prstGeom>
+          <a:solidFill>
+            <a:schemeClr val="accent4"/>
+          </a:solidFill>
+          <a:ln>
+            <a:noFill/>
+          </a:ln>
+          <a:effectLst/>
+        </p:spPr>
+        <p:style>
+          <a:lnRef idx="1">
+            <a:schemeClr val="accent1"/>
+          </a:lnRef>
+          <a:fillRef idx="3">
+            <a:schemeClr val="accent1"/>
+          </a:fillRef>
+          <a:effectRef idx="2">
+            <a:schemeClr val="accent1"/>
+          </a:effectRef>
+          <a:fontRef idx="minor">
+            <a:schemeClr val="lt1"/>
+          </a:fontRef>
+        </p:style>
+      </p:sp>
+      <p:sp>
+        <p:nvSpPr>
+          <p:cNvPr id="11" name="Rectangle 10"/>
+          <p:cNvSpPr/>
+          <p:nvPr/>
+        </p:nvSpPr>
+        <p:spPr>
+          <a:xfrm>
+            <a:off x="3216601" y="441325"/>
+            <a:ext cx="2710800" cy="108000"/>
+          </a:xfrm>
+          <a:prstGeom prst="rect">
+            <a:avLst/>
+          </a:prstGeom>
+          <a:solidFill>
+            <a:schemeClr val="accent2"/>
+          </a:solidFill>
+          <a:ln>
+            <a:noFill/>
+          </a:ln>
+          <a:effectLst/>
+        </p:spPr>
+        <p:style>
+          <a:lnRef idx="1">
+            <a:schemeClr val="accent1"/>
+          </a:lnRef>
+          <a:fillRef idx="3">
+            <a:schemeClr val="accent1"/>
+          </a:fillRef>
+          <a:effectRef idx="2">
+            <a:schemeClr val="accent1"/>
+          </a:effectRef>
+          <a:fontRef idx="minor">
+            <a:schemeClr val="lt1"/>
+          </a:fontRef>
+        </p:style>
+      </p:sp>
+      <p:sp>
+        <p:nvSpPr>
+          <p:cNvPr id="12" name="Date Placeholder 3">
+            <a:extLst>
+              <a:ext uri="{FF2B5EF4-FFF2-40B4-BE49-F238E27FC236}">
+                <a16:creationId xmlns:a16="http://schemas.microsoft.com/office/drawing/2014/main" id="{0AAE8D72-8133-BD4C-9ABB-B6CCBBAC2CA1}"/>
+              </a:ext>
+            </a:extLst>
+          </p:cNvPr>
+          <p:cNvSpPr>
+            <a:spLocks noGrp="1"/>
+          </p:cNvSpPr>
+          <p:nvPr>
+            <p:ph type="dt" sz="half" idx="2"/>
+          </p:nvPr>
+        </p:nvSpPr>
+        <p:spPr>
+          <a:xfrm>
+            <a:off x="5559327" y="6392242"/>
+            <a:ext cx="2133600" cy="365125"/>
+          </a:xfrm>
+          <a:prstGeom prst="rect">
+            <a:avLst/>
+          </a:prstGeom>
+        </p:spPr>
+        <p:txBody>
+          <a:bodyPr/>
+          <a:lstStyle>
+            <a:lvl1pPr>
+              <a:defRPr>
+                <a:solidFill>
+                  <a:schemeClr val="accent1">
+                    <a:lumMod val="75000"/>
+                    <a:lumOff val="25000"/>
+                  </a:schemeClr>
+                </a:solidFill>
+              </a:defRPr>
+            </a:lvl1pPr>
+          </a:lstStyle>
+          <a:p>
+            <a:fld id="{7538109E-AB78-4484-AADE-54B615DFA542}" type="datetime1">
+              <a:rPr lang="en-US" smtClean="0"/>
+              <a:t>6/12/18</a:t>
+            </a:fld>
+            <a:endParaRPr lang="en-US" dirty="0"/>
+          </a:p>
+        </p:txBody>
+      </p:sp>
+      <p:sp>
+        <p:nvSpPr>
+          <p:cNvPr id="13" name="Footer Placeholder 4">
+            <a:extLst>
+              <a:ext uri="{FF2B5EF4-FFF2-40B4-BE49-F238E27FC236}">
+                <a16:creationId xmlns:a16="http://schemas.microsoft.com/office/drawing/2014/main" id="{CAB9BFBD-8489-AA40-9E3F-B3F63A8BD518}"/>
+              </a:ext>
+            </a:extLst>
+          </p:cNvPr>
+          <p:cNvSpPr>
+            <a:spLocks noGrp="1"/>
+          </p:cNvSpPr>
+          <p:nvPr>
+            <p:ph type="ftr" sz="quarter" idx="3"/>
+          </p:nvPr>
+        </p:nvSpPr>
+        <p:spPr>
+          <a:xfrm>
+            <a:off x="581192" y="6387916"/>
+            <a:ext cx="4870585" cy="365125"/>
+          </a:xfrm>
+          <a:prstGeom prst="rect">
+            <a:avLst/>
+          </a:prstGeom>
+        </p:spPr>
+        <p:txBody>
+          <a:bodyPr/>
+          <a:lstStyle>
+            <a:lvl1pPr>
+              <a:defRPr>
+                <a:solidFill>
+                  <a:schemeClr val="accent1">
+                    <a:lumMod val="75000"/>
+                    <a:lumOff val="25000"/>
+                  </a:schemeClr>
+                </a:solidFill>
+              </a:defRPr>
+            </a:lvl1pPr>
+          </a:lstStyle>
+          <a:p>
+            <a:r>
+              <a:rPr lang="en-US"/>
+              <a:t>© 2018, FLL Tutorials (Last Edit 6/11/2018)</a:t>
+            </a:r>
+            <a:endParaRPr lang="en-US" dirty="0"/>
+          </a:p>
+        </p:txBody>
+      </p:sp>
+      <p:sp>
+        <p:nvSpPr>
+          <p:cNvPr id="14" name="Slide Number Placeholder 5">
+            <a:extLst>
+              <a:ext uri="{FF2B5EF4-FFF2-40B4-BE49-F238E27FC236}">
+                <a16:creationId xmlns:a16="http://schemas.microsoft.com/office/drawing/2014/main" id="{B04709EF-0344-434E-8D31-15D41ADEE43F}"/>
+              </a:ext>
+            </a:extLst>
+          </p:cNvPr>
+          <p:cNvSpPr>
+            <a:spLocks noGrp="1"/>
+          </p:cNvSpPr>
+          <p:nvPr>
+            <p:ph type="sldNum" sz="quarter" idx="4"/>
+          </p:nvPr>
+        </p:nvSpPr>
+        <p:spPr>
+          <a:xfrm>
+            <a:off x="7800476" y="6392242"/>
+            <a:ext cx="770468" cy="365125"/>
+          </a:xfrm>
+          <a:prstGeom prst="rect">
+            <a:avLst/>
+          </a:prstGeom>
+        </p:spPr>
+        <p:txBody>
+          <a:bodyPr/>
+          <a:lstStyle>
+            <a:lvl1pPr>
+              <a:defRPr>
+                <a:solidFill>
+                  <a:schemeClr val="accent1">
+                    <a:lumMod val="75000"/>
+                    <a:lumOff val="25000"/>
+                  </a:schemeClr>
+                </a:solidFill>
+              </a:defRPr>
+            </a:lvl1pPr>
+          </a:lstStyle>
+          <a:p>
+            <a:fld id="{6D22F896-40B5-4ADD-8801-0D06FADFA095}" type="slidenum">
+              <a:rPr lang="en-US" smtClean="0"/>
+              <a:pPr/>
+              <a:t>‹#›</a:t>
+            </a:fld>
+            <a:endParaRPr lang="en-US" dirty="0"/>
+          </a:p>
+        </p:txBody>
+      </p:sp>
+      <p:sp>
+        <p:nvSpPr>
+          <p:cNvPr id="15" name="Rectangle 14">
+            <a:extLst>
+              <a:ext uri="{FF2B5EF4-FFF2-40B4-BE49-F238E27FC236}">
+                <a16:creationId xmlns:a16="http://schemas.microsoft.com/office/drawing/2014/main" id="{47F718E0-0E94-488C-8EF4-841447A23063}"/>
+              </a:ext>
+            </a:extLst>
+          </p:cNvPr>
+          <p:cNvSpPr/>
+          <p:nvPr userDrawn="1"/>
+        </p:nvSpPr>
+        <p:spPr>
+          <a:xfrm>
+            <a:off x="-1" y="6273337"/>
+            <a:ext cx="9144001" cy="65999"/>
+          </a:xfrm>
+          <a:prstGeom prst="rect">
+            <a:avLst/>
+          </a:prstGeom>
+          <a:solidFill>
+            <a:srgbClr val="24CF39"/>
           </a:solidFill>
           <a:ln>
             <a:noFill/>
@@ -4139,333 +4905,6 @@
             <a:schemeClr val="lt1"/>
           </a:fontRef>
         </p:style>
-      </p:sp>
-      <p:sp>
-        <p:nvSpPr>
-          <p:cNvPr id="9" name="Rectangle 8"/>
-          <p:cNvSpPr/>
-          <p:nvPr/>
-        </p:nvSpPr>
-        <p:spPr>
-          <a:xfrm>
-            <a:off x="0" y="6334315"/>
-            <a:ext cx="9144001" cy="65999"/>
-          </a:xfrm>
-          <a:prstGeom prst="rect">
-            <a:avLst/>
-          </a:prstGeom>
-          <a:solidFill>
-            <a:srgbClr val="652C90"/>
-          </a:solidFill>
-          <a:ln>
-            <a:noFill/>
-          </a:ln>
-        </p:spPr>
-        <p:style>
-          <a:lnRef idx="2">
-            <a:schemeClr val="accent1">
-              <a:shade val="50000"/>
-            </a:schemeClr>
-          </a:lnRef>
-          <a:fillRef idx="1">
-            <a:schemeClr val="accent1"/>
-          </a:fillRef>
-          <a:effectRef idx="0">
-            <a:schemeClr val="accent1"/>
-          </a:effectRef>
-          <a:fontRef idx="minor">
-            <a:schemeClr val="lt1"/>
-          </a:fontRef>
-        </p:style>
-      </p:sp>
-      <p:sp>
-        <p:nvSpPr>
-          <p:cNvPr id="2" name="Title Placeholder 1"/>
-          <p:cNvSpPr>
-            <a:spLocks noGrp="1"/>
-          </p:cNvSpPr>
-          <p:nvPr>
-            <p:ph type="title"/>
-          </p:nvPr>
-        </p:nvSpPr>
-        <p:spPr>
-          <a:xfrm>
-            <a:off x="241739" y="286604"/>
-            <a:ext cx="8681543" cy="1450757"/>
-          </a:xfrm>
-          <a:prstGeom prst="rect">
-            <a:avLst/>
-          </a:prstGeom>
-        </p:spPr>
-        <p:txBody>
-          <a:bodyPr vert="horz" lIns="91440" tIns="45720" rIns="91440" bIns="45720" rtlCol="0" anchor="b">
-            <a:normAutofit/>
-          </a:bodyPr>
-          <a:lstStyle/>
-          <a:p>
-            <a:r>
-              <a:rPr lang="en-US"/>
-              <a:t>Click to edit Master title style</a:t>
-            </a:r>
-            <a:endParaRPr lang="en-US" dirty="0"/>
-          </a:p>
-        </p:txBody>
-      </p:sp>
-      <p:sp>
-        <p:nvSpPr>
-          <p:cNvPr id="3" name="Text Placeholder 2"/>
-          <p:cNvSpPr>
-            <a:spLocks noGrp="1"/>
-          </p:cNvSpPr>
-          <p:nvPr>
-            <p:ph type="body" idx="1"/>
-          </p:nvPr>
-        </p:nvSpPr>
-        <p:spPr>
-          <a:xfrm>
-            <a:off x="241739" y="1845734"/>
-            <a:ext cx="8681544" cy="4023360"/>
-          </a:xfrm>
-          <a:prstGeom prst="rect">
-            <a:avLst/>
-          </a:prstGeom>
-        </p:spPr>
-        <p:txBody>
-          <a:bodyPr vert="horz" lIns="0" tIns="45720" rIns="0" bIns="45720" rtlCol="0">
-            <a:normAutofit/>
-          </a:bodyPr>
-          <a:lstStyle/>
-          <a:p>
-            <a:pPr lvl="0"/>
-            <a:r>
-              <a:rPr lang="en-US"/>
-              <a:t>Click to edit Master text styles</a:t>
-            </a:r>
-          </a:p>
-          <a:p>
-            <a:pPr lvl="1"/>
-            <a:r>
-              <a:rPr lang="en-US"/>
-              <a:t>Second level</a:t>
-            </a:r>
-          </a:p>
-          <a:p>
-            <a:pPr lvl="2"/>
-            <a:r>
-              <a:rPr lang="en-US"/>
-              <a:t>Third level</a:t>
-            </a:r>
-          </a:p>
-          <a:p>
-            <a:pPr lvl="3"/>
-            <a:r>
-              <a:rPr lang="en-US"/>
-              <a:t>Fourth level</a:t>
-            </a:r>
-          </a:p>
-          <a:p>
-            <a:pPr lvl="4"/>
-            <a:r>
-              <a:rPr lang="en-US"/>
-              <a:t>Fifth level</a:t>
-            </a:r>
-            <a:endParaRPr lang="en-US" dirty="0"/>
-          </a:p>
-        </p:txBody>
-      </p:sp>
-      <p:sp>
-        <p:nvSpPr>
-          <p:cNvPr id="4" name="Date Placeholder 3"/>
-          <p:cNvSpPr>
-            <a:spLocks noGrp="1"/>
-          </p:cNvSpPr>
-          <p:nvPr>
-            <p:ph type="dt" sz="half" idx="2"/>
-          </p:nvPr>
-        </p:nvSpPr>
-        <p:spPr>
-          <a:xfrm>
-            <a:off x="822961" y="6459786"/>
-            <a:ext cx="1854203" cy="365125"/>
-          </a:xfrm>
-          <a:prstGeom prst="rect">
-            <a:avLst/>
-          </a:prstGeom>
-        </p:spPr>
-        <p:txBody>
-          <a:bodyPr vert="horz" lIns="91440" tIns="45720" rIns="91440" bIns="45720" rtlCol="0" anchor="ctr"/>
-          <a:lstStyle>
-            <a:lvl1pPr algn="l">
-              <a:defRPr sz="900">
-                <a:solidFill>
-                  <a:srgbClr val="FFFFFF"/>
-                </a:solidFill>
-              </a:defRPr>
-            </a:lvl1pPr>
-          </a:lstStyle>
-          <a:p>
-            <a:fld id="{6D8D6BA8-E5E5-469A-B7B9-6C4D1E1008AA}" type="datetime1">
-              <a:rPr lang="en-US" smtClean="0"/>
-              <a:t>6/7/18</a:t>
-            </a:fld>
-            <a:endParaRPr lang="en-US" dirty="0"/>
-          </a:p>
-        </p:txBody>
-      </p:sp>
-      <p:sp>
-        <p:nvSpPr>
-          <p:cNvPr id="5" name="Footer Placeholder 4"/>
-          <p:cNvSpPr>
-            <a:spLocks noGrp="1"/>
-          </p:cNvSpPr>
-          <p:nvPr>
-            <p:ph type="ftr" sz="quarter" idx="3"/>
-          </p:nvPr>
-        </p:nvSpPr>
-        <p:spPr>
-          <a:xfrm>
-            <a:off x="2764639" y="6459786"/>
-            <a:ext cx="3617103" cy="365125"/>
-          </a:xfrm>
-          <a:prstGeom prst="rect">
-            <a:avLst/>
-          </a:prstGeom>
-        </p:spPr>
-        <p:txBody>
-          <a:bodyPr vert="horz" lIns="91440" tIns="45720" rIns="91440" bIns="45720" rtlCol="0" anchor="ctr"/>
-          <a:lstStyle>
-            <a:lvl1pPr algn="ctr">
-              <a:defRPr sz="900" cap="all" baseline="0">
-                <a:solidFill>
-                  <a:srgbClr val="FFFFFF"/>
-                </a:solidFill>
-              </a:defRPr>
-            </a:lvl1pPr>
-          </a:lstStyle>
-          <a:p>
-            <a:r>
-              <a:rPr lang="en-US"/>
-              <a:t>© 2018, FLL Tutorials (Last Edit 8/26/2017)</a:t>
-            </a:r>
-            <a:endParaRPr lang="en-US" dirty="0"/>
-          </a:p>
-        </p:txBody>
-      </p:sp>
-      <p:sp>
-        <p:nvSpPr>
-          <p:cNvPr id="6" name="Slide Number Placeholder 5"/>
-          <p:cNvSpPr>
-            <a:spLocks noGrp="1"/>
-          </p:cNvSpPr>
-          <p:nvPr>
-            <p:ph type="sldNum" sz="quarter" idx="4"/>
-          </p:nvPr>
-        </p:nvSpPr>
-        <p:spPr>
-          <a:xfrm>
-            <a:off x="7425344" y="6459786"/>
-            <a:ext cx="984019" cy="365125"/>
-          </a:xfrm>
-          <a:prstGeom prst="rect">
-            <a:avLst/>
-          </a:prstGeom>
-        </p:spPr>
-        <p:txBody>
-          <a:bodyPr vert="horz" lIns="91440" tIns="45720" rIns="91440" bIns="45720" rtlCol="0" anchor="ctr"/>
-          <a:lstStyle>
-            <a:lvl1pPr algn="r">
-              <a:defRPr sz="1050">
-                <a:solidFill>
-                  <a:srgbClr val="FFFFFF"/>
-                </a:solidFill>
-              </a:defRPr>
-            </a:lvl1pPr>
-          </a:lstStyle>
-          <a:p>
-            <a:fld id="{6D22F896-40B5-4ADD-8801-0D06FADFA095}" type="slidenum">
-              <a:rPr lang="en-US" smtClean="0"/>
-              <a:pPr/>
-              <a:t>‹#›</a:t>
-            </a:fld>
-            <a:endParaRPr lang="en-US" dirty="0"/>
-          </a:p>
-        </p:txBody>
-      </p:sp>
-      <p:cxnSp>
-        <p:nvCxnSpPr>
-          <p:cNvPr id="10" name="Straight Connector 9"/>
-          <p:cNvCxnSpPr/>
-          <p:nvPr/>
-        </p:nvCxnSpPr>
-        <p:spPr>
-          <a:xfrm>
-            <a:off x="895149" y="1737845"/>
-            <a:ext cx="7475220" cy="0"/>
-          </a:xfrm>
-          <a:prstGeom prst="line">
-            <a:avLst/>
-          </a:prstGeom>
-          <a:ln w="6350">
-            <a:solidFill>
-              <a:schemeClr val="tx1">
-                <a:lumMod val="50000"/>
-                <a:lumOff val="50000"/>
-              </a:schemeClr>
-            </a:solidFill>
-          </a:ln>
-        </p:spPr>
-        <p:style>
-          <a:lnRef idx="1">
-            <a:schemeClr val="accent1"/>
-          </a:lnRef>
-          <a:fillRef idx="0">
-            <a:schemeClr val="accent1"/>
-          </a:fillRef>
-          <a:effectRef idx="0">
-            <a:schemeClr val="accent1"/>
-          </a:effectRef>
-          <a:fontRef idx="minor">
-            <a:schemeClr val="tx1"/>
-          </a:fontRef>
-        </p:style>
-      </p:cxnSp>
-      <p:sp>
-        <p:nvSpPr>
-          <p:cNvPr id="11" name="Rectangle 10"/>
-          <p:cNvSpPr/>
-          <p:nvPr userDrawn="1"/>
-        </p:nvSpPr>
-        <p:spPr>
-          <a:xfrm>
-            <a:off x="-1" y="6273337"/>
-            <a:ext cx="9144001" cy="65999"/>
-          </a:xfrm>
-          <a:prstGeom prst="rect">
-            <a:avLst/>
-          </a:prstGeom>
-          <a:solidFill>
-            <a:srgbClr val="24CF39"/>
-          </a:solidFill>
-          <a:ln>
-            <a:noFill/>
-          </a:ln>
-        </p:spPr>
-        <p:style>
-          <a:lnRef idx="2">
-            <a:schemeClr val="accent1">
-              <a:shade val="50000"/>
-            </a:schemeClr>
-          </a:lnRef>
-          <a:fillRef idx="1">
-            <a:schemeClr val="accent1"/>
-          </a:fillRef>
-          <a:effectRef idx="0">
-            <a:schemeClr val="accent1"/>
-          </a:effectRef>
-          <a:fontRef idx="minor">
-            <a:schemeClr val="lt1"/>
-          </a:fontRef>
-        </p:style>
         <p:txBody>
           <a:bodyPr/>
           <a:lstStyle/>
@@ -4477,287 +4916,291 @@
     </p:spTree>
     <p:extLst>
       <p:ext uri="{BB962C8B-B14F-4D97-AF65-F5344CB8AC3E}">
-        <p14:creationId xmlns:p14="http://schemas.microsoft.com/office/powerpoint/2010/main" val="1196873494"/>
+        <p14:creationId xmlns:p14="http://schemas.microsoft.com/office/powerpoint/2010/main" val="766183652"/>
       </p:ext>
     </p:extLst>
   </p:cSld>
   <p:clrMap bg1="lt1" tx1="dk1" bg2="lt2" tx2="dk2" accent1="accent1" accent2="accent2" accent3="accent3" accent4="accent4" accent5="accent5" accent6="accent6" hlink="hlink" folHlink="folHlink"/>
   <p:sldLayoutIdLst>
-    <p:sldLayoutId id="2147483780" r:id="rId1"/>
-    <p:sldLayoutId id="2147483781" r:id="rId2"/>
-    <p:sldLayoutId id="2147483782" r:id="rId3"/>
-    <p:sldLayoutId id="2147483783" r:id="rId4"/>
-    <p:sldLayoutId id="2147483784" r:id="rId5"/>
-    <p:sldLayoutId id="2147483785" r:id="rId6"/>
-    <p:sldLayoutId id="2147483786" r:id="rId7"/>
-    <p:sldLayoutId id="2147483787" r:id="rId8"/>
-    <p:sldLayoutId id="2147483788" r:id="rId9"/>
-    <p:sldLayoutId id="2147483789" r:id="rId10"/>
-    <p:sldLayoutId id="2147483790" r:id="rId11"/>
+    <p:sldLayoutId id="2147483792" r:id="rId1"/>
+    <p:sldLayoutId id="2147483793" r:id="rId2"/>
+    <p:sldLayoutId id="2147483794" r:id="rId3"/>
+    <p:sldLayoutId id="2147483795" r:id="rId4"/>
+    <p:sldLayoutId id="2147483796" r:id="rId5"/>
+    <p:sldLayoutId id="2147483797" r:id="rId6"/>
+    <p:sldLayoutId id="2147483798" r:id="rId7"/>
+    <p:sldLayoutId id="2147483799" r:id="rId8"/>
+    <p:sldLayoutId id="2147483800" r:id="rId9"/>
+    <p:sldLayoutId id="2147483801" r:id="rId10"/>
+    <p:sldLayoutId id="2147483802" r:id="rId11"/>
   </p:sldLayoutIdLst>
   <p:hf hdr="0" dt="0"/>
   <p:txStyles>
     <p:titleStyle>
-      <a:lvl1pPr algn="l" defTabSz="914400" rtl="0" eaLnBrk="1" latinLnBrk="0" hangingPunct="1">
-        <a:lnSpc>
-          <a:spcPct val="85000"/>
-        </a:lnSpc>
+      <a:lvl1pPr algn="l" defTabSz="457200" rtl="0" eaLnBrk="1" latinLnBrk="0" hangingPunct="1">
         <a:spcBef>
           <a:spcPct val="0"/>
         </a:spcBef>
         <a:buNone/>
-        <a:defRPr sz="4800" kern="1200" spc="-50" baseline="0">
+        <a:defRPr sz="2800" b="0" kern="1200" cap="all">
           <a:solidFill>
-            <a:schemeClr val="tx1">
-              <a:lumMod val="75000"/>
-              <a:lumOff val="25000"/>
-            </a:schemeClr>
+            <a:schemeClr val="bg1"/>
           </a:solidFill>
           <a:latin typeface="+mj-lt"/>
           <a:ea typeface="+mj-ea"/>
           <a:cs typeface="+mj-cs"/>
         </a:defRPr>
       </a:lvl1pPr>
+      <a:lvl2pPr eaLnBrk="1" hangingPunct="1">
+        <a:defRPr>
+          <a:solidFill>
+            <a:schemeClr val="tx2"/>
+          </a:solidFill>
+        </a:defRPr>
+      </a:lvl2pPr>
+      <a:lvl3pPr eaLnBrk="1" hangingPunct="1">
+        <a:defRPr>
+          <a:solidFill>
+            <a:schemeClr val="tx2"/>
+          </a:solidFill>
+        </a:defRPr>
+      </a:lvl3pPr>
+      <a:lvl4pPr eaLnBrk="1" hangingPunct="1">
+        <a:defRPr>
+          <a:solidFill>
+            <a:schemeClr val="tx2"/>
+          </a:solidFill>
+        </a:defRPr>
+      </a:lvl4pPr>
+      <a:lvl5pPr eaLnBrk="1" hangingPunct="1">
+        <a:defRPr>
+          <a:solidFill>
+            <a:schemeClr val="tx2"/>
+          </a:solidFill>
+        </a:defRPr>
+      </a:lvl5pPr>
+      <a:lvl6pPr eaLnBrk="1" hangingPunct="1">
+        <a:defRPr>
+          <a:solidFill>
+            <a:schemeClr val="tx2"/>
+          </a:solidFill>
+        </a:defRPr>
+      </a:lvl6pPr>
+      <a:lvl7pPr eaLnBrk="1" hangingPunct="1">
+        <a:defRPr>
+          <a:solidFill>
+            <a:schemeClr val="tx2"/>
+          </a:solidFill>
+        </a:defRPr>
+      </a:lvl7pPr>
+      <a:lvl8pPr eaLnBrk="1" hangingPunct="1">
+        <a:defRPr>
+          <a:solidFill>
+            <a:schemeClr val="tx2"/>
+          </a:solidFill>
+        </a:defRPr>
+      </a:lvl8pPr>
+      <a:lvl9pPr eaLnBrk="1" hangingPunct="1">
+        <a:defRPr>
+          <a:solidFill>
+            <a:schemeClr val="tx2"/>
+          </a:solidFill>
+        </a:defRPr>
+      </a:lvl9pPr>
     </p:titleStyle>
     <p:bodyStyle>
-      <a:lvl1pPr marL="91440" indent="-91440" algn="l" defTabSz="914400" rtl="0" eaLnBrk="1" latinLnBrk="0" hangingPunct="1">
-        <a:lnSpc>
-          <a:spcPct val="90000"/>
-        </a:lnSpc>
+      <a:lvl1pPr marL="306000" indent="-306000" algn="l" defTabSz="457200" rtl="0" eaLnBrk="1" latinLnBrk="0" hangingPunct="1">
         <a:spcBef>
-          <a:spcPts val="1200"/>
+          <a:spcPct val="20000"/>
         </a:spcBef>
         <a:spcAft>
-          <a:spcPts val="200"/>
+          <a:spcPts val="600"/>
         </a:spcAft>
         <a:buClr>
-          <a:schemeClr val="accent1"/>
+          <a:schemeClr val="accent2"/>
         </a:buClr>
-        <a:buSzPct val="100000"/>
-        <a:buFont typeface="Calibri" panose="020F0502020204030204" pitchFamily="34" charset="0"/>
-        <a:buChar char=" "/>
-        <a:defRPr sz="2000" kern="1200">
+        <a:buSzPct val="92000"/>
+        <a:buFont typeface="Wingdings 2" panose="05020102010507070707" pitchFamily="18" charset="2"/>
+        <a:buChar char=""/>
+        <a:defRPr sz="1800" kern="1200">
           <a:solidFill>
-            <a:schemeClr val="tx1">
-              <a:lumMod val="75000"/>
-              <a:lumOff val="25000"/>
-            </a:schemeClr>
+            <a:schemeClr val="tx2"/>
           </a:solidFill>
           <a:latin typeface="+mn-lt"/>
           <a:ea typeface="+mn-ea"/>
           <a:cs typeface="+mn-cs"/>
         </a:defRPr>
       </a:lvl1pPr>
-      <a:lvl2pPr marL="384048" indent="-182880" algn="l" defTabSz="914400" rtl="0" eaLnBrk="1" latinLnBrk="0" hangingPunct="1">
-        <a:lnSpc>
-          <a:spcPct val="90000"/>
-        </a:lnSpc>
+      <a:lvl2pPr marL="630000" indent="-306000" algn="l" defTabSz="457200" rtl="0" eaLnBrk="1" latinLnBrk="0" hangingPunct="1">
         <a:spcBef>
-          <a:spcPts val="200"/>
+          <a:spcPct val="20000"/>
         </a:spcBef>
         <a:spcAft>
-          <a:spcPts val="400"/>
+          <a:spcPts val="600"/>
         </a:spcAft>
         <a:buClr>
-          <a:schemeClr val="accent1"/>
+          <a:schemeClr val="accent2"/>
         </a:buClr>
-        <a:buFont typeface="Calibri" pitchFamily="34" charset="0"/>
-        <a:buChar char="◦"/>
-        <a:defRPr sz="1800" kern="1200">
+        <a:buSzPct val="92000"/>
+        <a:buFont typeface="Wingdings 2" panose="05020102010507070707" pitchFamily="18" charset="2"/>
+        <a:buChar char=""/>
+        <a:defRPr sz="1600" kern="1200">
           <a:solidFill>
-            <a:schemeClr val="tx1">
-              <a:lumMod val="75000"/>
-              <a:lumOff val="25000"/>
-            </a:schemeClr>
+            <a:schemeClr val="tx2"/>
           </a:solidFill>
           <a:latin typeface="+mn-lt"/>
           <a:ea typeface="+mn-ea"/>
           <a:cs typeface="+mn-cs"/>
         </a:defRPr>
       </a:lvl2pPr>
-      <a:lvl3pPr marL="566928" indent="-182880" algn="l" defTabSz="914400" rtl="0" eaLnBrk="1" latinLnBrk="0" hangingPunct="1">
-        <a:lnSpc>
-          <a:spcPct val="90000"/>
-        </a:lnSpc>
+      <a:lvl3pPr marL="900000" indent="-270000" algn="l" defTabSz="457200" rtl="0" eaLnBrk="1" latinLnBrk="0" hangingPunct="1">
         <a:spcBef>
-          <a:spcPts val="200"/>
+          <a:spcPct val="20000"/>
         </a:spcBef>
         <a:spcAft>
-          <a:spcPts val="400"/>
+          <a:spcPts val="600"/>
         </a:spcAft>
         <a:buClr>
-          <a:schemeClr val="accent1"/>
+          <a:schemeClr val="accent2"/>
         </a:buClr>
-        <a:buFont typeface="Calibri" pitchFamily="34" charset="0"/>
-        <a:buChar char="◦"/>
+        <a:buSzPct val="92000"/>
+        <a:buFont typeface="Wingdings 2" panose="05020102010507070707" pitchFamily="18" charset="2"/>
+        <a:buChar char=""/>
         <a:defRPr sz="1400" kern="1200">
           <a:solidFill>
-            <a:schemeClr val="tx1">
-              <a:lumMod val="75000"/>
-              <a:lumOff val="25000"/>
-            </a:schemeClr>
+            <a:schemeClr val="tx2"/>
           </a:solidFill>
           <a:latin typeface="+mn-lt"/>
           <a:ea typeface="+mn-ea"/>
           <a:cs typeface="+mn-cs"/>
         </a:defRPr>
       </a:lvl3pPr>
-      <a:lvl4pPr marL="749808" indent="-182880" algn="l" defTabSz="914400" rtl="0" eaLnBrk="1" latinLnBrk="0" hangingPunct="1">
-        <a:lnSpc>
-          <a:spcPct val="90000"/>
-        </a:lnSpc>
+      <a:lvl4pPr marL="1242000" indent="-234000" algn="l" defTabSz="457200" rtl="0" eaLnBrk="1" latinLnBrk="0" hangingPunct="1">
         <a:spcBef>
-          <a:spcPts val="200"/>
+          <a:spcPct val="20000"/>
         </a:spcBef>
         <a:spcAft>
-          <a:spcPts val="400"/>
+          <a:spcPts val="600"/>
         </a:spcAft>
         <a:buClr>
-          <a:schemeClr val="accent1"/>
+          <a:schemeClr val="accent2"/>
         </a:buClr>
-        <a:buFont typeface="Calibri" pitchFamily="34" charset="0"/>
-        <a:buChar char="◦"/>
-        <a:defRPr sz="1400" kern="1200">
+        <a:buSzPct val="92000"/>
+        <a:buFont typeface="Wingdings 2" panose="05020102010507070707" pitchFamily="18" charset="2"/>
+        <a:buChar char=""/>
+        <a:defRPr sz="1200" kern="1200">
           <a:solidFill>
-            <a:schemeClr val="tx1">
-              <a:lumMod val="75000"/>
-              <a:lumOff val="25000"/>
-            </a:schemeClr>
+            <a:schemeClr val="tx2"/>
           </a:solidFill>
           <a:latin typeface="+mn-lt"/>
           <a:ea typeface="+mn-ea"/>
           <a:cs typeface="+mn-cs"/>
         </a:defRPr>
       </a:lvl4pPr>
-      <a:lvl5pPr marL="932688" indent="-182880" algn="l" defTabSz="914400" rtl="0" eaLnBrk="1" latinLnBrk="0" hangingPunct="1">
-        <a:lnSpc>
-          <a:spcPct val="90000"/>
-        </a:lnSpc>
+      <a:lvl5pPr marL="1602000" indent="-234000" algn="l" defTabSz="457200" rtl="0" eaLnBrk="1" latinLnBrk="0" hangingPunct="1">
         <a:spcBef>
-          <a:spcPts val="200"/>
+          <a:spcPct val="20000"/>
         </a:spcBef>
         <a:spcAft>
-          <a:spcPts val="400"/>
+          <a:spcPts val="600"/>
         </a:spcAft>
         <a:buClr>
-          <a:schemeClr val="accent1"/>
+          <a:schemeClr val="accent2"/>
         </a:buClr>
-        <a:buFont typeface="Calibri" pitchFamily="34" charset="0"/>
-        <a:buChar char="◦"/>
-        <a:defRPr sz="1400" kern="1200">
+        <a:buSzPct val="92000"/>
+        <a:buFont typeface="Wingdings 2" panose="05020102010507070707" pitchFamily="18" charset="2"/>
+        <a:buChar char=""/>
+        <a:defRPr sz="1200" kern="1200">
           <a:solidFill>
-            <a:schemeClr val="tx1">
-              <a:lumMod val="75000"/>
-              <a:lumOff val="25000"/>
-            </a:schemeClr>
+            <a:schemeClr val="tx2"/>
           </a:solidFill>
           <a:latin typeface="+mn-lt"/>
           <a:ea typeface="+mn-ea"/>
           <a:cs typeface="+mn-cs"/>
         </a:defRPr>
       </a:lvl5pPr>
-      <a:lvl6pPr marL="1100000" indent="-228600" algn="l" defTabSz="914400" rtl="0" eaLnBrk="1" latinLnBrk="0" hangingPunct="1">
-        <a:lnSpc>
-          <a:spcPct val="90000"/>
-        </a:lnSpc>
+      <a:lvl6pPr marL="1900000" indent="-228600" algn="l" defTabSz="457200" rtl="0" eaLnBrk="1" latinLnBrk="0" hangingPunct="1">
         <a:spcBef>
-          <a:spcPts val="200"/>
+          <a:spcPct val="20000"/>
         </a:spcBef>
         <a:spcAft>
-          <a:spcPts val="400"/>
+          <a:spcPts val="600"/>
         </a:spcAft>
         <a:buClr>
-          <a:schemeClr val="accent1"/>
+          <a:schemeClr val="accent2"/>
         </a:buClr>
-        <a:buFont typeface="Calibri" pitchFamily="34" charset="0"/>
-        <a:buChar char="◦"/>
-        <a:defRPr sz="1400" kern="1200">
+        <a:buSzPct val="92000"/>
+        <a:buFont typeface="Wingdings 2" panose="05020102010507070707" pitchFamily="18" charset="2"/>
+        <a:buChar char=""/>
+        <a:defRPr sz="1200" kern="1200">
           <a:solidFill>
-            <a:schemeClr val="tx1">
-              <a:lumMod val="75000"/>
-              <a:lumOff val="25000"/>
-            </a:schemeClr>
+            <a:schemeClr val="tx2"/>
           </a:solidFill>
           <a:latin typeface="+mn-lt"/>
           <a:ea typeface="+mn-ea"/>
           <a:cs typeface="+mn-cs"/>
         </a:defRPr>
       </a:lvl6pPr>
-      <a:lvl7pPr marL="1300000" indent="-228600" algn="l" defTabSz="914400" rtl="0" eaLnBrk="1" latinLnBrk="0" hangingPunct="1">
-        <a:lnSpc>
-          <a:spcPct val="90000"/>
-        </a:lnSpc>
+      <a:lvl7pPr marL="2200000" indent="-228600" algn="l" defTabSz="457200" rtl="0" eaLnBrk="1" latinLnBrk="0" hangingPunct="1">
         <a:spcBef>
-          <a:spcPts val="200"/>
+          <a:spcPct val="20000"/>
         </a:spcBef>
         <a:spcAft>
-          <a:spcPts val="400"/>
+          <a:spcPts val="600"/>
         </a:spcAft>
         <a:buClr>
-          <a:schemeClr val="accent1"/>
+          <a:schemeClr val="accent2"/>
         </a:buClr>
-        <a:buFont typeface="Calibri" pitchFamily="34" charset="0"/>
-        <a:buChar char="◦"/>
-        <a:defRPr sz="1400" kern="1200">
+        <a:buSzPct val="92000"/>
+        <a:buFont typeface="Wingdings 2" panose="05020102010507070707" pitchFamily="18" charset="2"/>
+        <a:buChar char=""/>
+        <a:defRPr sz="1200" kern="1200">
           <a:solidFill>
-            <a:schemeClr val="tx1">
-              <a:lumMod val="75000"/>
-              <a:lumOff val="25000"/>
-            </a:schemeClr>
+            <a:schemeClr val="tx2"/>
           </a:solidFill>
           <a:latin typeface="+mn-lt"/>
           <a:ea typeface="+mn-ea"/>
           <a:cs typeface="+mn-cs"/>
         </a:defRPr>
       </a:lvl7pPr>
-      <a:lvl8pPr marL="1500000" indent="-228600" algn="l" defTabSz="914400" rtl="0" eaLnBrk="1" latinLnBrk="0" hangingPunct="1">
-        <a:lnSpc>
-          <a:spcPct val="90000"/>
-        </a:lnSpc>
+      <a:lvl8pPr marL="2500000" indent="-228600" algn="l" defTabSz="457200" rtl="0" eaLnBrk="1" latinLnBrk="0" hangingPunct="1">
         <a:spcBef>
-          <a:spcPts val="200"/>
+          <a:spcPct val="20000"/>
         </a:spcBef>
         <a:spcAft>
-          <a:spcPts val="400"/>
+          <a:spcPts val="600"/>
         </a:spcAft>
         <a:buClr>
-          <a:schemeClr val="accent1"/>
+          <a:schemeClr val="accent2"/>
         </a:buClr>
-        <a:buFont typeface="Calibri" pitchFamily="34" charset="0"/>
-        <a:buChar char="◦"/>
-        <a:defRPr sz="1400" kern="1200">
+        <a:buSzPct val="92000"/>
+        <a:buFont typeface="Wingdings 2" panose="05020102010507070707" pitchFamily="18" charset="2"/>
+        <a:buChar char=""/>
+        <a:defRPr sz="1200" kern="1200">
           <a:solidFill>
-            <a:schemeClr val="tx1">
-              <a:lumMod val="75000"/>
-              <a:lumOff val="25000"/>
-            </a:schemeClr>
+            <a:schemeClr val="tx2"/>
           </a:solidFill>
           <a:latin typeface="+mn-lt"/>
           <a:ea typeface="+mn-ea"/>
           <a:cs typeface="+mn-cs"/>
         </a:defRPr>
       </a:lvl8pPr>
-      <a:lvl9pPr marL="1700000" indent="-228600" algn="l" defTabSz="914400" rtl="0" eaLnBrk="1" latinLnBrk="0" hangingPunct="1">
-        <a:lnSpc>
-          <a:spcPct val="90000"/>
-        </a:lnSpc>
+      <a:lvl9pPr marL="2800000" indent="-228600" algn="l" defTabSz="457200" rtl="0" eaLnBrk="1" latinLnBrk="0" hangingPunct="1">
         <a:spcBef>
-          <a:spcPts val="200"/>
+          <a:spcPct val="20000"/>
         </a:spcBef>
         <a:spcAft>
-          <a:spcPts val="400"/>
+          <a:spcPts val="600"/>
         </a:spcAft>
         <a:buClr>
-          <a:schemeClr val="accent1"/>
+          <a:schemeClr val="accent2"/>
         </a:buClr>
-        <a:buFont typeface="Calibri" pitchFamily="34" charset="0"/>
-        <a:buChar char="◦"/>
-        <a:defRPr sz="1400" kern="1200">
+        <a:buSzPct val="92000"/>
+        <a:buFont typeface="Wingdings 2" panose="05020102010507070707" pitchFamily="18" charset="2"/>
+        <a:buChar char=""/>
+        <a:defRPr sz="1200" kern="1200">
           <a:solidFill>
-            <a:schemeClr val="tx1">
-              <a:lumMod val="75000"/>
-              <a:lumOff val="25000"/>
-            </a:schemeClr>
+            <a:schemeClr val="tx2"/>
           </a:solidFill>
           <a:latin typeface="+mn-lt"/>
           <a:ea typeface="+mn-ea"/>
@@ -4769,7 +5212,7 @@
       <a:defPPr>
         <a:defRPr lang="en-US"/>
       </a:defPPr>
-      <a:lvl1pPr marL="0" algn="l" defTabSz="914400" rtl="0" eaLnBrk="1" latinLnBrk="0" hangingPunct="1">
+      <a:lvl1pPr marL="0" algn="l" defTabSz="457200" rtl="0" eaLnBrk="1" latinLnBrk="0" hangingPunct="1">
         <a:defRPr sz="1800" kern="1200">
           <a:solidFill>
             <a:schemeClr val="tx1"/>
@@ -4779,7 +5222,7 @@
           <a:cs typeface="+mn-cs"/>
         </a:defRPr>
       </a:lvl1pPr>
-      <a:lvl2pPr marL="457200" algn="l" defTabSz="914400" rtl="0" eaLnBrk="1" latinLnBrk="0" hangingPunct="1">
+      <a:lvl2pPr marL="457200" algn="l" defTabSz="457200" rtl="0" eaLnBrk="1" latinLnBrk="0" hangingPunct="1">
         <a:defRPr sz="1800" kern="1200">
           <a:solidFill>
             <a:schemeClr val="tx1"/>
@@ -4789,7 +5232,7 @@
           <a:cs typeface="+mn-cs"/>
         </a:defRPr>
       </a:lvl2pPr>
-      <a:lvl3pPr marL="914400" algn="l" defTabSz="914400" rtl="0" eaLnBrk="1" latinLnBrk="0" hangingPunct="1">
+      <a:lvl3pPr marL="914400" algn="l" defTabSz="457200" rtl="0" eaLnBrk="1" latinLnBrk="0" hangingPunct="1">
         <a:defRPr sz="1800" kern="1200">
           <a:solidFill>
             <a:schemeClr val="tx1"/>
@@ -4799,7 +5242,7 @@
           <a:cs typeface="+mn-cs"/>
         </a:defRPr>
       </a:lvl3pPr>
-      <a:lvl4pPr marL="1371600" algn="l" defTabSz="914400" rtl="0" eaLnBrk="1" latinLnBrk="0" hangingPunct="1">
+      <a:lvl4pPr marL="1371600" algn="l" defTabSz="457200" rtl="0" eaLnBrk="1" latinLnBrk="0" hangingPunct="1">
         <a:defRPr sz="1800" kern="1200">
           <a:solidFill>
             <a:schemeClr val="tx1"/>
@@ -4809,7 +5252,7 @@
           <a:cs typeface="+mn-cs"/>
         </a:defRPr>
       </a:lvl4pPr>
-      <a:lvl5pPr marL="1828800" algn="l" defTabSz="914400" rtl="0" eaLnBrk="1" latinLnBrk="0" hangingPunct="1">
+      <a:lvl5pPr marL="1828800" algn="l" defTabSz="457200" rtl="0" eaLnBrk="1" latinLnBrk="0" hangingPunct="1">
         <a:defRPr sz="1800" kern="1200">
           <a:solidFill>
             <a:schemeClr val="tx1"/>
@@ -4819,7 +5262,7 @@
           <a:cs typeface="+mn-cs"/>
         </a:defRPr>
       </a:lvl5pPr>
-      <a:lvl6pPr marL="2286000" algn="l" defTabSz="914400" rtl="0" eaLnBrk="1" latinLnBrk="0" hangingPunct="1">
+      <a:lvl6pPr marL="2286000" algn="l" defTabSz="457200" rtl="0" eaLnBrk="1" latinLnBrk="0" hangingPunct="1">
         <a:defRPr sz="1800" kern="1200">
           <a:solidFill>
             <a:schemeClr val="tx1"/>
@@ -4829,7 +5272,7 @@
           <a:cs typeface="+mn-cs"/>
         </a:defRPr>
       </a:lvl6pPr>
-      <a:lvl7pPr marL="2743200" algn="l" defTabSz="914400" rtl="0" eaLnBrk="1" latinLnBrk="0" hangingPunct="1">
+      <a:lvl7pPr marL="2743200" algn="l" defTabSz="457200" rtl="0" eaLnBrk="1" latinLnBrk="0" hangingPunct="1">
         <a:defRPr sz="1800" kern="1200">
           <a:solidFill>
             <a:schemeClr val="tx1"/>
@@ -4839,7 +5282,7 @@
           <a:cs typeface="+mn-cs"/>
         </a:defRPr>
       </a:lvl7pPr>
-      <a:lvl8pPr marL="3200400" algn="l" defTabSz="914400" rtl="0" eaLnBrk="1" latinLnBrk="0" hangingPunct="1">
+      <a:lvl8pPr marL="3200400" algn="l" defTabSz="457200" rtl="0" eaLnBrk="1" latinLnBrk="0" hangingPunct="1">
         <a:defRPr sz="1800" kern="1200">
           <a:solidFill>
             <a:schemeClr val="tx1"/>
@@ -4849,7 +5292,7 @@
           <a:cs typeface="+mn-cs"/>
         </a:defRPr>
       </a:lvl8pPr>
-      <a:lvl9pPr marL="3657600" algn="l" defTabSz="914400" rtl="0" eaLnBrk="1" latinLnBrk="0" hangingPunct="1">
+      <a:lvl9pPr marL="3657600" algn="l" defTabSz="457200" rtl="0" eaLnBrk="1" latinLnBrk="0" hangingPunct="1">
         <a:defRPr sz="1800" kern="1200">
           <a:solidFill>
             <a:schemeClr val="tx1"/>
@@ -4943,112 +5386,6 @@
           </a:p>
         </p:txBody>
       </p:sp>
-      <p:sp>
-        <p:nvSpPr>
-          <p:cNvPr id="4" name="Footer Placeholder 3"/>
-          <p:cNvSpPr>
-            <a:spLocks noGrp="1"/>
-          </p:cNvSpPr>
-          <p:nvPr>
-            <p:ph type="ftr" sz="quarter" idx="11"/>
-          </p:nvPr>
-        </p:nvSpPr>
-        <p:spPr/>
-        <p:txBody>
-          <a:bodyPr/>
-          <a:lstStyle/>
-          <a:p>
-            <a:r>
-              <a:rPr lang="en-US"/>
-              <a:t>© 2018, FLL Tutorials (Last Edit 8/26/2017)</a:t>
-            </a:r>
-            <a:endParaRPr lang="en-US" dirty="0"/>
-          </a:p>
-        </p:txBody>
-      </p:sp>
-      <p:sp>
-        <p:nvSpPr>
-          <p:cNvPr id="5" name="Slide Number Placeholder 4"/>
-          <p:cNvSpPr>
-            <a:spLocks noGrp="1"/>
-          </p:cNvSpPr>
-          <p:nvPr>
-            <p:ph type="sldNum" sz="quarter" idx="12"/>
-          </p:nvPr>
-        </p:nvSpPr>
-        <p:spPr/>
-        <p:txBody>
-          <a:bodyPr/>
-          <a:lstStyle/>
-          <a:p>
-            <a:fld id="{6D22F896-40B5-4ADD-8801-0D06FADFA095}" type="slidenum">
-              <a:rPr lang="en-US" smtClean="0"/>
-              <a:t>1</a:t>
-            </a:fld>
-            <a:endParaRPr lang="en-US" dirty="0"/>
-          </a:p>
-        </p:txBody>
-      </p:sp>
-      <p:pic>
-        <p:nvPicPr>
-          <p:cNvPr id="8" name="Picture 7">
-            <a:extLst>
-              <a:ext uri="{FF2B5EF4-FFF2-40B4-BE49-F238E27FC236}">
-                <a16:creationId xmlns:a16="http://schemas.microsoft.com/office/drawing/2014/main" id="{2FAC7C43-3F3F-4682-BCA1-920A01A7051E}"/>
-              </a:ext>
-            </a:extLst>
-          </p:cNvPr>
-          <p:cNvPicPr>
-            <a:picLocks noChangeAspect="1"/>
-          </p:cNvPicPr>
-          <p:nvPr/>
-        </p:nvPicPr>
-        <p:blipFill>
-          <a:blip r:embed="rId3"/>
-          <a:stretch>
-            <a:fillRect/>
-          </a:stretch>
-        </p:blipFill>
-        <p:spPr>
-          <a:xfrm>
-            <a:off x="1666754" y="4935360"/>
-            <a:ext cx="3112816" cy="581779"/>
-          </a:xfrm>
-          <a:prstGeom prst="rect">
-            <a:avLst/>
-          </a:prstGeom>
-        </p:spPr>
-      </p:pic>
-      <p:pic>
-        <p:nvPicPr>
-          <p:cNvPr id="9" name="Picture 8">
-            <a:extLst>
-              <a:ext uri="{FF2B5EF4-FFF2-40B4-BE49-F238E27FC236}">
-                <a16:creationId xmlns:a16="http://schemas.microsoft.com/office/drawing/2014/main" id="{A58CEA5D-C842-4693-B0A9-A8BB8F90A402}"/>
-              </a:ext>
-            </a:extLst>
-          </p:cNvPr>
-          <p:cNvPicPr>
-            <a:picLocks noChangeAspect="1"/>
-          </p:cNvPicPr>
-          <p:nvPr/>
-        </p:nvPicPr>
-        <p:blipFill>
-          <a:blip r:embed="rId4"/>
-          <a:stretch>
-            <a:fillRect/>
-          </a:stretch>
-        </p:blipFill>
-        <p:spPr>
-          <a:xfrm>
-            <a:off x="5437746" y="4988502"/>
-            <a:ext cx="1887991" cy="475494"/>
-          </a:xfrm>
-          <a:prstGeom prst="rect">
-            <a:avLst/>
-          </a:prstGeom>
-        </p:spPr>
-      </p:pic>
     </p:spTree>
     <p:extLst>
       <p:ext uri="{BB962C8B-B14F-4D97-AF65-F5344CB8AC3E}">
@@ -5125,7 +5462,7 @@
         </p:nvSpPr>
         <p:spPr>
           <a:xfrm>
-            <a:off x="241739" y="1840895"/>
+            <a:off x="298889" y="1585775"/>
             <a:ext cx="4939861" cy="4500637"/>
           </a:xfrm>
           <a:ln>
@@ -5134,7 +5471,7 @@
         </p:spPr>
         <p:txBody>
           <a:bodyPr>
-            <a:normAutofit fontScale="92500"/>
+            <a:normAutofit fontScale="77500" lnSpcReduction="20000"/>
           </a:bodyPr>
           <a:lstStyle/>
           <a:p>
@@ -5211,7 +5548,7 @@
           <a:p>
             <a:r>
               <a:rPr lang="en-US"/>
-              <a:t>© 2018, FLL Tutorials (Last Edit 8/26/2017)</a:t>
+              <a:t>© 2018, FLL Tutorials (Last Edit 6/11/2018)</a:t>
             </a:r>
             <a:endParaRPr lang="en-US" dirty="0"/>
           </a:p>
@@ -5596,7 +5933,7 @@
         </p:nvSpPr>
         <p:spPr>
           <a:xfrm>
-            <a:off x="381965" y="1761754"/>
+            <a:off x="381965" y="1390279"/>
             <a:ext cx="5173883" cy="4722426"/>
           </a:xfrm>
         </p:spPr>
@@ -5606,41 +5943,44 @@
           </a:bodyPr>
           <a:lstStyle/>
           <a:p>
-            <a:pPr marL="0" indent="0">
+            <a:pPr>
               <a:lnSpc>
                 <a:spcPct val="150000"/>
               </a:lnSpc>
-              <a:buNone/>
+              <a:buFont typeface="Wingdings" panose="05000000000000000000" pitchFamily="2" charset="2"/>
+              <a:buChar char="§"/>
             </a:pPr>
             <a:r>
-              <a:rPr lang="en-US" dirty="0"/>
+              <a:rPr lang="en-US" sz="2000" dirty="0"/>
               <a:t>Invited to attend the Global Innovation Award Event in Washington, D.C. </a:t>
             </a:r>
           </a:p>
           <a:p>
-            <a:pPr marL="0" indent="0">
+            <a:pPr>
               <a:lnSpc>
                 <a:spcPct val="150000"/>
               </a:lnSpc>
-              <a:buNone/>
+              <a:buFont typeface="Wingdings" panose="05000000000000000000" pitchFamily="2" charset="2"/>
+              <a:buChar char="§"/>
             </a:pPr>
             <a:r>
-              <a:rPr lang="en-US" dirty="0"/>
+              <a:rPr lang="en-US" sz="2000" dirty="0"/>
               <a:t>The team will need to create a 5 minute presentation for the judges. Judging will last 15 minutes. Judges have 10 minutes to ask questions.</a:t>
             </a:r>
           </a:p>
           <a:p>
-            <a:pPr marL="0" indent="0">
+            <a:pPr>
               <a:lnSpc>
                 <a:spcPct val="150000"/>
               </a:lnSpc>
-              <a:buNone/>
+              <a:buFont typeface="Wingdings" panose="05000000000000000000" pitchFamily="2" charset="2"/>
+              <a:buChar char="§"/>
             </a:pPr>
             <a:r>
-              <a:rPr lang="en-US" dirty="0"/>
+              <a:rPr lang="en-US" sz="2000" dirty="0"/>
               <a:t>You also have to fill out an Engineering Change Notice form. </a:t>
             </a:r>
-            <a:endParaRPr lang="en-US" sz="1100" dirty="0"/>
+            <a:endParaRPr lang="en-US" sz="600" dirty="0"/>
           </a:p>
         </p:txBody>
       </p:sp>
@@ -5667,7 +6007,7 @@
           <a:p>
             <a:r>
               <a:rPr lang="en-US"/>
-              <a:t>© 2018, FLL Tutorials (Last Edit 8/26/2017)</a:t>
+              <a:t>© 2018, FLL Tutorials (Last Edit 6/11/2018)</a:t>
             </a:r>
             <a:endParaRPr lang="en-US" dirty="0"/>
           </a:p>
@@ -5723,7 +6063,7 @@
         </p:blipFill>
         <p:spPr>
           <a:xfrm>
-            <a:off x="5742986" y="2037145"/>
+            <a:off x="5731411" y="1687101"/>
             <a:ext cx="2984326" cy="2363124"/>
           </a:xfrm>
           <a:prstGeom prst="rect">
@@ -5739,7 +6079,7 @@
         </p:nvSpPr>
         <p:spPr>
           <a:xfrm>
-            <a:off x="5798916" y="4606724"/>
+            <a:off x="5798916" y="4128093"/>
             <a:ext cx="2916821" cy="1448730"/>
           </a:xfrm>
           <a:prstGeom prst="rect">
@@ -5759,10 +6099,9 @@
               </a:lnSpc>
             </a:pPr>
             <a:r>
-              <a:rPr lang="en-US" sz="1200"/>
+              <a:rPr lang="en-US" sz="1200" dirty="0"/>
               <a:t>It is recommended that semi-finalist, that the team get a provisional patent on their solution since information about the team’s solution will be listed on the Global Innovation Award website.</a:t>
             </a:r>
-            <a:endParaRPr lang="en-US" sz="1200" dirty="0"/>
           </a:p>
         </p:txBody>
       </p:sp>
@@ -5842,7 +6181,7 @@
         </p:nvSpPr>
         <p:spPr>
           <a:xfrm>
-            <a:off x="241739" y="1845733"/>
+            <a:off x="397616" y="1565248"/>
             <a:ext cx="5054161" cy="4359123"/>
           </a:xfrm>
         </p:spPr>
@@ -5852,11 +6191,10 @@
           </a:bodyPr>
           <a:lstStyle/>
           <a:p>
-            <a:pPr marL="0" indent="0">
+            <a:pPr>
               <a:lnSpc>
                 <a:spcPct val="150000"/>
               </a:lnSpc>
-              <a:buNone/>
             </a:pPr>
             <a:r>
               <a:rPr lang="en-US" sz="1600" dirty="0"/>
@@ -5864,11 +6202,10 @@
             </a:r>
           </a:p>
           <a:p>
-            <a:pPr marL="0" indent="0">
+            <a:pPr>
               <a:lnSpc>
                 <a:spcPct val="150000"/>
               </a:lnSpc>
-              <a:buNone/>
             </a:pPr>
             <a:r>
               <a:rPr lang="en-US" sz="1600" dirty="0"/>
@@ -5876,11 +6213,10 @@
             </a:r>
           </a:p>
           <a:p>
-            <a:pPr marL="0" indent="0">
+            <a:pPr>
               <a:lnSpc>
                 <a:spcPct val="150000"/>
               </a:lnSpc>
-              <a:buNone/>
             </a:pPr>
             <a:r>
               <a:rPr lang="en-US" sz="1600" dirty="0"/>
@@ -5888,11 +6224,10 @@
             </a:r>
           </a:p>
           <a:p>
-            <a:pPr marL="0" indent="0">
+            <a:pPr>
               <a:lnSpc>
                 <a:spcPct val="150000"/>
               </a:lnSpc>
-              <a:buNone/>
             </a:pPr>
             <a:r>
               <a:rPr lang="en-US" sz="1600" dirty="0"/>
@@ -5932,7 +6267,7 @@
           <a:p>
             <a:r>
               <a:rPr lang="en-US"/>
-              <a:t>© 2018, FLL Tutorials (Last Edit 8/26/2017)</a:t>
+              <a:t>© 2018, FLL Tutorials (Last Edit 6/11/2018)</a:t>
             </a:r>
             <a:endParaRPr lang="en-US" dirty="0"/>
           </a:p>
@@ -5989,7 +6324,7 @@
         </p:blipFill>
         <p:spPr>
           <a:xfrm>
-            <a:off x="5385037" y="2497306"/>
+            <a:off x="5474174" y="1792565"/>
             <a:ext cx="1437208" cy="1862558"/>
           </a:xfrm>
           <a:prstGeom prst="rect">
@@ -6084,8 +6419,8 @@
         </p:blipFill>
         <p:spPr>
           <a:xfrm>
-            <a:off x="5066958" y="4546141"/>
-            <a:ext cx="3892542" cy="1339866"/>
+            <a:off x="5393530" y="4222525"/>
+            <a:ext cx="3565969" cy="1227455"/>
           </a:xfrm>
           <a:prstGeom prst="rect">
             <a:avLst/>
@@ -6168,7 +6503,7 @@
         </p:nvSpPr>
         <p:spPr>
           <a:xfrm>
-            <a:off x="232418" y="1864646"/>
+            <a:off x="359009" y="1568017"/>
             <a:ext cx="5685782" cy="4536153"/>
           </a:xfrm>
         </p:spPr>
@@ -6178,11 +6513,10 @@
           </a:bodyPr>
           <a:lstStyle/>
           <a:p>
-            <a:pPr marL="0" indent="0">
+            <a:pPr>
               <a:lnSpc>
                 <a:spcPct val="150000"/>
               </a:lnSpc>
-              <a:buNone/>
             </a:pPr>
             <a:r>
               <a:rPr lang="en-US" sz="1800" dirty="0"/>
@@ -6190,11 +6524,10 @@
             </a:r>
           </a:p>
           <a:p>
-            <a:pPr marL="0" indent="0">
+            <a:pPr>
               <a:lnSpc>
                 <a:spcPct val="150000"/>
               </a:lnSpc>
-              <a:buNone/>
             </a:pPr>
             <a:r>
               <a:rPr lang="en-US" sz="1800" dirty="0"/>
@@ -6202,11 +6535,10 @@
             </a:r>
           </a:p>
           <a:p>
-            <a:pPr marL="0" indent="0">
+            <a:pPr>
               <a:lnSpc>
                 <a:spcPct val="150000"/>
               </a:lnSpc>
-              <a:buNone/>
             </a:pPr>
             <a:r>
               <a:rPr lang="en-US" sz="1800" dirty="0"/>
@@ -6214,11 +6546,10 @@
             </a:r>
           </a:p>
           <a:p>
-            <a:pPr marL="0" indent="0">
+            <a:pPr>
               <a:lnSpc>
                 <a:spcPct val="150000"/>
               </a:lnSpc>
-              <a:buNone/>
             </a:pPr>
             <a:r>
               <a:rPr lang="en-US" sz="1800" dirty="0"/>
@@ -6243,19 +6574,14 @@
             <p:ph type="ftr" sz="quarter" idx="11"/>
           </p:nvPr>
         </p:nvSpPr>
-        <p:spPr>
-          <a:xfrm>
-            <a:off x="2764639" y="6459786"/>
-            <a:ext cx="3617103" cy="365125"/>
-          </a:xfrm>
-        </p:spPr>
+        <p:spPr/>
         <p:txBody>
           <a:bodyPr/>
           <a:lstStyle/>
           <a:p>
             <a:r>
               <a:rPr lang="en-US"/>
-              <a:t>© 2018, FLL Tutorials (Last Edit 8/26/2017)</a:t>
+              <a:t>© 2018, FLL Tutorials (Last Edit 6/11/2018)</a:t>
             </a:r>
             <a:endParaRPr lang="en-US" dirty="0"/>
           </a:p>
@@ -6395,7 +6721,7 @@
         </p:nvSpPr>
         <p:spPr>
           <a:xfrm>
-            <a:off x="241739" y="1758645"/>
+            <a:off x="241739" y="1452172"/>
             <a:ext cx="5302534" cy="4718353"/>
           </a:xfrm>
         </p:spPr>
@@ -6405,11 +6731,10 @@
           </a:bodyPr>
           <a:lstStyle/>
           <a:p>
-            <a:pPr marL="0" indent="0">
+            <a:pPr>
               <a:lnSpc>
                 <a:spcPct val="150000"/>
               </a:lnSpc>
-              <a:buNone/>
             </a:pPr>
             <a:r>
               <a:rPr lang="en-US" sz="1200" dirty="0"/>
@@ -6421,11 +6746,10 @@
             </a:r>
           </a:p>
           <a:p>
-            <a:pPr marL="0" indent="0">
+            <a:pPr>
               <a:lnSpc>
                 <a:spcPct val="150000"/>
               </a:lnSpc>
-              <a:buNone/>
             </a:pPr>
             <a:r>
               <a:rPr lang="en-US" sz="1600" dirty="0"/>
@@ -6433,11 +6757,10 @@
             </a:r>
           </a:p>
           <a:p>
-            <a:pPr marL="0" indent="0">
+            <a:pPr>
               <a:lnSpc>
                 <a:spcPct val="150000"/>
               </a:lnSpc>
-              <a:buNone/>
             </a:pPr>
             <a:r>
               <a:rPr lang="en-US" sz="1600" dirty="0"/>
@@ -6445,11 +6768,10 @@
             </a:r>
           </a:p>
           <a:p>
-            <a:pPr marL="0" indent="0">
+            <a:pPr>
               <a:lnSpc>
                 <a:spcPct val="150000"/>
               </a:lnSpc>
-              <a:buNone/>
             </a:pPr>
             <a:r>
               <a:rPr lang="en-US" sz="1600" dirty="0"/>
@@ -6457,11 +6779,10 @@
             </a:r>
           </a:p>
           <a:p>
-            <a:pPr marL="0" indent="0">
+            <a:pPr>
               <a:lnSpc>
                 <a:spcPct val="150000"/>
               </a:lnSpc>
-              <a:buNone/>
             </a:pPr>
             <a:r>
               <a:rPr lang="en-US" sz="1600" dirty="0"/>
@@ -6493,7 +6814,7 @@
           <a:p>
             <a:r>
               <a:rPr lang="en-US"/>
-              <a:t>© 2018, FLL Tutorials (Last Edit 8/26/2017)</a:t>
+              <a:t>© 2018, FLL Tutorials (Last Edit 6/11/2018)</a:t>
             </a:r>
             <a:endParaRPr lang="en-US" dirty="0"/>
           </a:p>
@@ -6633,13 +6954,13 @@
         </p:nvSpPr>
         <p:spPr>
           <a:xfrm>
-            <a:off x="241739" y="2108718"/>
-            <a:ext cx="5079561" cy="3760376"/>
+            <a:off x="372217" y="1548812"/>
+            <a:ext cx="4721278" cy="4459082"/>
           </a:xfrm>
         </p:spPr>
         <p:txBody>
           <a:bodyPr>
-            <a:normAutofit fontScale="92500" lnSpcReduction="20000"/>
+            <a:normAutofit/>
           </a:bodyPr>
           <a:lstStyle/>
           <a:p>
@@ -6651,8 +6972,8 @@
               <a:buChar char="§"/>
             </a:pPr>
             <a:r>
-              <a:rPr lang="en-US" sz="1600" dirty="0"/>
-              <a:t> The team lists all the changes they’ve made to their solution. They can include the changes since they were nominated from their championship event or they can include all the changes since they first developed their solution.</a:t>
+              <a:rPr lang="en-US" sz="1400" dirty="0"/>
+              <a:t>The team lists all the changes they’ve made to their solution. They can include the changes since they were nominated from their championship event or they can include all the changes since they first developed their solution.</a:t>
             </a:r>
           </a:p>
           <a:p>
@@ -6664,8 +6985,8 @@
               <a:buChar char="§"/>
             </a:pPr>
             <a:r>
-              <a:rPr lang="en-US" sz="1600" dirty="0"/>
-              <a:t> Include several drawings of the team’s solution. Describe the changes and how they improved the solution.</a:t>
+              <a:rPr lang="en-US" sz="1400" dirty="0"/>
+              <a:t>Include several drawings of the team’s solution. Describe the changes and how they improved the solution.</a:t>
             </a:r>
           </a:p>
           <a:p>
@@ -6677,8 +6998,8 @@
               <a:buChar char="§"/>
             </a:pPr>
             <a:r>
-              <a:rPr lang="en-US" sz="1600" dirty="0"/>
-              <a:t> The Engineering Change Notice form is basically about the team’s solution development. Think back to every change that was made which is why it is helpful to track the changes that were made while the team was developing their solution. Explain why they made those changes.</a:t>
+              <a:rPr lang="en-US" sz="1400" dirty="0"/>
+              <a:t>The Engineering Change Notice form is basically about the team’s solution development. Think back to every change that was made which is why it is helpful to track the changes that were made while the team was developing their solution. Explain why they made those changes.</a:t>
             </a:r>
           </a:p>
         </p:txBody>
@@ -6706,7 +7027,7 @@
           <a:p>
             <a:r>
               <a:rPr lang="en-US"/>
-              <a:t>© 2018, FLL Tutorials (Last Edit 8/26/2017)</a:t>
+              <a:t>© 2018, FLL Tutorials (Last Edit 6/11/2018)</a:t>
             </a:r>
             <a:endParaRPr lang="en-US" dirty="0"/>
           </a:p>
@@ -6832,12 +7153,7 @@
             <p:ph idx="1"/>
           </p:nvPr>
         </p:nvSpPr>
-        <p:spPr>
-          <a:xfrm>
-            <a:off x="241739" y="1845734"/>
-            <a:ext cx="8681544" cy="4023360"/>
-          </a:xfrm>
-        </p:spPr>
+        <p:spPr/>
         <p:txBody>
           <a:bodyPr>
             <a:normAutofit/>
@@ -6845,29 +7161,29 @@
           <a:lstStyle/>
           <a:p>
             <a:r>
-              <a:rPr lang="en-US" dirty="0"/>
-              <a:t>This lesson was written by Team 3659 NeXT GEN, with some edits by EV3Lessons</a:t>
-            </a:r>
-          </a:p>
-          <a:p>
-            <a:r>
-              <a:rPr lang="en-US" dirty="0"/>
+              <a:rPr lang="en-US" sz="2000" dirty="0"/>
+              <a:t>This lesson was written by Team 3659 NeXT GEN, with some edits by the Seshan Brothers</a:t>
+            </a:r>
+          </a:p>
+          <a:p>
+            <a:r>
+              <a:rPr lang="en-US" sz="2000" dirty="0"/>
               <a:t>You can contact Team 3659 NeXT GEN through their Facebook page: Garrett County FIRST LEGO League Team 3659. </a:t>
             </a:r>
           </a:p>
           <a:p>
             <a:r>
-              <a:rPr lang="en-US" dirty="0"/>
+              <a:rPr lang="en-US" sz="2000" dirty="0"/>
               <a:t>More lessons available at </a:t>
             </a:r>
             <a:r>
-              <a:rPr lang="en-US" dirty="0">
+              <a:rPr lang="en-US" sz="2000" dirty="0">
                 <a:hlinkClick r:id="rId2"/>
               </a:rPr>
               <a:t>www.ev3lesssons.com</a:t>
             </a:r>
             <a:r>
-              <a:rPr lang="en-US" dirty="0"/>
+              <a:rPr lang="en-US" sz="2000" dirty="0"/>
               <a:t> and www.flltutorials.com</a:t>
             </a:r>
           </a:p>
@@ -6875,13 +7191,13 @@
             <a:pPr marL="0" indent="0">
               <a:buNone/>
             </a:pPr>
-            <a:endParaRPr lang="en-US" dirty="0"/>
-          </a:p>
-          <a:p>
-            <a:endParaRPr lang="en-US" dirty="0"/>
-          </a:p>
-          <a:p>
-            <a:endParaRPr lang="en-US" dirty="0"/>
+            <a:endParaRPr lang="en-US" sz="2000" dirty="0"/>
+          </a:p>
+          <a:p>
+            <a:endParaRPr lang="en-US" sz="2000" dirty="0"/>
+          </a:p>
+          <a:p>
+            <a:endParaRPr lang="en-US" sz="2000" dirty="0"/>
           </a:p>
         </p:txBody>
       </p:sp>
@@ -6902,7 +7218,7 @@
           <a:p>
             <a:r>
               <a:rPr lang="en-US"/>
-              <a:t>© 2018, FLL Tutorials (Last Edit 8/26/2017)</a:t>
+              <a:t>© 2018, FLL Tutorials (Last Edit 6/11/2018)</a:t>
             </a:r>
             <a:endParaRPr lang="en-US" dirty="0"/>
           </a:p>
@@ -7024,7 +7340,7 @@
         </p:nvSpPr>
         <p:spPr>
           <a:xfrm>
-            <a:off x="241738" y="1853552"/>
+            <a:off x="265243" y="1499938"/>
             <a:ext cx="4331451" cy="4478554"/>
           </a:xfrm>
         </p:spPr>
@@ -7127,7 +7443,7 @@
           <a:p>
             <a:r>
               <a:rPr lang="en-US"/>
-              <a:t>© 2018, FLL Tutorials (Last Edit 8/26/2017)</a:t>
+              <a:t>© 2018, FLL Tutorials (Last Edit 6/11/2018)</a:t>
             </a:r>
             <a:endParaRPr lang="en-US" dirty="0"/>
           </a:p>
@@ -7177,7 +7493,7 @@
         </p:blipFill>
         <p:spPr>
           <a:xfrm>
-            <a:off x="4573190" y="4603515"/>
+            <a:off x="4564054" y="4403049"/>
             <a:ext cx="4305567" cy="1600630"/>
           </a:xfrm>
           <a:prstGeom prst="rect">
@@ -7200,7 +7516,7 @@
         </p:blipFill>
         <p:spPr>
           <a:xfrm>
-            <a:off x="4573189" y="1888508"/>
+            <a:off x="4564054" y="1654636"/>
             <a:ext cx="4347343" cy="2539455"/>
           </a:xfrm>
           <a:prstGeom prst="rect">
@@ -7428,7 +7744,7 @@
           <a:p>
             <a:r>
               <a:rPr lang="en-US"/>
-              <a:t>© 2018, FLL Tutorials (Last Edit 8/26/2017)</a:t>
+              <a:t>© 2018, FLL Tutorials (Last Edit 6/11/2018)</a:t>
             </a:r>
             <a:endParaRPr lang="en-US" dirty="0"/>
           </a:p>
@@ -8383,7 +8699,7 @@
         <p:spPr/>
         <p:txBody>
           <a:bodyPr>
-            <a:normAutofit/>
+            <a:normAutofit fontScale="90000"/>
           </a:bodyPr>
           <a:lstStyle/>
           <a:p>
@@ -8391,9 +8707,10 @@
               <a:rPr lang="en-US" dirty="0"/>
             </a:br>
             <a:r>
-              <a:rPr lang="en-US" dirty="0"/>
+              <a:rPr lang="en-US" sz="3100" dirty="0"/>
               <a:t>Problem Identification Section</a:t>
             </a:r>
+            <a:endParaRPr lang="en-US" dirty="0"/>
           </a:p>
         </p:txBody>
       </p:sp>
@@ -8415,8 +8732,8 @@
         </p:nvSpPr>
         <p:spPr>
           <a:xfrm>
-            <a:off x="241739" y="1845734"/>
-            <a:ext cx="6362261" cy="4023360"/>
+            <a:off x="377470" y="1562051"/>
+            <a:ext cx="6109055" cy="4023360"/>
           </a:xfrm>
         </p:spPr>
         <p:txBody>
@@ -8511,7 +8828,7 @@
           <a:p>
             <a:r>
               <a:rPr lang="en-US"/>
-              <a:t>© 2018, FLL Tutorials (Last Edit 8/26/2017)</a:t>
+              <a:t>© 2018, FLL Tutorials (Last Edit 6/11/2018)</a:t>
             </a:r>
             <a:endParaRPr lang="en-US" dirty="0"/>
           </a:p>
@@ -8554,7 +8871,7 @@
         </p:nvSpPr>
         <p:spPr>
           <a:xfrm>
-            <a:off x="241739" y="178231"/>
+            <a:off x="7006870" y="5585411"/>
             <a:ext cx="2002420" cy="590309"/>
           </a:xfrm>
           <a:prstGeom prst="rect">
@@ -8700,13 +9017,13 @@
         </p:nvSpPr>
         <p:spPr>
           <a:xfrm>
-            <a:off x="241739" y="1845734"/>
+            <a:off x="441764" y="1590626"/>
             <a:ext cx="5447861" cy="4023360"/>
           </a:xfrm>
         </p:spPr>
         <p:txBody>
           <a:bodyPr>
-            <a:normAutofit fontScale="92500" lnSpcReduction="10000"/>
+            <a:normAutofit fontScale="85000" lnSpcReduction="20000"/>
           </a:bodyPr>
           <a:lstStyle/>
           <a:p>
@@ -8793,7 +9110,7 @@
           <a:p>
             <a:r>
               <a:rPr lang="en-US"/>
-              <a:t>© 2018, FLL Tutorials (Last Edit 8/26/2017)</a:t>
+              <a:t>© 2018, FLL Tutorials (Last Edit 6/11/2018)</a:t>
             </a:r>
             <a:endParaRPr lang="en-US" dirty="0"/>
           </a:p>
@@ -8836,7 +9153,7 @@
         </p:nvSpPr>
         <p:spPr>
           <a:xfrm>
-            <a:off x="241739" y="178231"/>
+            <a:off x="7049733" y="5613986"/>
             <a:ext cx="2002420" cy="590309"/>
           </a:xfrm>
           <a:prstGeom prst="rect">
@@ -8983,7 +9300,7 @@
         </p:nvSpPr>
         <p:spPr>
           <a:xfrm>
-            <a:off x="232418" y="1662715"/>
+            <a:off x="428263" y="1448100"/>
             <a:ext cx="8379147" cy="4722425"/>
           </a:xfrm>
         </p:spPr>
@@ -8999,7 +9316,7 @@
               </a:lnSpc>
             </a:pPr>
             <a:r>
-              <a:rPr lang="en-US" sz="1600" dirty="0"/>
+              <a:rPr lang="en-US" sz="1400" dirty="0"/>
               <a:t>The team has 500 words maximum to describe how they developed their solution, the steps they followed to narrow, evaluate, and verify their solution; and how they improved their solution after receiving feedback from experts/professionals. This is where we really recommend using the scientific method as the frame for the description. Include the following:</a:t>
             </a:r>
           </a:p>
@@ -9012,7 +9329,7 @@
               <a:buAutoNum type="arabicPeriod"/>
             </a:pPr>
             <a:r>
-              <a:rPr lang="en-US" sz="1400" dirty="0"/>
+              <a:rPr lang="en-US" sz="1200" dirty="0"/>
               <a:t>The problem							</a:t>
             </a:r>
           </a:p>
@@ -9025,7 +9342,7 @@
               <a:buAutoNum type="arabicPeriod"/>
             </a:pPr>
             <a:r>
-              <a:rPr lang="en-US" sz="1400" dirty="0"/>
+              <a:rPr lang="en-US" sz="1200" dirty="0"/>
               <a:t>How the team researched the problem and existing solutions</a:t>
             </a:r>
           </a:p>
@@ -9038,7 +9355,7 @@
               <a:buAutoNum type="arabicPeriod"/>
             </a:pPr>
             <a:r>
-              <a:rPr lang="en-US" sz="1400" dirty="0"/>
+              <a:rPr lang="en-US" sz="1200" dirty="0"/>
               <a:t>The hypothesis</a:t>
             </a:r>
           </a:p>
@@ -9051,7 +9368,7 @@
               <a:buAutoNum type="arabicPeriod"/>
             </a:pPr>
             <a:r>
-              <a:rPr lang="en-US" sz="1400" dirty="0"/>
+              <a:rPr lang="en-US" sz="1200" dirty="0"/>
               <a:t>How the team built and modified their prototypes</a:t>
             </a:r>
           </a:p>
@@ -9064,7 +9381,7 @@
               <a:buAutoNum type="arabicPeriod"/>
             </a:pPr>
             <a:r>
-              <a:rPr lang="en-US" sz="1400" dirty="0"/>
+              <a:rPr lang="en-US" sz="1200" dirty="0"/>
               <a:t>How the team tested their prototype(s) and hypothesis by experimenting</a:t>
             </a:r>
           </a:p>
@@ -9077,7 +9394,7 @@
               <a:buAutoNum type="arabicPeriod"/>
             </a:pPr>
             <a:r>
-              <a:rPr lang="en-US" sz="1400" dirty="0"/>
+              <a:rPr lang="en-US" sz="1200" dirty="0"/>
               <a:t>What the team plans on doing next to improve their solution</a:t>
             </a:r>
           </a:p>
@@ -9089,7 +9406,7 @@
               <a:buFont typeface="Wingdings" panose="05000000000000000000" pitchFamily="2" charset="2"/>
               <a:buChar char="§"/>
             </a:pPr>
-            <a:endParaRPr lang="en-US" sz="1400" dirty="0"/>
+            <a:endParaRPr lang="en-US" sz="1200" dirty="0"/>
           </a:p>
         </p:txBody>
       </p:sp>
@@ -9116,7 +9433,7 @@
           <a:p>
             <a:r>
               <a:rPr lang="en-US"/>
-              <a:t>© 2018, FLL Tutorials (Last Edit 8/26/2017)</a:t>
+              <a:t>© 2018, FLL Tutorials (Last Edit 6/11/2018)</a:t>
             </a:r>
             <a:endParaRPr lang="en-US" dirty="0"/>
           </a:p>
@@ -9167,7 +9484,7 @@
         </p:blipFill>
         <p:spPr>
           <a:xfrm>
-            <a:off x="6075182" y="3411480"/>
+            <a:off x="6063482" y="3104675"/>
             <a:ext cx="2848100" cy="2136075"/>
           </a:xfrm>
           <a:prstGeom prst="rect">
@@ -9220,7 +9537,7 @@
         </p:nvSpPr>
         <p:spPr>
           <a:xfrm>
-            <a:off x="232418" y="132732"/>
+            <a:off x="7018980" y="5335690"/>
             <a:ext cx="2002420" cy="590309"/>
           </a:xfrm>
           <a:prstGeom prst="rect">
@@ -9337,13 +9654,13 @@
         </p:nvSpPr>
         <p:spPr>
           <a:xfrm>
-            <a:off x="241739" y="1732765"/>
+            <a:off x="462456" y="1529067"/>
             <a:ext cx="8681544" cy="4614052"/>
           </a:xfrm>
         </p:spPr>
         <p:txBody>
           <a:bodyPr>
-            <a:normAutofit/>
+            <a:normAutofit lnSpcReduction="10000"/>
           </a:bodyPr>
           <a:lstStyle/>
           <a:p>
@@ -9454,7 +9771,7 @@
           <a:p>
             <a:r>
               <a:rPr lang="en-US"/>
-              <a:t>© 2018, FLL Tutorials (Last Edit 8/26/2017)</a:t>
+              <a:t>© 2018, FLL Tutorials (Last Edit 6/11/2018)</a:t>
             </a:r>
             <a:endParaRPr lang="en-US" dirty="0"/>
           </a:p>
@@ -9497,7 +9814,7 @@
         </p:nvSpPr>
         <p:spPr>
           <a:xfrm>
-            <a:off x="241738" y="124221"/>
+            <a:off x="7035444" y="5580216"/>
             <a:ext cx="2002420" cy="590309"/>
           </a:xfrm>
           <a:prstGeom prst="rect">
@@ -9584,12 +9901,7 @@
             <p:ph type="title"/>
           </p:nvPr>
         </p:nvSpPr>
-        <p:spPr>
-          <a:xfrm>
-            <a:off x="241739" y="286604"/>
-            <a:ext cx="8681543" cy="1450757"/>
-          </a:xfrm>
-        </p:spPr>
+        <p:spPr/>
         <p:txBody>
           <a:bodyPr/>
           <a:lstStyle/>
@@ -9619,13 +9931,13 @@
         </p:nvSpPr>
         <p:spPr>
           <a:xfrm>
-            <a:off x="241739" y="1845734"/>
+            <a:off x="348895" y="1463510"/>
             <a:ext cx="5522453" cy="1513168"/>
           </a:xfrm>
         </p:spPr>
         <p:txBody>
           <a:bodyPr>
-            <a:normAutofit lnSpcReduction="10000"/>
+            <a:normAutofit/>
           </a:bodyPr>
           <a:lstStyle/>
           <a:p>
@@ -9664,7 +9976,7 @@
           <a:p>
             <a:r>
               <a:rPr lang="en-US"/>
-              <a:t>© 2018, FLL Tutorials (Last Edit 8/26/2017)</a:t>
+              <a:t>© 2018, FLL Tutorials (Last Edit 6/11/2018)</a:t>
             </a:r>
             <a:endParaRPr lang="en-US" dirty="0"/>
           </a:p>
@@ -9721,7 +10033,7 @@
         </p:blipFill>
         <p:spPr>
           <a:xfrm>
-            <a:off x="5969123" y="1892522"/>
+            <a:off x="5969123" y="1639674"/>
             <a:ext cx="2912441" cy="1638248"/>
           </a:xfrm>
           <a:prstGeom prst="rect">
@@ -9737,7 +10049,7 @@
         </p:nvSpPr>
         <p:spPr>
           <a:xfrm>
-            <a:off x="232418" y="3685931"/>
+            <a:off x="348895" y="3332081"/>
             <a:ext cx="8681543" cy="2446824"/>
           </a:xfrm>
           <a:prstGeom prst="rect">
@@ -9825,7 +10137,7 @@
         </p:nvSpPr>
         <p:spPr>
           <a:xfrm>
-            <a:off x="241739" y="131443"/>
+            <a:off x="4863745" y="5580217"/>
             <a:ext cx="2002420" cy="590309"/>
           </a:xfrm>
           <a:prstGeom prst="rect">
@@ -9874,7 +10186,7 @@
         </p:nvSpPr>
         <p:spPr>
           <a:xfrm>
-            <a:off x="2359907" y="131442"/>
+            <a:off x="6981913" y="5580216"/>
             <a:ext cx="2002420" cy="590309"/>
           </a:xfrm>
           <a:prstGeom prst="rect">
@@ -9991,7 +10303,7 @@
         </p:nvSpPr>
         <p:spPr>
           <a:xfrm>
-            <a:off x="241739" y="1845734"/>
+            <a:off x="341752" y="1487730"/>
             <a:ext cx="4874271" cy="4023360"/>
           </a:xfrm>
         </p:spPr>
@@ -10098,7 +10410,7 @@
           <a:p>
             <a:r>
               <a:rPr lang="en-US"/>
-              <a:t>© 2018, FLL Tutorials (Last Edit 8/26/2017)</a:t>
+              <a:t>© 2018, FLL Tutorials (Last Edit 6/11/2018)</a:t>
             </a:r>
             <a:endParaRPr lang="en-US" dirty="0"/>
           </a:p>
@@ -10421,91 +10733,58 @@
 </file>
 
 <file path=ppt/theme/theme1.xml><?xml version="1.0" encoding="utf-8"?>
-<a:theme xmlns:a="http://schemas.openxmlformats.org/drawingml/2006/main" name="Retrospect">
+<a:theme xmlns:a="http://schemas.openxmlformats.org/drawingml/2006/main" name="Dividend">
   <a:themeElements>
-    <a:clrScheme name="Retrospect">
+    <a:clrScheme name="Dividend">
       <a:dk1>
-        <a:srgbClr val="000000"/>
+        <a:sysClr val="windowText" lastClr="000000"/>
       </a:dk1>
       <a:lt1>
         <a:sysClr val="window" lastClr="FFFFFF"/>
       </a:lt1>
       <a:dk2>
-        <a:srgbClr val="637052"/>
+        <a:srgbClr val="3D3D3D"/>
       </a:dk2>
       <a:lt2>
-        <a:srgbClr val="CCDDEA"/>
+        <a:srgbClr val="EBEBEB"/>
       </a:lt2>
       <a:accent1>
-        <a:srgbClr val="E48312"/>
+        <a:srgbClr val="1A3260"/>
       </a:accent1>
       <a:accent2>
-        <a:srgbClr val="BD582C"/>
+        <a:srgbClr val="4590B8"/>
       </a:accent2>
       <a:accent3>
-        <a:srgbClr val="865640"/>
+        <a:srgbClr val="45CBE8"/>
       </a:accent3>
       <a:accent4>
-        <a:srgbClr val="9B8357"/>
+        <a:srgbClr val="969FA7"/>
       </a:accent4>
       <a:accent5>
-        <a:srgbClr val="C2BC80"/>
+        <a:srgbClr val="A2C777"/>
       </a:accent5>
       <a:accent6>
-        <a:srgbClr val="94A088"/>
+        <a:srgbClr val="42955F"/>
       </a:accent6>
       <a:hlink>
-        <a:srgbClr val="2998E3"/>
+        <a:srgbClr val="828282"/>
       </a:hlink>
       <a:folHlink>
-        <a:srgbClr val="8C8C8C"/>
+        <a:srgbClr val="A5A5A5"/>
       </a:folHlink>
     </a:clrScheme>
-    <a:fontScheme name="Retrospect">
+    <a:fontScheme name="Dividend">
       <a:majorFont>
-        <a:latin typeface="Calibri Light" panose="020F0302020204030204"/>
+        <a:latin typeface="Gill Sans MT" panose="020B0502020104020203"/>
         <a:ea typeface=""/>
         <a:cs typeface=""/>
-        <a:font script="Jpan" typeface="ＭＳ Ｐゴシック"/>
-        <a:font script="Hang" typeface="맑은 고딕"/>
-        <a:font script="Hans" typeface="宋体"/>
-        <a:font script="Hant" typeface="新細明體"/>
-        <a:font script="Arab" typeface="Times New Roman"/>
-        <a:font script="Hebr" typeface="Times New Roman"/>
-        <a:font script="Thai" typeface="Angsana New"/>
-        <a:font script="Ethi" typeface="Nyala"/>
-        <a:font script="Beng" typeface="Vrinda"/>
-        <a:font script="Gujr" typeface="Shruti"/>
-        <a:font script="Khmr" typeface="MoolBoran"/>
-        <a:font script="Knda" typeface="Tunga"/>
-        <a:font script="Guru" typeface="Raavi"/>
-        <a:font script="Cans" typeface="Euphemia"/>
-        <a:font script="Cher" typeface="Plantagenet Cherokee"/>
-        <a:font script="Yiii" typeface="Microsoft Yi Baiti"/>
-        <a:font script="Tibt" typeface="Microsoft Himalaya"/>
-        <a:font script="Thaa" typeface="MV Boli"/>
-        <a:font script="Deva" typeface="Mangal"/>
-        <a:font script="Telu" typeface="Gautami"/>
-        <a:font script="Taml" typeface="Latha"/>
-        <a:font script="Syrc" typeface="Estrangelo Edessa"/>
-        <a:font script="Orya" typeface="Kalinga"/>
-        <a:font script="Mlym" typeface="Kartika"/>
-        <a:font script="Laoo" typeface="DokChampa"/>
-        <a:font script="Sinh" typeface="Iskoola Pota"/>
-        <a:font script="Mong" typeface="Mongolian Baiti"/>
-        <a:font script="Viet" typeface="Times New Roman"/>
-        <a:font script="Uigh" typeface="Microsoft Uighur"/>
-        <a:font script="Geor" typeface="Sylfaen"/>
-      </a:majorFont>
-      <a:minorFont>
-        <a:latin typeface="Calibri" panose="020F0502020204030204"/>
-        <a:ea typeface=""/>
-        <a:cs typeface=""/>
-        <a:font script="Jpan" typeface="ＭＳ Ｐゴシック"/>
-        <a:font script="Hang" typeface="맑은 고딕"/>
-        <a:font script="Hans" typeface="宋体"/>
-        <a:font script="Hant" typeface="新細明體"/>
-        <a:font script="Arab" typeface="Arial"/>
+        <a:font script="Grek" typeface="Corbel"/>
+        <a:font script="Cyrl" typeface="Corbel"/>
+        <a:font script="Jpan" typeface="HGｺﾞｼｯｸE"/>
+        <a:font script="Hang" typeface="휴먼매직체"/>
+        <a:font script="Hans" typeface="华文中宋"/>
+        <a:font script="Hant" typeface="微軟正黑體"/>
+        <a:font script="Arab" typeface="Majalla UI"/>
         <a:font script="Hebr" typeface="Arial"/>
         <a:font script="Thai" typeface="Cordia New"/>
         <a:font script="Ethi" typeface="Nyala"/>
@@ -10528,12 +10807,49 @@
         <a:font script="Laoo" typeface="DokChampa"/>
         <a:font script="Sinh" typeface="Iskoola Pota"/>
         <a:font script="Mong" typeface="Mongolian Baiti"/>
-        <a:font script="Viet" typeface="Arial"/>
+        <a:font script="Viet" typeface="Tahoma"/>
+        <a:font script="Uigh" typeface="Microsoft Uighur"/>
+        <a:font script="Geor" typeface="Sylfaen"/>
+      </a:majorFont>
+      <a:minorFont>
+        <a:latin typeface="Gill Sans MT" panose="020B0502020104020203"/>
+        <a:ea typeface=""/>
+        <a:cs typeface=""/>
+        <a:font script="Grek" typeface="Corbel"/>
+        <a:font script="Cyrl" typeface="Corbel"/>
+        <a:font script="Jpan" typeface="HGｺﾞｼｯｸE"/>
+        <a:font script="Hang" typeface="휴먼매직체"/>
+        <a:font script="Hans" typeface="华文中宋"/>
+        <a:font script="Hant" typeface="微軟正黑體"/>
+        <a:font script="Arab" typeface="Majalla UI"/>
+        <a:font script="Hebr" typeface="Arial"/>
+        <a:font script="Thai" typeface="Cordia New"/>
+        <a:font script="Ethi" typeface="Nyala"/>
+        <a:font script="Beng" typeface="Vrinda"/>
+        <a:font script="Gujr" typeface="Shruti"/>
+        <a:font script="Khmr" typeface="DaunPenh"/>
+        <a:font script="Knda" typeface="Tunga"/>
+        <a:font script="Guru" typeface="Raavi"/>
+        <a:font script="Cans" typeface="Euphemia"/>
+        <a:font script="Cher" typeface="Plantagenet Cherokee"/>
+        <a:font script="Yiii" typeface="Microsoft Yi Baiti"/>
+        <a:font script="Tibt" typeface="Microsoft Himalaya"/>
+        <a:font script="Thaa" typeface="MV Boli"/>
+        <a:font script="Deva" typeface="Mangal"/>
+        <a:font script="Telu" typeface="Gautami"/>
+        <a:font script="Taml" typeface="Latha"/>
+        <a:font script="Syrc" typeface="Estrangelo Edessa"/>
+        <a:font script="Orya" typeface="Kalinga"/>
+        <a:font script="Mlym" typeface="Kartika"/>
+        <a:font script="Laoo" typeface="DokChampa"/>
+        <a:font script="Sinh" typeface="Iskoola Pota"/>
+        <a:font script="Mong" typeface="Mongolian Baiti"/>
+        <a:font script="Viet" typeface="Tahoma"/>
         <a:font script="Uigh" typeface="Microsoft Uighur"/>
         <a:font script="Geor" typeface="Sylfaen"/>
       </a:minorFont>
     </a:fontScheme>
-    <a:fmtScheme name="Retrospect">
+    <a:fmtScheme name="Dividend">
       <a:fillStyleLst>
         <a:solidFill>
           <a:schemeClr val="phClr"/>
@@ -10542,77 +10858,54 @@
           <a:gsLst>
             <a:gs pos="0">
               <a:schemeClr val="phClr">
-                <a:tint val="65000"/>
-                <a:shade val="92000"/>
-                <a:satMod val="130000"/>
-              </a:schemeClr>
-            </a:gs>
-            <a:gs pos="45000">
-              <a:schemeClr val="phClr">
-                <a:tint val="60000"/>
-                <a:shade val="99000"/>
-                <a:satMod val="120000"/>
+                <a:tint val="68000"/>
+                <a:alpha val="90000"/>
+                <a:lumMod val="100000"/>
               </a:schemeClr>
             </a:gs>
             <a:gs pos="100000">
               <a:schemeClr val="phClr">
-                <a:tint val="55000"/>
-                <a:satMod val="140000"/>
+                <a:tint val="90000"/>
+                <a:lumMod val="95000"/>
               </a:schemeClr>
             </a:gs>
           </a:gsLst>
-          <a:path path="circle">
-            <a:fillToRect l="100000" t="100000" r="100000" b="100000"/>
-          </a:path>
+          <a:lin ang="5400000" scaled="1"/>
         </a:gradFill>
         <a:gradFill rotWithShape="1">
           <a:gsLst>
             <a:gs pos="0">
               <a:schemeClr val="phClr">
-                <a:shade val="85000"/>
-                <a:satMod val="130000"/>
+                <a:tint val="98000"/>
+                <a:lumMod val="110000"/>
               </a:schemeClr>
             </a:gs>
-            <a:gs pos="34000">
+            <a:gs pos="84000">
               <a:schemeClr val="phClr">
-                <a:shade val="87000"/>
-                <a:satMod val="125000"/>
-              </a:schemeClr>
-            </a:gs>
-            <a:gs pos="70000">
-              <a:schemeClr val="phClr">
-                <a:tint val="100000"/>
                 <a:shade val="90000"/>
-                <a:satMod val="130000"/>
-              </a:schemeClr>
-            </a:gs>
-            <a:gs pos="100000">
-              <a:schemeClr val="phClr">
-                <a:tint val="100000"/>
-                <a:shade val="100000"/>
-                <a:satMod val="110000"/>
+                <a:lumMod val="88000"/>
               </a:schemeClr>
             </a:gs>
           </a:gsLst>
-          <a:path path="circle">
-            <a:fillToRect l="100000" t="100000" r="100000" b="100000"/>
-          </a:path>
+          <a:lin ang="5400000" scaled="0"/>
         </a:gradFill>
       </a:fillStyleLst>
       <a:lnStyleLst>
-        <a:ln w="12700" cap="flat" cmpd="sng" algn="ctr">
+        <a:ln w="12700" cap="rnd" cmpd="sng" algn="ctr">
+          <a:solidFill>
+            <a:schemeClr val="phClr">
+              <a:lumMod val="90000"/>
+            </a:schemeClr>
+          </a:solidFill>
+          <a:prstDash val="solid"/>
+        </a:ln>
+        <a:ln w="22225" cap="rnd" cmpd="sng" algn="ctr">
           <a:solidFill>
             <a:schemeClr val="phClr"/>
           </a:solidFill>
           <a:prstDash val="solid"/>
         </a:ln>
-        <a:ln w="15875" cap="flat" cmpd="sng" algn="ctr">
-          <a:solidFill>
-            <a:schemeClr val="phClr"/>
-          </a:solidFill>
-          <a:prstDash val="solid"/>
-        </a:ln>
-        <a:ln w="25400" cap="flat" cmpd="sng" algn="ctr">
+        <a:ln w="25400" cap="rnd" cmpd="sng" algn="ctr">
           <a:solidFill>
             <a:schemeClr val="phClr"/>
           </a:solidFill>
@@ -10625,16 +10918,16 @@
         </a:effectStyle>
         <a:effectStyle>
           <a:effectLst>
-            <a:outerShdw blurRad="38100" dist="25400" dir="2700000" algn="br" rotWithShape="0">
+            <a:outerShdw blurRad="38100" dist="25400" dir="5400000" rotWithShape="0">
               <a:srgbClr val="000000">
-                <a:alpha val="60000"/>
+                <a:alpha val="55000"/>
               </a:srgbClr>
             </a:outerShdw>
           </a:effectLst>
         </a:effectStyle>
         <a:effectStyle>
           <a:effectLst>
-            <a:outerShdw blurRad="44450" dist="25400" dir="2700000" algn="br" rotWithShape="0">
+            <a:outerShdw blurRad="88900" dist="38100" dir="5040000" rotWithShape="0">
               <a:srgbClr val="000000">
                 <a:alpha val="60000"/>
               </a:srgbClr>
@@ -10644,12 +10937,12 @@
             <a:camera prst="orthographicFront">
               <a:rot lat="0" lon="0" rev="0"/>
             </a:camera>
-            <a:lightRig rig="threePt" dir="t">
-              <a:rot lat="0" lon="0" rev="19800000"/>
+            <a:lightRig rig="threePt" dir="tl">
+              <a:rot lat="0" lon="0" rev="1200000"/>
             </a:lightRig>
           </a:scene3d>
-          <a:sp3d prstMaterial="flat">
-            <a:bevelT w="25400" h="31750"/>
+          <a:sp3d>
+            <a:bevelT w="38100" h="50800"/>
           </a:sp3d>
         </a:effectStyle>
       </a:effectStyleLst>
@@ -10657,38 +10950,43 @@
         <a:solidFill>
           <a:schemeClr val="phClr"/>
         </a:solidFill>
-        <a:solidFill>
-          <a:schemeClr val="phClr">
-            <a:tint val="90000"/>
-            <a:shade val="97000"/>
-            <a:satMod val="130000"/>
-          </a:schemeClr>
-        </a:solidFill>
         <a:gradFill rotWithShape="1">
           <a:gsLst>
             <a:gs pos="0">
               <a:schemeClr val="phClr">
-                <a:tint val="96000"/>
-                <a:shade val="99000"/>
-                <a:satMod val="140000"/>
+                <a:tint val="90000"/>
+                <a:lumMod val="110000"/>
               </a:schemeClr>
             </a:gs>
-            <a:gs pos="65000">
+            <a:gs pos="88000">
               <a:schemeClr val="phClr">
-                <a:tint val="100000"/>
-                <a:shade val="80000"/>
-                <a:satMod val="130000"/>
+                <a:shade val="94000"/>
+                <a:satMod val="110000"/>
+                <a:lumMod val="88000"/>
+              </a:schemeClr>
+            </a:gs>
+          </a:gsLst>
+          <a:lin ang="5400000" scaled="0"/>
+        </a:gradFill>
+        <a:gradFill rotWithShape="1">
+          <a:gsLst>
+            <a:gs pos="0">
+              <a:schemeClr val="phClr">
+                <a:tint val="90000"/>
+                <a:lumMod val="110000"/>
               </a:schemeClr>
             </a:gs>
             <a:gs pos="100000">
               <a:schemeClr val="phClr">
-                <a:tint val="100000"/>
-                <a:shade val="48000"/>
-                <a:satMod val="120000"/>
+                <a:shade val="98000"/>
+                <a:satMod val="110000"/>
+                <a:lumMod val="86000"/>
               </a:schemeClr>
             </a:gs>
           </a:gsLst>
-          <a:lin ang="16200000" scaled="0"/>
+          <a:path path="circle">
+            <a:fillToRect l="50000" t="50000" r="100000" b="100000"/>
+          </a:path>
         </a:gradFill>
       </a:bgFillStyleLst>
     </a:fmtScheme>
@@ -10697,7 +10995,7 @@
   <a:extraClrSchemeLst/>
   <a:extLst>
     <a:ext uri="{05A4C25C-085E-4340-85A3-A5531E510DB2}">
-      <thm15:themeFamily xmlns:thm15="http://schemas.microsoft.com/office/thememl/2012/main" name="Retrospect" id="{5F128B03-DCCA-4EEB-AB3B-CF2899314A46}" vid="{3F1AAB62-24C6-49D2-8E01-B56FAC9A3DCD}"/>
+      <thm15:themeFamily xmlns:thm15="http://schemas.microsoft.com/office/thememl/2012/main" name="EngineeringJournal" id="{97721FB4-21DC-6D4C-AC10-5E4545120761}" vid="{EB585347-F0B4-B74F-BF80-5185492EFC16}"/>
     </a:ext>
   </a:extLst>
 </a:theme>

--- a/translations/en-us/Project/GlobalInnovationAward.pptx
+++ b/translations/en-us/Project/GlobalInnovationAward.pptx
@@ -230,7 +230,7 @@
           <a:p>
             <a:fld id="{B5F92CFC-E422-40B4-9CC4-DEA280552AB2}" type="datetimeFigureOut">
               <a:rPr lang="en-US" smtClean="0"/>
-              <a:t>6/12/18</a:t>
+              <a:t>9/2/18</a:t>
             </a:fld>
             <a:endParaRPr lang="en-US"/>
           </a:p>
@@ -407,7 +407,7 @@
           <a:p>
             <a:fld id="{A78B980B-A051-5042-A199-B77431CF73D3}" type="datetimeFigureOut">
               <a:rPr lang="en-US" smtClean="0"/>
-              <a:t>6/12/18</a:t>
+              <a:t>9/2/18</a:t>
             </a:fld>
             <a:endParaRPr lang="en-US"/>
           </a:p>
@@ -1011,7 +1011,7 @@
           <a:p>
             <a:fld id="{BFF16D12-FE3D-4A62-A087-0B31DB54E69D}" type="datetime1">
               <a:rPr lang="en-US" smtClean="0"/>
-              <a:t>6/12/18</a:t>
+              <a:t>9/2/18</a:t>
             </a:fld>
             <a:endParaRPr lang="en-US" dirty="0"/>
           </a:p>
@@ -1136,57 +1136,6 @@
           </a:prstGeom>
         </p:spPr>
       </p:pic>
-      <p:sp>
-        <p:nvSpPr>
-          <p:cNvPr id="9" name="Rectangle 8">
-            <a:extLst>
-              <a:ext uri="{FF2B5EF4-FFF2-40B4-BE49-F238E27FC236}">
-                <a16:creationId xmlns:a16="http://schemas.microsoft.com/office/drawing/2014/main" id="{C1B8D4C1-74C6-49FA-84C8-7D6868C5D3F5}"/>
-              </a:ext>
-            </a:extLst>
-          </p:cNvPr>
-          <p:cNvSpPr/>
-          <p:nvPr userDrawn="1"/>
-        </p:nvSpPr>
-        <p:spPr>
-          <a:xfrm>
-            <a:off x="-2358" y="6272819"/>
-            <a:ext cx="9141619" cy="64008"/>
-          </a:xfrm>
-          <a:prstGeom prst="rect">
-            <a:avLst/>
-          </a:prstGeom>
-          <a:solidFill>
-            <a:srgbClr val="24CF39"/>
-          </a:solidFill>
-          <a:ln>
-            <a:noFill/>
-          </a:ln>
-        </p:spPr>
-        <p:style>
-          <a:lnRef idx="2">
-            <a:schemeClr val="accent1">
-              <a:shade val="50000"/>
-            </a:schemeClr>
-          </a:lnRef>
-          <a:fillRef idx="1">
-            <a:schemeClr val="accent1"/>
-          </a:fillRef>
-          <a:effectRef idx="0">
-            <a:schemeClr val="accent1"/>
-          </a:effectRef>
-          <a:fontRef idx="minor">
-            <a:schemeClr val="lt1"/>
-          </a:fontRef>
-        </p:style>
-        <p:txBody>
-          <a:bodyPr/>
-          <a:lstStyle/>
-          <a:p>
-            <a:endParaRPr lang="en-US" dirty="0"/>
-          </a:p>
-        </p:txBody>
-      </p:sp>
     </p:spTree>
     <p:extLst>
       <p:ext uri="{BB962C8B-B14F-4D97-AF65-F5344CB8AC3E}">
@@ -1372,7 +1321,7 @@
           <a:p>
             <a:fld id="{810E3C79-2264-49E8-898B-C1DFF63581D7}" type="datetime1">
               <a:rPr lang="en-US" smtClean="0"/>
-              <a:t>6/12/18</a:t>
+              <a:t>9/2/18</a:t>
             </a:fld>
             <a:endParaRPr lang="en-US" dirty="0"/>
           </a:p>
@@ -1630,7 +1579,7 @@
           <a:p>
             <a:fld id="{9C760F2C-58BE-41A2-AE58-4D3B971A7634}" type="datetime1">
               <a:rPr lang="en-US" smtClean="0"/>
-              <a:t>6/12/18</a:t>
+              <a:t>9/2/18</a:t>
             </a:fld>
             <a:endParaRPr lang="en-US" dirty="0"/>
           </a:p>
@@ -1918,7 +1867,7 @@
           <a:p>
             <a:fld id="{6A29C91A-174C-4C1A-903F-02780174199C}" type="datetime1">
               <a:rPr lang="en-US" smtClean="0"/>
-              <a:t>6/12/18</a:t>
+              <a:t>9/2/18</a:t>
             </a:fld>
             <a:endParaRPr lang="en-US" dirty="0"/>
           </a:p>
@@ -2371,7 +2320,7 @@
             <a:fld id="{B61BEF0D-F0BB-DE4B-95CE-6DB70DBA9567}" type="datetimeFigureOut">
               <a:rPr lang="en-US" smtClean="0"/>
               <a:pPr/>
-              <a:t>6/12/18</a:t>
+              <a:t>9/2/18</a:t>
             </a:fld>
             <a:endParaRPr lang="en-US" dirty="0"/>
           </a:p>
@@ -2928,7 +2877,7 @@
           <a:p>
             <a:fld id="{D8241DBC-1E45-4541-84C2-39FE4EA7A568}" type="datetime1">
               <a:rPr lang="en-US" smtClean="0"/>
-              <a:t>6/12/18</a:t>
+              <a:t>9/2/18</a:t>
             </a:fld>
             <a:endParaRPr lang="en-US" dirty="0"/>
           </a:p>
@@ -3377,7 +3326,7 @@
           <a:p>
             <a:fld id="{BFA4465A-DA01-4452-8B56-1F82BF5AA578}" type="datetime1">
               <a:rPr lang="en-US" smtClean="0"/>
-              <a:t>6/12/18</a:t>
+              <a:t>9/2/18</a:t>
             </a:fld>
             <a:endParaRPr lang="en-US" dirty="0"/>
           </a:p>
@@ -3562,7 +3511,7 @@
           <a:p>
             <a:fld id="{9081DE0A-4D00-4D4C-8B3F-B58244B2A185}" type="datetime1">
               <a:rPr lang="en-US" smtClean="0"/>
-              <a:t>6/12/18</a:t>
+              <a:t>9/2/18</a:t>
             </a:fld>
             <a:endParaRPr lang="en-US" dirty="0"/>
           </a:p>
@@ -3685,7 +3634,7 @@
           <a:p>
             <a:fld id="{9AD813E9-08B9-43B9-8359-A874B5CE3671}" type="datetime1">
               <a:rPr lang="en-US" smtClean="0"/>
-              <a:t>6/12/18</a:t>
+              <a:t>9/2/18</a:t>
             </a:fld>
             <a:endParaRPr lang="en-US" dirty="0"/>
           </a:p>
@@ -4091,7 +4040,7 @@
           <a:p>
             <a:fld id="{A2616F96-B4D8-4828-9E39-189DA7B11012}" type="datetime1">
               <a:rPr lang="en-US" smtClean="0"/>
-              <a:t>6/12/18</a:t>
+              <a:t>9/2/18</a:t>
             </a:fld>
             <a:endParaRPr lang="en-US" dirty="0"/>
           </a:p>
@@ -4408,7 +4357,7 @@
           <a:p>
             <a:fld id="{914D92C6-4058-400D-83B5-F0F11FB2141C}" type="datetime1">
               <a:rPr lang="en-US" smtClean="0"/>
-              <a:t>6/12/18</a:t>
+              <a:t>9/2/18</a:t>
             </a:fld>
             <a:endParaRPr lang="en-US" dirty="0"/>
           </a:p>
@@ -4759,7 +4708,7 @@
           <a:p>
             <a:fld id="{7538109E-AB78-4484-AADE-54B615DFA542}" type="datetime1">
               <a:rPr lang="en-US" smtClean="0"/>
-              <a:t>6/12/18</a:t>
+              <a:t>9/2/18</a:t>
             </a:fld>
             <a:endParaRPr lang="en-US" dirty="0"/>
           </a:p>
@@ -4858,57 +4807,6 @@
               <a:pPr/>
               <a:t>‹#›</a:t>
             </a:fld>
-            <a:endParaRPr lang="en-US" dirty="0"/>
-          </a:p>
-        </p:txBody>
-      </p:sp>
-      <p:sp>
-        <p:nvSpPr>
-          <p:cNvPr id="15" name="Rectangle 14">
-            <a:extLst>
-              <a:ext uri="{FF2B5EF4-FFF2-40B4-BE49-F238E27FC236}">
-                <a16:creationId xmlns:a16="http://schemas.microsoft.com/office/drawing/2014/main" id="{47F718E0-0E94-488C-8EF4-841447A23063}"/>
-              </a:ext>
-            </a:extLst>
-          </p:cNvPr>
-          <p:cNvSpPr/>
-          <p:nvPr userDrawn="1"/>
-        </p:nvSpPr>
-        <p:spPr>
-          <a:xfrm>
-            <a:off x="-1" y="6273337"/>
-            <a:ext cx="9144001" cy="65999"/>
-          </a:xfrm>
-          <a:prstGeom prst="rect">
-            <a:avLst/>
-          </a:prstGeom>
-          <a:solidFill>
-            <a:srgbClr val="24CF39"/>
-          </a:solidFill>
-          <a:ln>
-            <a:noFill/>
-          </a:ln>
-        </p:spPr>
-        <p:style>
-          <a:lnRef idx="2">
-            <a:schemeClr val="accent1">
-              <a:shade val="50000"/>
-            </a:schemeClr>
-          </a:lnRef>
-          <a:fillRef idx="1">
-            <a:schemeClr val="accent1"/>
-          </a:fillRef>
-          <a:effectRef idx="0">
-            <a:schemeClr val="accent1"/>
-          </a:effectRef>
-          <a:fontRef idx="minor">
-            <a:schemeClr val="lt1"/>
-          </a:fontRef>
-        </p:style>
-        <p:txBody>
-          <a:bodyPr/>
-          <a:lstStyle/>
-          <a:p>
             <a:endParaRPr lang="en-US" dirty="0"/>
           </a:p>
         </p:txBody>

--- a/translations/en-us/Project/GlobalInnovationAward.pptx
+++ b/translations/en-us/Project/GlobalInnovationAward.pptx
@@ -230,7 +230,7 @@
           <a:p>
             <a:fld id="{B5F92CFC-E422-40B4-9CC4-DEA280552AB2}" type="datetimeFigureOut">
               <a:rPr lang="en-US" smtClean="0"/>
-              <a:t>9/2/18</a:t>
+              <a:t>10/27/22</a:t>
             </a:fld>
             <a:endParaRPr lang="en-US"/>
           </a:p>
@@ -407,7 +407,7 @@
           <a:p>
             <a:fld id="{A78B980B-A051-5042-A199-B77431CF73D3}" type="datetimeFigureOut">
               <a:rPr lang="en-US" smtClean="0"/>
-              <a:t>9/2/18</a:t>
+              <a:t>10/27/22</a:t>
             </a:fld>
             <a:endParaRPr lang="en-US"/>
           </a:p>
@@ -1011,7 +1011,7 @@
           <a:p>
             <a:fld id="{BFF16D12-FE3D-4A62-A087-0B31DB54E69D}" type="datetime1">
               <a:rPr lang="en-US" smtClean="0"/>
-              <a:t>9/2/18</a:t>
+              <a:t>10/27/22</a:t>
             </a:fld>
             <a:endParaRPr lang="en-US" dirty="0"/>
           </a:p>
@@ -1321,7 +1321,7 @@
           <a:p>
             <a:fld id="{810E3C79-2264-49E8-898B-C1DFF63581D7}" type="datetime1">
               <a:rPr lang="en-US" smtClean="0"/>
-              <a:t>9/2/18</a:t>
+              <a:t>10/27/22</a:t>
             </a:fld>
             <a:endParaRPr lang="en-US" dirty="0"/>
           </a:p>
@@ -1579,7 +1579,7 @@
           <a:p>
             <a:fld id="{9C760F2C-58BE-41A2-AE58-4D3B971A7634}" type="datetime1">
               <a:rPr lang="en-US" smtClean="0"/>
-              <a:t>9/2/18</a:t>
+              <a:t>10/27/22</a:t>
             </a:fld>
             <a:endParaRPr lang="en-US" dirty="0"/>
           </a:p>
@@ -1867,7 +1867,7 @@
           <a:p>
             <a:fld id="{6A29C91A-174C-4C1A-903F-02780174199C}" type="datetime1">
               <a:rPr lang="en-US" smtClean="0"/>
-              <a:t>9/2/18</a:t>
+              <a:t>10/27/22</a:t>
             </a:fld>
             <a:endParaRPr lang="en-US" dirty="0"/>
           </a:p>
@@ -2320,7 +2320,7 @@
             <a:fld id="{B61BEF0D-F0BB-DE4B-95CE-6DB70DBA9567}" type="datetimeFigureOut">
               <a:rPr lang="en-US" smtClean="0"/>
               <a:pPr/>
-              <a:t>9/2/18</a:t>
+              <a:t>10/27/22</a:t>
             </a:fld>
             <a:endParaRPr lang="en-US" dirty="0"/>
           </a:p>
@@ -2877,7 +2877,7 @@
           <a:p>
             <a:fld id="{D8241DBC-1E45-4541-84C2-39FE4EA7A568}" type="datetime1">
               <a:rPr lang="en-US" smtClean="0"/>
-              <a:t>9/2/18</a:t>
+              <a:t>10/27/22</a:t>
             </a:fld>
             <a:endParaRPr lang="en-US" dirty="0"/>
           </a:p>
@@ -3326,7 +3326,7 @@
           <a:p>
             <a:fld id="{BFA4465A-DA01-4452-8B56-1F82BF5AA578}" type="datetime1">
               <a:rPr lang="en-US" smtClean="0"/>
-              <a:t>9/2/18</a:t>
+              <a:t>10/27/22</a:t>
             </a:fld>
             <a:endParaRPr lang="en-US" dirty="0"/>
           </a:p>
@@ -3511,7 +3511,7 @@
           <a:p>
             <a:fld id="{9081DE0A-4D00-4D4C-8B3F-B58244B2A185}" type="datetime1">
               <a:rPr lang="en-US" smtClean="0"/>
-              <a:t>9/2/18</a:t>
+              <a:t>10/27/22</a:t>
             </a:fld>
             <a:endParaRPr lang="en-US" dirty="0"/>
           </a:p>
@@ -3634,7 +3634,7 @@
           <a:p>
             <a:fld id="{9AD813E9-08B9-43B9-8359-A874B5CE3671}" type="datetime1">
               <a:rPr lang="en-US" smtClean="0"/>
-              <a:t>9/2/18</a:t>
+              <a:t>10/27/22</a:t>
             </a:fld>
             <a:endParaRPr lang="en-US" dirty="0"/>
           </a:p>
@@ -4040,7 +4040,7 @@
           <a:p>
             <a:fld id="{A2616F96-B4D8-4828-9E39-189DA7B11012}" type="datetime1">
               <a:rPr lang="en-US" smtClean="0"/>
-              <a:t>9/2/18</a:t>
+              <a:t>10/27/22</a:t>
             </a:fld>
             <a:endParaRPr lang="en-US" dirty="0"/>
           </a:p>
@@ -4357,7 +4357,7 @@
           <a:p>
             <a:fld id="{914D92C6-4058-400D-83B5-F0F11FB2141C}" type="datetime1">
               <a:rPr lang="en-US" smtClean="0"/>
-              <a:t>9/2/18</a:t>
+              <a:t>10/27/22</a:t>
             </a:fld>
             <a:endParaRPr lang="en-US" dirty="0"/>
           </a:p>
@@ -4708,7 +4708,7 @@
           <a:p>
             <a:fld id="{7538109E-AB78-4484-AADE-54B615DFA542}" type="datetime1">
               <a:rPr lang="en-US" smtClean="0"/>
-              <a:t>9/2/18</a:t>
+              <a:t>10/27/22</a:t>
             </a:fld>
             <a:endParaRPr lang="en-US" dirty="0"/>
           </a:p>
@@ -7461,7 +7461,7 @@
         <p:spPr>
           <a:xfrm>
             <a:off x="4330700" y="2074139"/>
-            <a:ext cx="4445000" cy="3742462"/>
+            <a:ext cx="4445000" cy="3767264"/>
           </a:xfrm>
           <a:prstGeom prst="rect">
             <a:avLst/>
@@ -8177,8 +8177,8 @@
         </p:nvSpPr>
         <p:spPr>
           <a:xfrm>
-            <a:off x="5153338" y="4266102"/>
-            <a:ext cx="2947415" cy="665787"/>
+            <a:off x="4514684" y="4437376"/>
+            <a:ext cx="4056260" cy="665787"/>
           </a:xfrm>
           <a:prstGeom prst="rect">
             <a:avLst/>
@@ -8443,10 +8443,9 @@
               <a:buNone/>
             </a:pPr>
             <a:r>
-              <a:rPr lang="en-US" sz="1800" b="1" u="sng"/>
+              <a:rPr lang="en-US" sz="1800" b="1" u="sng" dirty="0"/>
               <a:t>Publicly Posted Information</a:t>
             </a:r>
-            <a:endParaRPr lang="en-US" sz="1800" b="1" u="sng" dirty="0"/>
           </a:p>
         </p:txBody>
       </p:sp>
@@ -8458,7 +8457,7 @@
         </p:nvSpPr>
         <p:spPr>
           <a:xfrm>
-            <a:off x="4502742" y="4881157"/>
+            <a:off x="4514683" y="4957465"/>
             <a:ext cx="2002420" cy="590309"/>
           </a:xfrm>
           <a:prstGeom prst="rect">
@@ -8507,7 +8506,7 @@
         </p:nvSpPr>
         <p:spPr>
           <a:xfrm>
-            <a:off x="6651921" y="4881157"/>
+            <a:off x="6663862" y="4957465"/>
             <a:ext cx="2002420" cy="590309"/>
           </a:xfrm>
           <a:prstGeom prst="rect">

--- a/translations/en-us/Project/GlobalInnovationAward.pptx
+++ b/translations/en-us/Project/GlobalInnovationAward.pptx
@@ -5,28 +5,29 @@
     <p:sldMasterId id="2147483791" r:id="rId1"/>
   </p:sldMasterIdLst>
   <p:notesMasterIdLst>
-    <p:notesMasterId r:id="rId18"/>
+    <p:notesMasterId r:id="rId19"/>
   </p:notesMasterIdLst>
   <p:handoutMasterIdLst>
-    <p:handoutMasterId r:id="rId19"/>
+    <p:handoutMasterId r:id="rId20"/>
   </p:handoutMasterIdLst>
   <p:sldIdLst>
     <p:sldId id="261" r:id="rId2"/>
-    <p:sldId id="307" r:id="rId3"/>
-    <p:sldId id="286" r:id="rId4"/>
-    <p:sldId id="291" r:id="rId5"/>
-    <p:sldId id="292" r:id="rId6"/>
-    <p:sldId id="309" r:id="rId7"/>
-    <p:sldId id="310" r:id="rId8"/>
-    <p:sldId id="311" r:id="rId9"/>
-    <p:sldId id="288" r:id="rId10"/>
-    <p:sldId id="289" r:id="rId11"/>
-    <p:sldId id="296" r:id="rId12"/>
-    <p:sldId id="297" r:id="rId13"/>
-    <p:sldId id="300" r:id="rId14"/>
-    <p:sldId id="298" r:id="rId15"/>
-    <p:sldId id="301" r:id="rId16"/>
-    <p:sldId id="258" r:id="rId17"/>
+    <p:sldId id="312" r:id="rId3"/>
+    <p:sldId id="307" r:id="rId4"/>
+    <p:sldId id="286" r:id="rId5"/>
+    <p:sldId id="291" r:id="rId6"/>
+    <p:sldId id="292" r:id="rId7"/>
+    <p:sldId id="309" r:id="rId8"/>
+    <p:sldId id="310" r:id="rId9"/>
+    <p:sldId id="311" r:id="rId10"/>
+    <p:sldId id="288" r:id="rId11"/>
+    <p:sldId id="289" r:id="rId12"/>
+    <p:sldId id="296" r:id="rId13"/>
+    <p:sldId id="297" r:id="rId14"/>
+    <p:sldId id="300" r:id="rId15"/>
+    <p:sldId id="298" r:id="rId16"/>
+    <p:sldId id="301" r:id="rId17"/>
+    <p:sldId id="258" r:id="rId18"/>
   </p:sldIdLst>
   <p:sldSz cx="9144000" cy="6858000" type="screen4x3"/>
   <p:notesSz cx="6858000" cy="9144000"/>
@@ -230,7 +231,7 @@
           <a:p>
             <a:fld id="{B5F92CFC-E422-40B4-9CC4-DEA280552AB2}" type="datetimeFigureOut">
               <a:rPr lang="en-US" smtClean="0"/>
-              <a:t>10/27/22</a:t>
+              <a:t>5/29/23</a:t>
             </a:fld>
             <a:endParaRPr lang="en-US"/>
           </a:p>
@@ -407,7 +408,7 @@
           <a:p>
             <a:fld id="{A78B980B-A051-5042-A199-B77431CF73D3}" type="datetimeFigureOut">
               <a:rPr lang="en-US" smtClean="0"/>
-              <a:t>10/27/22</a:t>
+              <a:t>5/29/23</a:t>
             </a:fld>
             <a:endParaRPr lang="en-US"/>
           </a:p>
@@ -1009,9 +1010,9 @@
             </a:lvl1pPr>
           </a:lstStyle>
           <a:p>
-            <a:fld id="{BFF16D12-FE3D-4A62-A087-0B31DB54E69D}" type="datetime1">
+            <a:fld id="{6551E046-3208-7149-84A6-616F510ED875}" type="datetime1">
               <a:rPr lang="en-US" smtClean="0"/>
-              <a:t>10/27/22</a:t>
+              <a:t>5/29/23</a:t>
             </a:fld>
             <a:endParaRPr lang="en-US" dirty="0"/>
           </a:p>
@@ -1053,7 +1054,7 @@
           <a:p>
             <a:r>
               <a:rPr lang="en-US"/>
-              <a:t>© 2018, FLL Tutorials (Last Edit 6/11/2018)</a:t>
+              <a:t>© 2023, FLLTutorials.com (Last Edit 5/29/2023)</a:t>
             </a:r>
             <a:endParaRPr lang="en-US" dirty="0"/>
           </a:p>
@@ -1319,9 +1320,9 @@
           <a:bodyPr/>
           <a:lstStyle/>
           <a:p>
-            <a:fld id="{810E3C79-2264-49E8-898B-C1DFF63581D7}" type="datetime1">
+            <a:fld id="{A597C470-3AE1-774A-B114-1872FB3709B2}" type="datetime1">
               <a:rPr lang="en-US" smtClean="0"/>
-              <a:t>10/27/22</a:t>
+              <a:t>5/29/23</a:t>
             </a:fld>
             <a:endParaRPr lang="en-US" dirty="0"/>
           </a:p>
@@ -1352,7 +1353,7 @@
           <a:p>
             <a:r>
               <a:rPr lang="en-US"/>
-              <a:t>© 2018, FLL Tutorials (Last Edit 6/11/2018)</a:t>
+              <a:t>© 2023, FLLTutorials.com (Last Edit 5/29/2023)</a:t>
             </a:r>
             <a:endParaRPr lang="en-US" dirty="0"/>
           </a:p>
@@ -1577,9 +1578,9 @@
             </a:lvl1pPr>
           </a:lstStyle>
           <a:p>
-            <a:fld id="{9C760F2C-58BE-41A2-AE58-4D3B971A7634}" type="datetime1">
+            <a:fld id="{79E32FD2-11E8-CF43-9DD0-AFBF766A6B42}" type="datetime1">
               <a:rPr lang="en-US" smtClean="0"/>
-              <a:t>10/27/22</a:t>
+              <a:t>5/29/23</a:t>
             </a:fld>
             <a:endParaRPr lang="en-US" dirty="0"/>
           </a:p>
@@ -1610,7 +1611,7 @@
           <a:p>
             <a:r>
               <a:rPr lang="en-US"/>
-              <a:t>© 2018, FLL Tutorials (Last Edit 6/11/2018)</a:t>
+              <a:t>© 2023, FLLTutorials.com (Last Edit 5/29/2023)</a:t>
             </a:r>
             <a:endParaRPr lang="en-US" dirty="0"/>
           </a:p>
@@ -1830,10 +1831,10 @@
       </p:sp>
       <p:sp>
         <p:nvSpPr>
-          <p:cNvPr id="8" name="Date Placeholder 3">
+          <p:cNvPr id="9" name="Footer Placeholder 4">
             <a:extLst>
               <a:ext uri="{FF2B5EF4-FFF2-40B4-BE49-F238E27FC236}">
-                <a16:creationId xmlns:a16="http://schemas.microsoft.com/office/drawing/2014/main" id="{5E510904-FE82-B349-843E-834D82D5778E}"/>
+                <a16:creationId xmlns:a16="http://schemas.microsoft.com/office/drawing/2014/main" id="{E48965D5-4E22-4D4C-B0D3-4AEC700831CA}"/>
               </a:ext>
             </a:extLst>
           </p:cNvPr>
@@ -1841,13 +1842,13 @@
             <a:spLocks noGrp="1"/>
           </p:cNvSpPr>
           <p:nvPr>
-            <p:ph type="dt" sz="half" idx="10"/>
-          </p:nvPr>
-        </p:nvSpPr>
-        <p:spPr>
-          <a:xfrm>
-            <a:off x="5559327" y="6392242"/>
-            <a:ext cx="2133600" cy="365125"/>
+            <p:ph type="ftr" sz="quarter" idx="11"/>
+          </p:nvPr>
+        </p:nvSpPr>
+        <p:spPr>
+          <a:xfrm>
+            <a:off x="581192" y="6387916"/>
+            <a:ext cx="4870585" cy="365125"/>
           </a:xfrm>
         </p:spPr>
         <p:txBody>
@@ -1865,54 +1866,9 @@
             </a:lvl1pPr>
           </a:lstStyle>
           <a:p>
-            <a:fld id="{6A29C91A-174C-4C1A-903F-02780174199C}" type="datetime1">
-              <a:rPr lang="en-US" smtClean="0"/>
-              <a:t>10/27/22</a:t>
-            </a:fld>
-            <a:endParaRPr lang="en-US" dirty="0"/>
-          </a:p>
-        </p:txBody>
-      </p:sp>
-      <p:sp>
-        <p:nvSpPr>
-          <p:cNvPr id="9" name="Footer Placeholder 4">
-            <a:extLst>
-              <a:ext uri="{FF2B5EF4-FFF2-40B4-BE49-F238E27FC236}">
-                <a16:creationId xmlns:a16="http://schemas.microsoft.com/office/drawing/2014/main" id="{E48965D5-4E22-4D4C-B0D3-4AEC700831CA}"/>
-              </a:ext>
-            </a:extLst>
-          </p:cNvPr>
-          <p:cNvSpPr>
-            <a:spLocks noGrp="1"/>
-          </p:cNvSpPr>
-          <p:nvPr>
-            <p:ph type="ftr" sz="quarter" idx="11"/>
-          </p:nvPr>
-        </p:nvSpPr>
-        <p:spPr>
-          <a:xfrm>
-            <a:off x="581192" y="6387916"/>
-            <a:ext cx="4870585" cy="365125"/>
-          </a:xfrm>
-        </p:spPr>
-        <p:txBody>
-          <a:bodyPr/>
-          <a:lstStyle>
-            <a:lvl1pPr>
-              <a:defRPr>
-                <a:solidFill>
-                  <a:schemeClr val="accent1">
-                    <a:lumMod val="75000"/>
-                    <a:lumOff val="25000"/>
-                  </a:schemeClr>
-                </a:solidFill>
-              </a:defRPr>
-            </a:lvl1pPr>
-          </a:lstStyle>
-          <a:p>
             <a:r>
               <a:rPr lang="en-US"/>
-              <a:t>© 2018, FLL Tutorials (Last Edit 6/11/2018)</a:t>
+              <a:t>© 2023, FLLTutorials.com (Last Edit 5/29/2023)</a:t>
             </a:r>
             <a:endParaRPr lang="en-US" dirty="0"/>
           </a:p>
@@ -2320,7 +2276,7 @@
             <a:fld id="{B61BEF0D-F0BB-DE4B-95CE-6DB70DBA9567}" type="datetimeFigureOut">
               <a:rPr lang="en-US" smtClean="0"/>
               <a:pPr/>
-              <a:t>10/27/22</a:t>
+              <a:t>5/29/23</a:t>
             </a:fld>
             <a:endParaRPr lang="en-US" dirty="0"/>
           </a:p>
@@ -2875,9 +2831,9 @@
           <a:bodyPr/>
           <a:lstStyle/>
           <a:p>
-            <a:fld id="{D8241DBC-1E45-4541-84C2-39FE4EA7A568}" type="datetime1">
+            <a:fld id="{7DC51C6D-E49B-5749-B68C-6EB1D158EBA4}" type="datetime1">
               <a:rPr lang="en-US" smtClean="0"/>
-              <a:t>10/27/22</a:t>
+              <a:t>5/29/23</a:t>
             </a:fld>
             <a:endParaRPr lang="en-US" dirty="0"/>
           </a:p>
@@ -2908,7 +2864,7 @@
           <a:p>
             <a:r>
               <a:rPr lang="en-US"/>
-              <a:t>© 2018, FLL Tutorials (Last Edit 6/11/2018)</a:t>
+              <a:t>© 2023, FLLTutorials.com (Last Edit 5/29/2023)</a:t>
             </a:r>
             <a:endParaRPr lang="en-US" dirty="0"/>
           </a:p>
@@ -3324,9 +3280,9 @@
           <a:bodyPr/>
           <a:lstStyle/>
           <a:p>
-            <a:fld id="{BFA4465A-DA01-4452-8B56-1F82BF5AA578}" type="datetime1">
+            <a:fld id="{52E5EE97-0D89-DD42-840D-163CD9FA9D3F}" type="datetime1">
               <a:rPr lang="en-US" smtClean="0"/>
-              <a:t>10/27/22</a:t>
+              <a:t>5/29/23</a:t>
             </a:fld>
             <a:endParaRPr lang="en-US" dirty="0"/>
           </a:p>
@@ -3357,7 +3313,7 @@
           <a:p>
             <a:r>
               <a:rPr lang="en-US"/>
-              <a:t>© 2018, FLL Tutorials (Last Edit 6/11/2018)</a:t>
+              <a:t>© 2023, FLLTutorials.com (Last Edit 5/29/2023)</a:t>
             </a:r>
             <a:endParaRPr lang="en-US" dirty="0"/>
           </a:p>
@@ -3509,9 +3465,9 @@
           <a:bodyPr/>
           <a:lstStyle/>
           <a:p>
-            <a:fld id="{9081DE0A-4D00-4D4C-8B3F-B58244B2A185}" type="datetime1">
+            <a:fld id="{DC240E8A-4503-4545-897C-45198326CF11}" type="datetime1">
               <a:rPr lang="en-US" smtClean="0"/>
-              <a:t>10/27/22</a:t>
+              <a:t>5/29/23</a:t>
             </a:fld>
             <a:endParaRPr lang="en-US" dirty="0"/>
           </a:p>
@@ -3542,7 +3498,7 @@
           <a:p>
             <a:r>
               <a:rPr lang="en-US"/>
-              <a:t>© 2018, FLL Tutorials (Last Edit 6/11/2018)</a:t>
+              <a:t>© 2023, FLLTutorials.com (Last Edit 5/29/2023)</a:t>
             </a:r>
             <a:endParaRPr lang="en-US" dirty="0"/>
           </a:p>
@@ -3632,9 +3588,9 @@
           <a:bodyPr/>
           <a:lstStyle/>
           <a:p>
-            <a:fld id="{9AD813E9-08B9-43B9-8359-A874B5CE3671}" type="datetime1">
+            <a:fld id="{3A4FDAE2-1196-4F4D-AA5D-992B93F2FF5E}" type="datetime1">
               <a:rPr lang="en-US" smtClean="0"/>
-              <a:t>10/27/22</a:t>
+              <a:t>5/29/23</a:t>
             </a:fld>
             <a:endParaRPr lang="en-US" dirty="0"/>
           </a:p>
@@ -3665,7 +3621,7 @@
           <a:p>
             <a:r>
               <a:rPr lang="en-US"/>
-              <a:t>© 2018, FLL Tutorials (Last Edit 6/11/2018)</a:t>
+              <a:t>© 2023, FLLTutorials.com (Last Edit 5/29/2023)</a:t>
             </a:r>
             <a:endParaRPr lang="en-US" dirty="0"/>
           </a:p>
@@ -4038,9 +3994,9 @@
             </a:lvl1pPr>
           </a:lstStyle>
           <a:p>
-            <a:fld id="{A2616F96-B4D8-4828-9E39-189DA7B11012}" type="datetime1">
+            <a:fld id="{BB470F0E-93A0-8542-BE4C-5AD3498AFE61}" type="datetime1">
               <a:rPr lang="en-US" smtClean="0"/>
-              <a:t>10/27/22</a:t>
+              <a:t>5/29/23</a:t>
             </a:fld>
             <a:endParaRPr lang="en-US" dirty="0"/>
           </a:p>
@@ -4082,7 +4038,7 @@
           <a:p>
             <a:r>
               <a:rPr lang="en-US"/>
-              <a:t>© 2018, FLL Tutorials (Last Edit 6/11/2018)</a:t>
+              <a:t>© 2023, FLLTutorials.com (Last Edit 5/29/2023)</a:t>
             </a:r>
             <a:endParaRPr lang="en-US" dirty="0"/>
           </a:p>
@@ -4355,9 +4311,9 @@
           <a:bodyPr/>
           <a:lstStyle/>
           <a:p>
-            <a:fld id="{914D92C6-4058-400D-83B5-F0F11FB2141C}" type="datetime1">
+            <a:fld id="{F2E0E8A5-0D05-504F-9908-127EDFF252F8}" type="datetime1">
               <a:rPr lang="en-US" smtClean="0"/>
-              <a:t>10/27/22</a:t>
+              <a:t>5/29/23</a:t>
             </a:fld>
             <a:endParaRPr lang="en-US" dirty="0"/>
           </a:p>
@@ -4388,7 +4344,7 @@
           <a:p>
             <a:r>
               <a:rPr lang="en-US"/>
-              <a:t>© 2018, FLL Tutorials (Last Edit 6/11/2018)</a:t>
+              <a:t>© 2023, FLLTutorials.com (Last Edit 5/29/2023)</a:t>
             </a:r>
             <a:endParaRPr lang="en-US" dirty="0"/>
           </a:p>
@@ -4706,9 +4662,9 @@
             </a:lvl1pPr>
           </a:lstStyle>
           <a:p>
-            <a:fld id="{7538109E-AB78-4484-AADE-54B615DFA542}" type="datetime1">
+            <a:fld id="{DECFE294-8351-8B40-9BEE-6D2DD2FBB4DE}" type="datetime1">
               <a:rPr lang="en-US" smtClean="0"/>
-              <a:t>10/27/22</a:t>
+              <a:t>5/29/23</a:t>
             </a:fld>
             <a:endParaRPr lang="en-US" dirty="0"/>
           </a:p>
@@ -4756,7 +4712,7 @@
           <a:p>
             <a:r>
               <a:rPr lang="en-US"/>
-              <a:t>© 2018, FLL Tutorials (Last Edit 6/11/2018)</a:t>
+              <a:t>© 2023, FLLTutorials.com (Last Edit 5/29/2023)</a:t>
             </a:r>
             <a:endParaRPr lang="en-US" dirty="0"/>
           </a:p>
@@ -5319,7 +5275,7 @@
           <p:cNvPr id="2" name="Title 1">
             <a:extLst>
               <a:ext uri="{FF2B5EF4-FFF2-40B4-BE49-F238E27FC236}">
-                <a16:creationId xmlns:a16="http://schemas.microsoft.com/office/drawing/2014/main" id="{01A0DD28-5148-414A-9056-8738F944E497}"/>
+                <a16:creationId xmlns:a16="http://schemas.microsoft.com/office/drawing/2014/main" id="{18C6B2D6-210B-4784-BA87-0E92F3C174FB}"/>
               </a:ext>
             </a:extLst>
           </p:cNvPr>
@@ -5347,7 +5303,7 @@
           <p:cNvPr id="3" name="Content Placeholder 2">
             <a:extLst>
               <a:ext uri="{FF2B5EF4-FFF2-40B4-BE49-F238E27FC236}">
-                <a16:creationId xmlns:a16="http://schemas.microsoft.com/office/drawing/2014/main" id="{76DCCC5B-C058-4FE5-8A04-71761AF559FA}"/>
+                <a16:creationId xmlns:a16="http://schemas.microsoft.com/office/drawing/2014/main" id="{48E36AA5-28E3-4749-9659-61530C4E2F6E}"/>
               </a:ext>
             </a:extLst>
           </p:cNvPr>
@@ -5360,16 +5316,13 @@
         </p:nvSpPr>
         <p:spPr>
           <a:xfrm>
-            <a:off x="298889" y="1585775"/>
-            <a:ext cx="4939861" cy="4500637"/>
-          </a:xfrm>
-          <a:ln>
-            <a:noFill/>
-          </a:ln>
+            <a:off x="341752" y="1487730"/>
+            <a:ext cx="4874271" cy="4023360"/>
+          </a:xfrm>
         </p:spPr>
         <p:txBody>
           <a:bodyPr>
-            <a:normAutofit fontScale="77500" lnSpcReduction="20000"/>
+            <a:noAutofit/>
           </a:bodyPr>
           <a:lstStyle/>
           <a:p>
@@ -5379,16 +5332,16 @@
               </a:lnSpc>
             </a:pPr>
             <a:r>
-              <a:rPr lang="en-US" b="1" dirty="0">
+              <a:rPr lang="en-US" sz="1800" b="1" dirty="0">
                 <a:solidFill>
-                  <a:srgbClr val="7030A0"/>
+                  <a:srgbClr val="FF0000"/>
                 </a:solidFill>
               </a:rPr>
-              <a:t>Implementation: </a:t>
-            </a:r>
-            <a:r>
-              <a:rPr lang="en-US" sz="1600" dirty="0"/>
-              <a:t>The team has to know the cost of the solution, how they would manufacture the solution, the cost of manufacturing the solution, and what their marketing plan is. This is also where patents come into play. Do they have a provisional patent for their solution? Will they consider a full patent?</a:t>
+              <a:t>Problem Identification: </a:t>
+            </a:r>
+            <a:r>
+              <a:rPr lang="en-US" sz="1400" dirty="0"/>
+              <a:t>The team has to clearly explain the problem they chose to solve. However, it must be detailed enough to understand why it is a problem.</a:t>
             </a:r>
           </a:p>
           <a:p>
@@ -5398,16 +5351,24 @@
               </a:lnSpc>
             </a:pPr>
             <a:r>
-              <a:rPr lang="en-US" b="1" dirty="0">
+              <a:rPr lang="en-US" sz="1800" b="1" dirty="0">
                 <a:solidFill>
-                  <a:srgbClr val="FFC000"/>
+                  <a:srgbClr val="00B050"/>
                 </a:solidFill>
               </a:rPr>
-              <a:t>Motivation to Implement: </a:t>
-            </a:r>
-            <a:r>
-              <a:rPr lang="en-US" sz="1600" dirty="0"/>
-              <a:t>The team must be committed to following through with their marketing plan and the continuation of their project for possibly years. Research about marketing, provisional patents, and patents. Discuss how far the team is willing to go with their project.</a:t>
+              <a:t>Innovation:</a:t>
+            </a:r>
+            <a:r>
+              <a:rPr lang="en-US" sz="1800" b="1" dirty="0">
+                <a:solidFill>
+                  <a:srgbClr val="FF0000"/>
+                </a:solidFill>
+              </a:rPr>
+              <a:t> </a:t>
+            </a:r>
+            <a:r>
+              <a:rPr lang="en-US" sz="1400" dirty="0"/>
+              <a:t>The team needs to explain why their solution is original, innovative, and will have a large impact on others.</a:t>
             </a:r>
           </a:p>
           <a:p>
@@ -5416,10 +5377,26 @@
                 <a:spcPct val="150000"/>
               </a:lnSpc>
             </a:pPr>
-            <a:endParaRPr lang="en-US" sz="1300" dirty="0"/>
-          </a:p>
-          <a:p>
-            <a:endParaRPr lang="en-US" dirty="0"/>
+            <a:r>
+              <a:rPr lang="en-US" sz="1700" b="1" dirty="0">
+                <a:solidFill>
+                  <a:srgbClr val="0070C0"/>
+                </a:solidFill>
+              </a:rPr>
+              <a:t>Solution Development: </a:t>
+            </a:r>
+            <a:r>
+              <a:rPr lang="en-US" sz="1300" dirty="0"/>
+              <a:t>The team needs to know the entire process of how the solution was developed, how they took into consideration experts/professionals’ feedback and used it to improve their solution, how they’ve tested the solution, why the solution is better than existing solutions, and if the solution is more expensive than existing solutions why it is worth the extra expense.</a:t>
+            </a:r>
+          </a:p>
+          <a:p>
+            <a:pPr>
+              <a:lnSpc>
+                <a:spcPct val="150000"/>
+              </a:lnSpc>
+            </a:pPr>
+            <a:endParaRPr lang="en-US" sz="1400" dirty="0"/>
           </a:p>
         </p:txBody>
       </p:sp>
@@ -5428,7 +5405,7 @@
           <p:cNvPr id="4" name="Footer Placeholder 3">
             <a:extLst>
               <a:ext uri="{FF2B5EF4-FFF2-40B4-BE49-F238E27FC236}">
-                <a16:creationId xmlns:a16="http://schemas.microsoft.com/office/drawing/2014/main" id="{B3AB935C-693A-4BE4-93FC-C400F802D784}"/>
+                <a16:creationId xmlns:a16="http://schemas.microsoft.com/office/drawing/2014/main" id="{63C17151-E14B-42D6-B396-8A67316B7A7A}"/>
               </a:ext>
             </a:extLst>
           </p:cNvPr>
@@ -5446,7 +5423,7 @@
           <a:p>
             <a:r>
               <a:rPr lang="en-US"/>
-              <a:t>© 2018, FLL Tutorials (Last Edit 6/11/2018)</a:t>
+              <a:t>© 2023, FLLTutorials.com (Last Edit 5/29/2023)</a:t>
             </a:r>
             <a:endParaRPr lang="en-US" dirty="0"/>
           </a:p>
@@ -5457,7 +5434,7 @@
           <p:cNvPr id="5" name="Slide Number Placeholder 4">
             <a:extLst>
               <a:ext uri="{FF2B5EF4-FFF2-40B4-BE49-F238E27FC236}">
-                <a16:creationId xmlns:a16="http://schemas.microsoft.com/office/drawing/2014/main" id="{D97B9E76-AACB-4EDF-ADF8-CC085E634338}"/>
+                <a16:creationId xmlns:a16="http://schemas.microsoft.com/office/drawing/2014/main" id="{D2017726-AD16-4226-8A68-94C4EBD8825D}"/>
               </a:ext>
             </a:extLst>
           </p:cNvPr>
@@ -5483,7 +5460,7 @@
       </p:sp>
       <p:pic>
         <p:nvPicPr>
-          <p:cNvPr id="6" name="Picture 5"/>
+          <p:cNvPr id="8" name="Picture 7"/>
           <p:cNvPicPr>
             <a:picLocks noChangeAspect="1"/>
           </p:cNvPicPr>
@@ -5527,7 +5504,7 @@
       </p:pic>
       <p:sp>
         <p:nvSpPr>
-          <p:cNvPr id="7" name="Rectangle 6"/>
+          <p:cNvPr id="9" name="Rectangle 8"/>
           <p:cNvSpPr/>
           <p:nvPr/>
         </p:nvSpPr>
@@ -5573,7 +5550,7 @@
       </p:sp>
       <p:sp>
         <p:nvSpPr>
-          <p:cNvPr id="8" name="Rectangle 7"/>
+          <p:cNvPr id="10" name="Rectangle 9"/>
           <p:cNvSpPr/>
           <p:nvPr/>
         </p:nvSpPr>
@@ -5619,7 +5596,7 @@
       </p:sp>
       <p:sp>
         <p:nvSpPr>
-          <p:cNvPr id="9" name="Rectangle 8"/>
+          <p:cNvPr id="11" name="Rectangle 10"/>
           <p:cNvSpPr/>
           <p:nvPr/>
         </p:nvSpPr>
@@ -5665,7 +5642,7 @@
       </p:sp>
       <p:sp>
         <p:nvSpPr>
-          <p:cNvPr id="10" name="Rectangle 9"/>
+          <p:cNvPr id="12" name="Rectangle 11"/>
           <p:cNvSpPr/>
           <p:nvPr/>
         </p:nvSpPr>
@@ -5711,7 +5688,7 @@
       </p:sp>
       <p:sp>
         <p:nvSpPr>
-          <p:cNvPr id="11" name="Rectangle 10"/>
+          <p:cNvPr id="13" name="Rectangle 12"/>
           <p:cNvSpPr/>
           <p:nvPr/>
         </p:nvSpPr>
@@ -5758,7 +5735,7 @@
     </p:spTree>
     <p:extLst>
       <p:ext uri="{BB962C8B-B14F-4D97-AF65-F5344CB8AC3E}">
-        <p14:creationId xmlns:p14="http://schemas.microsoft.com/office/powerpoint/2010/main" val="807829066"/>
+        <p14:creationId xmlns:p14="http://schemas.microsoft.com/office/powerpoint/2010/main" val="2056416621"/>
       </p:ext>
     </p:extLst>
   </p:cSld>
@@ -5790,7 +5767,7 @@
           <p:cNvPr id="2" name="Title 1">
             <a:extLst>
               <a:ext uri="{FF2B5EF4-FFF2-40B4-BE49-F238E27FC236}">
-                <a16:creationId xmlns:a16="http://schemas.microsoft.com/office/drawing/2014/main" id="{A451199F-7E3E-440D-83F9-4A1B6C62992F}"/>
+                <a16:creationId xmlns:a16="http://schemas.microsoft.com/office/drawing/2014/main" id="{01A0DD28-5148-414A-9056-8738F944E497}"/>
               </a:ext>
             </a:extLst>
           </p:cNvPr>
@@ -5808,7 +5785,7 @@
           <a:p>
             <a:r>
               <a:rPr lang="en-US" dirty="0"/>
-              <a:t>What Happens as a Semi-Finalist?</a:t>
+              <a:t>Understanding the GIA Rubric</a:t>
             </a:r>
           </a:p>
         </p:txBody>
@@ -5818,7 +5795,7 @@
           <p:cNvPr id="3" name="Content Placeholder 2">
             <a:extLst>
               <a:ext uri="{FF2B5EF4-FFF2-40B4-BE49-F238E27FC236}">
-                <a16:creationId xmlns:a16="http://schemas.microsoft.com/office/drawing/2014/main" id="{C129EE7C-955F-4973-844C-88E89273074A}"/>
+                <a16:creationId xmlns:a16="http://schemas.microsoft.com/office/drawing/2014/main" id="{76DCCC5B-C058-4FE5-8A04-71761AF559FA}"/>
               </a:ext>
             </a:extLst>
           </p:cNvPr>
@@ -5831,13 +5808,16 @@
         </p:nvSpPr>
         <p:spPr>
           <a:xfrm>
-            <a:off x="381965" y="1390279"/>
-            <a:ext cx="5173883" cy="4722426"/>
-          </a:xfrm>
+            <a:off x="298889" y="1585775"/>
+            <a:ext cx="4939861" cy="4500637"/>
+          </a:xfrm>
+          <a:ln>
+            <a:noFill/>
+          </a:ln>
         </p:spPr>
         <p:txBody>
           <a:bodyPr>
-            <a:normAutofit/>
+            <a:normAutofit fontScale="77500" lnSpcReduction="20000"/>
           </a:bodyPr>
           <a:lstStyle/>
           <a:p>
@@ -5845,12 +5825,18 @@
               <a:lnSpc>
                 <a:spcPct val="150000"/>
               </a:lnSpc>
-              <a:buFont typeface="Wingdings" panose="05000000000000000000" pitchFamily="2" charset="2"/>
-              <a:buChar char="§"/>
             </a:pPr>
             <a:r>
-              <a:rPr lang="en-US" sz="2000" dirty="0"/>
-              <a:t>Invited to attend the Global Innovation Award Event in Washington, D.C. </a:t>
+              <a:rPr lang="en-US" b="1" dirty="0">
+                <a:solidFill>
+                  <a:srgbClr val="7030A0"/>
+                </a:solidFill>
+              </a:rPr>
+              <a:t>Implementation: </a:t>
+            </a:r>
+            <a:r>
+              <a:rPr lang="en-US" sz="1600" dirty="0"/>
+              <a:t>The team has to know the cost of the solution, how they would manufacture the solution, the cost of manufacturing the solution, and what their marketing plan is. This is also where patents come into play. Do they have a provisional patent for their solution? Will they consider a full patent?</a:t>
             </a:r>
           </a:p>
           <a:p>
@@ -5858,12 +5844,18 @@
               <a:lnSpc>
                 <a:spcPct val="150000"/>
               </a:lnSpc>
-              <a:buFont typeface="Wingdings" panose="05000000000000000000" pitchFamily="2" charset="2"/>
-              <a:buChar char="§"/>
             </a:pPr>
             <a:r>
-              <a:rPr lang="en-US" sz="2000" dirty="0"/>
-              <a:t>The team will need to create a 5 minute presentation for the judges. Judging will last 15 minutes. Judges have 10 minutes to ask questions.</a:t>
+              <a:rPr lang="en-US" b="1" dirty="0">
+                <a:solidFill>
+                  <a:srgbClr val="FFC000"/>
+                </a:solidFill>
+              </a:rPr>
+              <a:t>Motivation to Implement: </a:t>
+            </a:r>
+            <a:r>
+              <a:rPr lang="en-US" sz="1600" dirty="0"/>
+              <a:t>The team must be committed to following through with their marketing plan and the continuation of their project for possibly years. Research about marketing, provisional patents, and patents. Discuss how far the team is willing to go with their project.</a:t>
             </a:r>
           </a:p>
           <a:p>
@@ -5871,14 +5863,11 @@
               <a:lnSpc>
                 <a:spcPct val="150000"/>
               </a:lnSpc>
-              <a:buFont typeface="Wingdings" panose="05000000000000000000" pitchFamily="2" charset="2"/>
-              <a:buChar char="§"/>
             </a:pPr>
-            <a:r>
-              <a:rPr lang="en-US" sz="2000" dirty="0"/>
-              <a:t>You also have to fill out an Engineering Change Notice form. </a:t>
-            </a:r>
-            <a:endParaRPr lang="en-US" sz="600" dirty="0"/>
+            <a:endParaRPr lang="en-US" sz="1300" dirty="0"/>
+          </a:p>
+          <a:p>
+            <a:endParaRPr lang="en-US" dirty="0"/>
           </a:p>
         </p:txBody>
       </p:sp>
@@ -5887,7 +5876,7 @@
           <p:cNvPr id="4" name="Footer Placeholder 3">
             <a:extLst>
               <a:ext uri="{FF2B5EF4-FFF2-40B4-BE49-F238E27FC236}">
-                <a16:creationId xmlns:a16="http://schemas.microsoft.com/office/drawing/2014/main" id="{73815A05-5A37-4260-B08C-6055DBF25CE6}"/>
+                <a16:creationId xmlns:a16="http://schemas.microsoft.com/office/drawing/2014/main" id="{B3AB935C-693A-4BE4-93FC-C400F802D784}"/>
               </a:ext>
             </a:extLst>
           </p:cNvPr>
@@ -5905,7 +5894,7 @@
           <a:p>
             <a:r>
               <a:rPr lang="en-US"/>
-              <a:t>© 2018, FLL Tutorials (Last Edit 6/11/2018)</a:t>
+              <a:t>© 2023, FLLTutorials.com (Last Edit 5/29/2023)</a:t>
             </a:r>
             <a:endParaRPr lang="en-US" dirty="0"/>
           </a:p>
@@ -5916,7 +5905,7 @@
           <p:cNvPr id="5" name="Slide Number Placeholder 4">
             <a:extLst>
               <a:ext uri="{FF2B5EF4-FFF2-40B4-BE49-F238E27FC236}">
-                <a16:creationId xmlns:a16="http://schemas.microsoft.com/office/drawing/2014/main" id="{877EDF2C-353B-499D-831F-222DC2C020EC}"/>
+                <a16:creationId xmlns:a16="http://schemas.microsoft.com/office/drawing/2014/main" id="{D97B9E76-AACB-4EDF-ADF8-CC085E634338}"/>
               </a:ext>
             </a:extLst>
           </p:cNvPr>
@@ -5942,71 +5931,282 @@
       </p:sp>
       <p:pic>
         <p:nvPicPr>
-          <p:cNvPr id="6" name="Picture 5">
-            <a:extLst>
-              <a:ext uri="{FF2B5EF4-FFF2-40B4-BE49-F238E27FC236}">
-                <a16:creationId xmlns:a16="http://schemas.microsoft.com/office/drawing/2014/main" id="{B606DEEE-C348-4CD4-9430-269D868710D7}"/>
-              </a:ext>
-            </a:extLst>
-          </p:cNvPr>
+          <p:cNvPr id="6" name="Picture 5"/>
           <p:cNvPicPr>
             <a:picLocks noChangeAspect="1"/>
           </p:cNvPicPr>
           <p:nvPr/>
         </p:nvPicPr>
-        <p:blipFill rotWithShape="1">
-          <a:blip r:embed="rId2"/>
-          <a:srcRect r="28538"/>
-          <a:stretch/>
+        <p:blipFill>
+          <a:blip r:embed="rId2">
+            <a:extLst>
+              <a:ext uri="{28A0092B-C50C-407E-A947-70E740481C1C}">
+                <a14:useLocalDpi xmlns:a14="http://schemas.microsoft.com/office/drawing/2010/main" val="0"/>
+              </a:ext>
+            </a:extLst>
+          </a:blip>
+          <a:stretch>
+            <a:fillRect/>
+          </a:stretch>
         </p:blipFill>
         <p:spPr>
           <a:xfrm>
-            <a:off x="5731411" y="1687101"/>
-            <a:ext cx="2984326" cy="2363124"/>
+            <a:off x="5430608" y="1873340"/>
+            <a:ext cx="3083249" cy="3995754"/>
           </a:xfrm>
           <a:prstGeom prst="rect">
             <a:avLst/>
           </a:prstGeom>
+          <a:ln w="38100" cap="sq">
+            <a:solidFill>
+              <a:srgbClr val="000000"/>
+            </a:solidFill>
+            <a:prstDash val="solid"/>
+            <a:miter lim="800000"/>
+          </a:ln>
+          <a:effectLst>
+            <a:outerShdw blurRad="50800" dist="38100" dir="2700000" algn="tl" rotWithShape="0">
+              <a:srgbClr val="000000">
+                <a:alpha val="43000"/>
+              </a:srgbClr>
+            </a:outerShdw>
+          </a:effectLst>
         </p:spPr>
       </p:pic>
       <p:sp>
         <p:nvSpPr>
-          <p:cNvPr id="7" name="TextBox 6"/>
-          <p:cNvSpPr txBox="1"/>
+          <p:cNvPr id="7" name="Rectangle 6"/>
+          <p:cNvSpPr/>
           <p:nvPr/>
         </p:nvSpPr>
         <p:spPr>
           <a:xfrm>
-            <a:off x="5798916" y="4128093"/>
-            <a:ext cx="2916821" cy="1448730"/>
+            <a:off x="5602147" y="2963114"/>
+            <a:ext cx="625033" cy="162050"/>
           </a:xfrm>
           <a:prstGeom prst="rect">
             <a:avLst/>
           </a:prstGeom>
           <a:noFill/>
-        </p:spPr>
-        <p:txBody>
-          <a:bodyPr wrap="square" rtlCol="0">
-            <a:spAutoFit/>
-          </a:bodyPr>
-          <a:lstStyle/>
-          <a:p>
-            <a:pPr>
-              <a:lnSpc>
-                <a:spcPct val="150000"/>
-              </a:lnSpc>
-            </a:pPr>
-            <a:r>
-              <a:rPr lang="en-US" sz="1200" dirty="0"/>
-              <a:t>It is recommended that semi-finalist, that the team get a provisional patent on their solution since information about the team’s solution will be listed on the Global Innovation Award website.</a:t>
-            </a:r>
+          <a:ln w="28575">
+            <a:solidFill>
+              <a:srgbClr val="FF0000"/>
+            </a:solidFill>
+          </a:ln>
+        </p:spPr>
+        <p:style>
+          <a:lnRef idx="2">
+            <a:schemeClr val="accent1">
+              <a:shade val="50000"/>
+            </a:schemeClr>
+          </a:lnRef>
+          <a:fillRef idx="1">
+            <a:schemeClr val="accent1"/>
+          </a:fillRef>
+          <a:effectRef idx="0">
+            <a:schemeClr val="accent1"/>
+          </a:effectRef>
+          <a:fontRef idx="minor">
+            <a:schemeClr val="lt1"/>
+          </a:fontRef>
+        </p:style>
+        <p:txBody>
+          <a:bodyPr rtlCol="0" anchor="ctr"/>
+          <a:lstStyle/>
+          <a:p>
+            <a:pPr algn="ctr"/>
+            <a:endParaRPr lang="en-US"/>
+          </a:p>
+        </p:txBody>
+      </p:sp>
+      <p:sp>
+        <p:nvSpPr>
+          <p:cNvPr id="8" name="Rectangle 7"/>
+          <p:cNvSpPr/>
+          <p:nvPr/>
+        </p:nvSpPr>
+        <p:spPr>
+          <a:xfrm>
+            <a:off x="5604077" y="3173391"/>
+            <a:ext cx="625033" cy="138896"/>
+          </a:xfrm>
+          <a:prstGeom prst="rect">
+            <a:avLst/>
+          </a:prstGeom>
+          <a:noFill/>
+          <a:ln w="28575">
+            <a:solidFill>
+              <a:srgbClr val="00B050"/>
+            </a:solidFill>
+          </a:ln>
+        </p:spPr>
+        <p:style>
+          <a:lnRef idx="2">
+            <a:schemeClr val="accent1">
+              <a:shade val="50000"/>
+            </a:schemeClr>
+          </a:lnRef>
+          <a:fillRef idx="1">
+            <a:schemeClr val="accent1"/>
+          </a:fillRef>
+          <a:effectRef idx="0">
+            <a:schemeClr val="accent1"/>
+          </a:effectRef>
+          <a:fontRef idx="minor">
+            <a:schemeClr val="lt1"/>
+          </a:fontRef>
+        </p:style>
+        <p:txBody>
+          <a:bodyPr rtlCol="0" anchor="ctr"/>
+          <a:lstStyle/>
+          <a:p>
+            <a:pPr algn="ctr"/>
+            <a:endParaRPr lang="en-US"/>
+          </a:p>
+        </p:txBody>
+      </p:sp>
+      <p:sp>
+        <p:nvSpPr>
+          <p:cNvPr id="9" name="Rectangle 8"/>
+          <p:cNvSpPr/>
+          <p:nvPr/>
+        </p:nvSpPr>
+        <p:spPr>
+          <a:xfrm>
+            <a:off x="5606006" y="3499410"/>
+            <a:ext cx="625033" cy="150474"/>
+          </a:xfrm>
+          <a:prstGeom prst="rect">
+            <a:avLst/>
+          </a:prstGeom>
+          <a:noFill/>
+          <a:ln w="28575">
+            <a:solidFill>
+              <a:srgbClr val="0070C0"/>
+            </a:solidFill>
+          </a:ln>
+        </p:spPr>
+        <p:style>
+          <a:lnRef idx="2">
+            <a:schemeClr val="accent1">
+              <a:shade val="50000"/>
+            </a:schemeClr>
+          </a:lnRef>
+          <a:fillRef idx="1">
+            <a:schemeClr val="accent1"/>
+          </a:fillRef>
+          <a:effectRef idx="0">
+            <a:schemeClr val="accent1"/>
+          </a:effectRef>
+          <a:fontRef idx="minor">
+            <a:schemeClr val="lt1"/>
+          </a:fontRef>
+        </p:style>
+        <p:txBody>
+          <a:bodyPr rtlCol="0" anchor="ctr"/>
+          <a:lstStyle/>
+          <a:p>
+            <a:pPr algn="ctr"/>
+            <a:endParaRPr lang="en-US"/>
+          </a:p>
+        </p:txBody>
+      </p:sp>
+      <p:sp>
+        <p:nvSpPr>
+          <p:cNvPr id="10" name="Rectangle 9"/>
+          <p:cNvSpPr/>
+          <p:nvPr/>
+        </p:nvSpPr>
+        <p:spPr>
+          <a:xfrm>
+            <a:off x="5584786" y="3837002"/>
+            <a:ext cx="625033" cy="162049"/>
+          </a:xfrm>
+          <a:prstGeom prst="rect">
+            <a:avLst/>
+          </a:prstGeom>
+          <a:noFill/>
+          <a:ln w="28575">
+            <a:solidFill>
+              <a:srgbClr val="7030A0"/>
+            </a:solidFill>
+          </a:ln>
+        </p:spPr>
+        <p:style>
+          <a:lnRef idx="2">
+            <a:schemeClr val="accent1">
+              <a:shade val="50000"/>
+            </a:schemeClr>
+          </a:lnRef>
+          <a:fillRef idx="1">
+            <a:schemeClr val="accent1"/>
+          </a:fillRef>
+          <a:effectRef idx="0">
+            <a:schemeClr val="accent1"/>
+          </a:effectRef>
+          <a:fontRef idx="minor">
+            <a:schemeClr val="lt1"/>
+          </a:fontRef>
+        </p:style>
+        <p:txBody>
+          <a:bodyPr rtlCol="0" anchor="ctr"/>
+          <a:lstStyle/>
+          <a:p>
+            <a:pPr algn="ctr"/>
+            <a:endParaRPr lang="en-US"/>
+          </a:p>
+        </p:txBody>
+      </p:sp>
+      <p:sp>
+        <p:nvSpPr>
+          <p:cNvPr id="11" name="Rectangle 10"/>
+          <p:cNvSpPr/>
+          <p:nvPr/>
+        </p:nvSpPr>
+        <p:spPr>
+          <a:xfrm>
+            <a:off x="5586715" y="4197749"/>
+            <a:ext cx="625033" cy="239040"/>
+          </a:xfrm>
+          <a:prstGeom prst="rect">
+            <a:avLst/>
+          </a:prstGeom>
+          <a:noFill/>
+          <a:ln w="28575">
+            <a:solidFill>
+              <a:srgbClr val="FFC000"/>
+            </a:solidFill>
+          </a:ln>
+        </p:spPr>
+        <p:style>
+          <a:lnRef idx="2">
+            <a:schemeClr val="accent1">
+              <a:shade val="50000"/>
+            </a:schemeClr>
+          </a:lnRef>
+          <a:fillRef idx="1">
+            <a:schemeClr val="accent1"/>
+          </a:fillRef>
+          <a:effectRef idx="0">
+            <a:schemeClr val="accent1"/>
+          </a:effectRef>
+          <a:fontRef idx="minor">
+            <a:schemeClr val="lt1"/>
+          </a:fontRef>
+        </p:style>
+        <p:txBody>
+          <a:bodyPr rtlCol="0" anchor="ctr"/>
+          <a:lstStyle/>
+          <a:p>
+            <a:pPr algn="ctr"/>
+            <a:endParaRPr lang="en-US"/>
           </a:p>
         </p:txBody>
       </p:sp>
     </p:spTree>
     <p:extLst>
       <p:ext uri="{BB962C8B-B14F-4D97-AF65-F5344CB8AC3E}">
-        <p14:creationId xmlns:p14="http://schemas.microsoft.com/office/powerpoint/2010/main" val="3056331630"/>
+        <p14:creationId xmlns:p14="http://schemas.microsoft.com/office/powerpoint/2010/main" val="807829066"/>
       </p:ext>
     </p:extLst>
   </p:cSld>
@@ -6038,7 +6238,7 @@
           <p:cNvPr id="2" name="Title 1">
             <a:extLst>
               <a:ext uri="{FF2B5EF4-FFF2-40B4-BE49-F238E27FC236}">
-                <a16:creationId xmlns:a16="http://schemas.microsoft.com/office/drawing/2014/main" id="{FC5FCDBA-CEC9-47A6-94D9-FD81EB5BDB97}"/>
+                <a16:creationId xmlns:a16="http://schemas.microsoft.com/office/drawing/2014/main" id="{A451199F-7E3E-440D-83F9-4A1B6C62992F}"/>
               </a:ext>
             </a:extLst>
           </p:cNvPr>
@@ -6056,7 +6256,7 @@
           <a:p>
             <a:r>
               <a:rPr lang="en-US" dirty="0"/>
-              <a:t>GIA Judging Presentation</a:t>
+              <a:t>What Happens as a Semi-Finalist?</a:t>
             </a:r>
           </a:p>
         </p:txBody>
@@ -6066,7 +6266,7 @@
           <p:cNvPr id="3" name="Content Placeholder 2">
             <a:extLst>
               <a:ext uri="{FF2B5EF4-FFF2-40B4-BE49-F238E27FC236}">
-                <a16:creationId xmlns:a16="http://schemas.microsoft.com/office/drawing/2014/main" id="{C5853E52-4524-44F2-B5F4-FDE45926613C}"/>
+                <a16:creationId xmlns:a16="http://schemas.microsoft.com/office/drawing/2014/main" id="{C129EE7C-955F-4973-844C-88E89273074A}"/>
               </a:ext>
             </a:extLst>
           </p:cNvPr>
@@ -6079,13 +6279,13 @@
         </p:nvSpPr>
         <p:spPr>
           <a:xfrm>
-            <a:off x="397616" y="1565248"/>
-            <a:ext cx="5054161" cy="4359123"/>
+            <a:off x="381965" y="1390279"/>
+            <a:ext cx="5173883" cy="4722426"/>
           </a:xfrm>
         </p:spPr>
         <p:txBody>
           <a:bodyPr>
-            <a:noAutofit/>
+            <a:normAutofit/>
           </a:bodyPr>
           <a:lstStyle/>
           <a:p>
@@ -6093,10 +6293,12 @@
               <a:lnSpc>
                 <a:spcPct val="150000"/>
               </a:lnSpc>
+              <a:buFont typeface="Wingdings" panose="05000000000000000000" pitchFamily="2" charset="2"/>
+              <a:buChar char="§"/>
             </a:pPr>
             <a:r>
-              <a:rPr lang="en-US" sz="1600" dirty="0"/>
-              <a:t>We highly recommend that the team creates a new presentation for the Global Innovation Award </a:t>
+              <a:rPr lang="en-US" sz="2000" dirty="0"/>
+              <a:t>Invited to attend the Global Innovation Award Event in Washington, D.C. </a:t>
             </a:r>
           </a:p>
           <a:p>
@@ -6104,10 +6306,12 @@
               <a:lnSpc>
                 <a:spcPct val="150000"/>
               </a:lnSpc>
+              <a:buFont typeface="Wingdings" panose="05000000000000000000" pitchFamily="2" charset="2"/>
+              <a:buChar char="§"/>
             </a:pPr>
             <a:r>
-              <a:rPr lang="en-US" sz="1600" dirty="0"/>
-              <a:t>We recommend writing a script based on the GIA rubric. Make your presentation creative and unique, and make sure the entire team participates.</a:t>
+              <a:rPr lang="en-US" sz="2000" dirty="0"/>
+              <a:t>The team will need to create a 5 minute presentation for the judges. Judging will last 15 minutes. Judges have 10 minutes to ask questions.</a:t>
             </a:r>
           </a:p>
           <a:p>
@@ -6115,30 +6319,14 @@
               <a:lnSpc>
                 <a:spcPct val="150000"/>
               </a:lnSpc>
+              <a:buFont typeface="Wingdings" panose="05000000000000000000" pitchFamily="2" charset="2"/>
+              <a:buChar char="§"/>
             </a:pPr>
             <a:r>
-              <a:rPr lang="en-US" sz="1600" dirty="0"/>
-              <a:t>If the team has a prototype, they need to bring it! Bring a smaller model if needed. </a:t>
-            </a:r>
-          </a:p>
-          <a:p>
-            <a:pPr>
-              <a:lnSpc>
-                <a:spcPct val="150000"/>
-              </a:lnSpc>
-            </a:pPr>
-            <a:r>
-              <a:rPr lang="en-US" sz="1600" dirty="0"/>
-              <a:t>If you are a semi-finalist, FIRST also suggests getting a </a:t>
-            </a:r>
-            <a:r>
-              <a:rPr lang="en-US" sz="1600" i="1" dirty="0"/>
-              <a:t>provisional patent</a:t>
-            </a:r>
-            <a:r>
-              <a:rPr lang="en-US" sz="1600" dirty="0"/>
-              <a:t>.  </a:t>
-            </a:r>
+              <a:rPr lang="en-US" sz="2000" dirty="0"/>
+              <a:t>You also have to fill out an Engineering Change Notice form. </a:t>
+            </a:r>
+            <a:endParaRPr lang="en-US" sz="600" dirty="0"/>
           </a:p>
         </p:txBody>
       </p:sp>
@@ -6147,7 +6335,7 @@
           <p:cNvPr id="4" name="Footer Placeholder 3">
             <a:extLst>
               <a:ext uri="{FF2B5EF4-FFF2-40B4-BE49-F238E27FC236}">
-                <a16:creationId xmlns:a16="http://schemas.microsoft.com/office/drawing/2014/main" id="{9BAC6EEA-A67C-456D-992E-46B6403B8587}"/>
+                <a16:creationId xmlns:a16="http://schemas.microsoft.com/office/drawing/2014/main" id="{73815A05-5A37-4260-B08C-6055DBF25CE6}"/>
               </a:ext>
             </a:extLst>
           </p:cNvPr>
@@ -6165,7 +6353,7 @@
           <a:p>
             <a:r>
               <a:rPr lang="en-US"/>
-              <a:t>© 2018, FLL Tutorials (Last Edit 6/11/2018)</a:t>
+              <a:t>© 2023, FLLTutorials.com (Last Edit 5/29/2023)</a:t>
             </a:r>
             <a:endParaRPr lang="en-US" dirty="0"/>
           </a:p>
@@ -6176,7 +6364,7 @@
           <p:cNvPr id="5" name="Slide Number Placeholder 4">
             <a:extLst>
               <a:ext uri="{FF2B5EF4-FFF2-40B4-BE49-F238E27FC236}">
-                <a16:creationId xmlns:a16="http://schemas.microsoft.com/office/drawing/2014/main" id="{1D439343-C553-465A-B248-F2AFB13960B1}"/>
+                <a16:creationId xmlns:a16="http://schemas.microsoft.com/office/drawing/2014/main" id="{877EDF2C-353B-499D-831F-222DC2C020EC}"/>
               </a:ext>
             </a:extLst>
           </p:cNvPr>
@@ -6202,106 +6390,10 @@
       </p:sp>
       <p:pic>
         <p:nvPicPr>
-          <p:cNvPr id="6" name="Picture 5"/>
-          <p:cNvPicPr>
-            <a:picLocks noChangeAspect="1"/>
-          </p:cNvPicPr>
-          <p:nvPr/>
-        </p:nvPicPr>
-        <p:blipFill>
-          <a:blip r:embed="rId2">
-            <a:extLst>
-              <a:ext uri="{28A0092B-C50C-407E-A947-70E740481C1C}">
-                <a14:useLocalDpi xmlns:a14="http://schemas.microsoft.com/office/drawing/2010/main" val="0"/>
-              </a:ext>
-            </a:extLst>
-          </a:blip>
-          <a:stretch>
-            <a:fillRect/>
-          </a:stretch>
-        </p:blipFill>
-        <p:spPr>
-          <a:xfrm>
-            <a:off x="5474174" y="1792565"/>
-            <a:ext cx="1437208" cy="1862558"/>
-          </a:xfrm>
-          <a:prstGeom prst="rect">
-            <a:avLst/>
-          </a:prstGeom>
-          <a:ln w="38100" cap="sq">
-            <a:solidFill>
-              <a:srgbClr val="000000"/>
-            </a:solidFill>
-            <a:prstDash val="solid"/>
-            <a:miter lim="800000"/>
-          </a:ln>
-          <a:effectLst>
-            <a:outerShdw blurRad="50800" dist="38100" dir="2700000" algn="tl" rotWithShape="0">
-              <a:srgbClr val="000000">
-                <a:alpha val="43000"/>
-              </a:srgbClr>
-            </a:outerShdw>
-          </a:effectLst>
-        </p:spPr>
-      </p:pic>
-      <p:pic>
-        <p:nvPicPr>
-          <p:cNvPr id="7" name="Picture 6"/>
-          <p:cNvPicPr>
-            <a:picLocks noChangeAspect="1"/>
-          </p:cNvPicPr>
-          <p:nvPr/>
-        </p:nvPicPr>
-        <p:blipFill rotWithShape="1">
-          <a:blip r:embed="rId3"/>
-          <a:srcRect l="22331" r="14922"/>
-          <a:stretch/>
-        </p:blipFill>
-        <p:spPr>
-          <a:xfrm>
-            <a:off x="7013229" y="2019103"/>
-            <a:ext cx="1808247" cy="1409482"/>
-          </a:xfrm>
-          <a:prstGeom prst="rect">
-            <a:avLst/>
-          </a:prstGeom>
-        </p:spPr>
-      </p:pic>
-      <p:sp>
-        <p:nvSpPr>
-          <p:cNvPr id="8" name="TextBox 7"/>
-          <p:cNvSpPr txBox="1"/>
-          <p:nvPr/>
-        </p:nvSpPr>
-        <p:spPr>
-          <a:xfrm>
-            <a:off x="6911382" y="3428585"/>
-            <a:ext cx="2541540" cy="276999"/>
-          </a:xfrm>
-          <a:prstGeom prst="rect">
-            <a:avLst/>
-          </a:prstGeom>
-          <a:noFill/>
-        </p:spPr>
-        <p:txBody>
-          <a:bodyPr wrap="square" rtlCol="0">
-            <a:spAutoFit/>
-          </a:bodyPr>
-          <a:lstStyle/>
-          <a:p>
-            <a:r>
-              <a:rPr lang="en-US" sz="1200" dirty="0"/>
-              <a:t>Image credit: USPTO</a:t>
-            </a:r>
-          </a:p>
-        </p:txBody>
-      </p:sp>
-      <p:pic>
-        <p:nvPicPr>
-          <p:cNvPr id="9" name="Picture 8">
+          <p:cNvPr id="6" name="Picture 5">
             <a:extLst>
               <a:ext uri="{FF2B5EF4-FFF2-40B4-BE49-F238E27FC236}">
-                <a16:creationId xmlns:a16="http://schemas.microsoft.com/office/drawing/2014/main" id="{4B309160-7AC5-4EE3-9136-5498D5C61B09}"/>
+                <a16:creationId xmlns:a16="http://schemas.microsoft.com/office/drawing/2014/main" id="{B606DEEE-C348-4CD4-9430-269D868710D7}"/>
               </a:ext>
             </a:extLst>
           </p:cNvPr>
@@ -6311,24 +6403,58 @@
           <p:nvPr/>
         </p:nvPicPr>
         <p:blipFill rotWithShape="1">
-          <a:blip r:embed="rId4"/>
-          <a:srcRect t="31430" b="22674"/>
+          <a:blip r:embed="rId2"/>
+          <a:srcRect r="28538"/>
           <a:stretch/>
         </p:blipFill>
         <p:spPr>
           <a:xfrm>
-            <a:off x="5393530" y="4222525"/>
-            <a:ext cx="3565969" cy="1227455"/>
+            <a:off x="5731411" y="1687101"/>
+            <a:ext cx="2984326" cy="2363124"/>
           </a:xfrm>
           <a:prstGeom prst="rect">
             <a:avLst/>
           </a:prstGeom>
         </p:spPr>
       </p:pic>
+      <p:sp>
+        <p:nvSpPr>
+          <p:cNvPr id="7" name="TextBox 6"/>
+          <p:cNvSpPr txBox="1"/>
+          <p:nvPr/>
+        </p:nvSpPr>
+        <p:spPr>
+          <a:xfrm>
+            <a:off x="5798916" y="4128093"/>
+            <a:ext cx="2916821" cy="1448730"/>
+          </a:xfrm>
+          <a:prstGeom prst="rect">
+            <a:avLst/>
+          </a:prstGeom>
+          <a:noFill/>
+        </p:spPr>
+        <p:txBody>
+          <a:bodyPr wrap="square" rtlCol="0">
+            <a:spAutoFit/>
+          </a:bodyPr>
+          <a:lstStyle/>
+          <a:p>
+            <a:pPr>
+              <a:lnSpc>
+                <a:spcPct val="150000"/>
+              </a:lnSpc>
+            </a:pPr>
+            <a:r>
+              <a:rPr lang="en-US" sz="1200" dirty="0"/>
+              <a:t>It is recommended that semi-finalist, that the team get a provisional patent on their solution since information about the team’s solution will be listed on the Global Innovation Award website.</a:t>
+            </a:r>
+          </a:p>
+        </p:txBody>
+      </p:sp>
     </p:spTree>
     <p:extLst>
       <p:ext uri="{BB962C8B-B14F-4D97-AF65-F5344CB8AC3E}">
-        <p14:creationId xmlns:p14="http://schemas.microsoft.com/office/powerpoint/2010/main" val="2012575502"/>
+        <p14:creationId xmlns:p14="http://schemas.microsoft.com/office/powerpoint/2010/main" val="3056331630"/>
       </p:ext>
     </p:extLst>
   </p:cSld>
@@ -6360,7 +6486,7 @@
           <p:cNvPr id="2" name="Title 1">
             <a:extLst>
               <a:ext uri="{FF2B5EF4-FFF2-40B4-BE49-F238E27FC236}">
-                <a16:creationId xmlns:a16="http://schemas.microsoft.com/office/drawing/2014/main" id="{8F25AB16-A7C3-45CD-A246-2A2F8AF8C811}"/>
+                <a16:creationId xmlns:a16="http://schemas.microsoft.com/office/drawing/2014/main" id="{FC5FCDBA-CEC9-47A6-94D9-FD81EB5BDB97}"/>
               </a:ext>
             </a:extLst>
           </p:cNvPr>
@@ -6378,7 +6504,7 @@
           <a:p>
             <a:r>
               <a:rPr lang="en-US" dirty="0"/>
-              <a:t>Tips for Judging Part 1</a:t>
+              <a:t>GIA Judging Presentation</a:t>
             </a:r>
           </a:p>
         </p:txBody>
@@ -6388,7 +6514,7 @@
           <p:cNvPr id="3" name="Content Placeholder 2">
             <a:extLst>
               <a:ext uri="{FF2B5EF4-FFF2-40B4-BE49-F238E27FC236}">
-                <a16:creationId xmlns:a16="http://schemas.microsoft.com/office/drawing/2014/main" id="{F1620C52-D741-4DD5-9DEE-30613DB2AD4D}"/>
+                <a16:creationId xmlns:a16="http://schemas.microsoft.com/office/drawing/2014/main" id="{C5853E52-4524-44F2-B5F4-FDE45926613C}"/>
               </a:ext>
             </a:extLst>
           </p:cNvPr>
@@ -6401,8 +6527,8 @@
         </p:nvSpPr>
         <p:spPr>
           <a:xfrm>
-            <a:off x="359009" y="1568017"/>
-            <a:ext cx="5685782" cy="4536153"/>
+            <a:off x="397616" y="1565248"/>
+            <a:ext cx="5054161" cy="4359123"/>
           </a:xfrm>
         </p:spPr>
         <p:txBody>
@@ -6417,8 +6543,8 @@
               </a:lnSpc>
             </a:pPr>
             <a:r>
-              <a:rPr lang="en-US" sz="1800" dirty="0"/>
-              <a:t>We recommend having a “captain” who helps direct questions and makes sure everyone answers a question. </a:t>
+              <a:rPr lang="en-US" sz="1600" dirty="0"/>
+              <a:t>We highly recommend that the team creates a new presentation for the Global Innovation Award </a:t>
             </a:r>
           </a:p>
           <a:p>
@@ -6428,8 +6554,8 @@
               </a:lnSpc>
             </a:pPr>
             <a:r>
-              <a:rPr lang="en-US" sz="1800" dirty="0"/>
-              <a:t>The captain needs to know what everyone feels comfortable talking about. The captain answers questions too.</a:t>
+              <a:rPr lang="en-US" sz="1600" dirty="0"/>
+              <a:t>We recommend writing a script based on the GIA rubric. Make your presentation creative and unique, and make sure the entire team participates.</a:t>
             </a:r>
           </a:p>
           <a:p>
@@ -6439,8 +6565,8 @@
               </a:lnSpc>
             </a:pPr>
             <a:r>
-              <a:rPr lang="en-US" sz="1800" dirty="0"/>
-              <a:t>Just because there is a captain for a judging session, does not mean that the team has an overall team captain. </a:t>
+              <a:rPr lang="en-US" sz="1600" dirty="0"/>
+              <a:t>If the team has a prototype, they need to bring it! Bring a smaller model if needed. </a:t>
             </a:r>
           </a:p>
           <a:p>
@@ -6450,8 +6576,16 @@
               </a:lnSpc>
             </a:pPr>
             <a:r>
-              <a:rPr lang="en-US" sz="1800" dirty="0"/>
-              <a:t>If the judges don’t have questions, you can present additional information to them.</a:t>
+              <a:rPr lang="en-US" sz="1600" dirty="0"/>
+              <a:t>If you are a semi-finalist, FIRST also suggests getting a </a:t>
+            </a:r>
+            <a:r>
+              <a:rPr lang="en-US" sz="1600" i="1" dirty="0"/>
+              <a:t>provisional patent</a:t>
+            </a:r>
+            <a:r>
+              <a:rPr lang="en-US" sz="1600" dirty="0"/>
+              <a:t>.  </a:t>
             </a:r>
           </a:p>
         </p:txBody>
@@ -6461,7 +6595,7 @@
           <p:cNvPr id="4" name="Footer Placeholder 3">
             <a:extLst>
               <a:ext uri="{FF2B5EF4-FFF2-40B4-BE49-F238E27FC236}">
-                <a16:creationId xmlns:a16="http://schemas.microsoft.com/office/drawing/2014/main" id="{67DDAE65-5F6A-4494-AEEF-BB0F45CC9C85}"/>
+                <a16:creationId xmlns:a16="http://schemas.microsoft.com/office/drawing/2014/main" id="{9BAC6EEA-A67C-456D-992E-46B6403B8587}"/>
               </a:ext>
             </a:extLst>
           </p:cNvPr>
@@ -6479,7 +6613,7 @@
           <a:p>
             <a:r>
               <a:rPr lang="en-US"/>
-              <a:t>© 2018, FLL Tutorials (Last Edit 6/11/2018)</a:t>
+              <a:t>© 2023, FLLTutorials.com (Last Edit 5/29/2023)</a:t>
             </a:r>
             <a:endParaRPr lang="en-US" dirty="0"/>
           </a:p>
@@ -6490,7 +6624,7 @@
           <p:cNvPr id="5" name="Slide Number Placeholder 4">
             <a:extLst>
               <a:ext uri="{FF2B5EF4-FFF2-40B4-BE49-F238E27FC236}">
-                <a16:creationId xmlns:a16="http://schemas.microsoft.com/office/drawing/2014/main" id="{3332E168-DCFA-48AB-91B9-1C620597F1F0}"/>
+                <a16:creationId xmlns:a16="http://schemas.microsoft.com/office/drawing/2014/main" id="{1D439343-C553-465A-B248-F2AFB13960B1}"/>
               </a:ext>
             </a:extLst>
           </p:cNvPr>
@@ -6516,10 +6650,106 @@
       </p:sp>
       <p:pic>
         <p:nvPicPr>
-          <p:cNvPr id="6" name="Picture 5">
+          <p:cNvPr id="6" name="Picture 5"/>
+          <p:cNvPicPr>
+            <a:picLocks noChangeAspect="1"/>
+          </p:cNvPicPr>
+          <p:nvPr/>
+        </p:nvPicPr>
+        <p:blipFill>
+          <a:blip r:embed="rId2">
+            <a:extLst>
+              <a:ext uri="{28A0092B-C50C-407E-A947-70E740481C1C}">
+                <a14:useLocalDpi xmlns:a14="http://schemas.microsoft.com/office/drawing/2010/main" val="0"/>
+              </a:ext>
+            </a:extLst>
+          </a:blip>
+          <a:stretch>
+            <a:fillRect/>
+          </a:stretch>
+        </p:blipFill>
+        <p:spPr>
+          <a:xfrm>
+            <a:off x="5474174" y="1792565"/>
+            <a:ext cx="1437208" cy="1862558"/>
+          </a:xfrm>
+          <a:prstGeom prst="rect">
+            <a:avLst/>
+          </a:prstGeom>
+          <a:ln w="38100" cap="sq">
+            <a:solidFill>
+              <a:srgbClr val="000000"/>
+            </a:solidFill>
+            <a:prstDash val="solid"/>
+            <a:miter lim="800000"/>
+          </a:ln>
+          <a:effectLst>
+            <a:outerShdw blurRad="50800" dist="38100" dir="2700000" algn="tl" rotWithShape="0">
+              <a:srgbClr val="000000">
+                <a:alpha val="43000"/>
+              </a:srgbClr>
+            </a:outerShdw>
+          </a:effectLst>
+        </p:spPr>
+      </p:pic>
+      <p:pic>
+        <p:nvPicPr>
+          <p:cNvPr id="7" name="Picture 6"/>
+          <p:cNvPicPr>
+            <a:picLocks noChangeAspect="1"/>
+          </p:cNvPicPr>
+          <p:nvPr/>
+        </p:nvPicPr>
+        <p:blipFill rotWithShape="1">
+          <a:blip r:embed="rId3"/>
+          <a:srcRect l="22331" r="14922"/>
+          <a:stretch/>
+        </p:blipFill>
+        <p:spPr>
+          <a:xfrm>
+            <a:off x="7013229" y="2019103"/>
+            <a:ext cx="1808247" cy="1409482"/>
+          </a:xfrm>
+          <a:prstGeom prst="rect">
+            <a:avLst/>
+          </a:prstGeom>
+        </p:spPr>
+      </p:pic>
+      <p:sp>
+        <p:nvSpPr>
+          <p:cNvPr id="8" name="TextBox 7"/>
+          <p:cNvSpPr txBox="1"/>
+          <p:nvPr/>
+        </p:nvSpPr>
+        <p:spPr>
+          <a:xfrm>
+            <a:off x="6911382" y="3428585"/>
+            <a:ext cx="2541540" cy="276999"/>
+          </a:xfrm>
+          <a:prstGeom prst="rect">
+            <a:avLst/>
+          </a:prstGeom>
+          <a:noFill/>
+        </p:spPr>
+        <p:txBody>
+          <a:bodyPr wrap="square" rtlCol="0">
+            <a:spAutoFit/>
+          </a:bodyPr>
+          <a:lstStyle/>
+          <a:p>
+            <a:r>
+              <a:rPr lang="en-US" sz="1200" dirty="0"/>
+              <a:t>Image credit: USPTO</a:t>
+            </a:r>
+          </a:p>
+        </p:txBody>
+      </p:sp>
+      <p:pic>
+        <p:nvPicPr>
+          <p:cNvPr id="9" name="Picture 8">
             <a:extLst>
               <a:ext uri="{FF2B5EF4-FFF2-40B4-BE49-F238E27FC236}">
-                <a16:creationId xmlns:a16="http://schemas.microsoft.com/office/drawing/2014/main" id="{0A0075DD-D990-4146-8D76-B15BF292090F}"/>
+                <a16:creationId xmlns:a16="http://schemas.microsoft.com/office/drawing/2014/main" id="{4B309160-7AC5-4EE3-9136-5498D5C61B09}"/>
               </a:ext>
             </a:extLst>
           </p:cNvPr>
@@ -6529,14 +6759,14 @@
           <p:nvPr/>
         </p:nvPicPr>
         <p:blipFill rotWithShape="1">
-          <a:blip r:embed="rId2"/>
-          <a:srcRect b="6267"/>
+          <a:blip r:embed="rId4"/>
+          <a:srcRect t="31430" b="22674"/>
           <a:stretch/>
         </p:blipFill>
         <p:spPr>
           <a:xfrm>
-            <a:off x="6273478" y="2328053"/>
-            <a:ext cx="2511513" cy="3138848"/>
+            <a:off x="5393530" y="4222525"/>
+            <a:ext cx="3565969" cy="1227455"/>
           </a:xfrm>
           <a:prstGeom prst="rect">
             <a:avLst/>
@@ -6546,7 +6776,7 @@
     </p:spTree>
     <p:extLst>
       <p:ext uri="{BB962C8B-B14F-4D97-AF65-F5344CB8AC3E}">
-        <p14:creationId xmlns:p14="http://schemas.microsoft.com/office/powerpoint/2010/main" val="3574880138"/>
+        <p14:creationId xmlns:p14="http://schemas.microsoft.com/office/powerpoint/2010/main" val="2012575502"/>
       </p:ext>
     </p:extLst>
   </p:cSld>
@@ -6578,7 +6808,7 @@
           <p:cNvPr id="2" name="Title 1">
             <a:extLst>
               <a:ext uri="{FF2B5EF4-FFF2-40B4-BE49-F238E27FC236}">
-                <a16:creationId xmlns:a16="http://schemas.microsoft.com/office/drawing/2014/main" id="{A7085442-4074-469F-8A4B-254E75D8BF61}"/>
+                <a16:creationId xmlns:a16="http://schemas.microsoft.com/office/drawing/2014/main" id="{8F25AB16-A7C3-45CD-A246-2A2F8AF8C811}"/>
               </a:ext>
             </a:extLst>
           </p:cNvPr>
@@ -6596,7 +6826,7 @@
           <a:p>
             <a:r>
               <a:rPr lang="en-US" dirty="0"/>
-              <a:t>Tips for Judging Part 2</a:t>
+              <a:t>Tips for Judging Part 1</a:t>
             </a:r>
           </a:p>
         </p:txBody>
@@ -6606,7 +6836,7 @@
           <p:cNvPr id="3" name="Content Placeholder 2">
             <a:extLst>
               <a:ext uri="{FF2B5EF4-FFF2-40B4-BE49-F238E27FC236}">
-                <a16:creationId xmlns:a16="http://schemas.microsoft.com/office/drawing/2014/main" id="{4ABD0397-04FA-4D38-9BD8-CA889E5ED9CF}"/>
+                <a16:creationId xmlns:a16="http://schemas.microsoft.com/office/drawing/2014/main" id="{F1620C52-D741-4DD5-9DEE-30613DB2AD4D}"/>
               </a:ext>
             </a:extLst>
           </p:cNvPr>
@@ -6619,13 +6849,13 @@
         </p:nvSpPr>
         <p:spPr>
           <a:xfrm>
-            <a:off x="241739" y="1452172"/>
-            <a:ext cx="5302534" cy="4718353"/>
+            <a:off x="359009" y="1568017"/>
+            <a:ext cx="5685782" cy="4536153"/>
           </a:xfrm>
         </p:spPr>
         <p:txBody>
           <a:bodyPr>
-            <a:normAutofit/>
+            <a:noAutofit/>
           </a:bodyPr>
           <a:lstStyle/>
           <a:p>
@@ -6635,12 +6865,8 @@
               </a:lnSpc>
             </a:pPr>
             <a:r>
-              <a:rPr lang="en-US" sz="1200" dirty="0"/>
-              <a:t> </a:t>
-            </a:r>
-            <a:r>
-              <a:rPr lang="en-US" sz="1600" dirty="0"/>
-              <a:t>Additional judges may come to the pit area and ask questions about the team’s project.</a:t>
+              <a:rPr lang="en-US" sz="1800" dirty="0"/>
+              <a:t>We recommend having a “captain” who helps direct questions and makes sure everyone answers a question. </a:t>
             </a:r>
           </a:p>
           <a:p>
@@ -6650,8 +6876,8 @@
               </a:lnSpc>
             </a:pPr>
             <a:r>
-              <a:rPr lang="en-US" sz="1600" dirty="0"/>
-              <a:t> Everyone from the team should be there during the pit area judging and everyone needs to answer a question.</a:t>
+              <a:rPr lang="en-US" sz="1800" dirty="0"/>
+              <a:t>The captain needs to know what everyone feels comfortable talking about. The captain answers questions too.</a:t>
             </a:r>
           </a:p>
           <a:p>
@@ -6661,8 +6887,8 @@
               </a:lnSpc>
             </a:pPr>
             <a:r>
-              <a:rPr lang="en-US" sz="1600" dirty="0"/>
-              <a:t> It’s a good idea to have a display board that summarizes the team’s project. It can serve as a useful prompt for the team.</a:t>
+              <a:rPr lang="en-US" sz="1800" dirty="0"/>
+              <a:t>Just because there is a captain for a judging session, does not mean that the team has an overall team captain. </a:t>
             </a:r>
           </a:p>
           <a:p>
@@ -6672,19 +6898,8 @@
               </a:lnSpc>
             </a:pPr>
             <a:r>
-              <a:rPr lang="en-US" sz="1600" dirty="0"/>
-              <a:t> Show the judges the prototype/model.</a:t>
-            </a:r>
-          </a:p>
-          <a:p>
-            <a:pPr>
-              <a:lnSpc>
-                <a:spcPct val="150000"/>
-              </a:lnSpc>
-            </a:pPr>
-            <a:r>
-              <a:rPr lang="en-US" sz="1600" dirty="0"/>
-              <a:t> Don’t let the judges walk away without knowing everything about the team’s project.</a:t>
+              <a:rPr lang="en-US" sz="1800" dirty="0"/>
+              <a:t>If the judges don’t have questions, you can present additional information to them.</a:t>
             </a:r>
           </a:p>
         </p:txBody>
@@ -6694,7 +6909,7 @@
           <p:cNvPr id="4" name="Footer Placeholder 3">
             <a:extLst>
               <a:ext uri="{FF2B5EF4-FFF2-40B4-BE49-F238E27FC236}">
-                <a16:creationId xmlns:a16="http://schemas.microsoft.com/office/drawing/2014/main" id="{EE0E3BBE-8724-4B72-B49C-EF68DAAA9D87}"/>
+                <a16:creationId xmlns:a16="http://schemas.microsoft.com/office/drawing/2014/main" id="{67DDAE65-5F6A-4494-AEEF-BB0F45CC9C85}"/>
               </a:ext>
             </a:extLst>
           </p:cNvPr>
@@ -6712,7 +6927,7 @@
           <a:p>
             <a:r>
               <a:rPr lang="en-US"/>
-              <a:t>© 2018, FLL Tutorials (Last Edit 6/11/2018)</a:t>
+              <a:t>© 2023, FLLTutorials.com (Last Edit 5/29/2023)</a:t>
             </a:r>
             <a:endParaRPr lang="en-US" dirty="0"/>
           </a:p>
@@ -6723,7 +6938,7 @@
           <p:cNvPr id="5" name="Slide Number Placeholder 4">
             <a:extLst>
               <a:ext uri="{FF2B5EF4-FFF2-40B4-BE49-F238E27FC236}">
-                <a16:creationId xmlns:a16="http://schemas.microsoft.com/office/drawing/2014/main" id="{CE02049F-4202-4F20-ABF5-461FE33E916A}"/>
+                <a16:creationId xmlns:a16="http://schemas.microsoft.com/office/drawing/2014/main" id="{3332E168-DCFA-48AB-91B9-1C620597F1F0}"/>
               </a:ext>
             </a:extLst>
           </p:cNvPr>
@@ -6749,10 +6964,10 @@
       </p:sp>
       <p:pic>
         <p:nvPicPr>
-          <p:cNvPr id="7" name="Picture 6">
+          <p:cNvPr id="6" name="Picture 5">
             <a:extLst>
               <a:ext uri="{FF2B5EF4-FFF2-40B4-BE49-F238E27FC236}">
-                <a16:creationId xmlns:a16="http://schemas.microsoft.com/office/drawing/2014/main" id="{4A09AF60-F954-4C66-BEF5-1A5438C463CF}"/>
+                <a16:creationId xmlns:a16="http://schemas.microsoft.com/office/drawing/2014/main" id="{0A0075DD-D990-4146-8D76-B15BF292090F}"/>
               </a:ext>
             </a:extLst>
           </p:cNvPr>
@@ -6763,13 +6978,13 @@
         </p:nvPicPr>
         <p:blipFill rotWithShape="1">
           <a:blip r:embed="rId2"/>
-          <a:srcRect l="10595" t="26913" r="24524" b="2857"/>
+          <a:srcRect b="6267"/>
           <a:stretch/>
         </p:blipFill>
         <p:spPr>
           <a:xfrm>
-            <a:off x="5544273" y="1971600"/>
-            <a:ext cx="3211536" cy="2607205"/>
+            <a:off x="6273478" y="2328053"/>
+            <a:ext cx="2511513" cy="3138848"/>
           </a:xfrm>
           <a:prstGeom prst="rect">
             <a:avLst/>
@@ -6779,7 +6994,7 @@
     </p:spTree>
     <p:extLst>
       <p:ext uri="{BB962C8B-B14F-4D97-AF65-F5344CB8AC3E}">
-        <p14:creationId xmlns:p14="http://schemas.microsoft.com/office/powerpoint/2010/main" val="443790246"/>
+        <p14:creationId xmlns:p14="http://schemas.microsoft.com/office/powerpoint/2010/main" val="3574880138"/>
       </p:ext>
     </p:extLst>
   </p:cSld>
@@ -6811,7 +7026,7 @@
           <p:cNvPr id="2" name="Title 1">
             <a:extLst>
               <a:ext uri="{FF2B5EF4-FFF2-40B4-BE49-F238E27FC236}">
-                <a16:creationId xmlns:a16="http://schemas.microsoft.com/office/drawing/2014/main" id="{F71DB9B5-7884-4286-BB9B-887C55215A3D}"/>
+                <a16:creationId xmlns:a16="http://schemas.microsoft.com/office/drawing/2014/main" id="{A7085442-4074-469F-8A4B-254E75D8BF61}"/>
               </a:ext>
             </a:extLst>
           </p:cNvPr>
@@ -6829,7 +7044,7 @@
           <a:p>
             <a:r>
               <a:rPr lang="en-US" dirty="0"/>
-              <a:t>Engineering Change Notice Form</a:t>
+              <a:t>Tips for Judging Part 2</a:t>
             </a:r>
           </a:p>
         </p:txBody>
@@ -6839,7 +7054,7 @@
           <p:cNvPr id="3" name="Content Placeholder 2">
             <a:extLst>
               <a:ext uri="{FF2B5EF4-FFF2-40B4-BE49-F238E27FC236}">
-                <a16:creationId xmlns:a16="http://schemas.microsoft.com/office/drawing/2014/main" id="{9AC6FC5A-CCD8-41C0-9BF4-3F1E635D528D}"/>
+                <a16:creationId xmlns:a16="http://schemas.microsoft.com/office/drawing/2014/main" id="{4ABD0397-04FA-4D38-9BD8-CA889E5ED9CF}"/>
               </a:ext>
             </a:extLst>
           </p:cNvPr>
@@ -6852,8 +7067,8 @@
         </p:nvSpPr>
         <p:spPr>
           <a:xfrm>
-            <a:off x="372217" y="1548812"/>
-            <a:ext cx="4721278" cy="4459082"/>
+            <a:off x="241739" y="1452172"/>
+            <a:ext cx="5302534" cy="4718353"/>
           </a:xfrm>
         </p:spPr>
         <p:txBody>
@@ -6866,12 +7081,14 @@
               <a:lnSpc>
                 <a:spcPct val="150000"/>
               </a:lnSpc>
-              <a:buFont typeface="Wingdings" panose="05000000000000000000" pitchFamily="2" charset="2"/>
-              <a:buChar char="§"/>
             </a:pPr>
             <a:r>
-              <a:rPr lang="en-US" sz="1400" dirty="0"/>
-              <a:t>The team lists all the changes they’ve made to their solution. They can include the changes since they were nominated from their championship event or they can include all the changes since they first developed their solution.</a:t>
+              <a:rPr lang="en-US" sz="1200" dirty="0"/>
+              <a:t> </a:t>
+            </a:r>
+            <a:r>
+              <a:rPr lang="en-US" sz="1600" dirty="0"/>
+              <a:t>Additional judges may come to the pit area and ask questions about the team’s project.</a:t>
             </a:r>
           </a:p>
           <a:p>
@@ -6879,12 +7096,10 @@
               <a:lnSpc>
                 <a:spcPct val="150000"/>
               </a:lnSpc>
-              <a:buFont typeface="Wingdings" panose="05000000000000000000" pitchFamily="2" charset="2"/>
-              <a:buChar char="§"/>
             </a:pPr>
             <a:r>
-              <a:rPr lang="en-US" sz="1400" dirty="0"/>
-              <a:t>Include several drawings of the team’s solution. Describe the changes and how they improved the solution.</a:t>
+              <a:rPr lang="en-US" sz="1600" dirty="0"/>
+              <a:t> Everyone from the team should be there during the pit area judging and everyone needs to answer a question.</a:t>
             </a:r>
           </a:p>
           <a:p>
@@ -6892,12 +7107,32 @@
               <a:lnSpc>
                 <a:spcPct val="150000"/>
               </a:lnSpc>
-              <a:buFont typeface="Wingdings" panose="05000000000000000000" pitchFamily="2" charset="2"/>
-              <a:buChar char="§"/>
             </a:pPr>
             <a:r>
-              <a:rPr lang="en-US" sz="1400" dirty="0"/>
-              <a:t>The Engineering Change Notice form is basically about the team’s solution development. Think back to every change that was made which is why it is helpful to track the changes that were made while the team was developing their solution. Explain why they made those changes.</a:t>
+              <a:rPr lang="en-US" sz="1600" dirty="0"/>
+              <a:t> It’s a good idea to have a display board that summarizes the team’s project. It can serve as a useful prompt for the team.</a:t>
+            </a:r>
+          </a:p>
+          <a:p>
+            <a:pPr>
+              <a:lnSpc>
+                <a:spcPct val="150000"/>
+              </a:lnSpc>
+            </a:pPr>
+            <a:r>
+              <a:rPr lang="en-US" sz="1600" dirty="0"/>
+              <a:t> Show the judges the prototype/model.</a:t>
+            </a:r>
+          </a:p>
+          <a:p>
+            <a:pPr>
+              <a:lnSpc>
+                <a:spcPct val="150000"/>
+              </a:lnSpc>
+            </a:pPr>
+            <a:r>
+              <a:rPr lang="en-US" sz="1600" dirty="0"/>
+              <a:t> Don’t let the judges walk away without knowing everything about the team’s project.</a:t>
             </a:r>
           </a:p>
         </p:txBody>
@@ -6907,7 +7142,7 @@
           <p:cNvPr id="4" name="Footer Placeholder 3">
             <a:extLst>
               <a:ext uri="{FF2B5EF4-FFF2-40B4-BE49-F238E27FC236}">
-                <a16:creationId xmlns:a16="http://schemas.microsoft.com/office/drawing/2014/main" id="{C63ACA71-1C8B-4831-8620-87E3594E60B7}"/>
+                <a16:creationId xmlns:a16="http://schemas.microsoft.com/office/drawing/2014/main" id="{EE0E3BBE-8724-4B72-B49C-EF68DAAA9D87}"/>
               </a:ext>
             </a:extLst>
           </p:cNvPr>
@@ -6925,7 +7160,7 @@
           <a:p>
             <a:r>
               <a:rPr lang="en-US"/>
-              <a:t>© 2018, FLL Tutorials (Last Edit 6/11/2018)</a:t>
+              <a:t>© 2023, FLLTutorials.com (Last Edit 5/29/2023)</a:t>
             </a:r>
             <a:endParaRPr lang="en-US" dirty="0"/>
           </a:p>
@@ -6936,7 +7171,7 @@
           <p:cNvPr id="5" name="Slide Number Placeholder 4">
             <a:extLst>
               <a:ext uri="{FF2B5EF4-FFF2-40B4-BE49-F238E27FC236}">
-                <a16:creationId xmlns:a16="http://schemas.microsoft.com/office/drawing/2014/main" id="{FCD0AB10-E908-4736-9959-DBBE305DCF97}"/>
+                <a16:creationId xmlns:a16="http://schemas.microsoft.com/office/drawing/2014/main" id="{CE02049F-4202-4F20-ABF5-461FE33E916A}"/>
               </a:ext>
             </a:extLst>
           </p:cNvPr>
@@ -6962,10 +7197,10 @@
       </p:sp>
       <p:pic>
         <p:nvPicPr>
-          <p:cNvPr id="6" name="Picture 5">
+          <p:cNvPr id="7" name="Picture 6">
             <a:extLst>
               <a:ext uri="{FF2B5EF4-FFF2-40B4-BE49-F238E27FC236}">
-                <a16:creationId xmlns:a16="http://schemas.microsoft.com/office/drawing/2014/main" id="{8387993A-6B95-4405-B8CA-D57043107E9C}"/>
+                <a16:creationId xmlns:a16="http://schemas.microsoft.com/office/drawing/2014/main" id="{4A09AF60-F954-4C66-BEF5-1A5438C463CF}"/>
               </a:ext>
             </a:extLst>
           </p:cNvPr>
@@ -6976,13 +7211,13 @@
         </p:nvPicPr>
         <p:blipFill rotWithShape="1">
           <a:blip r:embed="rId2"/>
-          <a:srcRect t="27314"/>
+          <a:srcRect l="10595" t="26913" r="24524" b="2857"/>
           <a:stretch/>
         </p:blipFill>
         <p:spPr>
           <a:xfrm>
-            <a:off x="5224471" y="2144479"/>
-            <a:ext cx="3584511" cy="1954094"/>
+            <a:off x="5544273" y="1971600"/>
+            <a:ext cx="3211536" cy="2607205"/>
           </a:xfrm>
           <a:prstGeom prst="rect">
             <a:avLst/>
@@ -6992,7 +7227,7 @@
     </p:spTree>
     <p:extLst>
       <p:ext uri="{BB962C8B-B14F-4D97-AF65-F5344CB8AC3E}">
-        <p14:creationId xmlns:p14="http://schemas.microsoft.com/office/powerpoint/2010/main" val="3503986373"/>
+        <p14:creationId xmlns:p14="http://schemas.microsoft.com/office/powerpoint/2010/main" val="443790246"/>
       </p:ext>
     </p:extLst>
   </p:cSld>
@@ -7021,6 +7256,219 @@
       </p:grpSpPr>
       <p:sp>
         <p:nvSpPr>
+          <p:cNvPr id="2" name="Title 1">
+            <a:extLst>
+              <a:ext uri="{FF2B5EF4-FFF2-40B4-BE49-F238E27FC236}">
+                <a16:creationId xmlns:a16="http://schemas.microsoft.com/office/drawing/2014/main" id="{F71DB9B5-7884-4286-BB9B-887C55215A3D}"/>
+              </a:ext>
+            </a:extLst>
+          </p:cNvPr>
+          <p:cNvSpPr>
+            <a:spLocks noGrp="1"/>
+          </p:cNvSpPr>
+          <p:nvPr>
+            <p:ph type="title"/>
+          </p:nvPr>
+        </p:nvSpPr>
+        <p:spPr/>
+        <p:txBody>
+          <a:bodyPr/>
+          <a:lstStyle/>
+          <a:p>
+            <a:r>
+              <a:rPr lang="en-US" dirty="0"/>
+              <a:t>Engineering Change Notice Form</a:t>
+            </a:r>
+          </a:p>
+        </p:txBody>
+      </p:sp>
+      <p:sp>
+        <p:nvSpPr>
+          <p:cNvPr id="3" name="Content Placeholder 2">
+            <a:extLst>
+              <a:ext uri="{FF2B5EF4-FFF2-40B4-BE49-F238E27FC236}">
+                <a16:creationId xmlns:a16="http://schemas.microsoft.com/office/drawing/2014/main" id="{9AC6FC5A-CCD8-41C0-9BF4-3F1E635D528D}"/>
+              </a:ext>
+            </a:extLst>
+          </p:cNvPr>
+          <p:cNvSpPr>
+            <a:spLocks noGrp="1"/>
+          </p:cNvSpPr>
+          <p:nvPr>
+            <p:ph idx="1"/>
+          </p:nvPr>
+        </p:nvSpPr>
+        <p:spPr>
+          <a:xfrm>
+            <a:off x="372217" y="1548812"/>
+            <a:ext cx="4721278" cy="4459082"/>
+          </a:xfrm>
+        </p:spPr>
+        <p:txBody>
+          <a:bodyPr>
+            <a:normAutofit/>
+          </a:bodyPr>
+          <a:lstStyle/>
+          <a:p>
+            <a:pPr>
+              <a:lnSpc>
+                <a:spcPct val="150000"/>
+              </a:lnSpc>
+              <a:buFont typeface="Wingdings" panose="05000000000000000000" pitchFamily="2" charset="2"/>
+              <a:buChar char="§"/>
+            </a:pPr>
+            <a:r>
+              <a:rPr lang="en-US" sz="1400" dirty="0"/>
+              <a:t>The team lists all the changes they’ve made to their solution. They can include the changes since they were nominated from their championship event or they can include all the changes since they first developed their solution.</a:t>
+            </a:r>
+          </a:p>
+          <a:p>
+            <a:pPr>
+              <a:lnSpc>
+                <a:spcPct val="150000"/>
+              </a:lnSpc>
+              <a:buFont typeface="Wingdings" panose="05000000000000000000" pitchFamily="2" charset="2"/>
+              <a:buChar char="§"/>
+            </a:pPr>
+            <a:r>
+              <a:rPr lang="en-US" sz="1400" dirty="0"/>
+              <a:t>Include several drawings of the team’s solution. Describe the changes and how they improved the solution.</a:t>
+            </a:r>
+          </a:p>
+          <a:p>
+            <a:pPr>
+              <a:lnSpc>
+                <a:spcPct val="150000"/>
+              </a:lnSpc>
+              <a:buFont typeface="Wingdings" panose="05000000000000000000" pitchFamily="2" charset="2"/>
+              <a:buChar char="§"/>
+            </a:pPr>
+            <a:r>
+              <a:rPr lang="en-US" sz="1400" dirty="0"/>
+              <a:t>The Engineering Change Notice form is basically about the team’s solution development. Think back to every change that was made which is why it is helpful to track the changes that were made while the team was developing their solution. Explain why they made those changes.</a:t>
+            </a:r>
+          </a:p>
+        </p:txBody>
+      </p:sp>
+      <p:sp>
+        <p:nvSpPr>
+          <p:cNvPr id="4" name="Footer Placeholder 3">
+            <a:extLst>
+              <a:ext uri="{FF2B5EF4-FFF2-40B4-BE49-F238E27FC236}">
+                <a16:creationId xmlns:a16="http://schemas.microsoft.com/office/drawing/2014/main" id="{C63ACA71-1C8B-4831-8620-87E3594E60B7}"/>
+              </a:ext>
+            </a:extLst>
+          </p:cNvPr>
+          <p:cNvSpPr>
+            <a:spLocks noGrp="1"/>
+          </p:cNvSpPr>
+          <p:nvPr>
+            <p:ph type="ftr" sz="quarter" idx="11"/>
+          </p:nvPr>
+        </p:nvSpPr>
+        <p:spPr/>
+        <p:txBody>
+          <a:bodyPr/>
+          <a:lstStyle/>
+          <a:p>
+            <a:r>
+              <a:rPr lang="en-US"/>
+              <a:t>© 2023, FLLTutorials.com (Last Edit 5/29/2023)</a:t>
+            </a:r>
+            <a:endParaRPr lang="en-US" dirty="0"/>
+          </a:p>
+        </p:txBody>
+      </p:sp>
+      <p:sp>
+        <p:nvSpPr>
+          <p:cNvPr id="5" name="Slide Number Placeholder 4">
+            <a:extLst>
+              <a:ext uri="{FF2B5EF4-FFF2-40B4-BE49-F238E27FC236}">
+                <a16:creationId xmlns:a16="http://schemas.microsoft.com/office/drawing/2014/main" id="{FCD0AB10-E908-4736-9959-DBBE305DCF97}"/>
+              </a:ext>
+            </a:extLst>
+          </p:cNvPr>
+          <p:cNvSpPr>
+            <a:spLocks noGrp="1"/>
+          </p:cNvSpPr>
+          <p:nvPr>
+            <p:ph type="sldNum" sz="quarter" idx="12"/>
+          </p:nvPr>
+        </p:nvSpPr>
+        <p:spPr/>
+        <p:txBody>
+          <a:bodyPr/>
+          <a:lstStyle/>
+          <a:p>
+            <a:fld id="{6D22F896-40B5-4ADD-8801-0D06FADFA095}" type="slidenum">
+              <a:rPr lang="en-US" smtClean="0"/>
+              <a:t>16</a:t>
+            </a:fld>
+            <a:endParaRPr lang="en-US" dirty="0"/>
+          </a:p>
+        </p:txBody>
+      </p:sp>
+      <p:pic>
+        <p:nvPicPr>
+          <p:cNvPr id="6" name="Picture 5">
+            <a:extLst>
+              <a:ext uri="{FF2B5EF4-FFF2-40B4-BE49-F238E27FC236}">
+                <a16:creationId xmlns:a16="http://schemas.microsoft.com/office/drawing/2014/main" id="{8387993A-6B95-4405-B8CA-D57043107E9C}"/>
+              </a:ext>
+            </a:extLst>
+          </p:cNvPr>
+          <p:cNvPicPr>
+            <a:picLocks noChangeAspect="1"/>
+          </p:cNvPicPr>
+          <p:nvPr/>
+        </p:nvPicPr>
+        <p:blipFill rotWithShape="1">
+          <a:blip r:embed="rId2"/>
+          <a:srcRect t="27314"/>
+          <a:stretch/>
+        </p:blipFill>
+        <p:spPr>
+          <a:xfrm>
+            <a:off x="5224471" y="2144479"/>
+            <a:ext cx="3584511" cy="1954094"/>
+          </a:xfrm>
+          <a:prstGeom prst="rect">
+            <a:avLst/>
+          </a:prstGeom>
+        </p:spPr>
+      </p:pic>
+    </p:spTree>
+    <p:extLst>
+      <p:ext uri="{BB962C8B-B14F-4D97-AF65-F5344CB8AC3E}">
+        <p14:creationId xmlns:p14="http://schemas.microsoft.com/office/powerpoint/2010/main" val="3503986373"/>
+      </p:ext>
+    </p:extLst>
+  </p:cSld>
+  <p:clrMapOvr>
+    <a:masterClrMapping/>
+  </p:clrMapOvr>
+</p:sld>
+</file>
+
+<file path=ppt/slides/slide17.xml><?xml version="1.0" encoding="utf-8"?>
+<p:sld xmlns:a="http://schemas.openxmlformats.org/drawingml/2006/main" xmlns:r="http://schemas.openxmlformats.org/officeDocument/2006/relationships" xmlns:p="http://schemas.openxmlformats.org/presentationml/2006/main">
+  <p:cSld>
+    <p:spTree>
+      <p:nvGrpSpPr>
+        <p:cNvPr id="1" name=""/>
+        <p:cNvGrpSpPr/>
+        <p:nvPr/>
+      </p:nvGrpSpPr>
+      <p:grpSpPr>
+        <a:xfrm>
+          <a:off x="0" y="0"/>
+          <a:ext cx="0" cy="0"/>
+          <a:chOff x="0" y="0"/>
+          <a:chExt cx="0" cy="0"/>
+        </a:xfrm>
+      </p:grpSpPr>
+      <p:sp>
+        <p:nvSpPr>
           <p:cNvPr id="2" name="Title 1"/>
           <p:cNvSpPr>
             <a:spLocks noGrp="1"/>
@@ -7116,7 +7564,7 @@
           <a:p>
             <a:r>
               <a:rPr lang="en-US"/>
-              <a:t>© 2018, FLL Tutorials (Last Edit 6/11/2018)</a:t>
+              <a:t>© 2023, FLLTutorials.com (Last Edit 5/29/2023)</a:t>
             </a:r>
             <a:endParaRPr lang="en-US" dirty="0"/>
           </a:p>
@@ -7139,7 +7587,7 @@
           <a:p>
             <a:fld id="{6D22F896-40B5-4ADD-8801-0D06FADFA095}" type="slidenum">
               <a:rPr lang="en-US" smtClean="0"/>
-              <a:t>16</a:t>
+              <a:t>17</a:t>
             </a:fld>
             <a:endParaRPr lang="en-US" dirty="0"/>
           </a:p>
@@ -7221,7 +7669,7 @@
           <a:p>
             <a:r>
               <a:rPr lang="en-US" dirty="0"/>
-              <a:t>About Us</a:t>
+              <a:t>NOTE</a:t>
             </a:r>
           </a:p>
         </p:txBody>
@@ -7239,7 +7687,7 @@
         <p:spPr>
           <a:xfrm>
             <a:off x="265243" y="1499938"/>
-            <a:ext cx="4331451" cy="4478554"/>
+            <a:ext cx="8426936" cy="4478554"/>
           </a:xfrm>
         </p:spPr>
         <p:txBody>
@@ -7257,69 +7705,7 @@
             </a:pPr>
             <a:r>
               <a:rPr lang="en-US" sz="1600" dirty="0"/>
-              <a:t> Middle school team from Garrett County, Maryland</a:t>
-            </a:r>
-          </a:p>
-          <a:p>
-            <a:pPr>
-              <a:lnSpc>
-                <a:spcPct val="150000"/>
-              </a:lnSpc>
-              <a:buFont typeface="Wingdings" panose="05000000000000000000" pitchFamily="2" charset="2"/>
-              <a:buChar char="§"/>
-            </a:pPr>
-            <a:r>
-              <a:rPr lang="en-US" sz="1600" dirty="0"/>
-              <a:t> 13 years in FIRST LEGO League (including competing in International Tournaments)</a:t>
-            </a:r>
-          </a:p>
-          <a:p>
-            <a:pPr>
-              <a:lnSpc>
-                <a:spcPct val="150000"/>
-              </a:lnSpc>
-              <a:buFont typeface="Wingdings" panose="05000000000000000000" pitchFamily="2" charset="2"/>
-              <a:buChar char="§"/>
-            </a:pPr>
-            <a:r>
-              <a:rPr lang="en-US" sz="1600" dirty="0"/>
-              <a:t> First place 2013 Global Innovation Award for the Gramma </a:t>
-            </a:r>
-            <a:r>
-              <a:rPr lang="en-US" sz="1600" dirty="0" err="1"/>
-              <a:t>Jamma</a:t>
-            </a:r>
-            <a:endParaRPr lang="en-US" sz="1600" dirty="0"/>
-          </a:p>
-          <a:p>
-            <a:pPr>
-              <a:lnSpc>
-                <a:spcPct val="150000"/>
-              </a:lnSpc>
-              <a:buFont typeface="Wingdings" panose="05000000000000000000" pitchFamily="2" charset="2"/>
-              <a:buChar char="§"/>
-            </a:pPr>
-            <a:r>
-              <a:rPr lang="en-US" sz="1600" dirty="0"/>
-              <a:t> Top 20 GIA Semi-Finalist in 2017 for innovative solution, </a:t>
-            </a:r>
-            <a:r>
-              <a:rPr lang="en-US" sz="1600" dirty="0" err="1"/>
-              <a:t>BeeHaven</a:t>
-            </a:r>
-            <a:endParaRPr lang="en-US" sz="1600" dirty="0"/>
-          </a:p>
-          <a:p>
-            <a:pPr>
-              <a:lnSpc>
-                <a:spcPct val="150000"/>
-              </a:lnSpc>
-              <a:buFont typeface="Wingdings" panose="05000000000000000000" pitchFamily="2" charset="2"/>
-              <a:buChar char="§"/>
-            </a:pPr>
-            <a:r>
-              <a:rPr lang="en-US" sz="1600" dirty="0"/>
-              <a:t> First Place Innovative Solution at Mountain State Invitational in 2017</a:t>
+              <a:t>Global Innovation Award ended after the 2022 season.</a:t>
             </a:r>
           </a:p>
         </p:txBody>
@@ -7341,7 +7727,7 @@
           <a:p>
             <a:r>
               <a:rPr lang="en-US"/>
-              <a:t>© 2018, FLL Tutorials (Last Edit 6/11/2018)</a:t>
+              <a:t>© 2023, FLLTutorials.com (Last Edit 5/29/2023)</a:t>
             </a:r>
             <a:endParaRPr lang="en-US" dirty="0"/>
           </a:p>
@@ -7370,62 +7756,10 @@
           </a:p>
         </p:txBody>
       </p:sp>
-      <p:pic>
-        <p:nvPicPr>
-          <p:cNvPr id="10" name="Picture 9">
-            <a:extLst>
-              <a:ext uri="{FF2B5EF4-FFF2-40B4-BE49-F238E27FC236}">
-                <a16:creationId xmlns:a16="http://schemas.microsoft.com/office/drawing/2014/main" id="{ACD91645-228F-4215-BAD4-320E2B349257}"/>
-              </a:ext>
-            </a:extLst>
-          </p:cNvPr>
-          <p:cNvPicPr>
-            <a:picLocks noChangeAspect="1"/>
-          </p:cNvPicPr>
-          <p:nvPr/>
-        </p:nvPicPr>
-        <p:blipFill rotWithShape="1">
-          <a:blip r:embed="rId2"/>
-          <a:srcRect l="10786" t="10395" r="4615" b="33732"/>
-          <a:stretch/>
-        </p:blipFill>
-        <p:spPr>
-          <a:xfrm>
-            <a:off x="4564054" y="4403049"/>
-            <a:ext cx="4305567" cy="1600630"/>
-          </a:xfrm>
-          <a:prstGeom prst="rect">
-            <a:avLst/>
-          </a:prstGeom>
-        </p:spPr>
-      </p:pic>
-      <p:pic>
-        <p:nvPicPr>
-          <p:cNvPr id="8" name="Picture 7"/>
-          <p:cNvPicPr>
-            <a:picLocks noChangeAspect="1"/>
-          </p:cNvPicPr>
-          <p:nvPr/>
-        </p:nvPicPr>
-        <p:blipFill rotWithShape="1">
-          <a:blip r:embed="rId3"/>
-          <a:srcRect t="14009" b="1537"/>
-          <a:stretch/>
-        </p:blipFill>
-        <p:spPr>
-          <a:xfrm>
-            <a:off x="4564054" y="1654636"/>
-            <a:ext cx="4347343" cy="2539455"/>
-          </a:xfrm>
-          <a:prstGeom prst="rect">
-            <a:avLst/>
-          </a:prstGeom>
-        </p:spPr>
-      </p:pic>
     </p:spTree>
     <p:extLst>
       <p:ext uri="{BB962C8B-B14F-4D97-AF65-F5344CB8AC3E}">
-        <p14:creationId xmlns:p14="http://schemas.microsoft.com/office/powerpoint/2010/main" val="2124776375"/>
+        <p14:creationId xmlns:p14="http://schemas.microsoft.com/office/powerpoint/2010/main" val="2478175119"/>
       </p:ext>
     </p:extLst>
   </p:cSld>
@@ -7454,6 +7788,254 @@
       </p:grpSpPr>
       <p:sp>
         <p:nvSpPr>
+          <p:cNvPr id="2" name="Title 1"/>
+          <p:cNvSpPr>
+            <a:spLocks noGrp="1"/>
+          </p:cNvSpPr>
+          <p:nvPr>
+            <p:ph type="title"/>
+          </p:nvPr>
+        </p:nvSpPr>
+        <p:spPr/>
+        <p:txBody>
+          <a:bodyPr/>
+          <a:lstStyle/>
+          <a:p>
+            <a:r>
+              <a:rPr lang="en-US" dirty="0"/>
+              <a:t>About THE AUTHORS</a:t>
+            </a:r>
+          </a:p>
+        </p:txBody>
+      </p:sp>
+      <p:sp>
+        <p:nvSpPr>
+          <p:cNvPr id="3" name="Content Placeholder 2"/>
+          <p:cNvSpPr>
+            <a:spLocks noGrp="1"/>
+          </p:cNvSpPr>
+          <p:nvPr>
+            <p:ph idx="1"/>
+          </p:nvPr>
+        </p:nvSpPr>
+        <p:spPr>
+          <a:xfrm>
+            <a:off x="265243" y="1499938"/>
+            <a:ext cx="4331451" cy="4478554"/>
+          </a:xfrm>
+        </p:spPr>
+        <p:txBody>
+          <a:bodyPr>
+            <a:noAutofit/>
+          </a:bodyPr>
+          <a:lstStyle/>
+          <a:p>
+            <a:pPr>
+              <a:lnSpc>
+                <a:spcPct val="150000"/>
+              </a:lnSpc>
+              <a:buFont typeface="Wingdings" panose="05000000000000000000" pitchFamily="2" charset="2"/>
+              <a:buChar char="§"/>
+            </a:pPr>
+            <a:r>
+              <a:rPr lang="en-US" sz="1600" dirty="0"/>
+              <a:t> Middle school team from Garrett County, Maryland</a:t>
+            </a:r>
+          </a:p>
+          <a:p>
+            <a:pPr>
+              <a:lnSpc>
+                <a:spcPct val="150000"/>
+              </a:lnSpc>
+              <a:buFont typeface="Wingdings" panose="05000000000000000000" pitchFamily="2" charset="2"/>
+              <a:buChar char="§"/>
+            </a:pPr>
+            <a:r>
+              <a:rPr lang="en-US" sz="1600" dirty="0"/>
+              <a:t> 13 years in FIRST LEGO League (including competing in International Tournaments)</a:t>
+            </a:r>
+          </a:p>
+          <a:p>
+            <a:pPr>
+              <a:lnSpc>
+                <a:spcPct val="150000"/>
+              </a:lnSpc>
+              <a:buFont typeface="Wingdings" panose="05000000000000000000" pitchFamily="2" charset="2"/>
+              <a:buChar char="§"/>
+            </a:pPr>
+            <a:r>
+              <a:rPr lang="en-US" sz="1600" dirty="0"/>
+              <a:t> First place 2013 Global Innovation Award for the Gramma </a:t>
+            </a:r>
+            <a:r>
+              <a:rPr lang="en-US" sz="1600" dirty="0" err="1"/>
+              <a:t>Jamma</a:t>
+            </a:r>
+            <a:endParaRPr lang="en-US" sz="1600" dirty="0"/>
+          </a:p>
+          <a:p>
+            <a:pPr>
+              <a:lnSpc>
+                <a:spcPct val="150000"/>
+              </a:lnSpc>
+              <a:buFont typeface="Wingdings" panose="05000000000000000000" pitchFamily="2" charset="2"/>
+              <a:buChar char="§"/>
+            </a:pPr>
+            <a:r>
+              <a:rPr lang="en-US" sz="1600" dirty="0"/>
+              <a:t> Top 20 GIA Semi-Finalist in 2017 for innovative solution, </a:t>
+            </a:r>
+            <a:r>
+              <a:rPr lang="en-US" sz="1600" dirty="0" err="1"/>
+              <a:t>BeeHaven</a:t>
+            </a:r>
+            <a:endParaRPr lang="en-US" sz="1600" dirty="0"/>
+          </a:p>
+          <a:p>
+            <a:pPr>
+              <a:lnSpc>
+                <a:spcPct val="150000"/>
+              </a:lnSpc>
+              <a:buFont typeface="Wingdings" panose="05000000000000000000" pitchFamily="2" charset="2"/>
+              <a:buChar char="§"/>
+            </a:pPr>
+            <a:r>
+              <a:rPr lang="en-US" sz="1600" dirty="0"/>
+              <a:t> First Place Innovative Solution at Mountain State Invitational in 2017</a:t>
+            </a:r>
+          </a:p>
+        </p:txBody>
+      </p:sp>
+      <p:sp>
+        <p:nvSpPr>
+          <p:cNvPr id="4" name="Footer Placeholder 3"/>
+          <p:cNvSpPr>
+            <a:spLocks noGrp="1"/>
+          </p:cNvSpPr>
+          <p:nvPr>
+            <p:ph type="ftr" sz="quarter" idx="11"/>
+          </p:nvPr>
+        </p:nvSpPr>
+        <p:spPr/>
+        <p:txBody>
+          <a:bodyPr/>
+          <a:lstStyle/>
+          <a:p>
+            <a:r>
+              <a:rPr lang="en-US"/>
+              <a:t>© 2023, FLLTutorials.com (Last Edit 5/29/2023)</a:t>
+            </a:r>
+            <a:endParaRPr lang="en-US" dirty="0"/>
+          </a:p>
+        </p:txBody>
+      </p:sp>
+      <p:sp>
+        <p:nvSpPr>
+          <p:cNvPr id="5" name="Slide Number Placeholder 4"/>
+          <p:cNvSpPr>
+            <a:spLocks noGrp="1"/>
+          </p:cNvSpPr>
+          <p:nvPr>
+            <p:ph type="sldNum" sz="quarter" idx="12"/>
+          </p:nvPr>
+        </p:nvSpPr>
+        <p:spPr/>
+        <p:txBody>
+          <a:bodyPr/>
+          <a:lstStyle/>
+          <a:p>
+            <a:fld id="{6D22F896-40B5-4ADD-8801-0D06FADFA095}" type="slidenum">
+              <a:rPr lang="en-US" smtClean="0"/>
+              <a:t>3</a:t>
+            </a:fld>
+            <a:endParaRPr lang="en-US" dirty="0"/>
+          </a:p>
+        </p:txBody>
+      </p:sp>
+      <p:pic>
+        <p:nvPicPr>
+          <p:cNvPr id="10" name="Picture 9">
+            <a:extLst>
+              <a:ext uri="{FF2B5EF4-FFF2-40B4-BE49-F238E27FC236}">
+                <a16:creationId xmlns:a16="http://schemas.microsoft.com/office/drawing/2014/main" id="{ACD91645-228F-4215-BAD4-320E2B349257}"/>
+              </a:ext>
+            </a:extLst>
+          </p:cNvPr>
+          <p:cNvPicPr>
+            <a:picLocks noChangeAspect="1"/>
+          </p:cNvPicPr>
+          <p:nvPr/>
+        </p:nvPicPr>
+        <p:blipFill rotWithShape="1">
+          <a:blip r:embed="rId2"/>
+          <a:srcRect l="10786" t="10395" r="4615" b="33732"/>
+          <a:stretch/>
+        </p:blipFill>
+        <p:spPr>
+          <a:xfrm>
+            <a:off x="4564054" y="4403049"/>
+            <a:ext cx="4305567" cy="1600630"/>
+          </a:xfrm>
+          <a:prstGeom prst="rect">
+            <a:avLst/>
+          </a:prstGeom>
+        </p:spPr>
+      </p:pic>
+      <p:pic>
+        <p:nvPicPr>
+          <p:cNvPr id="8" name="Picture 7"/>
+          <p:cNvPicPr>
+            <a:picLocks noChangeAspect="1"/>
+          </p:cNvPicPr>
+          <p:nvPr/>
+        </p:nvPicPr>
+        <p:blipFill rotWithShape="1">
+          <a:blip r:embed="rId3"/>
+          <a:srcRect t="14009" b="1537"/>
+          <a:stretch/>
+        </p:blipFill>
+        <p:spPr>
+          <a:xfrm>
+            <a:off x="4564054" y="1654636"/>
+            <a:ext cx="4347343" cy="2539455"/>
+          </a:xfrm>
+          <a:prstGeom prst="rect">
+            <a:avLst/>
+          </a:prstGeom>
+        </p:spPr>
+      </p:pic>
+    </p:spTree>
+    <p:extLst>
+      <p:ext uri="{BB962C8B-B14F-4D97-AF65-F5344CB8AC3E}">
+        <p14:creationId xmlns:p14="http://schemas.microsoft.com/office/powerpoint/2010/main" val="2124776375"/>
+      </p:ext>
+    </p:extLst>
+  </p:cSld>
+  <p:clrMapOvr>
+    <a:masterClrMapping/>
+  </p:clrMapOvr>
+</p:sld>
+</file>
+
+<file path=ppt/slides/slide4.xml><?xml version="1.0" encoding="utf-8"?>
+<p:sld xmlns:a="http://schemas.openxmlformats.org/drawingml/2006/main" xmlns:r="http://schemas.openxmlformats.org/officeDocument/2006/relationships" xmlns:p="http://schemas.openxmlformats.org/presentationml/2006/main">
+  <p:cSld>
+    <p:spTree>
+      <p:nvGrpSpPr>
+        <p:cNvPr id="1" name=""/>
+        <p:cNvGrpSpPr/>
+        <p:nvPr/>
+      </p:nvGrpSpPr>
+      <p:grpSpPr>
+        <a:xfrm>
+          <a:off x="0" y="0"/>
+          <a:ext cx="0" cy="0"/>
+          <a:chOff x="0" y="0"/>
+          <a:chExt cx="0" cy="0"/>
+        </a:xfrm>
+      </p:grpSpPr>
+      <p:sp>
+        <p:nvSpPr>
           <p:cNvPr id="6" name="Rectangle 5"/>
           <p:cNvSpPr/>
           <p:nvPr/>
@@ -7642,7 +8224,7 @@
           <a:p>
             <a:r>
               <a:rPr lang="en-US"/>
-              <a:t>© 2018, FLL Tutorials (Last Edit 6/11/2018)</a:t>
+              <a:t>© 2023, FLLTutorials.com (Last Edit 5/29/2023)</a:t>
             </a:r>
             <a:endParaRPr lang="en-US" dirty="0"/>
           </a:p>
@@ -7671,7 +8253,7 @@
           <a:p>
             <a:fld id="{6D22F896-40B5-4ADD-8801-0D06FADFA095}" type="slidenum">
               <a:rPr lang="en-US" smtClean="0"/>
-              <a:t>3</a:t>
+              <a:t>4</a:t>
             </a:fld>
             <a:endParaRPr lang="en-US" dirty="0"/>
           </a:p>
@@ -8560,7 +9142,7 @@
 </p:sld>
 </file>
 
-<file path=ppt/slides/slide4.xml><?xml version="1.0" encoding="utf-8"?>
+<file path=ppt/slides/slide5.xml><?xml version="1.0" encoding="utf-8"?>
 <p:sld xmlns:a="http://schemas.openxmlformats.org/drawingml/2006/main" xmlns:r="http://schemas.openxmlformats.org/officeDocument/2006/relationships" xmlns:p="http://schemas.openxmlformats.org/presentationml/2006/main">
   <p:cSld>
     <p:spTree>
@@ -8725,7 +9307,7 @@
           <a:p>
             <a:r>
               <a:rPr lang="en-US"/>
-              <a:t>© 2018, FLL Tutorials (Last Edit 6/11/2018)</a:t>
+              <a:t>© 2023, FLLTutorials.com (Last Edit 5/29/2023)</a:t>
             </a:r>
             <a:endParaRPr lang="en-US" dirty="0"/>
           </a:p>
@@ -8754,7 +9336,7 @@
           <a:p>
             <a:fld id="{6D22F896-40B5-4ADD-8801-0D06FADFA095}" type="slidenum">
               <a:rPr lang="en-US" smtClean="0"/>
-              <a:t>4</a:t>
+              <a:t>5</a:t>
             </a:fld>
             <a:endParaRPr lang="en-US" dirty="0"/>
           </a:p>
@@ -8842,289 +9424,6 @@
     <p:extLst>
       <p:ext uri="{BB962C8B-B14F-4D97-AF65-F5344CB8AC3E}">
         <p14:creationId xmlns:p14="http://schemas.microsoft.com/office/powerpoint/2010/main" val="2618956950"/>
-      </p:ext>
-    </p:extLst>
-  </p:cSld>
-  <p:clrMapOvr>
-    <a:masterClrMapping/>
-  </p:clrMapOvr>
-</p:sld>
-</file>
-
-<file path=ppt/slides/slide5.xml><?xml version="1.0" encoding="utf-8"?>
-<p:sld xmlns:a="http://schemas.openxmlformats.org/drawingml/2006/main" xmlns:r="http://schemas.openxmlformats.org/officeDocument/2006/relationships" xmlns:p="http://schemas.openxmlformats.org/presentationml/2006/main">
-  <p:cSld>
-    <p:spTree>
-      <p:nvGrpSpPr>
-        <p:cNvPr id="1" name=""/>
-        <p:cNvGrpSpPr/>
-        <p:nvPr/>
-      </p:nvGrpSpPr>
-      <p:grpSpPr>
-        <a:xfrm>
-          <a:off x="0" y="0"/>
-          <a:ext cx="0" cy="0"/>
-          <a:chOff x="0" y="0"/>
-          <a:chExt cx="0" cy="0"/>
-        </a:xfrm>
-      </p:grpSpPr>
-      <p:sp>
-        <p:nvSpPr>
-          <p:cNvPr id="2" name="Title 1">
-            <a:extLst>
-              <a:ext uri="{FF2B5EF4-FFF2-40B4-BE49-F238E27FC236}">
-                <a16:creationId xmlns:a16="http://schemas.microsoft.com/office/drawing/2014/main" id="{3C181E88-7B23-4FC8-A7B0-3CAD3162D50E}"/>
-              </a:ext>
-            </a:extLst>
-          </p:cNvPr>
-          <p:cNvSpPr>
-            <a:spLocks noGrp="1"/>
-          </p:cNvSpPr>
-          <p:nvPr>
-            <p:ph type="title"/>
-          </p:nvPr>
-        </p:nvSpPr>
-        <p:spPr/>
-        <p:txBody>
-          <a:bodyPr/>
-          <a:lstStyle/>
-          <a:p>
-            <a:r>
-              <a:rPr lang="en-US" dirty="0"/>
-              <a:t>Innovation Section</a:t>
-            </a:r>
-          </a:p>
-        </p:txBody>
-      </p:sp>
-      <p:sp>
-        <p:nvSpPr>
-          <p:cNvPr id="3" name="Content Placeholder 2">
-            <a:extLst>
-              <a:ext uri="{FF2B5EF4-FFF2-40B4-BE49-F238E27FC236}">
-                <a16:creationId xmlns:a16="http://schemas.microsoft.com/office/drawing/2014/main" id="{EBB15F7E-092D-492D-B2D1-A9EB142B070E}"/>
-              </a:ext>
-            </a:extLst>
-          </p:cNvPr>
-          <p:cNvSpPr>
-            <a:spLocks noGrp="1"/>
-          </p:cNvSpPr>
-          <p:nvPr>
-            <p:ph idx="1"/>
-          </p:nvPr>
-        </p:nvSpPr>
-        <p:spPr>
-          <a:xfrm>
-            <a:off x="441764" y="1590626"/>
-            <a:ext cx="5447861" cy="4023360"/>
-          </a:xfrm>
-        </p:spPr>
-        <p:txBody>
-          <a:bodyPr>
-            <a:normAutofit fontScale="85000" lnSpcReduction="20000"/>
-          </a:bodyPr>
-          <a:lstStyle/>
-          <a:p>
-            <a:pPr marL="0" indent="0">
-              <a:lnSpc>
-                <a:spcPct val="150000"/>
-              </a:lnSpc>
-              <a:buNone/>
-            </a:pPr>
-            <a:r>
-              <a:rPr lang="en-US" sz="1600" dirty="0"/>
-              <a:t>The team has 500 words to explain how their solution solved the problem in a new way and/or improved on existing solutions in a meaningful way. </a:t>
-            </a:r>
-          </a:p>
-          <a:p>
-            <a:pPr lvl="1">
-              <a:lnSpc>
-                <a:spcPct val="150000"/>
-              </a:lnSpc>
-              <a:buFont typeface="Wingdings" panose="05000000000000000000" pitchFamily="2" charset="2"/>
-              <a:buChar char="§"/>
-            </a:pPr>
-            <a:r>
-              <a:rPr lang="en-US" sz="1400" dirty="0"/>
-              <a:t>Include existing solutions and why they don’t work, why the team’s solution works, what makes their solution work, what makes their solution innovative, and who benefits from their solution.</a:t>
-            </a:r>
-          </a:p>
-          <a:p>
-            <a:pPr lvl="1">
-              <a:lnSpc>
-                <a:spcPct val="150000"/>
-              </a:lnSpc>
-              <a:buFont typeface="Wingdings" panose="05000000000000000000" pitchFamily="2" charset="2"/>
-              <a:buChar char="§"/>
-            </a:pPr>
-            <a:r>
-              <a:rPr lang="en-US" sz="1400" dirty="0"/>
-              <a:t>This is where listing at least three innovative features of their solution helps. By innovative features, we mean what makes the team’s solution </a:t>
-            </a:r>
-            <a:r>
-              <a:rPr lang="en-US" sz="1400" b="1" dirty="0"/>
-              <a:t>their</a:t>
-            </a:r>
-            <a:r>
-              <a:rPr lang="en-US" sz="1400" dirty="0"/>
-              <a:t> solution? How is it different from any of the other existing solutions?</a:t>
-            </a:r>
-          </a:p>
-          <a:p>
-            <a:pPr lvl="1">
-              <a:lnSpc>
-                <a:spcPct val="150000"/>
-              </a:lnSpc>
-              <a:buFont typeface="Wingdings" panose="05000000000000000000" pitchFamily="2" charset="2"/>
-              <a:buChar char="§"/>
-            </a:pPr>
-            <a:r>
-              <a:rPr lang="en-US" sz="1400" dirty="0"/>
-              <a:t>Once the team has their innovative features listed, use those as the frame of the description. Then, the team can break it up into multiple paragraphs. We also recommend using the scientific method. Include the hypothesis which uses if and then statements.</a:t>
-            </a:r>
-          </a:p>
-        </p:txBody>
-      </p:sp>
-      <p:sp>
-        <p:nvSpPr>
-          <p:cNvPr id="4" name="Footer Placeholder 3">
-            <a:extLst>
-              <a:ext uri="{FF2B5EF4-FFF2-40B4-BE49-F238E27FC236}">
-                <a16:creationId xmlns:a16="http://schemas.microsoft.com/office/drawing/2014/main" id="{BE77AF2C-2719-4731-9A72-21CD87F1DDDD}"/>
-              </a:ext>
-            </a:extLst>
-          </p:cNvPr>
-          <p:cNvSpPr>
-            <a:spLocks noGrp="1"/>
-          </p:cNvSpPr>
-          <p:nvPr>
-            <p:ph type="ftr" sz="quarter" idx="11"/>
-          </p:nvPr>
-        </p:nvSpPr>
-        <p:spPr/>
-        <p:txBody>
-          <a:bodyPr/>
-          <a:lstStyle/>
-          <a:p>
-            <a:r>
-              <a:rPr lang="en-US"/>
-              <a:t>© 2018, FLL Tutorials (Last Edit 6/11/2018)</a:t>
-            </a:r>
-            <a:endParaRPr lang="en-US" dirty="0"/>
-          </a:p>
-        </p:txBody>
-      </p:sp>
-      <p:sp>
-        <p:nvSpPr>
-          <p:cNvPr id="5" name="Slide Number Placeholder 4">
-            <a:extLst>
-              <a:ext uri="{FF2B5EF4-FFF2-40B4-BE49-F238E27FC236}">
-                <a16:creationId xmlns:a16="http://schemas.microsoft.com/office/drawing/2014/main" id="{24402251-AD9B-4990-87EF-B9E54D6FA28C}"/>
-              </a:ext>
-            </a:extLst>
-          </p:cNvPr>
-          <p:cNvSpPr>
-            <a:spLocks noGrp="1"/>
-          </p:cNvSpPr>
-          <p:nvPr>
-            <p:ph type="sldNum" sz="quarter" idx="12"/>
-          </p:nvPr>
-        </p:nvSpPr>
-        <p:spPr/>
-        <p:txBody>
-          <a:bodyPr/>
-          <a:lstStyle/>
-          <a:p>
-            <a:fld id="{6D22F896-40B5-4ADD-8801-0D06FADFA095}" type="slidenum">
-              <a:rPr lang="en-US" smtClean="0"/>
-              <a:t>5</a:t>
-            </a:fld>
-            <a:endParaRPr lang="en-US" dirty="0"/>
-          </a:p>
-        </p:txBody>
-      </p:sp>
-      <p:sp>
-        <p:nvSpPr>
-          <p:cNvPr id="6" name="Rectangle 5"/>
-          <p:cNvSpPr/>
-          <p:nvPr/>
-        </p:nvSpPr>
-        <p:spPr>
-          <a:xfrm>
-            <a:off x="7049733" y="5613986"/>
-            <a:ext cx="2002420" cy="590309"/>
-          </a:xfrm>
-          <a:prstGeom prst="rect">
-            <a:avLst/>
-          </a:prstGeom>
-          <a:solidFill>
-            <a:srgbClr val="24CF39"/>
-          </a:solidFill>
-          <a:ln>
-            <a:noFill/>
-          </a:ln>
-        </p:spPr>
-        <p:style>
-          <a:lnRef idx="2">
-            <a:schemeClr val="accent1">
-              <a:shade val="50000"/>
-            </a:schemeClr>
-          </a:lnRef>
-          <a:fillRef idx="1">
-            <a:schemeClr val="accent1"/>
-          </a:fillRef>
-          <a:effectRef idx="0">
-            <a:schemeClr val="accent1"/>
-          </a:effectRef>
-          <a:fontRef idx="minor">
-            <a:schemeClr val="lt1"/>
-          </a:fontRef>
-        </p:style>
-        <p:txBody>
-          <a:bodyPr rtlCol="0" anchor="ctr"/>
-          <a:lstStyle/>
-          <a:p>
-            <a:pPr algn="ctr"/>
-            <a:r>
-              <a:rPr lang="en-US" dirty="0"/>
-              <a:t>Innovation</a:t>
-            </a:r>
-          </a:p>
-        </p:txBody>
-      </p:sp>
-      <p:pic>
-        <p:nvPicPr>
-          <p:cNvPr id="7" name="Picture 6" descr="A group of people around each other&#10;&#10;Description generated with very high confidence">
-            <a:extLst>
-              <a:ext uri="{FF2B5EF4-FFF2-40B4-BE49-F238E27FC236}">
-                <a16:creationId xmlns:a16="http://schemas.microsoft.com/office/drawing/2014/main" id="{078E0B64-EF0B-4C54-AA58-EEB224951F21}"/>
-              </a:ext>
-            </a:extLst>
-          </p:cNvPr>
-          <p:cNvPicPr>
-            <a:picLocks noChangeAspect="1"/>
-          </p:cNvPicPr>
-          <p:nvPr/>
-        </p:nvPicPr>
-        <p:blipFill>
-          <a:blip r:embed="rId2"/>
-          <a:stretch>
-            <a:fillRect/>
-          </a:stretch>
-        </p:blipFill>
-        <p:spPr>
-          <a:xfrm>
-            <a:off x="5820753" y="1988170"/>
-            <a:ext cx="2950745" cy="2213059"/>
-          </a:xfrm>
-          <a:prstGeom prst="rect">
-            <a:avLst/>
-          </a:prstGeom>
-        </p:spPr>
-      </p:pic>
-    </p:spTree>
-    <p:extLst>
-      <p:ext uri="{BB962C8B-B14F-4D97-AF65-F5344CB8AC3E}">
-        <p14:creationId xmlns:p14="http://schemas.microsoft.com/office/powerpoint/2010/main" val="3698508949"/>
       </p:ext>
     </p:extLst>
   </p:cSld>
@@ -9156,7 +9455,7 @@
           <p:cNvPr id="2" name="Title 1">
             <a:extLst>
               <a:ext uri="{FF2B5EF4-FFF2-40B4-BE49-F238E27FC236}">
-                <a16:creationId xmlns:a16="http://schemas.microsoft.com/office/drawing/2014/main" id="{DBCEBA50-942E-4DB1-B324-946FB1E82D43}"/>
+                <a16:creationId xmlns:a16="http://schemas.microsoft.com/office/drawing/2014/main" id="{3C181E88-7B23-4FC8-A7B0-3CAD3162D50E}"/>
               </a:ext>
             </a:extLst>
           </p:cNvPr>
@@ -9174,7 +9473,7 @@
           <a:p>
             <a:r>
               <a:rPr lang="en-US" dirty="0"/>
-              <a:t>Solution Development Section</a:t>
+              <a:t>Innovation Section</a:t>
             </a:r>
           </a:p>
         </p:txBody>
@@ -9184,7 +9483,7 @@
           <p:cNvPr id="3" name="Content Placeholder 2">
             <a:extLst>
               <a:ext uri="{FF2B5EF4-FFF2-40B4-BE49-F238E27FC236}">
-                <a16:creationId xmlns:a16="http://schemas.microsoft.com/office/drawing/2014/main" id="{98231205-1800-4B1A-884F-6E40D9C14D5C}"/>
+                <a16:creationId xmlns:a16="http://schemas.microsoft.com/office/drawing/2014/main" id="{EBB15F7E-092D-492D-B2D1-A9EB142B070E}"/>
               </a:ext>
             </a:extLst>
           </p:cNvPr>
@@ -9197,113 +9496,73 @@
         </p:nvSpPr>
         <p:spPr>
           <a:xfrm>
-            <a:off x="428263" y="1448100"/>
-            <a:ext cx="8379147" cy="4722425"/>
+            <a:off x="441764" y="1590626"/>
+            <a:ext cx="5447861" cy="4023360"/>
           </a:xfrm>
         </p:spPr>
         <p:txBody>
           <a:bodyPr>
-            <a:normAutofit/>
+            <a:normAutofit fontScale="85000" lnSpcReduction="20000"/>
           </a:bodyPr>
           <a:lstStyle/>
           <a:p>
-            <a:pPr>
+            <a:pPr marL="0" indent="0">
               <a:lnSpc>
                 <a:spcPct val="150000"/>
               </a:lnSpc>
+              <a:buNone/>
             </a:pPr>
             <a:r>
-              <a:rPr lang="en-US" sz="1400" dirty="0"/>
-              <a:t>The team has 500 words maximum to describe how they developed their solution, the steps they followed to narrow, evaluate, and verify their solution; and how they improved their solution after receiving feedback from experts/professionals. This is where we really recommend using the scientific method as the frame for the description. Include the following:</a:t>
-            </a:r>
-          </a:p>
-          <a:p>
-            <a:pPr marL="521208" lvl="1" indent="-228600">
-              <a:lnSpc>
-                <a:spcPct val="150000"/>
-              </a:lnSpc>
-              <a:buFont typeface="+mj-lt"/>
-              <a:buAutoNum type="arabicPeriod"/>
-            </a:pPr>
-            <a:r>
-              <a:rPr lang="en-US" sz="1200" dirty="0"/>
-              <a:t>The problem							</a:t>
-            </a:r>
-          </a:p>
-          <a:p>
-            <a:pPr marL="521208" lvl="1" indent="-228600">
-              <a:lnSpc>
-                <a:spcPct val="150000"/>
-              </a:lnSpc>
-              <a:buFont typeface="+mj-lt"/>
-              <a:buAutoNum type="arabicPeriod"/>
-            </a:pPr>
-            <a:r>
-              <a:rPr lang="en-US" sz="1200" dirty="0"/>
-              <a:t>How the team researched the problem and existing solutions</a:t>
-            </a:r>
-          </a:p>
-          <a:p>
-            <a:pPr marL="521208" lvl="1" indent="-228600">
-              <a:lnSpc>
-                <a:spcPct val="150000"/>
-              </a:lnSpc>
-              <a:buFont typeface="+mj-lt"/>
-              <a:buAutoNum type="arabicPeriod"/>
-            </a:pPr>
-            <a:r>
-              <a:rPr lang="en-US" sz="1200" dirty="0"/>
-              <a:t>The hypothesis</a:t>
-            </a:r>
-          </a:p>
-          <a:p>
-            <a:pPr marL="521208" lvl="1" indent="-228600">
-              <a:lnSpc>
-                <a:spcPct val="150000"/>
-              </a:lnSpc>
-              <a:buFont typeface="+mj-lt"/>
-              <a:buAutoNum type="arabicPeriod"/>
-            </a:pPr>
-            <a:r>
-              <a:rPr lang="en-US" sz="1200" dirty="0"/>
-              <a:t>How the team built and modified their prototypes</a:t>
-            </a:r>
-          </a:p>
-          <a:p>
-            <a:pPr marL="521208" lvl="1" indent="-228600">
-              <a:lnSpc>
-                <a:spcPct val="150000"/>
-              </a:lnSpc>
-              <a:buFont typeface="+mj-lt"/>
-              <a:buAutoNum type="arabicPeriod"/>
-            </a:pPr>
-            <a:r>
-              <a:rPr lang="en-US" sz="1200" dirty="0"/>
-              <a:t>How the team tested their prototype(s) and hypothesis by experimenting</a:t>
-            </a:r>
-          </a:p>
-          <a:p>
-            <a:pPr marL="521208" lvl="1" indent="-228600">
-              <a:lnSpc>
-                <a:spcPct val="150000"/>
-              </a:lnSpc>
-              <a:buFont typeface="+mj-lt"/>
-              <a:buAutoNum type="arabicPeriod"/>
-            </a:pPr>
-            <a:r>
-              <a:rPr lang="en-US" sz="1200" dirty="0"/>
-              <a:t>What the team plans on doing next to improve their solution</a:t>
-            </a:r>
-          </a:p>
-          <a:p>
-            <a:pPr>
+              <a:rPr lang="en-US" sz="1600" dirty="0"/>
+              <a:t>The team has 500 words to explain how their solution solved the problem in a new way and/or improved on existing solutions in a meaningful way. </a:t>
+            </a:r>
+          </a:p>
+          <a:p>
+            <a:pPr lvl="1">
               <a:lnSpc>
                 <a:spcPct val="150000"/>
               </a:lnSpc>
               <a:buFont typeface="Wingdings" panose="05000000000000000000" pitchFamily="2" charset="2"/>
               <a:buChar char="§"/>
             </a:pPr>
-            <a:endParaRPr lang="en-US" sz="1200" dirty="0"/>
+            <a:r>
+              <a:rPr lang="en-US" sz="1400" dirty="0"/>
+              <a:t>Include existing solutions and why they don’t work, why the team’s solution works, what makes their solution work, what makes their solution innovative, and who benefits from their solution.</a:t>
+            </a:r>
+          </a:p>
+          <a:p>
+            <a:pPr lvl="1">
+              <a:lnSpc>
+                <a:spcPct val="150000"/>
+              </a:lnSpc>
+              <a:buFont typeface="Wingdings" panose="05000000000000000000" pitchFamily="2" charset="2"/>
+              <a:buChar char="§"/>
+            </a:pPr>
+            <a:r>
+              <a:rPr lang="en-US" sz="1400" dirty="0"/>
+              <a:t>This is where listing at least three innovative features of their solution helps. By innovative features, we mean what makes the team’s solution </a:t>
+            </a:r>
+            <a:r>
+              <a:rPr lang="en-US" sz="1400" b="1" dirty="0"/>
+              <a:t>their</a:t>
+            </a:r>
+            <a:r>
+              <a:rPr lang="en-US" sz="1400" dirty="0"/>
+              <a:t> solution? How is it different from any of the other existing solutions?</a:t>
+            </a:r>
+          </a:p>
+          <a:p>
+            <a:pPr lvl="1">
+              <a:lnSpc>
+                <a:spcPct val="150000"/>
+              </a:lnSpc>
+              <a:buFont typeface="Wingdings" panose="05000000000000000000" pitchFamily="2" charset="2"/>
+              <a:buChar char="§"/>
+            </a:pPr>
+            <a:r>
+              <a:rPr lang="en-US" sz="1400" dirty="0"/>
+              <a:t>Once the team has their innovative features listed, use those as the frame of the description. Then, the team can break it up into multiple paragraphs. We also recommend using the scientific method. Include the hypothesis which uses if and then statements.</a:t>
+            </a:r>
           </a:p>
         </p:txBody>
       </p:sp>
@@ -9312,7 +9571,7 @@
           <p:cNvPr id="4" name="Footer Placeholder 3">
             <a:extLst>
               <a:ext uri="{FF2B5EF4-FFF2-40B4-BE49-F238E27FC236}">
-                <a16:creationId xmlns:a16="http://schemas.microsoft.com/office/drawing/2014/main" id="{2E15989E-ECDE-45CD-B39F-7F4FD73F5425}"/>
+                <a16:creationId xmlns:a16="http://schemas.microsoft.com/office/drawing/2014/main" id="{BE77AF2C-2719-4731-9A72-21CD87F1DDDD}"/>
               </a:ext>
             </a:extLst>
           </p:cNvPr>
@@ -9330,7 +9589,7 @@
           <a:p>
             <a:r>
               <a:rPr lang="en-US"/>
-              <a:t>© 2018, FLL Tutorials (Last Edit 6/11/2018)</a:t>
+              <a:t>© 2023, FLLTutorials.com (Last Edit 5/29/2023)</a:t>
             </a:r>
             <a:endParaRPr lang="en-US" dirty="0"/>
           </a:p>
@@ -9341,7 +9600,7 @@
           <p:cNvPr id="5" name="Slide Number Placeholder 4">
             <a:extLst>
               <a:ext uri="{FF2B5EF4-FFF2-40B4-BE49-F238E27FC236}">
-                <a16:creationId xmlns:a16="http://schemas.microsoft.com/office/drawing/2014/main" id="{CCD6C2E4-F37A-4435-A7B0-41D792B4034A}"/>
+                <a16:creationId xmlns:a16="http://schemas.microsoft.com/office/drawing/2014/main" id="{24402251-AD9B-4990-87EF-B9E54D6FA28C}"/>
               </a:ext>
             </a:extLst>
           </p:cNvPr>
@@ -9365,76 +9624,15 @@
           </a:p>
         </p:txBody>
       </p:sp>
-      <p:pic>
-        <p:nvPicPr>
-          <p:cNvPr id="6" name="Picture 5"/>
-          <p:cNvPicPr>
-            <a:picLocks noChangeAspect="1"/>
-          </p:cNvPicPr>
-          <p:nvPr/>
-        </p:nvPicPr>
-        <p:blipFill>
-          <a:blip r:embed="rId2"/>
-          <a:stretch>
-            <a:fillRect/>
-          </a:stretch>
-        </p:blipFill>
-        <p:spPr>
-          <a:xfrm>
-            <a:off x="6063482" y="3104675"/>
-            <a:ext cx="2848100" cy="2136075"/>
-          </a:xfrm>
-          <a:prstGeom prst="rect">
-            <a:avLst/>
-          </a:prstGeom>
-        </p:spPr>
-      </p:pic>
-      <p:sp>
-        <p:nvSpPr>
-          <p:cNvPr id="7" name="TextBox 6"/>
-          <p:cNvSpPr txBox="1"/>
-          <p:nvPr/>
-        </p:nvSpPr>
-        <p:spPr>
-          <a:xfrm>
-            <a:off x="428263" y="5907289"/>
-            <a:ext cx="8715737" cy="400110"/>
-          </a:xfrm>
-          <a:prstGeom prst="rect">
-            <a:avLst/>
-          </a:prstGeom>
-          <a:noFill/>
-        </p:spPr>
-        <p:txBody>
-          <a:bodyPr wrap="square" rtlCol="0">
-            <a:spAutoFit/>
-          </a:bodyPr>
-          <a:lstStyle/>
-          <a:p>
-            <a:r>
-              <a:rPr lang="en-US" sz="1000" dirty="0"/>
-              <a:t>Image Credit: https://</a:t>
-            </a:r>
-            <a:r>
-              <a:rPr lang="en-US" sz="1000" dirty="0" err="1"/>
-              <a:t>garrettcountyschools.org</a:t>
-            </a:r>
-            <a:r>
-              <a:rPr lang="en-US" sz="1000" dirty="0"/>
-              <a:t>/public-information/news/2017/05/local-youth-recognized-for-innovation-as-first-lego-league-global-innovation-award-presented-by-xprize-semi-finalist</a:t>
-            </a:r>
-          </a:p>
-        </p:txBody>
-      </p:sp>
-      <p:sp>
-        <p:nvSpPr>
-          <p:cNvPr id="8" name="Rectangle 7"/>
+      <p:sp>
+        <p:nvSpPr>
+          <p:cNvPr id="6" name="Rectangle 5"/>
           <p:cNvSpPr/>
           <p:nvPr/>
         </p:nvSpPr>
         <p:spPr>
           <a:xfrm>
-            <a:off x="7018980" y="5335690"/>
+            <a:off x="7049733" y="5613986"/>
             <a:ext cx="2002420" cy="590309"/>
           </a:xfrm>
           <a:prstGeom prst="rect">
@@ -9470,15 +9668,45 @@
             <a:pPr algn="ctr"/>
             <a:r>
               <a:rPr lang="en-US" dirty="0"/>
-              <a:t>Solution Development</a:t>
-            </a:r>
-          </a:p>
-        </p:txBody>
-      </p:sp>
+              <a:t>Innovation</a:t>
+            </a:r>
+          </a:p>
+        </p:txBody>
+      </p:sp>
+      <p:pic>
+        <p:nvPicPr>
+          <p:cNvPr id="7" name="Picture 6" descr="A group of people around each other&#10;&#10;Description generated with very high confidence">
+            <a:extLst>
+              <a:ext uri="{FF2B5EF4-FFF2-40B4-BE49-F238E27FC236}">
+                <a16:creationId xmlns:a16="http://schemas.microsoft.com/office/drawing/2014/main" id="{078E0B64-EF0B-4C54-AA58-EEB224951F21}"/>
+              </a:ext>
+            </a:extLst>
+          </p:cNvPr>
+          <p:cNvPicPr>
+            <a:picLocks noChangeAspect="1"/>
+          </p:cNvPicPr>
+          <p:nvPr/>
+        </p:nvPicPr>
+        <p:blipFill>
+          <a:blip r:embed="rId2"/>
+          <a:stretch>
+            <a:fillRect/>
+          </a:stretch>
+        </p:blipFill>
+        <p:spPr>
+          <a:xfrm>
+            <a:off x="5820753" y="1988170"/>
+            <a:ext cx="2950745" cy="2213059"/>
+          </a:xfrm>
+          <a:prstGeom prst="rect">
+            <a:avLst/>
+          </a:prstGeom>
+        </p:spPr>
+      </p:pic>
     </p:spTree>
     <p:extLst>
       <p:ext uri="{BB962C8B-B14F-4D97-AF65-F5344CB8AC3E}">
-        <p14:creationId xmlns:p14="http://schemas.microsoft.com/office/powerpoint/2010/main" val="243313383"/>
+        <p14:creationId xmlns:p14="http://schemas.microsoft.com/office/powerpoint/2010/main" val="3698508949"/>
       </p:ext>
     </p:extLst>
   </p:cSld>
@@ -9510,7 +9738,7 @@
           <p:cNvPr id="2" name="Title 1">
             <a:extLst>
               <a:ext uri="{FF2B5EF4-FFF2-40B4-BE49-F238E27FC236}">
-                <a16:creationId xmlns:a16="http://schemas.microsoft.com/office/drawing/2014/main" id="{47A25CF5-9F86-4198-9EC7-93A314B8830C}"/>
+                <a16:creationId xmlns:a16="http://schemas.microsoft.com/office/drawing/2014/main" id="{DBCEBA50-942E-4DB1-B324-946FB1E82D43}"/>
               </a:ext>
             </a:extLst>
           </p:cNvPr>
@@ -9528,7 +9756,7 @@
           <a:p>
             <a:r>
               <a:rPr lang="en-US" dirty="0"/>
-              <a:t>Implementation Section</a:t>
+              <a:t>Solution Development Section</a:t>
             </a:r>
           </a:p>
         </p:txBody>
@@ -9538,7 +9766,7 @@
           <p:cNvPr id="3" name="Content Placeholder 2">
             <a:extLst>
               <a:ext uri="{FF2B5EF4-FFF2-40B4-BE49-F238E27FC236}">
-                <a16:creationId xmlns:a16="http://schemas.microsoft.com/office/drawing/2014/main" id="{D4E33461-F234-4C49-BFA0-1263FD135D72}"/>
+                <a16:creationId xmlns:a16="http://schemas.microsoft.com/office/drawing/2014/main" id="{98231205-1800-4B1A-884F-6E40D9C14D5C}"/>
               </a:ext>
             </a:extLst>
           </p:cNvPr>
@@ -9551,97 +9779,113 @@
         </p:nvSpPr>
         <p:spPr>
           <a:xfrm>
-            <a:off x="462456" y="1529067"/>
-            <a:ext cx="8681544" cy="4614052"/>
+            <a:off x="428263" y="1448100"/>
+            <a:ext cx="8379147" cy="4722425"/>
           </a:xfrm>
         </p:spPr>
         <p:txBody>
           <a:bodyPr>
-            <a:normAutofit lnSpcReduction="10000"/>
+            <a:normAutofit/>
           </a:bodyPr>
           <a:lstStyle/>
           <a:p>
-            <a:pPr marL="0" indent="0">
+            <a:pPr>
               <a:lnSpc>
                 <a:spcPct val="150000"/>
               </a:lnSpc>
-              <a:buNone/>
             </a:pPr>
             <a:r>
-              <a:rPr lang="en-US" sz="1700" dirty="0"/>
-              <a:t>The team has 500 words maximum to describe how their solution will be implemented, what factors they considered (cost, materials, manufacturing, market research), how they determined feasibility, their marketing plan, whether or not they will get a provisional patent, and would they consider getting a full patent for their solution.</a:t>
-            </a:r>
-          </a:p>
-          <a:p>
-            <a:pPr marL="578358" lvl="1" indent="-285750">
+              <a:rPr lang="en-US" sz="1400" dirty="0"/>
+              <a:t>The team has 500 words maximum to describe how they developed their solution, the steps they followed to narrow, evaluate, and verify their solution; and how they improved their solution after receiving feedback from experts/professionals. This is where we really recommend using the scientific method as the frame for the description. Include the following:</a:t>
+            </a:r>
+          </a:p>
+          <a:p>
+            <a:pPr marL="521208" lvl="1" indent="-228600">
               <a:lnSpc>
                 <a:spcPct val="150000"/>
               </a:lnSpc>
-              <a:buFont typeface="Arial" panose="020B0604020202020204" pitchFamily="34" charset="0"/>
-              <a:buChar char="•"/>
+              <a:buFont typeface="+mj-lt"/>
+              <a:buAutoNum type="arabicPeriod"/>
             </a:pPr>
             <a:r>
-              <a:rPr lang="en-US" sz="1500" dirty="0"/>
-              <a:t>We recommend, once the team determines the cost of their solution, asking experts/professionals who could use the solution what they think of the cost, whether it’s too expensive or if it is worth the cost or if they would buy it.</a:t>
-            </a:r>
-          </a:p>
-          <a:p>
-            <a:pPr marL="578358" lvl="1" indent="-285750">
+              <a:rPr lang="en-US" sz="1200" dirty="0"/>
+              <a:t>The problem							</a:t>
+            </a:r>
+          </a:p>
+          <a:p>
+            <a:pPr marL="521208" lvl="1" indent="-228600">
               <a:lnSpc>
                 <a:spcPct val="150000"/>
               </a:lnSpc>
-              <a:buFont typeface="Arial" panose="020B0604020202020204" pitchFamily="34" charset="0"/>
-              <a:buChar char="•"/>
+              <a:buFont typeface="+mj-lt"/>
+              <a:buAutoNum type="arabicPeriod"/>
             </a:pPr>
             <a:r>
-              <a:rPr lang="en-US" sz="1500" dirty="0"/>
-              <a:t>Discuss as a team who the target market (customers) would be and research.</a:t>
-            </a:r>
-          </a:p>
-          <a:p>
-            <a:pPr marL="578358" lvl="1" indent="-285750">
+              <a:rPr lang="en-US" sz="1200" dirty="0"/>
+              <a:t>How the team researched the problem and existing solutions</a:t>
+            </a:r>
+          </a:p>
+          <a:p>
+            <a:pPr marL="521208" lvl="1" indent="-228600">
               <a:lnSpc>
                 <a:spcPct val="150000"/>
               </a:lnSpc>
-              <a:buFont typeface="Arial" panose="020B0604020202020204" pitchFamily="34" charset="0"/>
-              <a:buChar char="•"/>
+              <a:buFont typeface="+mj-lt"/>
+              <a:buAutoNum type="arabicPeriod"/>
             </a:pPr>
             <a:r>
-              <a:rPr lang="en-US" sz="1500" dirty="0"/>
-              <a:t>Research and/or speak with experts/professionals in manufacturing, marketing, and patents.</a:t>
-            </a:r>
-          </a:p>
-          <a:p>
-            <a:pPr marL="578358" lvl="1" indent="-285750">
+              <a:rPr lang="en-US" sz="1200" dirty="0"/>
+              <a:t>The hypothesis</a:t>
+            </a:r>
+          </a:p>
+          <a:p>
+            <a:pPr marL="521208" lvl="1" indent="-228600">
               <a:lnSpc>
                 <a:spcPct val="150000"/>
               </a:lnSpc>
-              <a:buFont typeface="Arial" panose="020B0604020202020204" pitchFamily="34" charset="0"/>
-              <a:buChar char="•"/>
+              <a:buFont typeface="+mj-lt"/>
+              <a:buAutoNum type="arabicPeriod"/>
             </a:pPr>
             <a:r>
-              <a:rPr lang="en-US" sz="1500" dirty="0"/>
-              <a:t>Research the difference between provisional patents and patents. </a:t>
-            </a:r>
-          </a:p>
-          <a:p>
-            <a:pPr marL="578358" lvl="1" indent="-285750">
+              <a:rPr lang="en-US" sz="1200" dirty="0"/>
+              <a:t>How the team built and modified their prototypes</a:t>
+            </a:r>
+          </a:p>
+          <a:p>
+            <a:pPr marL="521208" lvl="1" indent="-228600">
               <a:lnSpc>
                 <a:spcPct val="150000"/>
               </a:lnSpc>
-              <a:buFont typeface="Arial" panose="020B0604020202020204" pitchFamily="34" charset="0"/>
-              <a:buChar char="•"/>
+              <a:buFont typeface="+mj-lt"/>
+              <a:buAutoNum type="arabicPeriod"/>
             </a:pPr>
             <a:r>
-              <a:rPr lang="en-US" sz="1500" dirty="0"/>
-              <a:t>Learn about how to apply for provisional patents and patents.</a:t>
-            </a:r>
-          </a:p>
-          <a:p>
-            <a:pPr marL="0" indent="0">
-              <a:buNone/>
+              <a:rPr lang="en-US" sz="1200" dirty="0"/>
+              <a:t>How the team tested their prototype(s) and hypothesis by experimenting</a:t>
+            </a:r>
+          </a:p>
+          <a:p>
+            <a:pPr marL="521208" lvl="1" indent="-228600">
+              <a:lnSpc>
+                <a:spcPct val="150000"/>
+              </a:lnSpc>
+              <a:buFont typeface="+mj-lt"/>
+              <a:buAutoNum type="arabicPeriod"/>
             </a:pPr>
-            <a:endParaRPr lang="en-US" dirty="0"/>
+            <a:r>
+              <a:rPr lang="en-US" sz="1200" dirty="0"/>
+              <a:t>What the team plans on doing next to improve their solution</a:t>
+            </a:r>
+          </a:p>
+          <a:p>
+            <a:pPr>
+              <a:lnSpc>
+                <a:spcPct val="150000"/>
+              </a:lnSpc>
+              <a:buFont typeface="Wingdings" panose="05000000000000000000" pitchFamily="2" charset="2"/>
+              <a:buChar char="§"/>
+            </a:pPr>
+            <a:endParaRPr lang="en-US" sz="1200" dirty="0"/>
           </a:p>
         </p:txBody>
       </p:sp>
@@ -9650,7 +9894,7 @@
           <p:cNvPr id="4" name="Footer Placeholder 3">
             <a:extLst>
               <a:ext uri="{FF2B5EF4-FFF2-40B4-BE49-F238E27FC236}">
-                <a16:creationId xmlns:a16="http://schemas.microsoft.com/office/drawing/2014/main" id="{D5E1D59F-36BD-488D-A776-C7FF8414F571}"/>
+                <a16:creationId xmlns:a16="http://schemas.microsoft.com/office/drawing/2014/main" id="{2E15989E-ECDE-45CD-B39F-7F4FD73F5425}"/>
               </a:ext>
             </a:extLst>
           </p:cNvPr>
@@ -9668,7 +9912,7 @@
           <a:p>
             <a:r>
               <a:rPr lang="en-US"/>
-              <a:t>© 2018, FLL Tutorials (Last Edit 6/11/2018)</a:t>
+              <a:t>© 2023, FLLTutorials.com (Last Edit 5/29/2023)</a:t>
             </a:r>
             <a:endParaRPr lang="en-US" dirty="0"/>
           </a:p>
@@ -9679,7 +9923,7 @@
           <p:cNvPr id="5" name="Slide Number Placeholder 4">
             <a:extLst>
               <a:ext uri="{FF2B5EF4-FFF2-40B4-BE49-F238E27FC236}">
-                <a16:creationId xmlns:a16="http://schemas.microsoft.com/office/drawing/2014/main" id="{F4A53D64-940D-4DFF-841B-B20659DF83DB}"/>
+                <a16:creationId xmlns:a16="http://schemas.microsoft.com/office/drawing/2014/main" id="{CCD6C2E4-F37A-4435-A7B0-41D792B4034A}"/>
               </a:ext>
             </a:extLst>
           </p:cNvPr>
@@ -9703,15 +9947,76 @@
           </a:p>
         </p:txBody>
       </p:sp>
-      <p:sp>
-        <p:nvSpPr>
-          <p:cNvPr id="6" name="Rectangle 5"/>
+      <p:pic>
+        <p:nvPicPr>
+          <p:cNvPr id="6" name="Picture 5"/>
+          <p:cNvPicPr>
+            <a:picLocks noChangeAspect="1"/>
+          </p:cNvPicPr>
+          <p:nvPr/>
+        </p:nvPicPr>
+        <p:blipFill>
+          <a:blip r:embed="rId2"/>
+          <a:stretch>
+            <a:fillRect/>
+          </a:stretch>
+        </p:blipFill>
+        <p:spPr>
+          <a:xfrm>
+            <a:off x="6063482" y="3104675"/>
+            <a:ext cx="2848100" cy="2136075"/>
+          </a:xfrm>
+          <a:prstGeom prst="rect">
+            <a:avLst/>
+          </a:prstGeom>
+        </p:spPr>
+      </p:pic>
+      <p:sp>
+        <p:nvSpPr>
+          <p:cNvPr id="7" name="TextBox 6"/>
+          <p:cNvSpPr txBox="1"/>
+          <p:nvPr/>
+        </p:nvSpPr>
+        <p:spPr>
+          <a:xfrm>
+            <a:off x="428263" y="5907289"/>
+            <a:ext cx="8715737" cy="400110"/>
+          </a:xfrm>
+          <a:prstGeom prst="rect">
+            <a:avLst/>
+          </a:prstGeom>
+          <a:noFill/>
+        </p:spPr>
+        <p:txBody>
+          <a:bodyPr wrap="square" rtlCol="0">
+            <a:spAutoFit/>
+          </a:bodyPr>
+          <a:lstStyle/>
+          <a:p>
+            <a:r>
+              <a:rPr lang="en-US" sz="1000" dirty="0"/>
+              <a:t>Image Credit: https://</a:t>
+            </a:r>
+            <a:r>
+              <a:rPr lang="en-US" sz="1000" dirty="0" err="1"/>
+              <a:t>garrettcountyschools.org</a:t>
+            </a:r>
+            <a:r>
+              <a:rPr lang="en-US" sz="1000" dirty="0"/>
+              <a:t>/public-information/news/2017/05/local-youth-recognized-for-innovation-as-first-lego-league-global-innovation-award-presented-by-xprize-semi-finalist</a:t>
+            </a:r>
+          </a:p>
+        </p:txBody>
+      </p:sp>
+      <p:sp>
+        <p:nvSpPr>
+          <p:cNvPr id="8" name="Rectangle 7"/>
           <p:cNvSpPr/>
           <p:nvPr/>
         </p:nvSpPr>
         <p:spPr>
           <a:xfrm>
-            <a:off x="7035444" y="5580216"/>
+            <a:off x="7018980" y="5335690"/>
             <a:ext cx="2002420" cy="590309"/>
           </a:xfrm>
           <a:prstGeom prst="rect">
@@ -9747,7 +10052,7 @@
             <a:pPr algn="ctr"/>
             <a:r>
               <a:rPr lang="en-US" dirty="0"/>
-              <a:t>Implementation</a:t>
+              <a:t>Solution Development</a:t>
             </a:r>
           </a:p>
         </p:txBody>
@@ -9755,7 +10060,7 @@
     </p:spTree>
     <p:extLst>
       <p:ext uri="{BB962C8B-B14F-4D97-AF65-F5344CB8AC3E}">
-        <p14:creationId xmlns:p14="http://schemas.microsoft.com/office/powerpoint/2010/main" val="559164193"/>
+        <p14:creationId xmlns:p14="http://schemas.microsoft.com/office/powerpoint/2010/main" val="243313383"/>
       </p:ext>
     </p:extLst>
   </p:cSld>
@@ -9787,7 +10092,7 @@
           <p:cNvPr id="2" name="Title 1">
             <a:extLst>
               <a:ext uri="{FF2B5EF4-FFF2-40B4-BE49-F238E27FC236}">
-                <a16:creationId xmlns:a16="http://schemas.microsoft.com/office/drawing/2014/main" id="{07A36CC2-C84E-4916-AFE7-BB5B383DF5B6}"/>
+                <a16:creationId xmlns:a16="http://schemas.microsoft.com/office/drawing/2014/main" id="{47A25CF5-9F86-4198-9EC7-93A314B8830C}"/>
               </a:ext>
             </a:extLst>
           </p:cNvPr>
@@ -9805,7 +10110,7 @@
           <a:p>
             <a:r>
               <a:rPr lang="en-US" dirty="0"/>
-              <a:t>Public Website Sections</a:t>
+              <a:t>Implementation Section</a:t>
             </a:r>
           </a:p>
         </p:txBody>
@@ -9815,7 +10120,7 @@
           <p:cNvPr id="3" name="Content Placeholder 2">
             <a:extLst>
               <a:ext uri="{FF2B5EF4-FFF2-40B4-BE49-F238E27FC236}">
-                <a16:creationId xmlns:a16="http://schemas.microsoft.com/office/drawing/2014/main" id="{7F6C7466-3F26-4FA1-9E5D-A4EF3FD6186C}"/>
+                <a16:creationId xmlns:a16="http://schemas.microsoft.com/office/drawing/2014/main" id="{D4E33461-F234-4C49-BFA0-1263FD135D72}"/>
               </a:ext>
             </a:extLst>
           </p:cNvPr>
@@ -9828,25 +10133,97 @@
         </p:nvSpPr>
         <p:spPr>
           <a:xfrm>
-            <a:off x="348895" y="1463510"/>
-            <a:ext cx="5522453" cy="1513168"/>
+            <a:off x="462456" y="1529067"/>
+            <a:ext cx="8681544" cy="4614052"/>
           </a:xfrm>
         </p:spPr>
         <p:txBody>
           <a:bodyPr>
-            <a:normAutofit/>
+            <a:normAutofit lnSpcReduction="10000"/>
           </a:bodyPr>
           <a:lstStyle/>
           <a:p>
-            <a:pPr>
+            <a:pPr marL="0" indent="0">
               <a:lnSpc>
                 <a:spcPct val="150000"/>
               </a:lnSpc>
+              <a:buNone/>
             </a:pPr>
             <a:r>
-              <a:rPr lang="en-US" sz="1600" dirty="0"/>
-              <a:t>As part of the application, teams create descriptions that will not be evaluated by the judges. The descriptions of the 20 semi-finalists are published on the FIRST LEGO League Global Innovation Award website</a:t>
-            </a:r>
+              <a:rPr lang="en-US" sz="1700" dirty="0"/>
+              <a:t>The team has 500 words maximum to describe how their solution will be implemented, what factors they considered (cost, materials, manufacturing, market research), how they determined feasibility, their marketing plan, whether or not they will get a provisional patent, and would they consider getting a full patent for their solution.</a:t>
+            </a:r>
+          </a:p>
+          <a:p>
+            <a:pPr marL="578358" lvl="1" indent="-285750">
+              <a:lnSpc>
+                <a:spcPct val="150000"/>
+              </a:lnSpc>
+              <a:buFont typeface="Arial" panose="020B0604020202020204" pitchFamily="34" charset="0"/>
+              <a:buChar char="•"/>
+            </a:pPr>
+            <a:r>
+              <a:rPr lang="en-US" sz="1500" dirty="0"/>
+              <a:t>We recommend, once the team determines the cost of their solution, asking experts/professionals who could use the solution what they think of the cost, whether it’s too expensive or if it is worth the cost or if they would buy it.</a:t>
+            </a:r>
+          </a:p>
+          <a:p>
+            <a:pPr marL="578358" lvl="1" indent="-285750">
+              <a:lnSpc>
+                <a:spcPct val="150000"/>
+              </a:lnSpc>
+              <a:buFont typeface="Arial" panose="020B0604020202020204" pitchFamily="34" charset="0"/>
+              <a:buChar char="•"/>
+            </a:pPr>
+            <a:r>
+              <a:rPr lang="en-US" sz="1500" dirty="0"/>
+              <a:t>Discuss as a team who the target market (customers) would be and research.</a:t>
+            </a:r>
+          </a:p>
+          <a:p>
+            <a:pPr marL="578358" lvl="1" indent="-285750">
+              <a:lnSpc>
+                <a:spcPct val="150000"/>
+              </a:lnSpc>
+              <a:buFont typeface="Arial" panose="020B0604020202020204" pitchFamily="34" charset="0"/>
+              <a:buChar char="•"/>
+            </a:pPr>
+            <a:r>
+              <a:rPr lang="en-US" sz="1500" dirty="0"/>
+              <a:t>Research and/or speak with experts/professionals in manufacturing, marketing, and patents.</a:t>
+            </a:r>
+          </a:p>
+          <a:p>
+            <a:pPr marL="578358" lvl="1" indent="-285750">
+              <a:lnSpc>
+                <a:spcPct val="150000"/>
+              </a:lnSpc>
+              <a:buFont typeface="Arial" panose="020B0604020202020204" pitchFamily="34" charset="0"/>
+              <a:buChar char="•"/>
+            </a:pPr>
+            <a:r>
+              <a:rPr lang="en-US" sz="1500" dirty="0"/>
+              <a:t>Research the difference between provisional patents and patents. </a:t>
+            </a:r>
+          </a:p>
+          <a:p>
+            <a:pPr marL="578358" lvl="1" indent="-285750">
+              <a:lnSpc>
+                <a:spcPct val="150000"/>
+              </a:lnSpc>
+              <a:buFont typeface="Arial" panose="020B0604020202020204" pitchFamily="34" charset="0"/>
+              <a:buChar char="•"/>
+            </a:pPr>
+            <a:r>
+              <a:rPr lang="en-US" sz="1500" dirty="0"/>
+              <a:t>Learn about how to apply for provisional patents and patents.</a:t>
+            </a:r>
+          </a:p>
+          <a:p>
+            <a:pPr marL="0" indent="0">
+              <a:buNone/>
+            </a:pPr>
+            <a:endParaRPr lang="en-US" dirty="0"/>
           </a:p>
         </p:txBody>
       </p:sp>
@@ -9855,7 +10232,7 @@
           <p:cNvPr id="4" name="Footer Placeholder 3">
             <a:extLst>
               <a:ext uri="{FF2B5EF4-FFF2-40B4-BE49-F238E27FC236}">
-                <a16:creationId xmlns:a16="http://schemas.microsoft.com/office/drawing/2014/main" id="{E6544574-9390-49C1-AA1C-7CA937955DB2}"/>
+                <a16:creationId xmlns:a16="http://schemas.microsoft.com/office/drawing/2014/main" id="{D5E1D59F-36BD-488D-A776-C7FF8414F571}"/>
               </a:ext>
             </a:extLst>
           </p:cNvPr>
@@ -9873,7 +10250,7 @@
           <a:p>
             <a:r>
               <a:rPr lang="en-US"/>
-              <a:t>© 2018, FLL Tutorials (Last Edit 6/11/2018)</a:t>
+              <a:t>© 2023, FLLTutorials.com (Last Edit 5/29/2023)</a:t>
             </a:r>
             <a:endParaRPr lang="en-US" dirty="0"/>
           </a:p>
@@ -9884,7 +10261,7 @@
           <p:cNvPr id="5" name="Slide Number Placeholder 4">
             <a:extLst>
               <a:ext uri="{FF2B5EF4-FFF2-40B4-BE49-F238E27FC236}">
-                <a16:creationId xmlns:a16="http://schemas.microsoft.com/office/drawing/2014/main" id="{829BAB7C-EDCC-4247-B5C4-0EC8AADEC359}"/>
+                <a16:creationId xmlns:a16="http://schemas.microsoft.com/office/drawing/2014/main" id="{F4A53D64-940D-4DFF-841B-B20659DF83DB}"/>
               </a:ext>
             </a:extLst>
           </p:cNvPr>
@@ -9908,140 +10285,22 @@
           </a:p>
         </p:txBody>
       </p:sp>
-      <p:pic>
-        <p:nvPicPr>
-          <p:cNvPr id="6" name="Picture 5">
-            <a:extLst>
-              <a:ext uri="{FF2B5EF4-FFF2-40B4-BE49-F238E27FC236}">
-                <a16:creationId xmlns:a16="http://schemas.microsoft.com/office/drawing/2014/main" id="{F3B0337C-14F0-4454-BEAF-8E850F5216D1}"/>
-              </a:ext>
-            </a:extLst>
-          </p:cNvPr>
-          <p:cNvPicPr>
-            <a:picLocks noChangeAspect="1"/>
-          </p:cNvPicPr>
-          <p:nvPr/>
-        </p:nvPicPr>
-        <p:blipFill>
-          <a:blip r:embed="rId2"/>
-          <a:stretch>
-            <a:fillRect/>
-          </a:stretch>
-        </p:blipFill>
-        <p:spPr>
-          <a:xfrm>
-            <a:off x="5969123" y="1639674"/>
-            <a:ext cx="2912441" cy="1638248"/>
-          </a:xfrm>
-          <a:prstGeom prst="rect">
-            <a:avLst/>
-          </a:prstGeom>
-        </p:spPr>
-      </p:pic>
-      <p:sp>
-        <p:nvSpPr>
-          <p:cNvPr id="7" name="TextBox 6"/>
-          <p:cNvSpPr txBox="1"/>
-          <p:nvPr/>
-        </p:nvSpPr>
-        <p:spPr>
-          <a:xfrm>
-            <a:off x="348895" y="3332081"/>
-            <a:ext cx="8681543" cy="2446824"/>
-          </a:xfrm>
-          <a:prstGeom prst="rect">
-            <a:avLst/>
-          </a:prstGeom>
-          <a:noFill/>
-        </p:spPr>
-        <p:txBody>
-          <a:bodyPr wrap="square" rtlCol="0">
-            <a:spAutoFit/>
-          </a:bodyPr>
-          <a:lstStyle/>
-          <a:p>
-            <a:pPr>
-              <a:lnSpc>
-                <a:spcPct val="150000"/>
-              </a:lnSpc>
-            </a:pPr>
-            <a:r>
-              <a:rPr lang="en-US" sz="1600" b="1" dirty="0">
-                <a:solidFill>
-                  <a:srgbClr val="FF0000"/>
-                </a:solidFill>
-              </a:rPr>
-              <a:t>Team Description: </a:t>
-            </a:r>
-            <a:r>
-              <a:rPr lang="en-US" sz="1600" dirty="0"/>
-              <a:t>Brief description of your team, no personal information (500 words max)</a:t>
-            </a:r>
-          </a:p>
-          <a:p>
-            <a:pPr marL="201168" lvl="1" indent="0">
-              <a:lnSpc>
-                <a:spcPct val="150000"/>
-              </a:lnSpc>
-              <a:buNone/>
-            </a:pPr>
-            <a:r>
-              <a:rPr lang="en-US" sz="1400" dirty="0"/>
-              <a:t>Write a description of the team, where they’re from, what they’ve done as a team this season, what they enjoy about FLL, really anything about the team they want to share with others. </a:t>
-            </a:r>
-          </a:p>
-          <a:p>
-            <a:pPr>
-              <a:lnSpc>
-                <a:spcPct val="150000"/>
-              </a:lnSpc>
-            </a:pPr>
-            <a:r>
-              <a:rPr lang="en-US" sz="1600" b="1" dirty="0">
-                <a:solidFill>
-                  <a:srgbClr val="FF0000"/>
-                </a:solidFill>
-              </a:rPr>
-              <a:t>Public Innovative Solution: </a:t>
-            </a:r>
-            <a:r>
-              <a:rPr lang="en-US" sz="1600" dirty="0"/>
-              <a:t>Description of the problem and how your innovative solution solves it (300 words max)</a:t>
-            </a:r>
-          </a:p>
-          <a:p>
-            <a:pPr marL="201168" lvl="1" indent="0">
-              <a:lnSpc>
-                <a:spcPct val="150000"/>
-              </a:lnSpc>
-              <a:buNone/>
-            </a:pPr>
-            <a:r>
-              <a:rPr lang="en-US" sz="1400" dirty="0"/>
-              <a:t>Briefly describe the problem, why they chose it, what their solution is, and how it solves the problem. </a:t>
-            </a:r>
-          </a:p>
-          <a:p>
-            <a:endParaRPr lang="en-US" dirty="0"/>
-          </a:p>
-        </p:txBody>
-      </p:sp>
-      <p:sp>
-        <p:nvSpPr>
-          <p:cNvPr id="8" name="Rectangle 7"/>
+      <p:sp>
+        <p:nvSpPr>
+          <p:cNvPr id="6" name="Rectangle 5"/>
           <p:cNvSpPr/>
           <p:nvPr/>
         </p:nvSpPr>
         <p:spPr>
           <a:xfrm>
-            <a:off x="4863745" y="5580217"/>
+            <a:off x="7035444" y="5580216"/>
             <a:ext cx="2002420" cy="590309"/>
           </a:xfrm>
           <a:prstGeom prst="rect">
             <a:avLst/>
           </a:prstGeom>
           <a:solidFill>
-            <a:srgbClr val="652C90"/>
+            <a:srgbClr val="24CF39"/>
           </a:solidFill>
           <a:ln>
             <a:noFill/>
@@ -10070,56 +10329,7 @@
             <a:pPr algn="ctr"/>
             <a:r>
               <a:rPr lang="en-US" dirty="0"/>
-              <a:t>Team Description</a:t>
-            </a:r>
-          </a:p>
-        </p:txBody>
-      </p:sp>
-      <p:sp>
-        <p:nvSpPr>
-          <p:cNvPr id="9" name="Rectangle 8"/>
-          <p:cNvSpPr/>
-          <p:nvPr/>
-        </p:nvSpPr>
-        <p:spPr>
-          <a:xfrm>
-            <a:off x="6981913" y="5580216"/>
-            <a:ext cx="2002420" cy="590309"/>
-          </a:xfrm>
-          <a:prstGeom prst="rect">
-            <a:avLst/>
-          </a:prstGeom>
-          <a:solidFill>
-            <a:srgbClr val="652C90"/>
-          </a:solidFill>
-          <a:ln>
-            <a:noFill/>
-          </a:ln>
-        </p:spPr>
-        <p:style>
-          <a:lnRef idx="2">
-            <a:schemeClr val="accent1">
-              <a:shade val="50000"/>
-            </a:schemeClr>
-          </a:lnRef>
-          <a:fillRef idx="1">
-            <a:schemeClr val="accent1"/>
-          </a:fillRef>
-          <a:effectRef idx="0">
-            <a:schemeClr val="accent1"/>
-          </a:effectRef>
-          <a:fontRef idx="minor">
-            <a:schemeClr val="lt1"/>
-          </a:fontRef>
-        </p:style>
-        <p:txBody>
-          <a:bodyPr rtlCol="0" anchor="ctr"/>
-          <a:lstStyle/>
-          <a:p>
-            <a:pPr algn="ctr"/>
-            <a:r>
-              <a:rPr lang="en-US" dirty="0"/>
-              <a:t>Innovative Solution</a:t>
+              <a:t>Implementation</a:t>
             </a:r>
           </a:p>
         </p:txBody>
@@ -10127,7 +10337,7 @@
     </p:spTree>
     <p:extLst>
       <p:ext uri="{BB962C8B-B14F-4D97-AF65-F5344CB8AC3E}">
-        <p14:creationId xmlns:p14="http://schemas.microsoft.com/office/powerpoint/2010/main" val="1605715982"/>
+        <p14:creationId xmlns:p14="http://schemas.microsoft.com/office/powerpoint/2010/main" val="559164193"/>
       </p:ext>
     </p:extLst>
   </p:cSld>
@@ -10159,7 +10369,7 @@
           <p:cNvPr id="2" name="Title 1">
             <a:extLst>
               <a:ext uri="{FF2B5EF4-FFF2-40B4-BE49-F238E27FC236}">
-                <a16:creationId xmlns:a16="http://schemas.microsoft.com/office/drawing/2014/main" id="{18C6B2D6-210B-4784-BA87-0E92F3C174FB}"/>
+                <a16:creationId xmlns:a16="http://schemas.microsoft.com/office/drawing/2014/main" id="{07A36CC2-C84E-4916-AFE7-BB5B383DF5B6}"/>
               </a:ext>
             </a:extLst>
           </p:cNvPr>
@@ -10177,7 +10387,7 @@
           <a:p>
             <a:r>
               <a:rPr lang="en-US" dirty="0"/>
-              <a:t>Understanding the GIA Rubric</a:t>
+              <a:t>Public Website Sections</a:t>
             </a:r>
           </a:p>
         </p:txBody>
@@ -10187,7 +10397,7 @@
           <p:cNvPr id="3" name="Content Placeholder 2">
             <a:extLst>
               <a:ext uri="{FF2B5EF4-FFF2-40B4-BE49-F238E27FC236}">
-                <a16:creationId xmlns:a16="http://schemas.microsoft.com/office/drawing/2014/main" id="{48E36AA5-28E3-4749-9659-61530C4E2F6E}"/>
+                <a16:creationId xmlns:a16="http://schemas.microsoft.com/office/drawing/2014/main" id="{7F6C7466-3F26-4FA1-9E5D-A4EF3FD6186C}"/>
               </a:ext>
             </a:extLst>
           </p:cNvPr>
@@ -10200,13 +10410,13 @@
         </p:nvSpPr>
         <p:spPr>
           <a:xfrm>
-            <a:off x="341752" y="1487730"/>
-            <a:ext cx="4874271" cy="4023360"/>
+            <a:off x="348895" y="1463510"/>
+            <a:ext cx="5522453" cy="1513168"/>
           </a:xfrm>
         </p:spPr>
         <p:txBody>
           <a:bodyPr>
-            <a:noAutofit/>
+            <a:normAutofit/>
           </a:bodyPr>
           <a:lstStyle/>
           <a:p>
@@ -10216,71 +10426,9 @@
               </a:lnSpc>
             </a:pPr>
             <a:r>
-              <a:rPr lang="en-US" sz="1800" b="1" dirty="0">
-                <a:solidFill>
-                  <a:srgbClr val="FF0000"/>
-                </a:solidFill>
-              </a:rPr>
-              <a:t>Problem Identification: </a:t>
-            </a:r>
-            <a:r>
-              <a:rPr lang="en-US" sz="1400" dirty="0"/>
-              <a:t>The team has to clearly explain the problem they chose to solve. However, it must be detailed enough to understand why it is a problem.</a:t>
-            </a:r>
-          </a:p>
-          <a:p>
-            <a:pPr>
-              <a:lnSpc>
-                <a:spcPct val="150000"/>
-              </a:lnSpc>
-            </a:pPr>
-            <a:r>
-              <a:rPr lang="en-US" sz="1800" b="1" dirty="0">
-                <a:solidFill>
-                  <a:srgbClr val="00B050"/>
-                </a:solidFill>
-              </a:rPr>
-              <a:t>Innovation:</a:t>
-            </a:r>
-            <a:r>
-              <a:rPr lang="en-US" sz="1800" b="1" dirty="0">
-                <a:solidFill>
-                  <a:srgbClr val="FF0000"/>
-                </a:solidFill>
-              </a:rPr>
-              <a:t> </a:t>
-            </a:r>
-            <a:r>
-              <a:rPr lang="en-US" sz="1400" dirty="0"/>
-              <a:t>The team needs to explain why their solution is original, innovative, and will have a large impact on others.</a:t>
-            </a:r>
-          </a:p>
-          <a:p>
-            <a:pPr>
-              <a:lnSpc>
-                <a:spcPct val="150000"/>
-              </a:lnSpc>
-            </a:pPr>
-            <a:r>
-              <a:rPr lang="en-US" sz="1700" b="1" dirty="0">
-                <a:solidFill>
-                  <a:srgbClr val="0070C0"/>
-                </a:solidFill>
-              </a:rPr>
-              <a:t>Solution Development: </a:t>
-            </a:r>
-            <a:r>
-              <a:rPr lang="en-US" sz="1300" dirty="0"/>
-              <a:t>The team needs to know the entire process of how the solution was developed, how they took into consideration experts/professionals’ feedback and used it to improve their solution, how they’ve tested the solution, why the solution is better than existing solutions, and if the solution is more expensive than existing solutions why it is worth the extra expense.</a:t>
-            </a:r>
-          </a:p>
-          <a:p>
-            <a:pPr>
-              <a:lnSpc>
-                <a:spcPct val="150000"/>
-              </a:lnSpc>
-            </a:pPr>
-            <a:endParaRPr lang="en-US" sz="1400" dirty="0"/>
+              <a:rPr lang="en-US" sz="1600" dirty="0"/>
+              <a:t>As part of the application, teams create descriptions that will not be evaluated by the judges. The descriptions of the 20 semi-finalists are published on the FIRST LEGO League Global Innovation Award website</a:t>
+            </a:r>
           </a:p>
         </p:txBody>
       </p:sp>
@@ -10289,7 +10437,7 @@
           <p:cNvPr id="4" name="Footer Placeholder 3">
             <a:extLst>
               <a:ext uri="{FF2B5EF4-FFF2-40B4-BE49-F238E27FC236}">
-                <a16:creationId xmlns:a16="http://schemas.microsoft.com/office/drawing/2014/main" id="{63C17151-E14B-42D6-B396-8A67316B7A7A}"/>
+                <a16:creationId xmlns:a16="http://schemas.microsoft.com/office/drawing/2014/main" id="{E6544574-9390-49C1-AA1C-7CA937955DB2}"/>
               </a:ext>
             </a:extLst>
           </p:cNvPr>
@@ -10307,7 +10455,7 @@
           <a:p>
             <a:r>
               <a:rPr lang="en-US"/>
-              <a:t>© 2018, FLL Tutorials (Last Edit 6/11/2018)</a:t>
+              <a:t>© 2023, FLLTutorials.com (Last Edit 5/29/2023)</a:t>
             </a:r>
             <a:endParaRPr lang="en-US" dirty="0"/>
           </a:p>
@@ -10318,7 +10466,7 @@
           <p:cNvPr id="5" name="Slide Number Placeholder 4">
             <a:extLst>
               <a:ext uri="{FF2B5EF4-FFF2-40B4-BE49-F238E27FC236}">
-                <a16:creationId xmlns:a16="http://schemas.microsoft.com/office/drawing/2014/main" id="{D2017726-AD16-4226-8A68-94C4EBD8825D}"/>
+                <a16:creationId xmlns:a16="http://schemas.microsoft.com/office/drawing/2014/main" id="{829BAB7C-EDCC-4247-B5C4-0EC8AADEC359}"/>
               </a:ext>
             </a:extLst>
           </p:cNvPr>
@@ -10344,67 +10492,141 @@
       </p:sp>
       <p:pic>
         <p:nvPicPr>
-          <p:cNvPr id="8" name="Picture 7"/>
+          <p:cNvPr id="6" name="Picture 5">
+            <a:extLst>
+              <a:ext uri="{FF2B5EF4-FFF2-40B4-BE49-F238E27FC236}">
+                <a16:creationId xmlns:a16="http://schemas.microsoft.com/office/drawing/2014/main" id="{F3B0337C-14F0-4454-BEAF-8E850F5216D1}"/>
+              </a:ext>
+            </a:extLst>
+          </p:cNvPr>
           <p:cNvPicPr>
             <a:picLocks noChangeAspect="1"/>
           </p:cNvPicPr>
           <p:nvPr/>
         </p:nvPicPr>
         <p:blipFill>
-          <a:blip r:embed="rId2">
-            <a:extLst>
-              <a:ext uri="{28A0092B-C50C-407E-A947-70E740481C1C}">
-                <a14:useLocalDpi xmlns:a14="http://schemas.microsoft.com/office/drawing/2010/main" val="0"/>
-              </a:ext>
-            </a:extLst>
-          </a:blip>
+          <a:blip r:embed="rId2"/>
           <a:stretch>
             <a:fillRect/>
           </a:stretch>
         </p:blipFill>
         <p:spPr>
           <a:xfrm>
-            <a:off x="5430608" y="1873340"/>
-            <a:ext cx="3083249" cy="3995754"/>
+            <a:off x="5969123" y="1639674"/>
+            <a:ext cx="2912441" cy="1638248"/>
           </a:xfrm>
           <a:prstGeom prst="rect">
             <a:avLst/>
           </a:prstGeom>
-          <a:ln w="38100" cap="sq">
-            <a:solidFill>
-              <a:srgbClr val="000000"/>
-            </a:solidFill>
-            <a:prstDash val="solid"/>
-            <a:miter lim="800000"/>
-          </a:ln>
-          <a:effectLst>
-            <a:outerShdw blurRad="50800" dist="38100" dir="2700000" algn="tl" rotWithShape="0">
-              <a:srgbClr val="000000">
-                <a:alpha val="43000"/>
-              </a:srgbClr>
-            </a:outerShdw>
-          </a:effectLst>
         </p:spPr>
       </p:pic>
       <p:sp>
         <p:nvSpPr>
-          <p:cNvPr id="9" name="Rectangle 8"/>
-          <p:cNvSpPr/>
+          <p:cNvPr id="7" name="TextBox 6"/>
+          <p:cNvSpPr txBox="1"/>
           <p:nvPr/>
         </p:nvSpPr>
         <p:spPr>
           <a:xfrm>
-            <a:off x="5602147" y="2963114"/>
-            <a:ext cx="625033" cy="162050"/>
+            <a:off x="348895" y="3332081"/>
+            <a:ext cx="8681543" cy="2446824"/>
           </a:xfrm>
           <a:prstGeom prst="rect">
             <a:avLst/>
           </a:prstGeom>
           <a:noFill/>
-          <a:ln w="28575">
-            <a:solidFill>
-              <a:srgbClr val="FF0000"/>
-            </a:solidFill>
+        </p:spPr>
+        <p:txBody>
+          <a:bodyPr wrap="square" rtlCol="0">
+            <a:spAutoFit/>
+          </a:bodyPr>
+          <a:lstStyle/>
+          <a:p>
+            <a:pPr>
+              <a:lnSpc>
+                <a:spcPct val="150000"/>
+              </a:lnSpc>
+            </a:pPr>
+            <a:r>
+              <a:rPr lang="en-US" sz="1600" b="1" dirty="0">
+                <a:solidFill>
+                  <a:srgbClr val="FF0000"/>
+                </a:solidFill>
+              </a:rPr>
+              <a:t>Team Description: </a:t>
+            </a:r>
+            <a:r>
+              <a:rPr lang="en-US" sz="1600" dirty="0"/>
+              <a:t>Brief description of your team, no personal information (500 words max)</a:t>
+            </a:r>
+          </a:p>
+          <a:p>
+            <a:pPr marL="201168" lvl="1" indent="0">
+              <a:lnSpc>
+                <a:spcPct val="150000"/>
+              </a:lnSpc>
+              <a:buNone/>
+            </a:pPr>
+            <a:r>
+              <a:rPr lang="en-US" sz="1400" dirty="0"/>
+              <a:t>Write a description of the team, where they’re from, what they’ve done as a team this season, what they enjoy about FLL, really anything about the team they want to share with others. </a:t>
+            </a:r>
+          </a:p>
+          <a:p>
+            <a:pPr>
+              <a:lnSpc>
+                <a:spcPct val="150000"/>
+              </a:lnSpc>
+            </a:pPr>
+            <a:r>
+              <a:rPr lang="en-US" sz="1600" b="1" dirty="0">
+                <a:solidFill>
+                  <a:srgbClr val="FF0000"/>
+                </a:solidFill>
+              </a:rPr>
+              <a:t>Public Innovative Solution: </a:t>
+            </a:r>
+            <a:r>
+              <a:rPr lang="en-US" sz="1600" dirty="0"/>
+              <a:t>Description of the problem and how your innovative solution solves it (300 words max)</a:t>
+            </a:r>
+          </a:p>
+          <a:p>
+            <a:pPr marL="201168" lvl="1" indent="0">
+              <a:lnSpc>
+                <a:spcPct val="150000"/>
+              </a:lnSpc>
+              <a:buNone/>
+            </a:pPr>
+            <a:r>
+              <a:rPr lang="en-US" sz="1400" dirty="0"/>
+              <a:t>Briefly describe the problem, why they chose it, what their solution is, and how it solves the problem. </a:t>
+            </a:r>
+          </a:p>
+          <a:p>
+            <a:endParaRPr lang="en-US" dirty="0"/>
+          </a:p>
+        </p:txBody>
+      </p:sp>
+      <p:sp>
+        <p:nvSpPr>
+          <p:cNvPr id="8" name="Rectangle 7"/>
+          <p:cNvSpPr/>
+          <p:nvPr/>
+        </p:nvSpPr>
+        <p:spPr>
+          <a:xfrm>
+            <a:off x="4863745" y="5580217"/>
+            <a:ext cx="2002420" cy="590309"/>
+          </a:xfrm>
+          <a:prstGeom prst="rect">
+            <a:avLst/>
+          </a:prstGeom>
+          <a:solidFill>
+            <a:srgbClr val="652C90"/>
+          </a:solidFill>
+          <a:ln>
+            <a:noFill/>
           </a:ln>
         </p:spPr>
         <p:style>
@@ -10428,29 +10650,32 @@
           <a:lstStyle/>
           <a:p>
             <a:pPr algn="ctr"/>
-            <a:endParaRPr lang="en-US"/>
-          </a:p>
-        </p:txBody>
-      </p:sp>
-      <p:sp>
-        <p:nvSpPr>
-          <p:cNvPr id="10" name="Rectangle 9"/>
+            <a:r>
+              <a:rPr lang="en-US" dirty="0"/>
+              <a:t>Team Description</a:t>
+            </a:r>
+          </a:p>
+        </p:txBody>
+      </p:sp>
+      <p:sp>
+        <p:nvSpPr>
+          <p:cNvPr id="9" name="Rectangle 8"/>
           <p:cNvSpPr/>
           <p:nvPr/>
         </p:nvSpPr>
         <p:spPr>
           <a:xfrm>
-            <a:off x="5604077" y="3173391"/>
-            <a:ext cx="625033" cy="138896"/>
+            <a:off x="6981913" y="5580216"/>
+            <a:ext cx="2002420" cy="590309"/>
           </a:xfrm>
           <a:prstGeom prst="rect">
             <a:avLst/>
           </a:prstGeom>
-          <a:noFill/>
-          <a:ln w="28575">
-            <a:solidFill>
-              <a:srgbClr val="00B050"/>
-            </a:solidFill>
+          <a:solidFill>
+            <a:srgbClr val="652C90"/>
+          </a:solidFill>
+          <a:ln>
+            <a:noFill/>
           </a:ln>
         </p:spPr>
         <p:style>
@@ -10474,152 +10699,17 @@
           <a:lstStyle/>
           <a:p>
             <a:pPr algn="ctr"/>
-            <a:endParaRPr lang="en-US"/>
-          </a:p>
-        </p:txBody>
-      </p:sp>
-      <p:sp>
-        <p:nvSpPr>
-          <p:cNvPr id="11" name="Rectangle 10"/>
-          <p:cNvSpPr/>
-          <p:nvPr/>
-        </p:nvSpPr>
-        <p:spPr>
-          <a:xfrm>
-            <a:off x="5606006" y="3499410"/>
-            <a:ext cx="625033" cy="150474"/>
-          </a:xfrm>
-          <a:prstGeom prst="rect">
-            <a:avLst/>
-          </a:prstGeom>
-          <a:noFill/>
-          <a:ln w="28575">
-            <a:solidFill>
-              <a:srgbClr val="0070C0"/>
-            </a:solidFill>
-          </a:ln>
-        </p:spPr>
-        <p:style>
-          <a:lnRef idx="2">
-            <a:schemeClr val="accent1">
-              <a:shade val="50000"/>
-            </a:schemeClr>
-          </a:lnRef>
-          <a:fillRef idx="1">
-            <a:schemeClr val="accent1"/>
-          </a:fillRef>
-          <a:effectRef idx="0">
-            <a:schemeClr val="accent1"/>
-          </a:effectRef>
-          <a:fontRef idx="minor">
-            <a:schemeClr val="lt1"/>
-          </a:fontRef>
-        </p:style>
-        <p:txBody>
-          <a:bodyPr rtlCol="0" anchor="ctr"/>
-          <a:lstStyle/>
-          <a:p>
-            <a:pPr algn="ctr"/>
-            <a:endParaRPr lang="en-US"/>
-          </a:p>
-        </p:txBody>
-      </p:sp>
-      <p:sp>
-        <p:nvSpPr>
-          <p:cNvPr id="12" name="Rectangle 11"/>
-          <p:cNvSpPr/>
-          <p:nvPr/>
-        </p:nvSpPr>
-        <p:spPr>
-          <a:xfrm>
-            <a:off x="5584786" y="3837002"/>
-            <a:ext cx="625033" cy="162049"/>
-          </a:xfrm>
-          <a:prstGeom prst="rect">
-            <a:avLst/>
-          </a:prstGeom>
-          <a:noFill/>
-          <a:ln w="28575">
-            <a:solidFill>
-              <a:srgbClr val="7030A0"/>
-            </a:solidFill>
-          </a:ln>
-        </p:spPr>
-        <p:style>
-          <a:lnRef idx="2">
-            <a:schemeClr val="accent1">
-              <a:shade val="50000"/>
-            </a:schemeClr>
-          </a:lnRef>
-          <a:fillRef idx="1">
-            <a:schemeClr val="accent1"/>
-          </a:fillRef>
-          <a:effectRef idx="0">
-            <a:schemeClr val="accent1"/>
-          </a:effectRef>
-          <a:fontRef idx="minor">
-            <a:schemeClr val="lt1"/>
-          </a:fontRef>
-        </p:style>
-        <p:txBody>
-          <a:bodyPr rtlCol="0" anchor="ctr"/>
-          <a:lstStyle/>
-          <a:p>
-            <a:pPr algn="ctr"/>
-            <a:endParaRPr lang="en-US"/>
-          </a:p>
-        </p:txBody>
-      </p:sp>
-      <p:sp>
-        <p:nvSpPr>
-          <p:cNvPr id="13" name="Rectangle 12"/>
-          <p:cNvSpPr/>
-          <p:nvPr/>
-        </p:nvSpPr>
-        <p:spPr>
-          <a:xfrm>
-            <a:off x="5586715" y="4197749"/>
-            <a:ext cx="625033" cy="239040"/>
-          </a:xfrm>
-          <a:prstGeom prst="rect">
-            <a:avLst/>
-          </a:prstGeom>
-          <a:noFill/>
-          <a:ln w="28575">
-            <a:solidFill>
-              <a:srgbClr val="FFC000"/>
-            </a:solidFill>
-          </a:ln>
-        </p:spPr>
-        <p:style>
-          <a:lnRef idx="2">
-            <a:schemeClr val="accent1">
-              <a:shade val="50000"/>
-            </a:schemeClr>
-          </a:lnRef>
-          <a:fillRef idx="1">
-            <a:schemeClr val="accent1"/>
-          </a:fillRef>
-          <a:effectRef idx="0">
-            <a:schemeClr val="accent1"/>
-          </a:effectRef>
-          <a:fontRef idx="minor">
-            <a:schemeClr val="lt1"/>
-          </a:fontRef>
-        </p:style>
-        <p:txBody>
-          <a:bodyPr rtlCol="0" anchor="ctr"/>
-          <a:lstStyle/>
-          <a:p>
-            <a:pPr algn="ctr"/>
-            <a:endParaRPr lang="en-US"/>
+            <a:r>
+              <a:rPr lang="en-US" dirty="0"/>
+              <a:t>Innovative Solution</a:t>
+            </a:r>
           </a:p>
         </p:txBody>
       </p:sp>
     </p:spTree>
     <p:extLst>
       <p:ext uri="{BB962C8B-B14F-4D97-AF65-F5344CB8AC3E}">
-        <p14:creationId xmlns:p14="http://schemas.microsoft.com/office/powerpoint/2010/main" val="2056416621"/>
+        <p14:creationId xmlns:p14="http://schemas.microsoft.com/office/powerpoint/2010/main" val="1605715982"/>
       </p:ext>
     </p:extLst>
   </p:cSld>
